--- a/第4章-矢量数据处理-8课时/第4章-矢量数据处理.pptx
+++ b/第4章-矢量数据处理-8课时/第4章-矢量数据处理.pptx
@@ -13,8 +13,8 @@
   </p:handoutMasterIdLst>
   <p:sldIdLst>
     <p:sldId id="2708" r:id="rId3"/>
-    <p:sldId id="2770" r:id="rId4"/>
-    <p:sldId id="2387" r:id="rId5"/>
+    <p:sldId id="2387" r:id="rId4"/>
+    <p:sldId id="2770" r:id="rId5"/>
     <p:sldId id="2447" r:id="rId6"/>
     <p:sldId id="2744" r:id="rId7"/>
     <p:sldId id="2751" r:id="rId8"/>
@@ -448,7 +448,7 @@
 <file path=ppt/revisionInfo.xml><?xml version="1.0" encoding="utf-8"?>
 <p1510:revInfo xmlns:a="http://schemas.openxmlformats.org/drawingml/2006/main" xmlns:r="http://schemas.openxmlformats.org/officeDocument/2006/relationships" xmlns:p1510="http://schemas.microsoft.com/office/powerpoint/2015/10/main">
   <p1510:revLst>
-    <p1510:client id="{F39FD8EC-B3B0-744A-BAD0-DA61AA840DC4}" v="3" dt="2023-09-24T13:56:20.041"/>
+    <p1510:client id="{BB46F696-05A3-E847-981C-1ABF183D4160}" v="2" dt="2023-08-23T11:03:00.153"/>
   </p1510:revLst>
 </p1510:revInfo>
 </file>
@@ -1553,37 +1553,6 @@
             <ac:spMk id="6" creationId="{DA984439-1B23-1931-1979-ECF8DE9D6DCA}"/>
           </ac:spMkLst>
         </pc:spChg>
-      </pc:sldChg>
-    </pc:docChg>
-  </pc:docChgLst>
-  <pc:docChgLst>
-    <pc:chgData name="Xin Luo" userId="82312ee5779919a4" providerId="LiveId" clId="{F39FD8EC-B3B0-744A-BAD0-DA61AA840DC4}"/>
-    <pc:docChg chg="custSel addSld delSld modSld">
-      <pc:chgData name="Xin Luo" userId="82312ee5779919a4" providerId="LiveId" clId="{F39FD8EC-B3B0-744A-BAD0-DA61AA840DC4}" dt="2023-09-24T13:56:24.236" v="64" actId="2696"/>
-      <pc:docMkLst>
-        <pc:docMk/>
-      </pc:docMkLst>
-      <pc:sldChg chg="modSp mod">
-        <pc:chgData name="Xin Luo" userId="82312ee5779919a4" providerId="LiveId" clId="{F39FD8EC-B3B0-744A-BAD0-DA61AA840DC4}" dt="2023-09-24T13:53:44.986" v="62" actId="313"/>
-        <pc:sldMkLst>
-          <pc:docMk/>
-          <pc:sldMk cId="782854285" sldId="2767"/>
-        </pc:sldMkLst>
-        <pc:spChg chg="mod">
-          <ac:chgData name="Xin Luo" userId="82312ee5779919a4" providerId="LiveId" clId="{F39FD8EC-B3B0-744A-BAD0-DA61AA840DC4}" dt="2023-09-24T13:53:44.986" v="62" actId="313"/>
-          <ac:spMkLst>
-            <pc:docMk/>
-            <pc:sldMk cId="782854285" sldId="2767"/>
-            <ac:spMk id="5" creationId="{78502774-B04C-634F-1396-E5815996BC36}"/>
-          </ac:spMkLst>
-        </pc:spChg>
-      </pc:sldChg>
-      <pc:sldChg chg="add del">
-        <pc:chgData name="Xin Luo" userId="82312ee5779919a4" providerId="LiveId" clId="{F39FD8EC-B3B0-744A-BAD0-DA61AA840DC4}" dt="2023-09-24T13:56:24.236" v="64" actId="2696"/>
-        <pc:sldMkLst>
-          <pc:docMk/>
-          <pc:sldMk cId="1493379628" sldId="2771"/>
-        </pc:sldMkLst>
       </pc:sldChg>
     </pc:docChg>
   </pc:docChgLst>
@@ -7123,7 +7092,7 @@
               </a14:hiddenFill>
             </a:ext>
             <a:ext uri="{FAA26D3D-D897-4be2-8F04-BA451C77F1D7}">
-              <ma14:placeholderFlag xmlns:ma14="http://schemas.microsoft.com/office/mac/drawingml/2011/main" xmlns="" val="1"/>
+              <ma14:placeholderFlag xmlns="" xmlns:ma14="http://schemas.microsoft.com/office/mac/drawingml/2011/main" val="1"/>
             </a:ext>
           </a:extLst>
         </p:spPr>
@@ -7507,7 +7476,7 @@
               </a14:hiddenLine>
             </a:ext>
             <a:ext uri="{FAA26D3D-D897-4be2-8F04-BA451C77F1D7}">
-              <ma14:placeholderFlag xmlns:ma14="http://schemas.microsoft.com/office/mac/drawingml/2011/main" xmlns="" val="1"/>
+              <ma14:placeholderFlag xmlns="" xmlns:ma14="http://schemas.microsoft.com/office/mac/drawingml/2011/main" val="1"/>
             </a:ext>
           </a:extLst>
         </p:spPr>
@@ -8133,7 +8102,7 @@
                 </a:solidFill>
               </a:rPr>
               <a:pPr/>
-              <a:t>3</a:t>
+              <a:t>2</a:t>
             </a:fld>
             <a:endParaRPr lang="zh-CN" altLang="en-US">
               <a:solidFill>
@@ -10410,7 +10379,7 @@
               </a14:hiddenLine>
             </a:ext>
             <a:ext uri="{FAA26D3D-D897-4be2-8F04-BA451C77F1D7}">
-              <ma14:placeholderFlag xmlns:ma14="http://schemas.microsoft.com/office/mac/drawingml/2011/main" xmlns="" val="1"/>
+              <ma14:placeholderFlag xmlns="" xmlns:ma14="http://schemas.microsoft.com/office/mac/drawingml/2011/main" val="1"/>
             </a:ext>
           </a:extLst>
         </p:spPr>
@@ -14101,7 +14070,7 @@
               </a14:hiddenLine>
             </a:ext>
             <a:ext uri="{FAA26D3D-D897-4be2-8F04-BA451C77F1D7}">
-              <ma14:placeholderFlag xmlns:ma14="http://schemas.microsoft.com/office/mac/drawingml/2011/main" xmlns="" val="1"/>
+              <ma14:placeholderFlag xmlns="" xmlns:ma14="http://schemas.microsoft.com/office/mac/drawingml/2011/main" val="1"/>
             </a:ext>
           </a:extLst>
         </p:spPr>
@@ -21021,8 +20990,8 @@
         </p:nvSpPr>
         <p:spPr>
           <a:xfrm>
-            <a:off x="317666" y="1555297"/>
-            <a:ext cx="8508669" cy="4962320"/>
+            <a:off x="317665" y="1679990"/>
+            <a:ext cx="8508669" cy="4500656"/>
           </a:xfrm>
           <a:prstGeom prst="rect">
             <a:avLst/>
@@ -21078,7 +21047,7 @@
                 <a:latin typeface="+mn-ea"/>
                 <a:ea typeface="+mn-ea"/>
               </a:rPr>
-              <a:t>删除字段、要素面积、中心点等信息提取、根据地理信息创建矢量文件等。</a:t>
+              <a:t>删除字段、要素面积、中心点等信息提取、根据地理信息创建矢量文件、</a:t>
             </a:r>
             <a:endParaRPr lang="en-US" altLang="zh-CN" sz="2000" dirty="0">
               <a:solidFill>
@@ -21102,7 +21071,7 @@
                 <a:latin typeface="+mn-ea"/>
                 <a:ea typeface="+mn-ea"/>
               </a:rPr>
-              <a:t>EPSG</a:t>
+              <a:t>ESPG</a:t>
             </a:r>
             <a:r>
               <a:rPr lang="zh-CN" altLang="en-US" sz="2000" b="1" dirty="0">
@@ -21336,7 +21305,7 @@
                 <a:latin typeface="+mn-ea"/>
                 <a:ea typeface="+mn-ea"/>
               </a:rPr>
-              <a:t>：是开放地理空间联盟（</a:t>
+              <a:t>：是</a:t>
             </a:r>
             <a:r>
               <a:rPr lang="en-US" sz="2000" dirty="0">
@@ -21356,7 +21325,7 @@
                 <a:latin typeface="+mn-ea"/>
                 <a:ea typeface="+mn-ea"/>
               </a:rPr>
-              <a:t>）制定的空间数据的组织规范，</a:t>
+              <a:t>制定的空间数据的组织规范，</a:t>
             </a:r>
             <a:r>
               <a:rPr lang="en-US" sz="2000" dirty="0" err="1">
@@ -21426,7 +21395,7 @@
                 <a:latin typeface="+mn-ea"/>
                 <a:ea typeface="+mn-ea"/>
               </a:rPr>
-              <a:t>“POINT (</a:t>
+              <a:t>"POINT (</a:t>
             </a:r>
             <a:r>
               <a:rPr lang="en-US" altLang="zh-CN" sz="2000" dirty="0">
@@ -21466,19 +21435,9 @@
                 <a:latin typeface="+mn-ea"/>
                 <a:ea typeface="+mn-ea"/>
               </a:rPr>
-              <a:t>)”</a:t>
-            </a:r>
-            <a:r>
-              <a:rPr lang="zh-CN" altLang="en-US" sz="2000" dirty="0">
-                <a:solidFill>
-                  <a:srgbClr val="121212"/>
-                </a:solidFill>
-                <a:latin typeface="+mn-ea"/>
-                <a:ea typeface="+mn-ea"/>
-              </a:rPr>
-              <a:t>。</a:t>
-            </a:r>
-            <a:endParaRPr lang="en-US" sz="2000" dirty="0">
+              <a:t>)"</a:t>
+            </a:r>
+            <a:endParaRPr lang="en-US" altLang="zh-CN" sz="2000" dirty="0">
               <a:solidFill>
                 <a:srgbClr val="121212"/>
               </a:solidFill>
@@ -21840,163 +21799,6 @@
 </file>
 
 <file path=ppt/slides/slide2.xml><?xml version="1.0" encoding="utf-8"?>
-<p:sld xmlns:a="http://schemas.openxmlformats.org/drawingml/2006/main" xmlns:r="http://schemas.openxmlformats.org/officeDocument/2006/relationships" xmlns:p="http://schemas.openxmlformats.org/presentationml/2006/main">
-  <p:cSld>
-    <p:spTree>
-      <p:nvGrpSpPr>
-        <p:cNvPr id="1" name=""/>
-        <p:cNvGrpSpPr/>
-        <p:nvPr/>
-      </p:nvGrpSpPr>
-      <p:grpSpPr>
-        <a:xfrm>
-          <a:off x="0" y="0"/>
-          <a:ext cx="0" cy="0"/>
-          <a:chOff x="0" y="0"/>
-          <a:chExt cx="0" cy="0"/>
-        </a:xfrm>
-      </p:grpSpPr>
-      <p:sp>
-        <p:nvSpPr>
-          <p:cNvPr id="2" name="灯片编号占位符 1">
-            <a:extLst>
-              <a:ext uri="{FF2B5EF4-FFF2-40B4-BE49-F238E27FC236}">
-                <a16:creationId xmlns:a16="http://schemas.microsoft.com/office/drawing/2014/main" id="{800D5C55-7D66-0F94-449B-87E1D80160C1}"/>
-              </a:ext>
-            </a:extLst>
-          </p:cNvPr>
-          <p:cNvSpPr>
-            <a:spLocks noGrp="1"/>
-          </p:cNvSpPr>
-          <p:nvPr>
-            <p:ph type="sldNum" sz="quarter" idx="12"/>
-          </p:nvPr>
-        </p:nvSpPr>
-        <p:spPr/>
-        <p:txBody>
-          <a:bodyPr/>
-          <a:lstStyle/>
-          <a:p>
-            <a:r>
-              <a:rPr lang="en-US" altLang="zh-CN">
-                <a:solidFill>
-                  <a:prstClr val="black">
-                    <a:tint val="75000"/>
-                  </a:prstClr>
-                </a:solidFill>
-              </a:rPr>
-              <a:t>Page </a:t>
-            </a:r>
-            <a:fld id="{5B7D6B44-8869-44D6-9B46-FD9D3C769EB1}" type="slidenum">
-              <a:rPr lang="zh-CN" altLang="en-US" smtClean="0">
-                <a:solidFill>
-                  <a:prstClr val="black">
-                    <a:tint val="75000"/>
-                  </a:prstClr>
-                </a:solidFill>
-              </a:rPr>
-              <a:pPr/>
-              <a:t>2</a:t>
-            </a:fld>
-            <a:endParaRPr lang="zh-CN" altLang="en-US">
-              <a:solidFill>
-                <a:prstClr val="black">
-                  <a:tint val="75000"/>
-                </a:prstClr>
-              </a:solidFill>
-            </a:endParaRPr>
-          </a:p>
-        </p:txBody>
-      </p:sp>
-      <p:sp>
-        <p:nvSpPr>
-          <p:cNvPr id="3" name="标题 2">
-            <a:extLst>
-              <a:ext uri="{FF2B5EF4-FFF2-40B4-BE49-F238E27FC236}">
-                <a16:creationId xmlns:a16="http://schemas.microsoft.com/office/drawing/2014/main" id="{C78CE539-A894-95F1-88A5-7745BA44DE40}"/>
-              </a:ext>
-            </a:extLst>
-          </p:cNvPr>
-          <p:cNvSpPr>
-            <a:spLocks noGrp="1"/>
-          </p:cNvSpPr>
-          <p:nvPr>
-            <p:ph type="title"/>
-          </p:nvPr>
-        </p:nvSpPr>
-        <p:spPr/>
-        <p:txBody>
-          <a:bodyPr/>
-          <a:lstStyle/>
-          <a:p>
-            <a:endParaRPr lang="zh-CN" altLang="en-US"/>
-          </a:p>
-        </p:txBody>
-      </p:sp>
-      <p:sp>
-        <p:nvSpPr>
-          <p:cNvPr id="4" name="文本框 3">
-            <a:extLst>
-              <a:ext uri="{FF2B5EF4-FFF2-40B4-BE49-F238E27FC236}">
-                <a16:creationId xmlns:a16="http://schemas.microsoft.com/office/drawing/2014/main" id="{2B283556-29FF-A610-28AC-B833CF4B5291}"/>
-              </a:ext>
-            </a:extLst>
-          </p:cNvPr>
-          <p:cNvSpPr txBox="1"/>
-          <p:nvPr/>
-        </p:nvSpPr>
-        <p:spPr>
-          <a:xfrm>
-            <a:off x="84788" y="3010485"/>
-            <a:ext cx="8805616" cy="1107996"/>
-          </a:xfrm>
-          <a:prstGeom prst="rect">
-            <a:avLst/>
-          </a:prstGeom>
-          <a:noFill/>
-        </p:spPr>
-        <p:txBody>
-          <a:bodyPr wrap="none" rtlCol="0">
-            <a:spAutoFit/>
-          </a:bodyPr>
-          <a:lstStyle/>
-          <a:p>
-            <a:r>
-              <a:rPr lang="zh-CN" altLang="en-US" sz="6600" b="1" dirty="0">
-                <a:solidFill>
-                  <a:srgbClr val="FF0000"/>
-                </a:solidFill>
-              </a:rPr>
-              <a:t>腾讯会议：</a:t>
-            </a:r>
-            <a:r>
-              <a:rPr lang="en-US" altLang="zh-CN" sz="6600" b="1" dirty="0">
-                <a:solidFill>
-                  <a:srgbClr val="FF0000"/>
-                </a:solidFill>
-              </a:rPr>
-              <a:t>347-339-534</a:t>
-            </a:r>
-          </a:p>
-        </p:txBody>
-      </p:sp>
-    </p:spTree>
-    <p:extLst>
-      <p:ext uri="{BB962C8B-B14F-4D97-AF65-F5344CB8AC3E}">
-        <p14:creationId xmlns:p14="http://schemas.microsoft.com/office/powerpoint/2010/main" val="953918551"/>
-      </p:ext>
-    </p:extLst>
-  </p:cSld>
-  <p:clrMapOvr>
-    <a:masterClrMapping/>
-  </p:clrMapOvr>
-  <p:transition>
-    <p:fade/>
-  </p:transition>
-</p:sld>
-</file>
-
-<file path=ppt/slides/slide3.xml><?xml version="1.0" encoding="utf-8"?>
 <p:sld xmlns:a="http://schemas.openxmlformats.org/drawingml/2006/main" xmlns:r="http://schemas.openxmlformats.org/officeDocument/2006/relationships" xmlns:p="http://schemas.openxmlformats.org/presentationml/2006/main" showMasterSp="0">
   <p:cSld>
     <p:spTree>
@@ -22533,6 +22335,168 @@
     <p:extLst>
       <p:ext uri="{BB962C8B-B14F-4D97-AF65-F5344CB8AC3E}">
         <p14:creationId xmlns:p14="http://schemas.microsoft.com/office/powerpoint/2010/main" val="1576120367"/>
+      </p:ext>
+    </p:extLst>
+  </p:cSld>
+  <p:clrMapOvr>
+    <a:masterClrMapping/>
+  </p:clrMapOvr>
+  <p:transition>
+    <p:fade/>
+  </p:transition>
+</p:sld>
+</file>
+
+<file path=ppt/slides/slide3.xml><?xml version="1.0" encoding="utf-8"?>
+<p:sld xmlns:a="http://schemas.openxmlformats.org/drawingml/2006/main" xmlns:r="http://schemas.openxmlformats.org/officeDocument/2006/relationships" xmlns:p="http://schemas.openxmlformats.org/presentationml/2006/main">
+  <p:cSld>
+    <p:spTree>
+      <p:nvGrpSpPr>
+        <p:cNvPr id="1" name=""/>
+        <p:cNvGrpSpPr/>
+        <p:nvPr/>
+      </p:nvGrpSpPr>
+      <p:grpSpPr>
+        <a:xfrm>
+          <a:off x="0" y="0"/>
+          <a:ext cx="0" cy="0"/>
+          <a:chOff x="0" y="0"/>
+          <a:chExt cx="0" cy="0"/>
+        </a:xfrm>
+      </p:grpSpPr>
+      <p:sp>
+        <p:nvSpPr>
+          <p:cNvPr id="2" name="灯片编号占位符 1">
+            <a:extLst>
+              <a:ext uri="{FF2B5EF4-FFF2-40B4-BE49-F238E27FC236}">
+                <a16:creationId xmlns:a16="http://schemas.microsoft.com/office/drawing/2014/main" id="{800D5C55-7D66-0F94-449B-87E1D80160C1}"/>
+              </a:ext>
+            </a:extLst>
+          </p:cNvPr>
+          <p:cNvSpPr>
+            <a:spLocks noGrp="1"/>
+          </p:cNvSpPr>
+          <p:nvPr>
+            <p:ph type="sldNum" sz="quarter" idx="12"/>
+          </p:nvPr>
+        </p:nvSpPr>
+        <p:spPr/>
+        <p:txBody>
+          <a:bodyPr/>
+          <a:lstStyle/>
+          <a:p>
+            <a:r>
+              <a:rPr lang="en-US" altLang="zh-CN">
+                <a:solidFill>
+                  <a:prstClr val="black">
+                    <a:tint val="75000"/>
+                  </a:prstClr>
+                </a:solidFill>
+              </a:rPr>
+              <a:t>Page </a:t>
+            </a:r>
+            <a:fld id="{5B7D6B44-8869-44D6-9B46-FD9D3C769EB1}" type="slidenum">
+              <a:rPr lang="zh-CN" altLang="en-US" smtClean="0">
+                <a:solidFill>
+                  <a:prstClr val="black">
+                    <a:tint val="75000"/>
+                  </a:prstClr>
+                </a:solidFill>
+              </a:rPr>
+              <a:pPr/>
+              <a:t>3</a:t>
+            </a:fld>
+            <a:endParaRPr lang="zh-CN" altLang="en-US">
+              <a:solidFill>
+                <a:prstClr val="black">
+                  <a:tint val="75000"/>
+                </a:prstClr>
+              </a:solidFill>
+            </a:endParaRPr>
+          </a:p>
+        </p:txBody>
+      </p:sp>
+      <p:sp>
+        <p:nvSpPr>
+          <p:cNvPr id="3" name="标题 2">
+            <a:extLst>
+              <a:ext uri="{FF2B5EF4-FFF2-40B4-BE49-F238E27FC236}">
+                <a16:creationId xmlns:a16="http://schemas.microsoft.com/office/drawing/2014/main" id="{C78CE539-A894-95F1-88A5-7745BA44DE40}"/>
+              </a:ext>
+            </a:extLst>
+          </p:cNvPr>
+          <p:cNvSpPr>
+            <a:spLocks noGrp="1"/>
+          </p:cNvSpPr>
+          <p:nvPr>
+            <p:ph type="title"/>
+          </p:nvPr>
+        </p:nvSpPr>
+        <p:spPr/>
+        <p:txBody>
+          <a:bodyPr/>
+          <a:lstStyle/>
+          <a:p>
+            <a:endParaRPr lang="zh-CN" altLang="en-US"/>
+          </a:p>
+        </p:txBody>
+      </p:sp>
+      <p:sp>
+        <p:nvSpPr>
+          <p:cNvPr id="4" name="文本框 3">
+            <a:extLst>
+              <a:ext uri="{FF2B5EF4-FFF2-40B4-BE49-F238E27FC236}">
+                <a16:creationId xmlns:a16="http://schemas.microsoft.com/office/drawing/2014/main" id="{2B283556-29FF-A610-28AC-B833CF4B5291}"/>
+              </a:ext>
+            </a:extLst>
+          </p:cNvPr>
+          <p:cNvSpPr txBox="1"/>
+          <p:nvPr/>
+        </p:nvSpPr>
+        <p:spPr>
+          <a:xfrm>
+            <a:off x="84788" y="3010485"/>
+            <a:ext cx="8805616" cy="1107996"/>
+          </a:xfrm>
+          <a:prstGeom prst="rect">
+            <a:avLst/>
+          </a:prstGeom>
+          <a:noFill/>
+        </p:spPr>
+        <p:txBody>
+          <a:bodyPr wrap="none" rtlCol="0">
+            <a:spAutoFit/>
+          </a:bodyPr>
+          <a:lstStyle/>
+          <a:p>
+            <a:r>
+              <a:rPr lang="zh-CN" altLang="en-US" sz="6600" b="1" dirty="0">
+                <a:solidFill>
+                  <a:srgbClr val="FF0000"/>
+                </a:solidFill>
+              </a:rPr>
+              <a:t>腾讯会议：</a:t>
+            </a:r>
+            <a:r>
+              <a:rPr lang="en-US" altLang="zh-CN" sz="6600" b="1" dirty="0">
+                <a:solidFill>
+                  <a:srgbClr val="FF0000"/>
+                </a:solidFill>
+              </a:rPr>
+              <a:t>392-863-563</a:t>
+            </a:r>
+            <a:endParaRPr lang="zh-CN" altLang="en-US" sz="6600" b="1" dirty="0">
+              <a:solidFill>
+                <a:srgbClr val="FF0000"/>
+              </a:solidFill>
+            </a:endParaRPr>
+          </a:p>
+        </p:txBody>
+      </p:sp>
+    </p:spTree>
+    <p:extLst>
+      <p:ext uri="{BB962C8B-B14F-4D97-AF65-F5344CB8AC3E}">
+        <p14:creationId xmlns:p14="http://schemas.microsoft.com/office/powerpoint/2010/main" val="953918551"/>
       </p:ext>
     </p:extLst>
   </p:cSld>

--- a/第4章-矢量数据处理-8课时/第4章-矢量数据处理.pptx
+++ b/第4章-矢量数据处理-8课时/第4章-矢量数据处理.pptx
@@ -6,34 +6,35 @@
     <p:sldMasterId id="2147484986" r:id="rId2"/>
   </p:sldMasterIdLst>
   <p:notesMasterIdLst>
-    <p:notesMasterId r:id="rId20"/>
+    <p:notesMasterId r:id="rId21"/>
   </p:notesMasterIdLst>
   <p:handoutMasterIdLst>
-    <p:handoutMasterId r:id="rId21"/>
+    <p:handoutMasterId r:id="rId22"/>
   </p:handoutMasterIdLst>
   <p:sldIdLst>
     <p:sldId id="2708" r:id="rId3"/>
     <p:sldId id="2387" r:id="rId4"/>
-    <p:sldId id="2447" r:id="rId5"/>
-    <p:sldId id="2744" r:id="rId6"/>
-    <p:sldId id="2751" r:id="rId7"/>
-    <p:sldId id="2765" r:id="rId8"/>
-    <p:sldId id="2742" r:id="rId9"/>
-    <p:sldId id="2757" r:id="rId10"/>
-    <p:sldId id="2766" r:id="rId11"/>
-    <p:sldId id="2752" r:id="rId12"/>
-    <p:sldId id="2758" r:id="rId13"/>
-    <p:sldId id="2768" r:id="rId14"/>
-    <p:sldId id="2769" r:id="rId15"/>
-    <p:sldId id="2764" r:id="rId16"/>
-    <p:sldId id="2743" r:id="rId17"/>
-    <p:sldId id="2767" r:id="rId18"/>
-    <p:sldId id="2722" r:id="rId19"/>
+    <p:sldId id="2770" r:id="rId5"/>
+    <p:sldId id="2447" r:id="rId6"/>
+    <p:sldId id="2744" r:id="rId7"/>
+    <p:sldId id="2751" r:id="rId8"/>
+    <p:sldId id="2765" r:id="rId9"/>
+    <p:sldId id="2742" r:id="rId10"/>
+    <p:sldId id="2757" r:id="rId11"/>
+    <p:sldId id="2766" r:id="rId12"/>
+    <p:sldId id="2752" r:id="rId13"/>
+    <p:sldId id="2758" r:id="rId14"/>
+    <p:sldId id="2768" r:id="rId15"/>
+    <p:sldId id="2769" r:id="rId16"/>
+    <p:sldId id="2764" r:id="rId17"/>
+    <p:sldId id="2743" r:id="rId18"/>
+    <p:sldId id="2767" r:id="rId19"/>
+    <p:sldId id="2722" r:id="rId20"/>
   </p:sldIdLst>
   <p:sldSz cx="9144000" cy="6858000" type="screen4x3"/>
   <p:notesSz cx="7099300" cy="10234613"/>
   <p:custDataLst>
-    <p:tags r:id="rId22"/>
+    <p:tags r:id="rId23"/>
   </p:custDataLst>
   <p:defaultTextStyle>
     <a:defPPr>
@@ -7091,7 +7092,7 @@
               </a14:hiddenFill>
             </a:ext>
             <a:ext uri="{FAA26D3D-D897-4be2-8F04-BA451C77F1D7}">
-              <ma14:placeholderFlag xmlns:ma14="http://schemas.microsoft.com/office/mac/drawingml/2011/main" xmlns="" val="1"/>
+              <ma14:placeholderFlag xmlns="" xmlns:ma14="http://schemas.microsoft.com/office/mac/drawingml/2011/main" val="1"/>
             </a:ext>
           </a:extLst>
         </p:spPr>
@@ -7475,7 +7476,7 @@
               </a14:hiddenLine>
             </a:ext>
             <a:ext uri="{FAA26D3D-D897-4be2-8F04-BA451C77F1D7}">
-              <ma14:placeholderFlag xmlns:ma14="http://schemas.microsoft.com/office/mac/drawingml/2011/main" xmlns="" val="1"/>
+              <ma14:placeholderFlag xmlns="" xmlns:ma14="http://schemas.microsoft.com/office/mac/drawingml/2011/main" val="1"/>
             </a:ext>
           </a:extLst>
         </p:spPr>
@@ -7691,7 +7692,22 @@
           <a:bodyPr/>
           <a:lstStyle/>
           <a:p>
-            <a:endParaRPr lang="zh-CN" altLang="en-US" dirty="0"/>
+            <a:r>
+              <a:rPr lang="en-US" altLang="zh-CN" dirty="0"/>
+              <a:t>python</a:t>
+            </a:r>
+            <a:r>
+              <a:rPr lang="zh-CN" altLang="en-US" dirty="0"/>
+              <a:t>类是面向对象编程的一个概念。类</a:t>
+            </a:r>
+            <a:r>
+              <a:rPr lang="en-US" altLang="zh-CN" dirty="0"/>
+              <a:t>/</a:t>
+            </a:r>
+            <a:r>
+              <a:rPr lang="zh-CN" altLang="en-US" dirty="0"/>
+              <a:t>实例。</a:t>
+            </a:r>
           </a:p>
         </p:txBody>
       </p:sp>
@@ -7752,7 +7768,10 @@
           <a:bodyPr/>
           <a:lstStyle/>
           <a:p>
-            <a:endParaRPr lang="zh-CN" altLang="en-US" dirty="0"/>
+            <a:r>
+              <a:rPr lang="zh-CN" altLang="en-US" dirty="0"/>
+              <a:t>基本概念，简略</a:t>
+            </a:r>
           </a:p>
         </p:txBody>
       </p:sp>
@@ -8272,6 +8291,12 @@
           <a:bodyPr/>
           <a:lstStyle/>
           <a:p>
+            <a:endParaRPr lang="en-US" altLang="zh-CN" dirty="0"/>
+          </a:p>
+          <a:p>
+            <a:endParaRPr lang="en-US" altLang="zh-CN" dirty="0"/>
+          </a:p>
+          <a:p>
             <a:endParaRPr lang="zh-CN" altLang="en-US" dirty="0"/>
           </a:p>
         </p:txBody>
@@ -8394,7 +8419,10 @@
           <a:bodyPr/>
           <a:lstStyle/>
           <a:p>
-            <a:endParaRPr lang="zh-CN" altLang="en-US"/>
+            <a:r>
+              <a:rPr lang="zh-CN" altLang="en-US" dirty="0"/>
+              <a:t>地理空间数据类型：矢量和栅格</a:t>
+            </a:r>
           </a:p>
         </p:txBody>
       </p:sp>
@@ -8455,7 +8483,11 @@
           <a:bodyPr/>
           <a:lstStyle/>
           <a:p>
-            <a:endParaRPr lang="zh-CN" altLang="en-US" dirty="0"/>
+            <a:r>
+              <a:rPr lang="zh-CN" altLang="en-US" dirty="0"/>
+              <a:t>地图图形元素：呈贡区，五华区。</a:t>
+            </a:r>
+            <a:endParaRPr lang="en-US" altLang="zh-CN" dirty="0"/>
           </a:p>
         </p:txBody>
       </p:sp>
@@ -10347,7 +10379,7 @@
               </a14:hiddenLine>
             </a:ext>
             <a:ext uri="{FAA26D3D-D897-4be2-8F04-BA451C77F1D7}">
-              <ma14:placeholderFlag xmlns:ma14="http://schemas.microsoft.com/office/mac/drawingml/2011/main" xmlns="" val="1"/>
+              <ma14:placeholderFlag xmlns="" xmlns:ma14="http://schemas.microsoft.com/office/mac/drawingml/2011/main" val="1"/>
             </a:ext>
           </a:extLst>
         </p:spPr>
@@ -14038,7 +14070,7 @@
               </a14:hiddenLine>
             </a:ext>
             <a:ext uri="{FAA26D3D-D897-4be2-8F04-BA451C77F1D7}">
-              <ma14:placeholderFlag xmlns:ma14="http://schemas.microsoft.com/office/mac/drawingml/2011/main" xmlns="" val="1"/>
+              <ma14:placeholderFlag xmlns="" xmlns:ma14="http://schemas.microsoft.com/office/mac/drawingml/2011/main" val="1"/>
             </a:ext>
           </a:extLst>
         </p:spPr>
@@ -16319,33 +16351,8 @@
                 <a:latin typeface="微软雅黑" pitchFamily="34" charset="-122"/>
                 <a:ea typeface="微软雅黑" pitchFamily="34" charset="-122"/>
               </a:rPr>
-              <a:t>一、</a:t>
-            </a:r>
-            <a:r>
-              <a:rPr lang="en-US" sz="3600" b="1" dirty="0">
-                <a:latin typeface="微软雅黑" pitchFamily="34" charset="-122"/>
-                <a:ea typeface="微软雅黑" pitchFamily="34" charset="-122"/>
-              </a:rPr>
-              <a:t>GIS</a:t>
-            </a:r>
-            <a:r>
-              <a:rPr lang="zh-CN" altLang="en-US" sz="3600" b="1" dirty="0">
-                <a:latin typeface="微软雅黑" pitchFamily="34" charset="-122"/>
-                <a:ea typeface="微软雅黑" pitchFamily="34" charset="-122"/>
-              </a:rPr>
-              <a:t>数据读写</a:t>
-            </a:r>
-            <a:r>
-              <a:rPr lang="en-CN" sz="3600" b="1" dirty="0">
-                <a:latin typeface="微软雅黑" pitchFamily="34" charset="-122"/>
-                <a:ea typeface="微软雅黑" pitchFamily="34" charset="-122"/>
-              </a:rPr>
-              <a:t> </a:t>
-            </a:r>
-            <a:endParaRPr lang="zh-CN" altLang="en-US" sz="3600" b="1" dirty="0">
-              <a:latin typeface="微软雅黑" pitchFamily="34" charset="-122"/>
-              <a:ea typeface="微软雅黑" pitchFamily="34" charset="-122"/>
-            </a:endParaRPr>
+              <a:t>一、矢量数据处理</a:t>
+            </a:r>
           </a:p>
         </p:txBody>
       </p:sp>
@@ -16390,6 +16397,534 @@
                 <a:latin typeface="+mn-ea"/>
                 <a:ea typeface="+mn-ea"/>
               </a:rPr>
+              <a:t>1</a:t>
+            </a:r>
+            <a:r>
+              <a:rPr lang="zh-CN" altLang="en-US" sz="2800" b="1" dirty="0">
+                <a:solidFill>
+                  <a:srgbClr val="333333"/>
+                </a:solidFill>
+                <a:latin typeface="+mn-ea"/>
+                <a:ea typeface="+mn-ea"/>
+              </a:rPr>
+              <a:t>、基本概念</a:t>
+            </a:r>
+            <a:endParaRPr lang="en-US" altLang="zh-CN" sz="2800" b="1" dirty="0">
+              <a:solidFill>
+                <a:srgbClr val="333333"/>
+              </a:solidFill>
+              <a:latin typeface="+mn-ea"/>
+              <a:ea typeface="+mn-ea"/>
+            </a:endParaRPr>
+          </a:p>
+        </p:txBody>
+      </p:sp>
+      <p:sp>
+        <p:nvSpPr>
+          <p:cNvPr id="5" name="TextBox 4">
+            <a:extLst>
+              <a:ext uri="{FF2B5EF4-FFF2-40B4-BE49-F238E27FC236}">
+                <a16:creationId xmlns:a16="http://schemas.microsoft.com/office/drawing/2014/main" id="{78502774-B04C-634F-1396-E5815996BC36}"/>
+              </a:ext>
+            </a:extLst>
+          </p:cNvPr>
+          <p:cNvSpPr txBox="1"/>
+          <p:nvPr/>
+        </p:nvSpPr>
+        <p:spPr>
+          <a:xfrm>
+            <a:off x="367146" y="1707699"/>
+            <a:ext cx="8459189" cy="4264437"/>
+          </a:xfrm>
+          <a:prstGeom prst="rect">
+            <a:avLst/>
+          </a:prstGeom>
+          <a:noFill/>
+        </p:spPr>
+        <p:txBody>
+          <a:bodyPr wrap="square">
+            <a:spAutoFit/>
+          </a:bodyPr>
+          <a:lstStyle/>
+          <a:p>
+            <a:pPr algn="l">
+              <a:lnSpc>
+                <a:spcPct val="150000"/>
+              </a:lnSpc>
+            </a:pPr>
+            <a:r>
+              <a:rPr lang="zh-CN" altLang="en-US" sz="2200" b="0" i="0" dirty="0">
+                <a:solidFill>
+                  <a:srgbClr val="121212"/>
+                </a:solidFill>
+                <a:effectLst/>
+                <a:latin typeface="+mn-ea"/>
+                <a:ea typeface="+mn-ea"/>
+              </a:rPr>
+              <a:t>矢量数据三要素：</a:t>
+            </a:r>
+            <a:r>
+              <a:rPr lang="zh-CN" altLang="en-US" sz="2200" b="1" i="0" dirty="0">
+                <a:solidFill>
+                  <a:srgbClr val="121212"/>
+                </a:solidFill>
+                <a:effectLst/>
+                <a:latin typeface="+mn-ea"/>
+                <a:ea typeface="+mn-ea"/>
+              </a:rPr>
+              <a:t>点，线，面</a:t>
+            </a:r>
+            <a:r>
+              <a:rPr lang="zh-CN" altLang="en-US" sz="2200" b="0" i="0" dirty="0">
+                <a:solidFill>
+                  <a:srgbClr val="121212"/>
+                </a:solidFill>
+                <a:effectLst/>
+                <a:latin typeface="+mn-ea"/>
+                <a:ea typeface="+mn-ea"/>
+              </a:rPr>
+              <a:t>。</a:t>
+            </a:r>
+          </a:p>
+          <a:p>
+            <a:pPr algn="l">
+              <a:lnSpc>
+                <a:spcPct val="150000"/>
+              </a:lnSpc>
+            </a:pPr>
+            <a:r>
+              <a:rPr lang="zh-CN" altLang="en-US" sz="2200" b="0" i="0" dirty="0">
+                <a:solidFill>
+                  <a:srgbClr val="121212"/>
+                </a:solidFill>
+                <a:effectLst/>
+                <a:latin typeface="+mn-ea"/>
+                <a:ea typeface="+mn-ea"/>
+              </a:rPr>
+              <a:t>矢量数据的主要内容：</a:t>
+            </a:r>
+            <a:r>
+              <a:rPr lang="zh-CN" altLang="en-US" sz="2200" b="1" i="0" dirty="0">
+                <a:solidFill>
+                  <a:srgbClr val="121212"/>
+                </a:solidFill>
+                <a:effectLst/>
+                <a:latin typeface="+mn-ea"/>
+                <a:ea typeface="+mn-ea"/>
+              </a:rPr>
+              <a:t>几何对象</a:t>
+            </a:r>
+            <a:r>
+              <a:rPr lang="en-US" altLang="zh-CN" sz="2200" b="1" i="0" dirty="0">
+                <a:solidFill>
+                  <a:srgbClr val="121212"/>
+                </a:solidFill>
+                <a:effectLst/>
+                <a:latin typeface="+mn-ea"/>
+                <a:ea typeface="+mn-ea"/>
+              </a:rPr>
+              <a:t>(</a:t>
+            </a:r>
+            <a:r>
+              <a:rPr lang="en-US" sz="2200" b="1" i="0" dirty="0">
+                <a:solidFill>
+                  <a:srgbClr val="121212"/>
+                </a:solidFill>
+                <a:effectLst/>
+                <a:latin typeface="+mn-ea"/>
+                <a:ea typeface="+mn-ea"/>
+              </a:rPr>
+              <a:t>Geometry)+</a:t>
+            </a:r>
+            <a:r>
+              <a:rPr lang="zh-CN" altLang="en-US" sz="2200" b="1" i="0" dirty="0">
+                <a:solidFill>
+                  <a:srgbClr val="121212"/>
+                </a:solidFill>
+                <a:effectLst/>
+                <a:latin typeface="+mn-ea"/>
+                <a:ea typeface="+mn-ea"/>
+              </a:rPr>
+              <a:t>属性</a:t>
+            </a:r>
+            <a:r>
+              <a:rPr lang="en-US" altLang="zh-CN" sz="2200" b="1" i="0" dirty="0">
+                <a:solidFill>
+                  <a:srgbClr val="121212"/>
+                </a:solidFill>
+                <a:effectLst/>
+                <a:latin typeface="+mn-ea"/>
+                <a:ea typeface="+mn-ea"/>
+              </a:rPr>
+              <a:t>(</a:t>
+            </a:r>
+            <a:r>
+              <a:rPr lang="en-US" sz="2200" b="1" i="0" dirty="0">
+                <a:solidFill>
+                  <a:srgbClr val="121212"/>
+                </a:solidFill>
+                <a:effectLst/>
+                <a:latin typeface="+mn-ea"/>
+                <a:ea typeface="+mn-ea"/>
+              </a:rPr>
+              <a:t>attribute)</a:t>
+            </a:r>
+            <a:r>
+              <a:rPr lang="zh-CN" altLang="en-US" sz="2200" b="0" i="0" dirty="0">
+                <a:solidFill>
+                  <a:srgbClr val="121212"/>
+                </a:solidFill>
+                <a:effectLst/>
+                <a:latin typeface="+mn-ea"/>
+                <a:ea typeface="+mn-ea"/>
+              </a:rPr>
+              <a:t>。</a:t>
+            </a:r>
+            <a:endParaRPr lang="en-US" sz="2200" b="0" i="0" dirty="0">
+              <a:solidFill>
+                <a:srgbClr val="121212"/>
+              </a:solidFill>
+              <a:effectLst/>
+              <a:latin typeface="+mn-ea"/>
+              <a:ea typeface="+mn-ea"/>
+            </a:endParaRPr>
+          </a:p>
+          <a:p>
+            <a:pPr algn="l">
+              <a:lnSpc>
+                <a:spcPct val="150000"/>
+              </a:lnSpc>
+            </a:pPr>
+            <a:r>
+              <a:rPr lang="zh-CN" altLang="en-US" sz="2200" b="0" i="0" dirty="0">
+                <a:solidFill>
+                  <a:srgbClr val="121212"/>
+                </a:solidFill>
+                <a:effectLst/>
+                <a:latin typeface="+mn-ea"/>
+                <a:ea typeface="+mn-ea"/>
+              </a:rPr>
+              <a:t>矢量数据的表示与比例尺相关：</a:t>
+            </a:r>
+            <a:r>
+              <a:rPr lang="zh-CN" altLang="en-US" sz="2200" b="1" i="0" dirty="0">
+                <a:solidFill>
+                  <a:srgbClr val="121212"/>
+                </a:solidFill>
+                <a:effectLst/>
+                <a:latin typeface="+mn-ea"/>
+                <a:ea typeface="+mn-ea"/>
+              </a:rPr>
+              <a:t>比例尺越大</a:t>
+            </a:r>
+            <a:r>
+              <a:rPr lang="zh-CN" altLang="en-US" sz="2200" b="1" dirty="0">
+                <a:solidFill>
+                  <a:srgbClr val="121212"/>
+                </a:solidFill>
+                <a:latin typeface="+mn-ea"/>
+                <a:ea typeface="+mn-ea"/>
+              </a:rPr>
+              <a:t>，分辨率越高，内容越详细</a:t>
+            </a:r>
+            <a:r>
+              <a:rPr lang="zh-CN" altLang="en-US" sz="2200" dirty="0">
+                <a:solidFill>
+                  <a:srgbClr val="121212"/>
+                </a:solidFill>
+                <a:latin typeface="+mn-ea"/>
+                <a:ea typeface="+mn-ea"/>
+              </a:rPr>
+              <a:t>；</a:t>
+            </a:r>
+            <a:endParaRPr lang="en-US" altLang="zh-CN" sz="2200" dirty="0">
+              <a:solidFill>
+                <a:srgbClr val="121212"/>
+              </a:solidFill>
+              <a:latin typeface="+mn-ea"/>
+              <a:ea typeface="+mn-ea"/>
+            </a:endParaRPr>
+          </a:p>
+          <a:p>
+            <a:pPr algn="l">
+              <a:lnSpc>
+                <a:spcPct val="150000"/>
+              </a:lnSpc>
+            </a:pPr>
+            <a:r>
+              <a:rPr lang="zh-CN" altLang="en-US" sz="2200" dirty="0">
+                <a:solidFill>
+                  <a:srgbClr val="121212"/>
+                </a:solidFill>
+                <a:latin typeface="+mn-ea"/>
+                <a:ea typeface="+mn-ea"/>
+              </a:rPr>
+              <a:t>矢量数据主要用于</a:t>
+            </a:r>
+            <a:r>
+              <a:rPr lang="zh-CN" altLang="en-US" sz="2200" b="1" dirty="0">
+                <a:solidFill>
+                  <a:srgbClr val="121212"/>
+                </a:solidFill>
+                <a:latin typeface="+mn-ea"/>
+                <a:ea typeface="+mn-ea"/>
+              </a:rPr>
+              <a:t>空间分析和制图</a:t>
+            </a:r>
+            <a:r>
+              <a:rPr lang="zh-CN" altLang="en-US" sz="2200" dirty="0">
+                <a:solidFill>
+                  <a:srgbClr val="121212"/>
+                </a:solidFill>
+                <a:latin typeface="+mn-ea"/>
+                <a:ea typeface="+mn-ea"/>
+              </a:rPr>
+              <a:t>。</a:t>
+            </a:r>
+            <a:endParaRPr lang="en-US" altLang="zh-CN" sz="2200" dirty="0">
+              <a:solidFill>
+                <a:srgbClr val="121212"/>
+              </a:solidFill>
+              <a:latin typeface="+mn-ea"/>
+              <a:ea typeface="+mn-ea"/>
+            </a:endParaRPr>
+          </a:p>
+          <a:p>
+            <a:pPr algn="l">
+              <a:lnSpc>
+                <a:spcPct val="150000"/>
+              </a:lnSpc>
+            </a:pPr>
+            <a:r>
+              <a:rPr lang="zh-CN" altLang="en-US" sz="2200" dirty="0">
+                <a:solidFill>
+                  <a:srgbClr val="121212"/>
+                </a:solidFill>
+                <a:latin typeface="+mn-ea"/>
+                <a:ea typeface="+mn-ea"/>
+              </a:rPr>
+              <a:t>矢量数据常用的存储格式：</a:t>
+            </a:r>
+            <a:r>
+              <a:rPr lang="en-US" altLang="zh-CN" sz="2200" b="1" dirty="0">
+                <a:solidFill>
+                  <a:srgbClr val="121212"/>
+                </a:solidFill>
+                <a:latin typeface="+mn-ea"/>
+                <a:ea typeface="+mn-ea"/>
+              </a:rPr>
+              <a:t>S</a:t>
+            </a:r>
+            <a:r>
+              <a:rPr lang="en-US" sz="2200" b="1" dirty="0">
+                <a:solidFill>
+                  <a:srgbClr val="121212"/>
+                </a:solidFill>
+                <a:latin typeface="+mn-ea"/>
+                <a:ea typeface="+mn-ea"/>
+              </a:rPr>
+              <a:t>hapefile</a:t>
+            </a:r>
+            <a:r>
+              <a:rPr lang="zh-CN" altLang="en-US" sz="2200" b="1" dirty="0">
+                <a:solidFill>
+                  <a:srgbClr val="121212"/>
+                </a:solidFill>
+                <a:latin typeface="+mn-ea"/>
+                <a:ea typeface="+mn-ea"/>
+              </a:rPr>
+              <a:t>格式，</a:t>
+            </a:r>
+            <a:r>
+              <a:rPr lang="en-US" altLang="zh-CN" sz="2200" b="1" dirty="0" err="1">
+                <a:solidFill>
+                  <a:srgbClr val="121212"/>
+                </a:solidFill>
+                <a:latin typeface="+mn-ea"/>
+                <a:ea typeface="+mn-ea"/>
+              </a:rPr>
+              <a:t>GeoPackage</a:t>
+            </a:r>
+            <a:r>
+              <a:rPr lang="zh-CN" altLang="en-US" sz="2200" b="1" dirty="0">
+                <a:solidFill>
+                  <a:srgbClr val="121212"/>
+                </a:solidFill>
+                <a:latin typeface="+mn-ea"/>
+                <a:ea typeface="+mn-ea"/>
+              </a:rPr>
+              <a:t>格式、</a:t>
+            </a:r>
+            <a:r>
+              <a:rPr lang="en-US" altLang="zh-CN" sz="2200" b="1" dirty="0">
+                <a:solidFill>
+                  <a:srgbClr val="121212"/>
+                </a:solidFill>
+                <a:latin typeface="+mn-ea"/>
+                <a:ea typeface="+mn-ea"/>
+              </a:rPr>
+              <a:t>KML</a:t>
+            </a:r>
+            <a:r>
+              <a:rPr lang="zh-CN" altLang="en-US" sz="2200" b="1" dirty="0">
+                <a:solidFill>
+                  <a:srgbClr val="121212"/>
+                </a:solidFill>
+                <a:latin typeface="+mn-ea"/>
+                <a:ea typeface="+mn-ea"/>
+              </a:rPr>
+              <a:t>格式</a:t>
+            </a:r>
+            <a:r>
+              <a:rPr lang="zh-CN" altLang="en-US" sz="2200" dirty="0">
+                <a:solidFill>
+                  <a:srgbClr val="121212"/>
+                </a:solidFill>
+                <a:latin typeface="+mn-ea"/>
+                <a:ea typeface="+mn-ea"/>
+              </a:rPr>
+              <a:t>等。</a:t>
+            </a:r>
+          </a:p>
+        </p:txBody>
+      </p:sp>
+    </p:spTree>
+    <p:extLst>
+      <p:ext uri="{BB962C8B-B14F-4D97-AF65-F5344CB8AC3E}">
+        <p14:creationId xmlns:p14="http://schemas.microsoft.com/office/powerpoint/2010/main" val="2097263393"/>
+      </p:ext>
+    </p:extLst>
+  </p:cSld>
+  <p:clrMapOvr>
+    <a:masterClrMapping/>
+  </p:clrMapOvr>
+  <p:transition>
+    <p:fade/>
+  </p:transition>
+</p:sld>
+</file>
+
+<file path=ppt/slides/slide11.xml><?xml version="1.0" encoding="utf-8"?>
+<p:sld xmlns:a="http://schemas.openxmlformats.org/drawingml/2006/main" xmlns:r="http://schemas.openxmlformats.org/officeDocument/2006/relationships" xmlns:p="http://schemas.openxmlformats.org/presentationml/2006/main">
+  <p:cSld>
+    <p:spTree>
+      <p:nvGrpSpPr>
+        <p:cNvPr id="1" name=""/>
+        <p:cNvGrpSpPr/>
+        <p:nvPr/>
+      </p:nvGrpSpPr>
+      <p:grpSpPr>
+        <a:xfrm>
+          <a:off x="0" y="0"/>
+          <a:ext cx="0" cy="0"/>
+          <a:chOff x="0" y="0"/>
+          <a:chExt cx="0" cy="0"/>
+        </a:xfrm>
+      </p:grpSpPr>
+      <p:sp>
+        <p:nvSpPr>
+          <p:cNvPr id="3" name="标题 2"/>
+          <p:cNvSpPr>
+            <a:spLocks noGrp="1"/>
+          </p:cNvSpPr>
+          <p:nvPr>
+            <p:ph type="title"/>
+          </p:nvPr>
+        </p:nvSpPr>
+        <p:spPr>
+          <a:xfrm>
+            <a:off x="0" y="8526"/>
+            <a:ext cx="9013371" cy="792162"/>
+          </a:xfrm>
+        </p:spPr>
+        <p:txBody>
+          <a:bodyPr/>
+          <a:lstStyle/>
+          <a:p>
+            <a:pPr algn="l" fontAlgn="auto">
+              <a:spcBef>
+                <a:spcPts val="0"/>
+              </a:spcBef>
+              <a:spcAft>
+                <a:spcPts val="0"/>
+              </a:spcAft>
+            </a:pPr>
+            <a:r>
+              <a:rPr lang="zh-CN" altLang="en-US" sz="3600" b="1" dirty="0">
+                <a:latin typeface="微软雅黑" pitchFamily="34" charset="-122"/>
+                <a:ea typeface="微软雅黑" pitchFamily="34" charset="-122"/>
+              </a:rPr>
+              <a:t>一、</a:t>
+            </a:r>
+            <a:r>
+              <a:rPr lang="en-US" sz="3600" b="1" dirty="0">
+                <a:latin typeface="微软雅黑" pitchFamily="34" charset="-122"/>
+                <a:ea typeface="微软雅黑" pitchFamily="34" charset="-122"/>
+              </a:rPr>
+              <a:t>GIS</a:t>
+            </a:r>
+            <a:r>
+              <a:rPr lang="zh-CN" altLang="en-US" sz="3600" b="1" dirty="0">
+                <a:latin typeface="微软雅黑" pitchFamily="34" charset="-122"/>
+                <a:ea typeface="微软雅黑" pitchFamily="34" charset="-122"/>
+              </a:rPr>
+              <a:t>数据读写</a:t>
+            </a:r>
+            <a:r>
+              <a:rPr lang="en-CN" sz="3600" b="1" dirty="0">
+                <a:latin typeface="微软雅黑" pitchFamily="34" charset="-122"/>
+                <a:ea typeface="微软雅黑" pitchFamily="34" charset="-122"/>
+              </a:rPr>
+              <a:t> </a:t>
+            </a:r>
+            <a:endParaRPr lang="zh-CN" altLang="en-US" sz="3600" b="1" dirty="0">
+              <a:latin typeface="微软雅黑" pitchFamily="34" charset="-122"/>
+              <a:ea typeface="微软雅黑" pitchFamily="34" charset="-122"/>
+            </a:endParaRPr>
+          </a:p>
+        </p:txBody>
+      </p:sp>
+      <p:sp>
+        <p:nvSpPr>
+          <p:cNvPr id="2" name="TextBox 1">
+            <a:extLst>
+              <a:ext uri="{FF2B5EF4-FFF2-40B4-BE49-F238E27FC236}">
+                <a16:creationId xmlns:a16="http://schemas.microsoft.com/office/drawing/2014/main" id="{631AADB6-C88A-D817-4683-FC087E4E240F}"/>
+              </a:ext>
+            </a:extLst>
+          </p:cNvPr>
+          <p:cNvSpPr txBox="1"/>
+          <p:nvPr/>
+        </p:nvSpPr>
+        <p:spPr>
+          <a:xfrm>
+            <a:off x="317665" y="846748"/>
+            <a:ext cx="8508670" cy="662489"/>
+          </a:xfrm>
+          <a:prstGeom prst="rect">
+            <a:avLst/>
+          </a:prstGeom>
+          <a:noFill/>
+        </p:spPr>
+        <p:txBody>
+          <a:bodyPr wrap="square" rtlCol="0">
+            <a:spAutoFit/>
+          </a:bodyPr>
+          <a:lstStyle/>
+          <a:p>
+            <a:pPr algn="just">
+              <a:lnSpc>
+                <a:spcPct val="150000"/>
+              </a:lnSpc>
+            </a:pPr>
+            <a:r>
+              <a:rPr lang="en-US" altLang="zh-CN" sz="2800" b="1" dirty="0">
+                <a:solidFill>
+                  <a:srgbClr val="333333"/>
+                </a:solidFill>
+                <a:latin typeface="+mn-ea"/>
+                <a:ea typeface="+mn-ea"/>
+              </a:rPr>
               <a:t>2</a:t>
             </a:r>
             <a:r>
@@ -16457,7 +16992,7 @@
         <p:spPr>
           <a:xfrm>
             <a:off x="561109" y="1638427"/>
-            <a:ext cx="8021782" cy="4095160"/>
+            <a:ext cx="8021782" cy="4459041"/>
           </a:xfrm>
           <a:prstGeom prst="rect">
             <a:avLst/>
@@ -16476,7 +17011,7 @@
               </a:lnSpc>
             </a:pPr>
             <a:r>
-              <a:rPr lang="en-US" sz="2200" b="1" i="0" dirty="0">
+              <a:rPr lang="en-US" b="1" i="0" dirty="0">
                 <a:solidFill>
                   <a:srgbClr val="000000"/>
                 </a:solidFill>
@@ -16487,7 +17022,7 @@
               <a:t>GDAL</a:t>
             </a:r>
             <a:r>
-              <a:rPr lang="zh-CN" altLang="en-US" sz="2200" b="1" i="0" dirty="0">
+              <a:rPr lang="zh-CN" altLang="en-US" b="1" i="0" dirty="0">
                 <a:solidFill>
                   <a:srgbClr val="000000"/>
                 </a:solidFill>
@@ -16498,7 +17033,7 @@
               <a:t> </a:t>
             </a:r>
             <a:r>
-              <a:rPr lang="en-US" sz="2200" b="0" i="0" dirty="0">
+              <a:rPr lang="en-US" b="0" i="0" dirty="0">
                 <a:solidFill>
                   <a:srgbClr val="000000"/>
                 </a:solidFill>
@@ -16509,7 +17044,7 @@
               <a:t>(Geospatial Data Abstraction Library)</a:t>
             </a:r>
             <a:r>
-              <a:rPr lang="zh-CN" altLang="en-US" sz="2200" b="0" i="0" dirty="0">
+              <a:rPr lang="zh-CN" altLang="en-US" b="0" i="0" dirty="0">
                 <a:solidFill>
                   <a:srgbClr val="000000"/>
                 </a:solidFill>
@@ -16520,7 +17055,7 @@
               <a:t>是一个在</a:t>
             </a:r>
             <a:r>
-              <a:rPr lang="en-US" sz="2200" b="1" i="0" dirty="0">
+              <a:rPr lang="en-US" b="1" i="0" dirty="0">
                 <a:solidFill>
                   <a:srgbClr val="000000"/>
                 </a:solidFill>
@@ -16531,7 +17066,7 @@
               <a:t>MIT</a:t>
             </a:r>
             <a:r>
-              <a:rPr lang="zh-CN" altLang="en-US" sz="2200" b="1" i="0" dirty="0">
+              <a:rPr lang="zh-CN" altLang="en-US" b="1" i="0" dirty="0">
                 <a:solidFill>
                   <a:srgbClr val="000000"/>
                 </a:solidFill>
@@ -16542,7 +17077,7 @@
               <a:t>许可协议</a:t>
             </a:r>
             <a:r>
-              <a:rPr lang="zh-CN" altLang="en-US" sz="2200" b="0" i="0" dirty="0">
+              <a:rPr lang="zh-CN" altLang="en-US" b="0" i="0" dirty="0">
                 <a:solidFill>
                   <a:srgbClr val="000000"/>
                 </a:solidFill>
@@ -16553,7 +17088,7 @@
               <a:t>下的开源栅格空间数据转换库。该项目由</a:t>
             </a:r>
             <a:r>
-              <a:rPr lang="en-US" sz="2200" b="0" i="0" dirty="0">
+              <a:rPr lang="en-US" b="0" i="0" dirty="0">
                 <a:solidFill>
                   <a:srgbClr val="000000"/>
                 </a:solidFill>
@@ -16564,7 +17099,7 @@
               <a:t>Frank Warmerdam</a:t>
             </a:r>
             <a:r>
-              <a:rPr lang="zh-CN" altLang="en-US" sz="2200" b="0" i="0" dirty="0">
+              <a:rPr lang="zh-CN" altLang="en-US" b="0" i="0" dirty="0">
                 <a:solidFill>
                   <a:srgbClr val="000000"/>
                 </a:solidFill>
@@ -16575,7 +17110,7 @@
               <a:t>教授于</a:t>
             </a:r>
             <a:r>
-              <a:rPr lang="en-US" altLang="zh-CN" sz="2200" b="0" i="0" dirty="0">
+              <a:rPr lang="en-US" altLang="zh-CN" b="0" i="0" dirty="0">
                 <a:solidFill>
                   <a:srgbClr val="000000"/>
                 </a:solidFill>
@@ -16586,7 +17121,7 @@
               <a:t>1998</a:t>
             </a:r>
             <a:r>
-              <a:rPr lang="zh-CN" altLang="en-US" sz="2200" b="0" i="0" dirty="0">
+              <a:rPr lang="zh-CN" altLang="en-US" b="0" i="0" dirty="0">
                 <a:solidFill>
                   <a:srgbClr val="000000"/>
                 </a:solidFill>
@@ -16594,10 +17129,10 @@
                 <a:latin typeface="+mn-ea"/>
                 <a:ea typeface="+mn-ea"/>
               </a:rPr>
-              <a:t>年发起。 它利用抽象数据模型来表达所支持的各种文件格式。 它还有一系列命令行工具来进行数据转换和处理。</a:t>
-            </a:r>
-            <a:r>
-              <a:rPr lang="en-US" sz="2200" b="1" i="0" u="sng" dirty="0">
+              <a:t>年发起。 它利用抽象数据模型来表达所支持的各种文件格式。它还有一系列命令行工具来进行数据转换和处理。</a:t>
+            </a:r>
+            <a:r>
+              <a:rPr lang="en-US" b="1" i="0" u="sng" dirty="0">
                 <a:solidFill>
                   <a:srgbClr val="000000"/>
                 </a:solidFill>
@@ -16608,7 +17143,7 @@
               <a:t>OGR</a:t>
             </a:r>
             <a:r>
-              <a:rPr lang="zh-CN" altLang="en-US" sz="2200" b="1" i="0" u="sng" dirty="0">
+              <a:rPr lang="zh-CN" altLang="en-US" b="1" i="0" u="sng" dirty="0">
                 <a:solidFill>
                   <a:srgbClr val="000000"/>
                 </a:solidFill>
@@ -16619,7 +17154,7 @@
               <a:t> </a:t>
             </a:r>
             <a:r>
-              <a:rPr lang="en-US" sz="2200" b="0" i="0" u="sng" dirty="0">
+              <a:rPr lang="en-US" b="0" i="0" u="sng" dirty="0">
                 <a:solidFill>
                   <a:srgbClr val="000000"/>
                 </a:solidFill>
@@ -16630,7 +17165,7 @@
               <a:t>(</a:t>
             </a:r>
             <a:r>
-              <a:rPr lang="en-US" sz="2200" b="0" i="0" u="sng" dirty="0" err="1">
+              <a:rPr lang="en-US" b="0" i="0" u="sng" dirty="0" err="1">
                 <a:solidFill>
                   <a:srgbClr val="000000"/>
                 </a:solidFill>
@@ -16641,7 +17176,7 @@
               <a:t>OpenGIS</a:t>
             </a:r>
             <a:r>
-              <a:rPr lang="en-US" sz="2200" b="0" i="0" u="sng" dirty="0">
+              <a:rPr lang="en-US" b="0" i="0" u="sng" dirty="0">
                 <a:solidFill>
                   <a:srgbClr val="000000"/>
                 </a:solidFill>
@@ -16652,7 +17187,7 @@
               <a:t> Simple Features Reference Implementation)</a:t>
             </a:r>
             <a:r>
-              <a:rPr lang="zh-CN" altLang="en-US" sz="2200" b="0" i="0" u="sng" dirty="0">
+              <a:rPr lang="zh-CN" altLang="en-US" b="0" i="0" u="sng" dirty="0">
                 <a:solidFill>
                   <a:srgbClr val="000000"/>
                 </a:solidFill>
@@ -16663,7 +17198,7 @@
               <a:t> 是</a:t>
             </a:r>
             <a:r>
-              <a:rPr lang="en-US" sz="2200" b="0" i="0" u="sng" dirty="0">
+              <a:rPr lang="en-US" b="0" i="0" u="sng" dirty="0">
                 <a:solidFill>
                   <a:srgbClr val="000000"/>
                 </a:solidFill>
@@ -16674,7 +17209,7 @@
               <a:t>GDAL</a:t>
             </a:r>
             <a:r>
-              <a:rPr lang="zh-CN" altLang="en-US" sz="2200" b="0" i="0" u="sng" dirty="0">
+              <a:rPr lang="zh-CN" altLang="en-US" b="0" i="0" u="sng" dirty="0">
                 <a:solidFill>
                   <a:srgbClr val="000000"/>
                 </a:solidFill>
@@ -16685,7 +17220,7 @@
               <a:t>项目的一个子项目， 提供对矢量数据的支持。 一般把这两个库合称为</a:t>
             </a:r>
             <a:r>
-              <a:rPr lang="en-US" sz="2200" b="0" i="0" u="sng" dirty="0">
+              <a:rPr lang="en-US" b="0" i="0" u="sng" dirty="0">
                 <a:solidFill>
                   <a:srgbClr val="000000"/>
                 </a:solidFill>
@@ -16696,7 +17231,7 @@
               <a:t>GDAL/OGR，</a:t>
             </a:r>
             <a:r>
-              <a:rPr lang="zh-CN" altLang="en-US" sz="2200" b="0" i="0" u="sng" dirty="0">
+              <a:rPr lang="zh-CN" altLang="en-US" b="0" i="0" u="sng" dirty="0">
                 <a:solidFill>
                   <a:srgbClr val="000000"/>
                 </a:solidFill>
@@ -16707,7 +17242,7 @@
               <a:t>或者简称为</a:t>
             </a:r>
             <a:r>
-              <a:rPr lang="en-US" sz="2200" b="0" i="0" u="sng" dirty="0">
+              <a:rPr lang="en-US" b="0" i="0" u="sng" dirty="0">
                 <a:solidFill>
                   <a:srgbClr val="000000"/>
                 </a:solidFill>
@@ -16717,7 +17252,7 @@
               </a:rPr>
               <a:t>GDAL。</a:t>
             </a:r>
-            <a:endParaRPr lang="en-US" altLang="zh-CN" sz="2200" b="1" u="sng" dirty="0">
+            <a:endParaRPr lang="en-US" altLang="zh-CN" b="1" u="sng" dirty="0">
               <a:solidFill>
                 <a:srgbClr val="151515"/>
               </a:solidFill>
@@ -16743,7 +17278,7 @@
 </p:sld>
 </file>
 
-<file path=ppt/slides/slide11.xml><?xml version="1.0" encoding="utf-8"?>
+<file path=ppt/slides/slide12.xml><?xml version="1.0" encoding="utf-8"?>
 <p:sld xmlns:a="http://schemas.openxmlformats.org/drawingml/2006/main" xmlns:r="http://schemas.openxmlformats.org/officeDocument/2006/relationships" xmlns:p="http://schemas.openxmlformats.org/presentationml/2006/main">
   <p:cSld>
     <p:spTree>
@@ -17401,517 +17936,698 @@
           </p:style>
         </p:cxnSp>
       </p:grpSp>
-      <p:grpSp>
-        <p:nvGrpSpPr>
-          <p:cNvPr id="61" name="Group 60">
+      <p:sp>
+        <p:nvSpPr>
+          <p:cNvPr id="28" name="Rounded Rectangle 27">
             <a:extLst>
               <a:ext uri="{FF2B5EF4-FFF2-40B4-BE49-F238E27FC236}">
-                <a16:creationId xmlns:a16="http://schemas.microsoft.com/office/drawing/2014/main" id="{10E0DE21-518B-3F8E-E721-DFE4115F847E}"/>
+                <a16:creationId xmlns:a16="http://schemas.microsoft.com/office/drawing/2014/main" id="{0C89B2E1-0CDC-F585-F0BB-887E467853D8}"/>
               </a:ext>
             </a:extLst>
           </p:cNvPr>
-          <p:cNvGrpSpPr/>
+          <p:cNvSpPr/>
           <p:nvPr/>
-        </p:nvGrpSpPr>
-        <p:grpSpPr>
+        </p:nvSpPr>
+        <p:spPr>
           <a:xfrm>
-            <a:off x="4857872" y="3102548"/>
-            <a:ext cx="4141644" cy="2972424"/>
-            <a:chOff x="4684691" y="3178457"/>
-            <a:chExt cx="4302827" cy="3098108"/>
+            <a:off x="6330181" y="2680516"/>
+            <a:ext cx="2147021" cy="635613"/>
           </a:xfrm>
-        </p:grpSpPr>
-        <p:sp>
-          <p:nvSpPr>
-            <p:cNvPr id="28" name="Rounded Rectangle 27">
-              <a:extLst>
-                <a:ext uri="{FF2B5EF4-FFF2-40B4-BE49-F238E27FC236}">
-                  <a16:creationId xmlns:a16="http://schemas.microsoft.com/office/drawing/2014/main" id="{0C89B2E1-0CDC-F585-F0BB-887E467853D8}"/>
-                </a:ext>
-              </a:extLst>
-            </p:cNvPr>
-            <p:cNvSpPr/>
-            <p:nvPr/>
-          </p:nvSpPr>
-          <p:spPr>
-            <a:xfrm>
-              <a:off x="6082760" y="3178457"/>
-              <a:ext cx="2230578" cy="662489"/>
-            </a:xfrm>
-            <a:prstGeom prst="roundRect">
-              <a:avLst/>
-            </a:prstGeom>
+          <a:prstGeom prst="roundRect">
+            <a:avLst/>
+          </a:prstGeom>
+          <a:solidFill>
+            <a:schemeClr val="accent6"/>
+          </a:solidFill>
+          <a:ln w="19050">
             <a:solidFill>
-              <a:schemeClr val="accent6"/>
+              <a:schemeClr val="bg2"/>
             </a:solidFill>
-            <a:ln w="19050">
+          </a:ln>
+        </p:spPr>
+        <p:txBody>
+          <a:bodyPr wrap="square" lIns="0" rtlCol="0" anchor="ctr">
+            <a:noAutofit/>
+          </a:bodyPr>
+          <a:lstStyle/>
+          <a:p>
+            <a:r>
+              <a:rPr lang="en-CN" sz="2100" b="1" dirty="0">
+                <a:solidFill>
+                  <a:schemeClr val="bg2"/>
+                </a:solidFill>
+                <a:latin typeface="+mn-ea"/>
+                <a:ea typeface="+mn-ea"/>
+              </a:rPr>
+              <a:t>Data source</a:t>
+            </a:r>
+          </a:p>
+        </p:txBody>
+      </p:sp>
+      <p:sp>
+        <p:nvSpPr>
+          <p:cNvPr id="29" name="Rounded Rectangle 28">
+            <a:extLst>
+              <a:ext uri="{FF2B5EF4-FFF2-40B4-BE49-F238E27FC236}">
+                <a16:creationId xmlns:a16="http://schemas.microsoft.com/office/drawing/2014/main" id="{C6B2AD75-E0F3-26E1-5973-C33A78FC4D1F}"/>
+              </a:ext>
+            </a:extLst>
+          </p:cNvPr>
+          <p:cNvSpPr/>
+          <p:nvPr/>
+        </p:nvSpPr>
+        <p:spPr>
+          <a:xfrm>
+            <a:off x="5877814" y="3757988"/>
+            <a:ext cx="1385706" cy="609151"/>
+          </a:xfrm>
+          <a:prstGeom prst="roundRect">
+            <a:avLst/>
+          </a:prstGeom>
+          <a:solidFill>
+            <a:schemeClr val="accent6"/>
+          </a:solidFill>
+          <a:ln w="19050">
+            <a:solidFill>
+              <a:schemeClr val="bg2"/>
+            </a:solidFill>
+          </a:ln>
+        </p:spPr>
+        <p:txBody>
+          <a:bodyPr wrap="square" lIns="0" rtlCol="0" anchor="ctr">
+            <a:noAutofit/>
+          </a:bodyPr>
+          <a:lstStyle/>
+          <a:p>
+            <a:r>
+              <a:rPr lang="en-CN" sz="2100" b="1" dirty="0">
+                <a:solidFill>
+                  <a:schemeClr val="bg2"/>
+                </a:solidFill>
+                <a:latin typeface="+mn-ea"/>
+                <a:ea typeface="+mn-ea"/>
+              </a:rPr>
+              <a:t>Layer</a:t>
+            </a:r>
+            <a:r>
+              <a:rPr lang="en-US" altLang="zh-CN" sz="2100" b="1" dirty="0">
+                <a:solidFill>
+                  <a:schemeClr val="bg2"/>
+                </a:solidFill>
+                <a:latin typeface="+mn-ea"/>
+                <a:ea typeface="+mn-ea"/>
+              </a:rPr>
+              <a:t>1</a:t>
+            </a:r>
+            <a:endParaRPr lang="en-CN" sz="2100" b="1" dirty="0">
               <a:solidFill>
                 <a:schemeClr val="bg2"/>
               </a:solidFill>
-            </a:ln>
-          </p:spPr>
-          <p:txBody>
-            <a:bodyPr wrap="square" lIns="0" rtlCol="0" anchor="ctr">
-              <a:noAutofit/>
-            </a:bodyPr>
-            <a:lstStyle/>
-            <a:p>
-              <a:r>
-                <a:rPr lang="en-CN" sz="2100" b="1" dirty="0">
-                  <a:solidFill>
-                    <a:schemeClr val="bg2"/>
-                  </a:solidFill>
-                  <a:latin typeface="+mn-ea"/>
-                  <a:ea typeface="+mn-ea"/>
-                </a:rPr>
-                <a:t>Data source</a:t>
-              </a:r>
-            </a:p>
-          </p:txBody>
-        </p:sp>
-        <p:sp>
-          <p:nvSpPr>
-            <p:cNvPr id="29" name="Rounded Rectangle 28">
-              <a:extLst>
-                <a:ext uri="{FF2B5EF4-FFF2-40B4-BE49-F238E27FC236}">
-                  <a16:creationId xmlns:a16="http://schemas.microsoft.com/office/drawing/2014/main" id="{C6B2AD75-E0F3-26E1-5973-C33A78FC4D1F}"/>
-                </a:ext>
-              </a:extLst>
-            </p:cNvPr>
-            <p:cNvSpPr/>
-            <p:nvPr/>
-          </p:nvSpPr>
-          <p:spPr>
-            <a:xfrm>
-              <a:off x="5349709" y="4492104"/>
-              <a:ext cx="1439634" cy="634908"/>
-            </a:xfrm>
-            <a:prstGeom prst="roundRect">
-              <a:avLst/>
-            </a:prstGeom>
+              <a:latin typeface="+mn-ea"/>
+              <a:ea typeface="+mn-ea"/>
+            </a:endParaRPr>
+          </a:p>
+        </p:txBody>
+      </p:sp>
+      <p:sp>
+        <p:nvSpPr>
+          <p:cNvPr id="30" name="Rounded Rectangle 29">
+            <a:extLst>
+              <a:ext uri="{FF2B5EF4-FFF2-40B4-BE49-F238E27FC236}">
+                <a16:creationId xmlns:a16="http://schemas.microsoft.com/office/drawing/2014/main" id="{A9F2243D-1754-C1E2-7F17-CBA97876DD24}"/>
+              </a:ext>
+            </a:extLst>
+          </p:cNvPr>
+          <p:cNvSpPr/>
+          <p:nvPr/>
+        </p:nvSpPr>
+        <p:spPr>
+          <a:xfrm>
+            <a:off x="7564571" y="3757988"/>
+            <a:ext cx="1385706" cy="609151"/>
+          </a:xfrm>
+          <a:prstGeom prst="roundRect">
+            <a:avLst/>
+          </a:prstGeom>
+          <a:solidFill>
+            <a:schemeClr val="accent6"/>
+          </a:solidFill>
+          <a:ln w="19050">
             <a:solidFill>
-              <a:schemeClr val="accent6"/>
+              <a:schemeClr val="bg2"/>
             </a:solidFill>
-            <a:ln w="19050">
+          </a:ln>
+        </p:spPr>
+        <p:txBody>
+          <a:bodyPr wrap="square" lIns="0" rtlCol="0" anchor="ctr">
+            <a:noAutofit/>
+          </a:bodyPr>
+          <a:lstStyle/>
+          <a:p>
+            <a:r>
+              <a:rPr lang="en-CN" sz="2100" b="1" dirty="0">
+                <a:solidFill>
+                  <a:schemeClr val="bg2"/>
+                </a:solidFill>
+                <a:latin typeface="+mn-ea"/>
+                <a:ea typeface="+mn-ea"/>
+              </a:rPr>
+              <a:t>Layer</a:t>
+            </a:r>
+            <a:r>
+              <a:rPr lang="en-US" altLang="zh-CN" sz="2100" b="1" dirty="0">
+                <a:solidFill>
+                  <a:schemeClr val="bg2"/>
+                </a:solidFill>
+                <a:latin typeface="+mn-ea"/>
+                <a:ea typeface="+mn-ea"/>
+              </a:rPr>
+              <a:t>2</a:t>
+            </a:r>
+            <a:endParaRPr lang="en-CN" sz="2100" b="1" dirty="0">
               <a:solidFill>
                 <a:schemeClr val="bg2"/>
               </a:solidFill>
-            </a:ln>
-          </p:spPr>
-          <p:txBody>
-            <a:bodyPr wrap="square" lIns="0" rtlCol="0" anchor="ctr">
-              <a:noAutofit/>
-            </a:bodyPr>
-            <a:lstStyle/>
-            <a:p>
-              <a:r>
-                <a:rPr lang="en-CN" sz="2100" b="1" dirty="0">
-                  <a:solidFill>
-                    <a:schemeClr val="bg2"/>
-                  </a:solidFill>
-                  <a:latin typeface="+mn-ea"/>
-                  <a:ea typeface="+mn-ea"/>
-                </a:rPr>
-                <a:t>Layer</a:t>
-              </a:r>
-              <a:r>
-                <a:rPr lang="en-US" altLang="zh-CN" sz="2100" b="1" dirty="0">
-                  <a:solidFill>
-                    <a:schemeClr val="bg2"/>
-                  </a:solidFill>
-                  <a:latin typeface="+mn-ea"/>
-                  <a:ea typeface="+mn-ea"/>
-                </a:rPr>
-                <a:t>1</a:t>
-              </a:r>
-              <a:endParaRPr lang="en-CN" sz="2100" b="1" dirty="0">
+              <a:latin typeface="+mn-ea"/>
+              <a:ea typeface="+mn-ea"/>
+            </a:endParaRPr>
+          </a:p>
+        </p:txBody>
+      </p:sp>
+      <p:sp>
+        <p:nvSpPr>
+          <p:cNvPr id="32" name="Rounded Rectangle 31">
+            <a:extLst>
+              <a:ext uri="{FF2B5EF4-FFF2-40B4-BE49-F238E27FC236}">
+                <a16:creationId xmlns:a16="http://schemas.microsoft.com/office/drawing/2014/main" id="{127D4D11-3546-035E-9F0C-C18C992C41EA}"/>
+              </a:ext>
+            </a:extLst>
+          </p:cNvPr>
+          <p:cNvSpPr/>
+          <p:nvPr/>
+        </p:nvSpPr>
+        <p:spPr>
+          <a:xfrm>
+            <a:off x="5075925" y="4817177"/>
+            <a:ext cx="1385706" cy="624744"/>
+          </a:xfrm>
+          <a:prstGeom prst="roundRect">
+            <a:avLst/>
+          </a:prstGeom>
+          <a:solidFill>
+            <a:schemeClr val="accent6"/>
+          </a:solidFill>
+          <a:ln w="19050">
+            <a:solidFill>
+              <a:schemeClr val="bg2"/>
+            </a:solidFill>
+          </a:ln>
+        </p:spPr>
+        <p:txBody>
+          <a:bodyPr wrap="square" lIns="0" rtlCol="0" anchor="ctr">
+            <a:noAutofit/>
+          </a:bodyPr>
+          <a:lstStyle/>
+          <a:p>
+            <a:r>
+              <a:rPr lang="en-CN" altLang="zh-CN" sz="2100" b="1" dirty="0">
                 <a:solidFill>
                   <a:schemeClr val="bg2"/>
                 </a:solidFill>
                 <a:latin typeface="+mn-ea"/>
                 <a:ea typeface="+mn-ea"/>
-              </a:endParaRPr>
-            </a:p>
-          </p:txBody>
-        </p:sp>
-        <p:sp>
-          <p:nvSpPr>
-            <p:cNvPr id="30" name="Rounded Rectangle 29">
-              <a:extLst>
-                <a:ext uri="{FF2B5EF4-FFF2-40B4-BE49-F238E27FC236}">
-                  <a16:creationId xmlns:a16="http://schemas.microsoft.com/office/drawing/2014/main" id="{A9F2243D-1754-C1E2-7F17-CBA97876DD24}"/>
-                </a:ext>
-              </a:extLst>
-            </p:cNvPr>
-            <p:cNvSpPr/>
-            <p:nvPr/>
-          </p:nvSpPr>
-          <p:spPr>
-            <a:xfrm>
-              <a:off x="7547884" y="4492104"/>
-              <a:ext cx="1439634" cy="634908"/>
-            </a:xfrm>
-            <a:prstGeom prst="roundRect">
-              <a:avLst/>
-            </a:prstGeom>
-            <a:solidFill>
-              <a:schemeClr val="accent6"/>
-            </a:solidFill>
-            <a:ln w="19050">
+              </a:rPr>
+              <a:t>Feature</a:t>
+            </a:r>
+            <a:r>
+              <a:rPr lang="en-US" altLang="zh-CN" sz="2100" b="1" dirty="0">
+                <a:solidFill>
+                  <a:schemeClr val="bg2"/>
+                </a:solidFill>
+                <a:latin typeface="+mn-ea"/>
+                <a:ea typeface="+mn-ea"/>
+              </a:rPr>
+              <a:t>1</a:t>
+            </a:r>
+            <a:endParaRPr lang="en-CN" sz="2100" b="1" dirty="0">
               <a:solidFill>
                 <a:schemeClr val="bg2"/>
               </a:solidFill>
-            </a:ln>
-          </p:spPr>
-          <p:txBody>
-            <a:bodyPr wrap="square" lIns="0" rtlCol="0" anchor="ctr">
-              <a:noAutofit/>
-            </a:bodyPr>
-            <a:lstStyle/>
-            <a:p>
-              <a:r>
-                <a:rPr lang="en-CN" sz="2100" b="1" dirty="0">
-                  <a:solidFill>
-                    <a:schemeClr val="bg2"/>
-                  </a:solidFill>
-                  <a:latin typeface="+mn-ea"/>
-                  <a:ea typeface="+mn-ea"/>
-                </a:rPr>
-                <a:t>Layer</a:t>
-              </a:r>
-              <a:r>
-                <a:rPr lang="en-US" altLang="zh-CN" sz="2100" b="1" dirty="0">
-                  <a:solidFill>
-                    <a:schemeClr val="bg2"/>
-                  </a:solidFill>
-                  <a:latin typeface="+mn-ea"/>
-                  <a:ea typeface="+mn-ea"/>
-                </a:rPr>
-                <a:t>2</a:t>
-              </a:r>
-              <a:endParaRPr lang="en-CN" sz="2100" b="1" dirty="0">
+              <a:latin typeface="+mn-ea"/>
+              <a:ea typeface="+mn-ea"/>
+            </a:endParaRPr>
+          </a:p>
+        </p:txBody>
+      </p:sp>
+      <p:sp>
+        <p:nvSpPr>
+          <p:cNvPr id="33" name="Rounded Rectangle 32">
+            <a:extLst>
+              <a:ext uri="{FF2B5EF4-FFF2-40B4-BE49-F238E27FC236}">
+                <a16:creationId xmlns:a16="http://schemas.microsoft.com/office/drawing/2014/main" id="{97444748-D656-B7D4-2562-526BEF84C111}"/>
+              </a:ext>
+            </a:extLst>
+          </p:cNvPr>
+          <p:cNvSpPr/>
+          <p:nvPr/>
+        </p:nvSpPr>
+        <p:spPr>
+          <a:xfrm>
+            <a:off x="6795922" y="4817177"/>
+            <a:ext cx="1385706" cy="624744"/>
+          </a:xfrm>
+          <a:prstGeom prst="roundRect">
+            <a:avLst/>
+          </a:prstGeom>
+          <a:solidFill>
+            <a:schemeClr val="accent6"/>
+          </a:solidFill>
+          <a:ln w="19050">
+            <a:solidFill>
+              <a:schemeClr val="bg2"/>
+            </a:solidFill>
+          </a:ln>
+        </p:spPr>
+        <p:txBody>
+          <a:bodyPr wrap="square" lIns="0" rtlCol="0" anchor="ctr">
+            <a:noAutofit/>
+          </a:bodyPr>
+          <a:lstStyle/>
+          <a:p>
+            <a:r>
+              <a:rPr lang="en-CN" altLang="zh-CN" sz="2100" b="1" dirty="0">
                 <a:solidFill>
                   <a:schemeClr val="bg2"/>
                 </a:solidFill>
                 <a:latin typeface="+mn-ea"/>
                 <a:ea typeface="+mn-ea"/>
-              </a:endParaRPr>
-            </a:p>
-          </p:txBody>
-        </p:sp>
-        <p:sp>
-          <p:nvSpPr>
-            <p:cNvPr id="32" name="Rounded Rectangle 31">
-              <a:extLst>
-                <a:ext uri="{FF2B5EF4-FFF2-40B4-BE49-F238E27FC236}">
-                  <a16:creationId xmlns:a16="http://schemas.microsoft.com/office/drawing/2014/main" id="{127D4D11-3546-035E-9F0C-C18C992C41EA}"/>
-                </a:ext>
-              </a:extLst>
-            </p:cNvPr>
-            <p:cNvSpPr/>
-            <p:nvPr/>
-          </p:nvSpPr>
-          <p:spPr>
-            <a:xfrm>
-              <a:off x="4684691" y="5625405"/>
-              <a:ext cx="1439634" cy="651160"/>
-            </a:xfrm>
-            <a:prstGeom prst="roundRect">
-              <a:avLst/>
-            </a:prstGeom>
-            <a:solidFill>
-              <a:schemeClr val="accent6"/>
-            </a:solidFill>
-            <a:ln w="19050">
+              </a:rPr>
+              <a:t>Feature</a:t>
+            </a:r>
+            <a:r>
+              <a:rPr lang="en-US" altLang="zh-CN" sz="2100" b="1" dirty="0">
+                <a:solidFill>
+                  <a:schemeClr val="bg2"/>
+                </a:solidFill>
+                <a:latin typeface="+mn-ea"/>
+                <a:ea typeface="+mn-ea"/>
+              </a:rPr>
+              <a:t>2</a:t>
+            </a:r>
+            <a:endParaRPr lang="en-CN" sz="2100" b="1" dirty="0">
               <a:solidFill>
                 <a:schemeClr val="bg2"/>
               </a:solidFill>
-            </a:ln>
-          </p:spPr>
-          <p:txBody>
-            <a:bodyPr wrap="square" lIns="0" rtlCol="0" anchor="ctr">
-              <a:noAutofit/>
-            </a:bodyPr>
-            <a:lstStyle/>
-            <a:p>
-              <a:r>
-                <a:rPr lang="en-CN" altLang="zh-CN" sz="2100" b="1" dirty="0">
-                  <a:solidFill>
-                    <a:schemeClr val="bg2"/>
-                  </a:solidFill>
-                  <a:latin typeface="+mn-ea"/>
-                  <a:ea typeface="+mn-ea"/>
-                </a:rPr>
-                <a:t>Feature</a:t>
-              </a:r>
-              <a:r>
-                <a:rPr lang="en-US" altLang="zh-CN" sz="2100" b="1" dirty="0">
-                  <a:solidFill>
-                    <a:schemeClr val="bg2"/>
-                  </a:solidFill>
-                  <a:latin typeface="+mn-ea"/>
-                  <a:ea typeface="+mn-ea"/>
-                </a:rPr>
-                <a:t>1</a:t>
-              </a:r>
-              <a:endParaRPr lang="en-CN" sz="2100" b="1" dirty="0">
+              <a:latin typeface="+mn-ea"/>
+              <a:ea typeface="+mn-ea"/>
+            </a:endParaRPr>
+          </a:p>
+        </p:txBody>
+      </p:sp>
+      <p:cxnSp>
+        <p:nvCxnSpPr>
+          <p:cNvPr id="35" name="Elbow Connector 34">
+            <a:extLst>
+              <a:ext uri="{FF2B5EF4-FFF2-40B4-BE49-F238E27FC236}">
+                <a16:creationId xmlns:a16="http://schemas.microsoft.com/office/drawing/2014/main" id="{D01D2FB2-54F7-1B97-6AA0-81D59E87D871}"/>
+              </a:ext>
+            </a:extLst>
+          </p:cNvPr>
+          <p:cNvCxnSpPr>
+            <a:cxnSpLocks/>
+            <a:stCxn id="28" idx="2"/>
+            <a:endCxn id="29" idx="0"/>
+          </p:cNvCxnSpPr>
+          <p:nvPr/>
+        </p:nvCxnSpPr>
+        <p:spPr bwMode="auto">
+          <a:xfrm rot="5400000">
+            <a:off x="6766251" y="3120546"/>
+            <a:ext cx="441859" cy="833025"/>
+          </a:xfrm>
+          <a:prstGeom prst="bentConnector3">
+            <a:avLst/>
+          </a:prstGeom>
+          <a:ln w="28575">
+            <a:headEnd type="none" w="med" len="med"/>
+            <a:tailEnd type="triangle"/>
+          </a:ln>
+        </p:spPr>
+        <p:style>
+          <a:lnRef idx="1">
+            <a:schemeClr val="dk1"/>
+          </a:lnRef>
+          <a:fillRef idx="0">
+            <a:schemeClr val="dk1"/>
+          </a:fillRef>
+          <a:effectRef idx="0">
+            <a:schemeClr val="dk1"/>
+          </a:effectRef>
+          <a:fontRef idx="minor">
+            <a:schemeClr val="tx1"/>
+          </a:fontRef>
+        </p:style>
+      </p:cxnSp>
+      <p:cxnSp>
+        <p:nvCxnSpPr>
+          <p:cNvPr id="37" name="Elbow Connector 36">
+            <a:extLst>
+              <a:ext uri="{FF2B5EF4-FFF2-40B4-BE49-F238E27FC236}">
+                <a16:creationId xmlns:a16="http://schemas.microsoft.com/office/drawing/2014/main" id="{6F759320-1F38-881A-42BB-8EC115CCE1FE}"/>
+              </a:ext>
+            </a:extLst>
+          </p:cNvPr>
+          <p:cNvCxnSpPr>
+            <a:cxnSpLocks/>
+            <a:stCxn id="28" idx="2"/>
+            <a:endCxn id="30" idx="0"/>
+          </p:cNvCxnSpPr>
+          <p:nvPr/>
+        </p:nvCxnSpPr>
+        <p:spPr bwMode="auto">
+          <a:xfrm rot="16200000" flipH="1">
+            <a:off x="7609629" y="3110192"/>
+            <a:ext cx="441859" cy="853732"/>
+          </a:xfrm>
+          <a:prstGeom prst="bentConnector3">
+            <a:avLst>
+              <a:gd name="adj1" fmla="val 50000"/>
+            </a:avLst>
+          </a:prstGeom>
+          <a:ln w="28575">
+            <a:headEnd type="none" w="med" len="med"/>
+            <a:tailEnd type="triangle"/>
+          </a:ln>
+        </p:spPr>
+        <p:style>
+          <a:lnRef idx="1">
+            <a:schemeClr val="dk1"/>
+          </a:lnRef>
+          <a:fillRef idx="0">
+            <a:schemeClr val="dk1"/>
+          </a:fillRef>
+          <a:effectRef idx="0">
+            <a:schemeClr val="dk1"/>
+          </a:effectRef>
+          <a:fontRef idx="minor">
+            <a:schemeClr val="tx1"/>
+          </a:fontRef>
+        </p:style>
+      </p:cxnSp>
+      <p:cxnSp>
+        <p:nvCxnSpPr>
+          <p:cNvPr id="44" name="Elbow Connector 43">
+            <a:extLst>
+              <a:ext uri="{FF2B5EF4-FFF2-40B4-BE49-F238E27FC236}">
+                <a16:creationId xmlns:a16="http://schemas.microsoft.com/office/drawing/2014/main" id="{D78B4608-05C6-CCAD-D83C-287F4CBFFB69}"/>
+              </a:ext>
+            </a:extLst>
+          </p:cNvPr>
+          <p:cNvCxnSpPr>
+            <a:cxnSpLocks/>
+            <a:stCxn id="29" idx="2"/>
+            <a:endCxn id="32" idx="0"/>
+          </p:cNvCxnSpPr>
+          <p:nvPr/>
+        </p:nvCxnSpPr>
+        <p:spPr bwMode="auto">
+          <a:xfrm rot="5400000">
+            <a:off x="5944704" y="4191214"/>
+            <a:ext cx="450038" cy="801889"/>
+          </a:xfrm>
+          <a:prstGeom prst="bentConnector3">
+            <a:avLst>
+              <a:gd name="adj1" fmla="val 50000"/>
+            </a:avLst>
+          </a:prstGeom>
+          <a:ln w="28575">
+            <a:headEnd type="none" w="med" len="med"/>
+            <a:tailEnd type="triangle"/>
+          </a:ln>
+        </p:spPr>
+        <p:style>
+          <a:lnRef idx="1">
+            <a:schemeClr val="dk1"/>
+          </a:lnRef>
+          <a:fillRef idx="0">
+            <a:schemeClr val="dk1"/>
+          </a:fillRef>
+          <a:effectRef idx="0">
+            <a:schemeClr val="dk1"/>
+          </a:effectRef>
+          <a:fontRef idx="minor">
+            <a:schemeClr val="tx1"/>
+          </a:fontRef>
+        </p:style>
+      </p:cxnSp>
+      <p:cxnSp>
+        <p:nvCxnSpPr>
+          <p:cNvPr id="47" name="Elbow Connector 46">
+            <a:extLst>
+              <a:ext uri="{FF2B5EF4-FFF2-40B4-BE49-F238E27FC236}">
+                <a16:creationId xmlns:a16="http://schemas.microsoft.com/office/drawing/2014/main" id="{AFDF6298-495F-C50C-91B3-8403B747640A}"/>
+              </a:ext>
+            </a:extLst>
+          </p:cNvPr>
+          <p:cNvCxnSpPr>
+            <a:cxnSpLocks/>
+            <a:stCxn id="29" idx="2"/>
+            <a:endCxn id="33" idx="0"/>
+          </p:cNvCxnSpPr>
+          <p:nvPr/>
+        </p:nvCxnSpPr>
+        <p:spPr bwMode="auto">
+          <a:xfrm rot="16200000" flipH="1">
+            <a:off x="6804702" y="4133104"/>
+            <a:ext cx="450038" cy="918108"/>
+          </a:xfrm>
+          <a:prstGeom prst="bentConnector3">
+            <a:avLst>
+              <a:gd name="adj1" fmla="val 50000"/>
+            </a:avLst>
+          </a:prstGeom>
+          <a:ln w="28575">
+            <a:headEnd type="none" w="med" len="med"/>
+            <a:tailEnd type="triangle"/>
+          </a:ln>
+        </p:spPr>
+        <p:style>
+          <a:lnRef idx="1">
+            <a:schemeClr val="dk1"/>
+          </a:lnRef>
+          <a:fillRef idx="0">
+            <a:schemeClr val="dk1"/>
+          </a:fillRef>
+          <a:effectRef idx="0">
+            <a:schemeClr val="dk1"/>
+          </a:effectRef>
+          <a:fontRef idx="minor">
+            <a:schemeClr val="tx1"/>
+          </a:fontRef>
+        </p:style>
+      </p:cxnSp>
+      <p:sp>
+        <p:nvSpPr>
+          <p:cNvPr id="6" name="Rounded Rectangle 31">
+            <a:extLst>
+              <a:ext uri="{FF2B5EF4-FFF2-40B4-BE49-F238E27FC236}">
+                <a16:creationId xmlns:a16="http://schemas.microsoft.com/office/drawing/2014/main" id="{D8ABB4EA-CFEE-6509-D30D-0457595F563F}"/>
+              </a:ext>
+            </a:extLst>
+          </p:cNvPr>
+          <p:cNvSpPr/>
+          <p:nvPr/>
+        </p:nvSpPr>
+        <p:spPr>
+          <a:xfrm>
+            <a:off x="4285954" y="6004666"/>
+            <a:ext cx="1385706" cy="624744"/>
+          </a:xfrm>
+          <a:prstGeom prst="roundRect">
+            <a:avLst/>
+          </a:prstGeom>
+          <a:solidFill>
+            <a:schemeClr val="accent6"/>
+          </a:solidFill>
+          <a:ln w="19050">
+            <a:solidFill>
+              <a:schemeClr val="bg2"/>
+            </a:solidFill>
+          </a:ln>
+        </p:spPr>
+        <p:txBody>
+          <a:bodyPr wrap="square" lIns="0" rtlCol="0" anchor="ctr">
+            <a:noAutofit/>
+          </a:bodyPr>
+          <a:lstStyle/>
+          <a:p>
+            <a:r>
+              <a:rPr lang="zh-CN" altLang="en-US" sz="2100" b="1" dirty="0">
                 <a:solidFill>
                   <a:schemeClr val="bg2"/>
                 </a:solidFill>
                 <a:latin typeface="+mn-ea"/>
                 <a:ea typeface="+mn-ea"/>
-              </a:endParaRPr>
-            </a:p>
-          </p:txBody>
-        </p:sp>
-        <p:sp>
-          <p:nvSpPr>
-            <p:cNvPr id="33" name="Rounded Rectangle 32">
-              <a:extLst>
-                <a:ext uri="{FF2B5EF4-FFF2-40B4-BE49-F238E27FC236}">
-                  <a16:creationId xmlns:a16="http://schemas.microsoft.com/office/drawing/2014/main" id="{97444748-D656-B7D4-2562-526BEF84C111}"/>
-                </a:ext>
-              </a:extLst>
-            </p:cNvPr>
-            <p:cNvSpPr/>
-            <p:nvPr/>
-          </p:nvSpPr>
-          <p:spPr>
-            <a:xfrm>
-              <a:off x="6610473" y="5625405"/>
-              <a:ext cx="1439634" cy="651160"/>
-            </a:xfrm>
-            <a:prstGeom prst="roundRect">
-              <a:avLst/>
-            </a:prstGeom>
-            <a:solidFill>
-              <a:schemeClr val="accent6"/>
-            </a:solidFill>
-            <a:ln w="19050">
+              </a:rPr>
+              <a:t>几何</a:t>
+            </a:r>
+            <a:endParaRPr lang="en-CN" sz="2100" b="1" dirty="0">
               <a:solidFill>
                 <a:schemeClr val="bg2"/>
               </a:solidFill>
-            </a:ln>
-          </p:spPr>
-          <p:txBody>
-            <a:bodyPr wrap="square" lIns="0" rtlCol="0" anchor="ctr">
-              <a:noAutofit/>
-            </a:bodyPr>
-            <a:lstStyle/>
-            <a:p>
-              <a:r>
-                <a:rPr lang="en-CN" altLang="zh-CN" sz="2100" b="1" dirty="0">
-                  <a:solidFill>
-                    <a:schemeClr val="bg2"/>
-                  </a:solidFill>
-                  <a:latin typeface="+mn-ea"/>
-                  <a:ea typeface="+mn-ea"/>
-                </a:rPr>
-                <a:t>Feature</a:t>
-              </a:r>
-              <a:r>
-                <a:rPr lang="en-US" altLang="zh-CN" sz="2100" b="1" dirty="0">
-                  <a:solidFill>
-                    <a:schemeClr val="bg2"/>
-                  </a:solidFill>
-                  <a:latin typeface="+mn-ea"/>
-                  <a:ea typeface="+mn-ea"/>
-                </a:rPr>
-                <a:t>2</a:t>
-              </a:r>
-              <a:endParaRPr lang="en-CN" sz="2100" b="1" dirty="0">
+              <a:latin typeface="+mn-ea"/>
+              <a:ea typeface="+mn-ea"/>
+            </a:endParaRPr>
+          </a:p>
+        </p:txBody>
+      </p:sp>
+      <p:sp>
+        <p:nvSpPr>
+          <p:cNvPr id="7" name="Rounded Rectangle 31">
+            <a:extLst>
+              <a:ext uri="{FF2B5EF4-FFF2-40B4-BE49-F238E27FC236}">
+                <a16:creationId xmlns:a16="http://schemas.microsoft.com/office/drawing/2014/main" id="{653E32A5-8012-1C07-72E0-2485D575EB8D}"/>
+              </a:ext>
+            </a:extLst>
+          </p:cNvPr>
+          <p:cNvSpPr/>
+          <p:nvPr/>
+        </p:nvSpPr>
+        <p:spPr>
+          <a:xfrm>
+            <a:off x="6013307" y="6014872"/>
+            <a:ext cx="1385706" cy="624744"/>
+          </a:xfrm>
+          <a:prstGeom prst="roundRect">
+            <a:avLst/>
+          </a:prstGeom>
+          <a:solidFill>
+            <a:schemeClr val="accent6"/>
+          </a:solidFill>
+          <a:ln w="19050">
+            <a:solidFill>
+              <a:schemeClr val="bg2"/>
+            </a:solidFill>
+          </a:ln>
+        </p:spPr>
+        <p:txBody>
+          <a:bodyPr wrap="square" lIns="0" rtlCol="0" anchor="ctr">
+            <a:noAutofit/>
+          </a:bodyPr>
+          <a:lstStyle/>
+          <a:p>
+            <a:r>
+              <a:rPr lang="zh-CN" altLang="en-US" sz="2100" b="1" dirty="0">
                 <a:solidFill>
                   <a:schemeClr val="bg2"/>
                 </a:solidFill>
                 <a:latin typeface="+mn-ea"/>
                 <a:ea typeface="+mn-ea"/>
-              </a:endParaRPr>
-            </a:p>
-          </p:txBody>
-        </p:sp>
-        <p:cxnSp>
-          <p:nvCxnSpPr>
-            <p:cNvPr id="35" name="Elbow Connector 34">
-              <a:extLst>
-                <a:ext uri="{FF2B5EF4-FFF2-40B4-BE49-F238E27FC236}">
-                  <a16:creationId xmlns:a16="http://schemas.microsoft.com/office/drawing/2014/main" id="{D01D2FB2-54F7-1B97-6AA0-81D59E87D871}"/>
-                </a:ext>
-              </a:extLst>
-            </p:cNvPr>
-            <p:cNvCxnSpPr>
-              <a:cxnSpLocks/>
-              <a:stCxn id="28" idx="2"/>
-              <a:endCxn id="29" idx="0"/>
-            </p:cNvCxnSpPr>
-            <p:nvPr/>
-          </p:nvCxnSpPr>
-          <p:spPr bwMode="auto">
-            <a:xfrm rot="5400000">
-              <a:off x="6308209" y="3602264"/>
-              <a:ext cx="651158" cy="1128523"/>
-            </a:xfrm>
-            <a:prstGeom prst="bentConnector3">
-              <a:avLst/>
-            </a:prstGeom>
-            <a:ln w="28575">
-              <a:headEnd type="none" w="med" len="med"/>
-              <a:tailEnd type="triangle"/>
-            </a:ln>
-          </p:spPr>
-          <p:style>
-            <a:lnRef idx="1">
-              <a:schemeClr val="dk1"/>
-            </a:lnRef>
-            <a:fillRef idx="0">
-              <a:schemeClr val="dk1"/>
-            </a:fillRef>
-            <a:effectRef idx="0">
-              <a:schemeClr val="dk1"/>
-            </a:effectRef>
-            <a:fontRef idx="minor">
-              <a:schemeClr val="tx1"/>
-            </a:fontRef>
-          </p:style>
-        </p:cxnSp>
-        <p:cxnSp>
-          <p:nvCxnSpPr>
-            <p:cNvPr id="37" name="Elbow Connector 36">
-              <a:extLst>
-                <a:ext uri="{FF2B5EF4-FFF2-40B4-BE49-F238E27FC236}">
-                  <a16:creationId xmlns:a16="http://schemas.microsoft.com/office/drawing/2014/main" id="{6F759320-1F38-881A-42BB-8EC115CCE1FE}"/>
-                </a:ext>
-              </a:extLst>
-            </p:cNvPr>
-            <p:cNvCxnSpPr>
-              <a:cxnSpLocks/>
-              <a:stCxn id="28" idx="2"/>
-              <a:endCxn id="30" idx="0"/>
-            </p:cNvCxnSpPr>
-            <p:nvPr/>
-          </p:nvCxnSpPr>
-          <p:spPr bwMode="auto">
-            <a:xfrm rot="16200000" flipH="1">
-              <a:off x="7407296" y="3631699"/>
-              <a:ext cx="651158" cy="1069652"/>
-            </a:xfrm>
-            <a:prstGeom prst="bentConnector3">
-              <a:avLst>
-                <a:gd name="adj1" fmla="val 50000"/>
-              </a:avLst>
-            </a:prstGeom>
-            <a:ln w="28575">
-              <a:headEnd type="none" w="med" len="med"/>
-              <a:tailEnd type="triangle"/>
-            </a:ln>
-          </p:spPr>
-          <p:style>
-            <a:lnRef idx="1">
-              <a:schemeClr val="dk1"/>
-            </a:lnRef>
-            <a:fillRef idx="0">
-              <a:schemeClr val="dk1"/>
-            </a:fillRef>
-            <a:effectRef idx="0">
-              <a:schemeClr val="dk1"/>
-            </a:effectRef>
-            <a:fontRef idx="minor">
-              <a:schemeClr val="tx1"/>
-            </a:fontRef>
-          </p:style>
-        </p:cxnSp>
-        <p:cxnSp>
-          <p:nvCxnSpPr>
-            <p:cNvPr id="44" name="Elbow Connector 43">
-              <a:extLst>
-                <a:ext uri="{FF2B5EF4-FFF2-40B4-BE49-F238E27FC236}">
-                  <a16:creationId xmlns:a16="http://schemas.microsoft.com/office/drawing/2014/main" id="{D78B4608-05C6-CCAD-D83C-287F4CBFFB69}"/>
-                </a:ext>
-              </a:extLst>
-            </p:cNvPr>
-            <p:cNvCxnSpPr>
-              <a:cxnSpLocks/>
-              <a:stCxn id="29" idx="2"/>
-              <a:endCxn id="32" idx="0"/>
-            </p:cNvCxnSpPr>
-            <p:nvPr/>
-          </p:nvCxnSpPr>
-          <p:spPr bwMode="auto">
-            <a:xfrm rot="5400000">
-              <a:off x="5487821" y="5043699"/>
-              <a:ext cx="498393" cy="665018"/>
-            </a:xfrm>
-            <a:prstGeom prst="bentConnector3">
-              <a:avLst>
-                <a:gd name="adj1" fmla="val 50000"/>
-              </a:avLst>
-            </a:prstGeom>
-            <a:ln w="28575">
-              <a:headEnd type="none" w="med" len="med"/>
-              <a:tailEnd type="triangle"/>
-            </a:ln>
-          </p:spPr>
-          <p:style>
-            <a:lnRef idx="1">
-              <a:schemeClr val="dk1"/>
-            </a:lnRef>
-            <a:fillRef idx="0">
-              <a:schemeClr val="dk1"/>
-            </a:fillRef>
-            <a:effectRef idx="0">
-              <a:schemeClr val="dk1"/>
-            </a:effectRef>
-            <a:fontRef idx="minor">
-              <a:schemeClr val="tx1"/>
-            </a:fontRef>
-          </p:style>
-        </p:cxnSp>
-        <p:cxnSp>
-          <p:nvCxnSpPr>
-            <p:cNvPr id="47" name="Elbow Connector 46">
-              <a:extLst>
-                <a:ext uri="{FF2B5EF4-FFF2-40B4-BE49-F238E27FC236}">
-                  <a16:creationId xmlns:a16="http://schemas.microsoft.com/office/drawing/2014/main" id="{AFDF6298-495F-C50C-91B3-8403B747640A}"/>
-                </a:ext>
-              </a:extLst>
-            </p:cNvPr>
-            <p:cNvCxnSpPr>
-              <a:cxnSpLocks/>
-              <a:stCxn id="29" idx="2"/>
-              <a:endCxn id="33" idx="0"/>
-            </p:cNvCxnSpPr>
-            <p:nvPr/>
-          </p:nvCxnSpPr>
-          <p:spPr bwMode="auto">
-            <a:xfrm rot="16200000" flipH="1">
-              <a:off x="6450712" y="4745826"/>
-              <a:ext cx="498393" cy="1260764"/>
-            </a:xfrm>
-            <a:prstGeom prst="bentConnector3">
-              <a:avLst>
-                <a:gd name="adj1" fmla="val 50000"/>
-              </a:avLst>
-            </a:prstGeom>
-            <a:ln w="28575">
-              <a:headEnd type="none" w="med" len="med"/>
-              <a:tailEnd type="triangle"/>
-            </a:ln>
-          </p:spPr>
-          <p:style>
-            <a:lnRef idx="1">
-              <a:schemeClr val="dk1"/>
-            </a:lnRef>
-            <a:fillRef idx="0">
-              <a:schemeClr val="dk1"/>
-            </a:fillRef>
-            <a:effectRef idx="0">
-              <a:schemeClr val="dk1"/>
-            </a:effectRef>
-            <a:fontRef idx="minor">
-              <a:schemeClr val="tx1"/>
-            </a:fontRef>
-          </p:style>
-        </p:cxnSp>
-      </p:grpSp>
+              </a:rPr>
+              <a:t>属性</a:t>
+            </a:r>
+            <a:endParaRPr lang="en-CN" sz="2100" b="1" dirty="0">
+              <a:solidFill>
+                <a:schemeClr val="bg2"/>
+              </a:solidFill>
+              <a:latin typeface="+mn-ea"/>
+              <a:ea typeface="+mn-ea"/>
+            </a:endParaRPr>
+          </a:p>
+        </p:txBody>
+      </p:sp>
+      <p:cxnSp>
+        <p:nvCxnSpPr>
+          <p:cNvPr id="9" name="Elbow Connector 46">
+            <a:extLst>
+              <a:ext uri="{FF2B5EF4-FFF2-40B4-BE49-F238E27FC236}">
+                <a16:creationId xmlns:a16="http://schemas.microsoft.com/office/drawing/2014/main" id="{E1C520ED-199D-B823-C340-3D89A0EB224F}"/>
+              </a:ext>
+            </a:extLst>
+          </p:cNvPr>
+          <p:cNvCxnSpPr>
+            <a:cxnSpLocks/>
+            <a:stCxn id="32" idx="2"/>
+            <a:endCxn id="7" idx="0"/>
+          </p:cNvCxnSpPr>
+          <p:nvPr/>
+        </p:nvCxnSpPr>
+        <p:spPr bwMode="auto">
+          <a:xfrm rot="16200000" flipH="1">
+            <a:off x="5950994" y="5259705"/>
+            <a:ext cx="572951" cy="937382"/>
+          </a:xfrm>
+          <a:prstGeom prst="bentConnector3">
+            <a:avLst>
+              <a:gd name="adj1" fmla="val 50000"/>
+            </a:avLst>
+          </a:prstGeom>
+          <a:ln w="28575">
+            <a:headEnd type="none" w="med" len="med"/>
+            <a:tailEnd type="triangle"/>
+          </a:ln>
+        </p:spPr>
+        <p:style>
+          <a:lnRef idx="1">
+            <a:schemeClr val="dk1"/>
+          </a:lnRef>
+          <a:fillRef idx="0">
+            <a:schemeClr val="dk1"/>
+          </a:fillRef>
+          <a:effectRef idx="0">
+            <a:schemeClr val="dk1"/>
+          </a:effectRef>
+          <a:fontRef idx="minor">
+            <a:schemeClr val="tx1"/>
+          </a:fontRef>
+        </p:style>
+      </p:cxnSp>
+      <p:cxnSp>
+        <p:nvCxnSpPr>
+          <p:cNvPr id="15" name="Elbow Connector 46">
+            <a:extLst>
+              <a:ext uri="{FF2B5EF4-FFF2-40B4-BE49-F238E27FC236}">
+                <a16:creationId xmlns:a16="http://schemas.microsoft.com/office/drawing/2014/main" id="{82EFEB03-A782-A2F4-060A-85044231BE53}"/>
+              </a:ext>
+            </a:extLst>
+          </p:cNvPr>
+          <p:cNvCxnSpPr>
+            <a:cxnSpLocks/>
+            <a:stCxn id="32" idx="2"/>
+            <a:endCxn id="6" idx="0"/>
+          </p:cNvCxnSpPr>
+          <p:nvPr/>
+        </p:nvCxnSpPr>
+        <p:spPr bwMode="auto">
+          <a:xfrm rot="5400000">
+            <a:off x="5092421" y="5328308"/>
+            <a:ext cx="562745" cy="789971"/>
+          </a:xfrm>
+          <a:prstGeom prst="bentConnector3">
+            <a:avLst>
+              <a:gd name="adj1" fmla="val 50000"/>
+            </a:avLst>
+          </a:prstGeom>
+          <a:ln w="28575">
+            <a:headEnd type="none" w="med" len="med"/>
+            <a:tailEnd type="triangle"/>
+          </a:ln>
+        </p:spPr>
+        <p:style>
+          <a:lnRef idx="1">
+            <a:schemeClr val="dk1"/>
+          </a:lnRef>
+          <a:fillRef idx="0">
+            <a:schemeClr val="dk1"/>
+          </a:fillRef>
+          <a:effectRef idx="0">
+            <a:schemeClr val="dk1"/>
+          </a:effectRef>
+          <a:fontRef idx="minor">
+            <a:schemeClr val="tx1"/>
+          </a:fontRef>
+        </p:style>
+      </p:cxnSp>
     </p:spTree>
     <p:extLst>
       <p:ext uri="{BB962C8B-B14F-4D97-AF65-F5344CB8AC3E}">
@@ -17928,7 +18644,7 @@
 </p:sld>
 </file>
 
-<file path=ppt/slides/slide12.xml><?xml version="1.0" encoding="utf-8"?>
+<file path=ppt/slides/slide13.xml><?xml version="1.0" encoding="utf-8"?>
 <p:sld xmlns:a="http://schemas.openxmlformats.org/drawingml/2006/main" xmlns:r="http://schemas.openxmlformats.org/officeDocument/2006/relationships" xmlns:p="http://schemas.openxmlformats.org/presentationml/2006/main">
   <p:cSld>
     <p:spTree>
@@ -18905,791 +19621,6 @@
 </p:sld>
 </file>
 
-<file path=ppt/slides/slide13.xml><?xml version="1.0" encoding="utf-8"?>
-<p:sld xmlns:a="http://schemas.openxmlformats.org/drawingml/2006/main" xmlns:r="http://schemas.openxmlformats.org/officeDocument/2006/relationships" xmlns:p="http://schemas.openxmlformats.org/presentationml/2006/main">
-  <p:cSld>
-    <p:spTree>
-      <p:nvGrpSpPr>
-        <p:cNvPr id="1" name=""/>
-        <p:cNvGrpSpPr/>
-        <p:nvPr/>
-      </p:nvGrpSpPr>
-      <p:grpSpPr>
-        <a:xfrm>
-          <a:off x="0" y="0"/>
-          <a:ext cx="0" cy="0"/>
-          <a:chOff x="0" y="0"/>
-          <a:chExt cx="0" cy="0"/>
-        </a:xfrm>
-      </p:grpSpPr>
-      <p:sp>
-        <p:nvSpPr>
-          <p:cNvPr id="3" name="标题 2"/>
-          <p:cNvSpPr>
-            <a:spLocks noGrp="1"/>
-          </p:cNvSpPr>
-          <p:nvPr>
-            <p:ph type="title"/>
-          </p:nvPr>
-        </p:nvSpPr>
-        <p:spPr>
-          <a:xfrm>
-            <a:off x="0" y="8526"/>
-            <a:ext cx="9013371" cy="792162"/>
-          </a:xfrm>
-        </p:spPr>
-        <p:txBody>
-          <a:bodyPr/>
-          <a:lstStyle/>
-          <a:p>
-            <a:pPr algn="l" fontAlgn="auto">
-              <a:spcBef>
-                <a:spcPts val="0"/>
-              </a:spcBef>
-              <a:spcAft>
-                <a:spcPts val="0"/>
-              </a:spcAft>
-            </a:pPr>
-            <a:r>
-              <a:rPr lang="zh-CN" altLang="en-US" sz="3600" b="1" dirty="0">
-                <a:latin typeface="微软雅黑" pitchFamily="34" charset="-122"/>
-                <a:ea typeface="微软雅黑" pitchFamily="34" charset="-122"/>
-              </a:rPr>
-              <a:t>一、</a:t>
-            </a:r>
-            <a:r>
-              <a:rPr lang="en-US" sz="3600" b="1" dirty="0">
-                <a:latin typeface="微软雅黑" pitchFamily="34" charset="-122"/>
-                <a:ea typeface="微软雅黑" pitchFamily="34" charset="-122"/>
-              </a:rPr>
-              <a:t>GIS</a:t>
-            </a:r>
-            <a:r>
-              <a:rPr lang="zh-CN" altLang="en-US" sz="3600" b="1" dirty="0">
-                <a:latin typeface="微软雅黑" pitchFamily="34" charset="-122"/>
-                <a:ea typeface="微软雅黑" pitchFamily="34" charset="-122"/>
-              </a:rPr>
-              <a:t>数据读写</a:t>
-            </a:r>
-            <a:r>
-              <a:rPr lang="en-CN" sz="3600" b="1" dirty="0">
-                <a:latin typeface="微软雅黑" pitchFamily="34" charset="-122"/>
-                <a:ea typeface="微软雅黑" pitchFamily="34" charset="-122"/>
-              </a:rPr>
-              <a:t> </a:t>
-            </a:r>
-            <a:endParaRPr lang="zh-CN" altLang="en-US" sz="3600" b="1" dirty="0">
-              <a:latin typeface="微软雅黑" pitchFamily="34" charset="-122"/>
-              <a:ea typeface="微软雅黑" pitchFamily="34" charset="-122"/>
-            </a:endParaRPr>
-          </a:p>
-        </p:txBody>
-      </p:sp>
-      <p:sp>
-        <p:nvSpPr>
-          <p:cNvPr id="2" name="TextBox 1">
-            <a:extLst>
-              <a:ext uri="{FF2B5EF4-FFF2-40B4-BE49-F238E27FC236}">
-                <a16:creationId xmlns:a16="http://schemas.microsoft.com/office/drawing/2014/main" id="{631AADB6-C88A-D817-4683-FC087E4E240F}"/>
-              </a:ext>
-            </a:extLst>
-          </p:cNvPr>
-          <p:cNvSpPr txBox="1"/>
-          <p:nvPr/>
-        </p:nvSpPr>
-        <p:spPr>
-          <a:xfrm>
-            <a:off x="317665" y="846748"/>
-            <a:ext cx="8508670" cy="662489"/>
-          </a:xfrm>
-          <a:prstGeom prst="rect">
-            <a:avLst/>
-          </a:prstGeom>
-          <a:noFill/>
-        </p:spPr>
-        <p:txBody>
-          <a:bodyPr wrap="square" rtlCol="0">
-            <a:spAutoFit/>
-          </a:bodyPr>
-          <a:lstStyle/>
-          <a:p>
-            <a:pPr algn="just">
-              <a:lnSpc>
-                <a:spcPct val="150000"/>
-              </a:lnSpc>
-            </a:pPr>
-            <a:r>
-              <a:rPr lang="en-US" altLang="zh-CN" sz="2800" b="1" dirty="0">
-                <a:solidFill>
-                  <a:srgbClr val="333333"/>
-                </a:solidFill>
-                <a:latin typeface="+mn-ea"/>
-                <a:ea typeface="+mn-ea"/>
-              </a:rPr>
-              <a:t>2</a:t>
-            </a:r>
-            <a:r>
-              <a:rPr lang="zh-CN" altLang="en-US" sz="2800" b="1" dirty="0">
-                <a:solidFill>
-                  <a:srgbClr val="333333"/>
-                </a:solidFill>
-                <a:latin typeface="+mn-ea"/>
-                <a:ea typeface="+mn-ea"/>
-              </a:rPr>
-              <a:t>、开源</a:t>
-            </a:r>
-            <a:r>
-              <a:rPr lang="en-US" altLang="zh-CN" sz="2800" b="1" dirty="0">
-                <a:solidFill>
-                  <a:srgbClr val="333333"/>
-                </a:solidFill>
-                <a:latin typeface="+mn-ea"/>
-                <a:ea typeface="+mn-ea"/>
-              </a:rPr>
-              <a:t>GDAL/</a:t>
-            </a:r>
-            <a:r>
-              <a:rPr lang="en-US" altLang="zh-CN" sz="2800" b="1" u="sng" dirty="0">
-                <a:solidFill>
-                  <a:srgbClr val="333333"/>
-                </a:solidFill>
-                <a:latin typeface="+mn-ea"/>
-                <a:ea typeface="+mn-ea"/>
-              </a:rPr>
-              <a:t>OGR</a:t>
-            </a:r>
-            <a:r>
-              <a:rPr lang="zh-CN" altLang="en-US" sz="2800" b="1" dirty="0">
-                <a:solidFill>
-                  <a:srgbClr val="333333"/>
-                </a:solidFill>
-                <a:latin typeface="+mn-ea"/>
-                <a:ea typeface="+mn-ea"/>
-              </a:rPr>
-              <a:t>库简介</a:t>
-            </a:r>
-            <a:endParaRPr lang="en-US" altLang="zh-CN" sz="2800" b="1" dirty="0">
-              <a:solidFill>
-                <a:srgbClr val="333333"/>
-              </a:solidFill>
-              <a:latin typeface="+mn-ea"/>
-              <a:ea typeface="+mn-ea"/>
-            </a:endParaRPr>
-          </a:p>
-        </p:txBody>
-      </p:sp>
-      <p:sp>
-        <p:nvSpPr>
-          <p:cNvPr id="6" name="TextBox 5">
-            <a:extLst>
-              <a:ext uri="{FF2B5EF4-FFF2-40B4-BE49-F238E27FC236}">
-                <a16:creationId xmlns:a16="http://schemas.microsoft.com/office/drawing/2014/main" id="{DA984439-1B23-1931-1979-ECF8DE9D6DCA}"/>
-              </a:ext>
-            </a:extLst>
-          </p:cNvPr>
-          <p:cNvSpPr txBox="1"/>
-          <p:nvPr/>
-        </p:nvSpPr>
-        <p:spPr>
-          <a:xfrm>
-            <a:off x="342379" y="1466548"/>
-            <a:ext cx="8141864" cy="5046959"/>
-          </a:xfrm>
-          <a:prstGeom prst="rect">
-            <a:avLst/>
-          </a:prstGeom>
-          <a:noFill/>
-        </p:spPr>
-        <p:txBody>
-          <a:bodyPr wrap="square">
-            <a:spAutoFit/>
-          </a:bodyPr>
-          <a:lstStyle/>
-          <a:p>
-            <a:pPr algn="just">
-              <a:lnSpc>
-                <a:spcPct val="200000"/>
-              </a:lnSpc>
-              <a:spcBef>
-                <a:spcPts val="0"/>
-              </a:spcBef>
-              <a:spcAft>
-                <a:spcPts val="0"/>
-              </a:spcAft>
-            </a:pPr>
-            <a:r>
-              <a:rPr lang="en-US" b="1" i="0" dirty="0">
-                <a:solidFill>
-                  <a:srgbClr val="000000"/>
-                </a:solidFill>
-                <a:effectLst/>
-                <a:latin typeface="+mn-ea"/>
-                <a:ea typeface="+mn-ea"/>
-              </a:rPr>
-              <a:t>OGR</a:t>
-            </a:r>
-            <a:r>
-              <a:rPr lang="zh-CN" altLang="en-US" b="1" i="0" dirty="0">
-                <a:solidFill>
-                  <a:srgbClr val="000000"/>
-                </a:solidFill>
-                <a:effectLst/>
-                <a:latin typeface="+mn-ea"/>
-                <a:ea typeface="+mn-ea"/>
-              </a:rPr>
-              <a:t>包括如下几部分：</a:t>
-            </a:r>
-          </a:p>
-          <a:p>
-            <a:pPr algn="just">
-              <a:lnSpc>
-                <a:spcPct val="200000"/>
-              </a:lnSpc>
-              <a:spcBef>
-                <a:spcPts val="0"/>
-              </a:spcBef>
-              <a:spcAft>
-                <a:spcPts val="0"/>
-              </a:spcAft>
-            </a:pPr>
-            <a:r>
-              <a:rPr lang="en-US" sz="2000" b="1" dirty="0" err="1">
-                <a:solidFill>
-                  <a:srgbClr val="000000"/>
-                </a:solidFill>
-                <a:latin typeface="+mn-ea"/>
-                <a:ea typeface="+mn-ea"/>
-              </a:rPr>
-              <a:t>ogr.Driver</a:t>
-            </a:r>
-            <a:r>
-              <a:rPr lang="zh-CN" altLang="en-US" sz="2000" b="1" dirty="0">
-                <a:solidFill>
-                  <a:srgbClr val="000000"/>
-                </a:solidFill>
-                <a:latin typeface="+mn-ea"/>
-                <a:ea typeface="+mn-ea"/>
-              </a:rPr>
-              <a:t>类</a:t>
-            </a:r>
-            <a:r>
-              <a:rPr lang="zh-CN" altLang="en-US" sz="2000" dirty="0">
-                <a:solidFill>
-                  <a:srgbClr val="000000"/>
-                </a:solidFill>
-                <a:latin typeface="+mn-ea"/>
-                <a:ea typeface="+mn-ea"/>
-              </a:rPr>
-              <a:t>：对应于每一个</a:t>
-            </a:r>
-            <a:r>
-              <a:rPr lang="en-US" altLang="zh-CN" sz="2000" dirty="0">
-                <a:solidFill>
-                  <a:srgbClr val="000000"/>
-                </a:solidFill>
-                <a:latin typeface="+mn-ea"/>
-                <a:ea typeface="+mn-ea"/>
-              </a:rPr>
-              <a:t>OGR</a:t>
-            </a:r>
-            <a:r>
-              <a:rPr lang="zh-CN" altLang="en-US" sz="2000" dirty="0">
-                <a:solidFill>
-                  <a:srgbClr val="000000"/>
-                </a:solidFill>
-                <a:latin typeface="+mn-ea"/>
-                <a:ea typeface="+mn-ea"/>
-              </a:rPr>
-              <a:t>所支持的矢量文件格式。</a:t>
-            </a:r>
-          </a:p>
-          <a:p>
-            <a:pPr algn="just">
-              <a:lnSpc>
-                <a:spcPct val="200000"/>
-              </a:lnSpc>
-              <a:spcBef>
-                <a:spcPts val="0"/>
-              </a:spcBef>
-              <a:spcAft>
-                <a:spcPts val="0"/>
-              </a:spcAft>
-            </a:pPr>
-            <a:r>
-              <a:rPr lang="en-US" sz="2000" b="1" dirty="0" err="1">
-                <a:solidFill>
-                  <a:srgbClr val="000000"/>
-                </a:solidFill>
-                <a:latin typeface="+mn-ea"/>
-                <a:ea typeface="+mn-ea"/>
-              </a:rPr>
-              <a:t>ogr.DataSource</a:t>
-            </a:r>
-            <a:r>
-              <a:rPr lang="zh-CN" altLang="en-US" sz="2000" b="1" dirty="0">
-                <a:solidFill>
-                  <a:srgbClr val="000000"/>
-                </a:solidFill>
-                <a:latin typeface="+mn-ea"/>
-                <a:ea typeface="+mn-ea"/>
-              </a:rPr>
-              <a:t>类</a:t>
-            </a:r>
-            <a:r>
-              <a:rPr lang="zh-CN" altLang="en-US" sz="2000" dirty="0">
-                <a:solidFill>
-                  <a:srgbClr val="000000"/>
-                </a:solidFill>
-                <a:latin typeface="+mn-ea"/>
-                <a:ea typeface="+mn-ea"/>
-              </a:rPr>
-              <a:t>：为</a:t>
-            </a:r>
-            <a:r>
-              <a:rPr lang="en-US" altLang="zh-CN" sz="2000" dirty="0" err="1">
-                <a:solidFill>
-                  <a:srgbClr val="000000"/>
-                </a:solidFill>
-                <a:latin typeface="+mn-ea"/>
-                <a:ea typeface="+mn-ea"/>
-              </a:rPr>
-              <a:t>OGRLayer</a:t>
-            </a:r>
-            <a:r>
-              <a:rPr lang="zh-CN" altLang="en-US" sz="2000" dirty="0">
-                <a:solidFill>
-                  <a:srgbClr val="000000"/>
-                </a:solidFill>
-                <a:latin typeface="+mn-ea"/>
-                <a:ea typeface="+mn-ea"/>
-              </a:rPr>
-              <a:t>对象的集合。为有</a:t>
-            </a:r>
-            <a:r>
-              <a:rPr lang="en-US" sz="2000" dirty="0" err="1">
-                <a:solidFill>
-                  <a:srgbClr val="000000"/>
-                </a:solidFill>
-                <a:latin typeface="+mn-ea"/>
-                <a:ea typeface="+mn-ea"/>
-              </a:rPr>
-              <a:t>OGRLayer</a:t>
-            </a:r>
-            <a:r>
-              <a:rPr lang="zh-CN" altLang="en-US" sz="2000" dirty="0">
-                <a:solidFill>
-                  <a:srgbClr val="000000"/>
-                </a:solidFill>
-                <a:latin typeface="+mn-ea"/>
-                <a:ea typeface="+mn-ea"/>
-              </a:rPr>
-              <a:t>对象的一个文件或一个数据库。</a:t>
-            </a:r>
-            <a:endParaRPr lang="en-US" sz="2000" b="1" dirty="0">
-              <a:solidFill>
-                <a:srgbClr val="000000"/>
-              </a:solidFill>
-              <a:latin typeface="+mn-ea"/>
-              <a:ea typeface="+mn-ea"/>
-            </a:endParaRPr>
-          </a:p>
-          <a:p>
-            <a:pPr algn="just">
-              <a:lnSpc>
-                <a:spcPct val="200000"/>
-              </a:lnSpc>
-              <a:spcBef>
-                <a:spcPts val="0"/>
-              </a:spcBef>
-              <a:spcAft>
-                <a:spcPts val="0"/>
-              </a:spcAft>
-            </a:pPr>
-            <a:r>
-              <a:rPr lang="en-US" sz="2000" b="1" dirty="0" err="1">
-                <a:solidFill>
-                  <a:srgbClr val="000000"/>
-                </a:solidFill>
-                <a:latin typeface="+mn-ea"/>
-                <a:ea typeface="+mn-ea"/>
-              </a:rPr>
-              <a:t>ogr.Layer</a:t>
-            </a:r>
-            <a:r>
-              <a:rPr lang="zh-CN" altLang="en-US" sz="2000" b="1" dirty="0">
-                <a:solidFill>
-                  <a:srgbClr val="000000"/>
-                </a:solidFill>
-                <a:latin typeface="+mn-ea"/>
-                <a:ea typeface="+mn-ea"/>
-              </a:rPr>
-              <a:t>类</a:t>
-            </a:r>
-            <a:r>
-              <a:rPr lang="zh-CN" altLang="en-US" sz="2000" dirty="0">
-                <a:solidFill>
-                  <a:srgbClr val="000000"/>
-                </a:solidFill>
-                <a:latin typeface="+mn-ea"/>
-                <a:ea typeface="+mn-ea"/>
-              </a:rPr>
-              <a:t>：表示数据源类</a:t>
-            </a:r>
-            <a:r>
-              <a:rPr lang="en-US" sz="2000" dirty="0" err="1">
-                <a:solidFill>
-                  <a:srgbClr val="000000"/>
-                </a:solidFill>
-                <a:latin typeface="+mn-ea"/>
-                <a:ea typeface="+mn-ea"/>
-              </a:rPr>
-              <a:t>OGRDataSource</a:t>
-            </a:r>
-            <a:r>
-              <a:rPr lang="zh-CN" altLang="en-US" sz="2000" dirty="0">
-                <a:solidFill>
-                  <a:srgbClr val="000000"/>
-                </a:solidFill>
-                <a:latin typeface="+mn-ea"/>
-                <a:ea typeface="+mn-ea"/>
-              </a:rPr>
-              <a:t>里面的一层要素</a:t>
-            </a:r>
-            <a:r>
-              <a:rPr lang="en-US" sz="2000" dirty="0">
-                <a:solidFill>
-                  <a:srgbClr val="000000"/>
-                </a:solidFill>
-                <a:latin typeface="+mn-ea"/>
-                <a:ea typeface="+mn-ea"/>
-              </a:rPr>
-              <a:t>。</a:t>
-            </a:r>
-          </a:p>
-          <a:p>
-            <a:pPr algn="just">
-              <a:lnSpc>
-                <a:spcPct val="200000"/>
-              </a:lnSpc>
-              <a:spcBef>
-                <a:spcPts val="0"/>
-              </a:spcBef>
-              <a:spcAft>
-                <a:spcPts val="0"/>
-              </a:spcAft>
-            </a:pPr>
-            <a:r>
-              <a:rPr lang="en-US" sz="2000" b="1" dirty="0" err="1">
-                <a:solidFill>
-                  <a:srgbClr val="000000"/>
-                </a:solidFill>
-                <a:latin typeface="+mn-ea"/>
-                <a:ea typeface="+mn-ea"/>
-              </a:rPr>
-              <a:t>ogr</a:t>
-            </a:r>
-            <a:r>
-              <a:rPr lang="en-US" sz="2000" b="1" i="0" dirty="0" err="1">
-                <a:solidFill>
-                  <a:srgbClr val="000000"/>
-                </a:solidFill>
-                <a:effectLst/>
-                <a:latin typeface="+mn-ea"/>
-                <a:ea typeface="+mn-ea"/>
-              </a:rPr>
-              <a:t>.Feature</a:t>
-            </a:r>
-            <a:r>
-              <a:rPr lang="zh-CN" altLang="en-US" sz="2000" b="1" i="0" dirty="0">
-                <a:solidFill>
-                  <a:srgbClr val="000000"/>
-                </a:solidFill>
-                <a:effectLst/>
-                <a:latin typeface="+mn-ea"/>
-                <a:ea typeface="+mn-ea"/>
-              </a:rPr>
-              <a:t>类</a:t>
-            </a:r>
-            <a:r>
-              <a:rPr lang="zh-CN" altLang="en-US" sz="2000" b="0" i="0" dirty="0">
-                <a:solidFill>
-                  <a:srgbClr val="000000"/>
-                </a:solidFill>
-                <a:effectLst/>
-                <a:latin typeface="+mn-ea"/>
-                <a:ea typeface="+mn-ea"/>
-              </a:rPr>
-              <a:t>：用于一个完整特征（</a:t>
-            </a:r>
-            <a:r>
-              <a:rPr lang="en-US" altLang="zh-CN" sz="2000" dirty="0">
-                <a:solidFill>
-                  <a:srgbClr val="000000"/>
-                </a:solidFill>
-                <a:latin typeface="+mn-ea"/>
-                <a:ea typeface="+mn-ea"/>
-              </a:rPr>
-              <a:t>F</a:t>
-            </a:r>
-            <a:r>
-              <a:rPr lang="en-US" sz="2000" b="0" i="0" dirty="0">
-                <a:solidFill>
-                  <a:srgbClr val="000000"/>
-                </a:solidFill>
-                <a:effectLst/>
-                <a:latin typeface="+mn-ea"/>
-                <a:ea typeface="+mn-ea"/>
-              </a:rPr>
-              <a:t>eature</a:t>
-            </a:r>
-            <a:r>
-              <a:rPr lang="zh-CN" altLang="en-US" sz="2000" b="0" i="0" dirty="0">
-                <a:solidFill>
-                  <a:srgbClr val="000000"/>
-                </a:solidFill>
-                <a:effectLst/>
-                <a:latin typeface="+mn-ea"/>
-                <a:ea typeface="+mn-ea"/>
-              </a:rPr>
-              <a:t>）的定义，具体包括一个</a:t>
-            </a:r>
-            <a:r>
-              <a:rPr lang="en-US" altLang="zh-CN" sz="2000" dirty="0">
-                <a:solidFill>
-                  <a:srgbClr val="000000"/>
-                </a:solidFill>
-                <a:latin typeface="+mn-ea"/>
-                <a:ea typeface="+mn-ea"/>
-              </a:rPr>
-              <a:t>G</a:t>
-            </a:r>
-            <a:r>
-              <a:rPr lang="en-US" sz="2000" b="0" i="0" dirty="0">
-                <a:solidFill>
-                  <a:srgbClr val="000000"/>
-                </a:solidFill>
-                <a:effectLst/>
-                <a:latin typeface="+mn-ea"/>
-                <a:ea typeface="+mn-ea"/>
-              </a:rPr>
-              <a:t>eometry</a:t>
-            </a:r>
-            <a:r>
-              <a:rPr lang="zh-CN" altLang="en-US" sz="2000" b="0" i="0" dirty="0">
-                <a:solidFill>
-                  <a:srgbClr val="000000"/>
-                </a:solidFill>
-                <a:effectLst/>
-                <a:latin typeface="+mn-ea"/>
-                <a:ea typeface="+mn-ea"/>
-              </a:rPr>
-              <a:t>和</a:t>
-            </a:r>
-            <a:r>
-              <a:rPr lang="en-US" altLang="zh-CN" sz="2000" dirty="0">
-                <a:solidFill>
-                  <a:srgbClr val="000000"/>
-                </a:solidFill>
-                <a:latin typeface="+mn-ea"/>
-                <a:ea typeface="+mn-ea"/>
-              </a:rPr>
-              <a:t>G</a:t>
-            </a:r>
-            <a:r>
-              <a:rPr lang="en-US" sz="2000" b="0" i="0" dirty="0">
-                <a:solidFill>
-                  <a:srgbClr val="000000"/>
-                </a:solidFill>
-                <a:effectLst/>
-                <a:latin typeface="+mn-ea"/>
-                <a:ea typeface="+mn-ea"/>
-              </a:rPr>
-              <a:t>eometry</a:t>
-            </a:r>
-            <a:r>
-              <a:rPr lang="zh-CN" altLang="en-US" sz="2000" b="0" i="0" dirty="0">
-                <a:solidFill>
-                  <a:srgbClr val="000000"/>
-                </a:solidFill>
-                <a:effectLst/>
-                <a:latin typeface="+mn-ea"/>
-                <a:ea typeface="+mn-ea"/>
-              </a:rPr>
-              <a:t>的一系列属性。</a:t>
-            </a:r>
-            <a:endParaRPr lang="en-US" sz="2000" b="1" i="0" dirty="0">
-              <a:solidFill>
-                <a:srgbClr val="000000"/>
-              </a:solidFill>
-              <a:effectLst/>
-              <a:latin typeface="+mn-ea"/>
-              <a:ea typeface="+mn-ea"/>
-            </a:endParaRPr>
-          </a:p>
-          <a:p>
-            <a:pPr algn="just">
-              <a:lnSpc>
-                <a:spcPct val="200000"/>
-              </a:lnSpc>
-              <a:spcBef>
-                <a:spcPts val="0"/>
-              </a:spcBef>
-              <a:spcAft>
-                <a:spcPts val="0"/>
-              </a:spcAft>
-            </a:pPr>
-            <a:r>
-              <a:rPr lang="en-US" sz="2000" b="1" dirty="0" err="1">
-                <a:solidFill>
-                  <a:srgbClr val="000000"/>
-                </a:solidFill>
-                <a:latin typeface="+mn-ea"/>
-                <a:ea typeface="+mn-ea"/>
-              </a:rPr>
-              <a:t>ogr.</a:t>
-            </a:r>
-            <a:r>
-              <a:rPr lang="en-US" sz="2000" b="1" i="0" dirty="0" err="1">
-                <a:solidFill>
-                  <a:srgbClr val="000000"/>
-                </a:solidFill>
-                <a:effectLst/>
-                <a:latin typeface="+mn-ea"/>
-                <a:ea typeface="+mn-ea"/>
-              </a:rPr>
-              <a:t>SpatialReference</a:t>
-            </a:r>
-            <a:r>
-              <a:rPr lang="zh-CN" altLang="en-US" sz="2000" b="1" i="0" dirty="0">
-                <a:solidFill>
-                  <a:srgbClr val="000000"/>
-                </a:solidFill>
-                <a:effectLst/>
-                <a:latin typeface="+mn-ea"/>
-                <a:ea typeface="+mn-ea"/>
-              </a:rPr>
-              <a:t>类</a:t>
-            </a:r>
-            <a:r>
-              <a:rPr lang="zh-CN" altLang="en-US" sz="2000" dirty="0">
-                <a:solidFill>
-                  <a:srgbClr val="000000"/>
-                </a:solidFill>
-                <a:latin typeface="+mn-ea"/>
-                <a:ea typeface="+mn-ea"/>
-              </a:rPr>
-              <a:t>：</a:t>
-            </a:r>
-            <a:r>
-              <a:rPr lang="zh-CN" altLang="en-US" sz="2000" b="0" i="0" dirty="0">
-                <a:solidFill>
-                  <a:srgbClr val="000000"/>
-                </a:solidFill>
-                <a:effectLst/>
-                <a:latin typeface="+mn-ea"/>
-                <a:ea typeface="+mn-ea"/>
-              </a:rPr>
-              <a:t>用于</a:t>
-            </a:r>
-            <a:r>
-              <a:rPr lang="en-US" altLang="zh-CN" sz="2000" b="0" i="0" dirty="0" err="1">
-                <a:solidFill>
-                  <a:srgbClr val="000000"/>
-                </a:solidFill>
-                <a:effectLst/>
-                <a:latin typeface="+mn-ea"/>
-                <a:ea typeface="+mn-ea"/>
-              </a:rPr>
-              <a:t>OpenGIS</a:t>
-            </a:r>
-            <a:r>
-              <a:rPr lang="zh-CN" altLang="en-US" sz="2000" b="0" i="0" dirty="0">
-                <a:solidFill>
-                  <a:srgbClr val="000000"/>
-                </a:solidFill>
-                <a:effectLst/>
-                <a:latin typeface="+mn-ea"/>
-                <a:ea typeface="+mn-ea"/>
-              </a:rPr>
-              <a:t>空间参考系统的定义。</a:t>
-            </a:r>
-          </a:p>
-        </p:txBody>
-      </p:sp>
-      <p:sp>
-        <p:nvSpPr>
-          <p:cNvPr id="7" name="TextBox 6">
-            <a:extLst>
-              <a:ext uri="{FF2B5EF4-FFF2-40B4-BE49-F238E27FC236}">
-                <a16:creationId xmlns:a16="http://schemas.microsoft.com/office/drawing/2014/main" id="{E179D382-9C94-C796-FB1B-3281561CA174}"/>
-              </a:ext>
-            </a:extLst>
-          </p:cNvPr>
-          <p:cNvSpPr txBox="1"/>
-          <p:nvPr/>
-        </p:nvSpPr>
-        <p:spPr>
-          <a:xfrm>
-            <a:off x="317665" y="6403785"/>
-            <a:ext cx="8695706" cy="400110"/>
-          </a:xfrm>
-          <a:prstGeom prst="rect">
-            <a:avLst/>
-          </a:prstGeom>
-          <a:noFill/>
-        </p:spPr>
-        <p:txBody>
-          <a:bodyPr wrap="square">
-            <a:spAutoFit/>
-          </a:bodyPr>
-          <a:lstStyle/>
-          <a:p>
-            <a:pPr algn="r"/>
-            <a:r>
-              <a:rPr lang="en-US" altLang="zh-CN" sz="2000" b="1" i="1" dirty="0">
-                <a:solidFill>
-                  <a:schemeClr val="bg1"/>
-                </a:solidFill>
-                <a:latin typeface="PingFang SC" panose="020B0400000000000000" pitchFamily="34" charset="-122"/>
-                <a:ea typeface="PingFang SC" panose="020B0400000000000000" pitchFamily="34" charset="-122"/>
-              </a:rPr>
-              <a:t>…</a:t>
-            </a:r>
-            <a:r>
-              <a:rPr lang="zh-CN" altLang="en-US" sz="2000" b="1" i="1" dirty="0">
-                <a:solidFill>
-                  <a:schemeClr val="bg1"/>
-                </a:solidFill>
-                <a:effectLst/>
-                <a:latin typeface="PingFang SC" panose="020B0400000000000000" pitchFamily="34" charset="-122"/>
-                <a:ea typeface="PingFang SC" panose="020B0400000000000000" pitchFamily="34" charset="-122"/>
-              </a:rPr>
-              <a:t>附代码讲解</a:t>
-            </a:r>
-            <a:endParaRPr lang="en-CN" sz="2000" b="1" i="1" dirty="0">
-              <a:solidFill>
-                <a:schemeClr val="bg1"/>
-              </a:solidFill>
-            </a:endParaRPr>
-          </a:p>
-        </p:txBody>
-      </p:sp>
-    </p:spTree>
-    <p:extLst>
-      <p:ext uri="{BB962C8B-B14F-4D97-AF65-F5344CB8AC3E}">
-        <p14:creationId xmlns:p14="http://schemas.microsoft.com/office/powerpoint/2010/main" val="3657954518"/>
-      </p:ext>
-    </p:extLst>
-  </p:cSld>
-  <p:clrMapOvr>
-    <a:masterClrMapping/>
-  </p:clrMapOvr>
-  <p:transition>
-    <p:fade/>
-  </p:transition>
-</p:sld>
-</file>
-
 <file path=ppt/slides/slide14.xml><?xml version="1.0" encoding="utf-8"?>
 <p:sld xmlns:a="http://schemas.openxmlformats.org/drawingml/2006/main" xmlns:r="http://schemas.openxmlformats.org/officeDocument/2006/relationships" xmlns:p="http://schemas.openxmlformats.org/presentationml/2006/main">
   <p:cSld>
@@ -19811,6 +19742,791 @@
                 <a:latin typeface="+mn-ea"/>
                 <a:ea typeface="+mn-ea"/>
               </a:rPr>
+              <a:t>2</a:t>
+            </a:r>
+            <a:r>
+              <a:rPr lang="zh-CN" altLang="en-US" sz="2800" b="1" dirty="0">
+                <a:solidFill>
+                  <a:srgbClr val="333333"/>
+                </a:solidFill>
+                <a:latin typeface="+mn-ea"/>
+                <a:ea typeface="+mn-ea"/>
+              </a:rPr>
+              <a:t>、开源</a:t>
+            </a:r>
+            <a:r>
+              <a:rPr lang="en-US" altLang="zh-CN" sz="2800" b="1" dirty="0">
+                <a:solidFill>
+                  <a:srgbClr val="333333"/>
+                </a:solidFill>
+                <a:latin typeface="+mn-ea"/>
+                <a:ea typeface="+mn-ea"/>
+              </a:rPr>
+              <a:t>GDAL/</a:t>
+            </a:r>
+            <a:r>
+              <a:rPr lang="en-US" altLang="zh-CN" sz="2800" b="1" u="sng" dirty="0">
+                <a:solidFill>
+                  <a:srgbClr val="333333"/>
+                </a:solidFill>
+                <a:latin typeface="+mn-ea"/>
+                <a:ea typeface="+mn-ea"/>
+              </a:rPr>
+              <a:t>OGR</a:t>
+            </a:r>
+            <a:r>
+              <a:rPr lang="zh-CN" altLang="en-US" sz="2800" b="1" dirty="0">
+                <a:solidFill>
+                  <a:srgbClr val="333333"/>
+                </a:solidFill>
+                <a:latin typeface="+mn-ea"/>
+                <a:ea typeface="+mn-ea"/>
+              </a:rPr>
+              <a:t>库简介</a:t>
+            </a:r>
+            <a:endParaRPr lang="en-US" altLang="zh-CN" sz="2800" b="1" dirty="0">
+              <a:solidFill>
+                <a:srgbClr val="333333"/>
+              </a:solidFill>
+              <a:latin typeface="+mn-ea"/>
+              <a:ea typeface="+mn-ea"/>
+            </a:endParaRPr>
+          </a:p>
+        </p:txBody>
+      </p:sp>
+      <p:sp>
+        <p:nvSpPr>
+          <p:cNvPr id="6" name="TextBox 5">
+            <a:extLst>
+              <a:ext uri="{FF2B5EF4-FFF2-40B4-BE49-F238E27FC236}">
+                <a16:creationId xmlns:a16="http://schemas.microsoft.com/office/drawing/2014/main" id="{DA984439-1B23-1931-1979-ECF8DE9D6DCA}"/>
+              </a:ext>
+            </a:extLst>
+          </p:cNvPr>
+          <p:cNvSpPr txBox="1"/>
+          <p:nvPr/>
+        </p:nvSpPr>
+        <p:spPr>
+          <a:xfrm>
+            <a:off x="342379" y="1466548"/>
+            <a:ext cx="8141864" cy="5046959"/>
+          </a:xfrm>
+          <a:prstGeom prst="rect">
+            <a:avLst/>
+          </a:prstGeom>
+          <a:noFill/>
+        </p:spPr>
+        <p:txBody>
+          <a:bodyPr wrap="square">
+            <a:spAutoFit/>
+          </a:bodyPr>
+          <a:lstStyle/>
+          <a:p>
+            <a:pPr algn="just">
+              <a:lnSpc>
+                <a:spcPct val="200000"/>
+              </a:lnSpc>
+              <a:spcBef>
+                <a:spcPts val="0"/>
+              </a:spcBef>
+              <a:spcAft>
+                <a:spcPts val="0"/>
+              </a:spcAft>
+            </a:pPr>
+            <a:r>
+              <a:rPr lang="en-US" b="1" i="0" dirty="0">
+                <a:solidFill>
+                  <a:srgbClr val="000000"/>
+                </a:solidFill>
+                <a:effectLst/>
+                <a:latin typeface="+mn-ea"/>
+                <a:ea typeface="+mn-ea"/>
+              </a:rPr>
+              <a:t>OGR</a:t>
+            </a:r>
+            <a:r>
+              <a:rPr lang="zh-CN" altLang="en-US" b="1" i="0" dirty="0">
+                <a:solidFill>
+                  <a:srgbClr val="000000"/>
+                </a:solidFill>
+                <a:effectLst/>
+                <a:latin typeface="+mn-ea"/>
+                <a:ea typeface="+mn-ea"/>
+              </a:rPr>
+              <a:t>包括如下几部分：</a:t>
+            </a:r>
+          </a:p>
+          <a:p>
+            <a:pPr algn="just">
+              <a:lnSpc>
+                <a:spcPct val="200000"/>
+              </a:lnSpc>
+              <a:spcBef>
+                <a:spcPts val="0"/>
+              </a:spcBef>
+              <a:spcAft>
+                <a:spcPts val="0"/>
+              </a:spcAft>
+            </a:pPr>
+            <a:r>
+              <a:rPr lang="en-US" sz="2000" b="1" dirty="0" err="1">
+                <a:solidFill>
+                  <a:srgbClr val="000000"/>
+                </a:solidFill>
+                <a:latin typeface="+mn-ea"/>
+                <a:ea typeface="+mn-ea"/>
+              </a:rPr>
+              <a:t>ogr.Driver</a:t>
+            </a:r>
+            <a:r>
+              <a:rPr lang="zh-CN" altLang="en-US" sz="2000" b="1" dirty="0">
+                <a:solidFill>
+                  <a:srgbClr val="000000"/>
+                </a:solidFill>
+                <a:latin typeface="+mn-ea"/>
+                <a:ea typeface="+mn-ea"/>
+              </a:rPr>
+              <a:t>类</a:t>
+            </a:r>
+            <a:r>
+              <a:rPr lang="zh-CN" altLang="en-US" sz="2000" dirty="0">
+                <a:solidFill>
+                  <a:srgbClr val="000000"/>
+                </a:solidFill>
+                <a:latin typeface="+mn-ea"/>
+                <a:ea typeface="+mn-ea"/>
+              </a:rPr>
+              <a:t>：对应于每一个</a:t>
+            </a:r>
+            <a:r>
+              <a:rPr lang="en-US" altLang="zh-CN" sz="2000" dirty="0">
+                <a:solidFill>
+                  <a:srgbClr val="000000"/>
+                </a:solidFill>
+                <a:latin typeface="+mn-ea"/>
+                <a:ea typeface="+mn-ea"/>
+              </a:rPr>
+              <a:t>OGR</a:t>
+            </a:r>
+            <a:r>
+              <a:rPr lang="zh-CN" altLang="en-US" sz="2000" dirty="0">
+                <a:solidFill>
+                  <a:srgbClr val="000000"/>
+                </a:solidFill>
+                <a:latin typeface="+mn-ea"/>
+                <a:ea typeface="+mn-ea"/>
+              </a:rPr>
+              <a:t>所支持的矢量文件格式。</a:t>
+            </a:r>
+          </a:p>
+          <a:p>
+            <a:pPr algn="just">
+              <a:lnSpc>
+                <a:spcPct val="200000"/>
+              </a:lnSpc>
+              <a:spcBef>
+                <a:spcPts val="0"/>
+              </a:spcBef>
+              <a:spcAft>
+                <a:spcPts val="0"/>
+              </a:spcAft>
+            </a:pPr>
+            <a:r>
+              <a:rPr lang="en-US" sz="2000" b="1" dirty="0" err="1">
+                <a:solidFill>
+                  <a:srgbClr val="000000"/>
+                </a:solidFill>
+                <a:latin typeface="+mn-ea"/>
+                <a:ea typeface="+mn-ea"/>
+              </a:rPr>
+              <a:t>ogr.DataSource</a:t>
+            </a:r>
+            <a:r>
+              <a:rPr lang="zh-CN" altLang="en-US" sz="2000" b="1" dirty="0">
+                <a:solidFill>
+                  <a:srgbClr val="000000"/>
+                </a:solidFill>
+                <a:latin typeface="+mn-ea"/>
+                <a:ea typeface="+mn-ea"/>
+              </a:rPr>
+              <a:t>类</a:t>
+            </a:r>
+            <a:r>
+              <a:rPr lang="zh-CN" altLang="en-US" sz="2000" dirty="0">
+                <a:solidFill>
+                  <a:srgbClr val="000000"/>
+                </a:solidFill>
+                <a:latin typeface="+mn-ea"/>
+                <a:ea typeface="+mn-ea"/>
+              </a:rPr>
+              <a:t>：为</a:t>
+            </a:r>
+            <a:r>
+              <a:rPr lang="en-US" altLang="zh-CN" sz="2000" dirty="0" err="1">
+                <a:solidFill>
+                  <a:srgbClr val="000000"/>
+                </a:solidFill>
+                <a:latin typeface="+mn-ea"/>
+                <a:ea typeface="+mn-ea"/>
+              </a:rPr>
+              <a:t>OGRLayer</a:t>
+            </a:r>
+            <a:r>
+              <a:rPr lang="zh-CN" altLang="en-US" sz="2000" dirty="0">
+                <a:solidFill>
+                  <a:srgbClr val="000000"/>
+                </a:solidFill>
+                <a:latin typeface="+mn-ea"/>
+                <a:ea typeface="+mn-ea"/>
+              </a:rPr>
+              <a:t>对象的集合。为有</a:t>
+            </a:r>
+            <a:r>
+              <a:rPr lang="en-US" sz="2000" dirty="0" err="1">
+                <a:solidFill>
+                  <a:srgbClr val="000000"/>
+                </a:solidFill>
+                <a:latin typeface="+mn-ea"/>
+                <a:ea typeface="+mn-ea"/>
+              </a:rPr>
+              <a:t>OGRLayer</a:t>
+            </a:r>
+            <a:r>
+              <a:rPr lang="zh-CN" altLang="en-US" sz="2000" dirty="0">
+                <a:solidFill>
+                  <a:srgbClr val="000000"/>
+                </a:solidFill>
+                <a:latin typeface="+mn-ea"/>
+                <a:ea typeface="+mn-ea"/>
+              </a:rPr>
+              <a:t>对象的一个文件或一个数据库。</a:t>
+            </a:r>
+            <a:endParaRPr lang="en-US" sz="2000" b="1" dirty="0">
+              <a:solidFill>
+                <a:srgbClr val="000000"/>
+              </a:solidFill>
+              <a:latin typeface="+mn-ea"/>
+              <a:ea typeface="+mn-ea"/>
+            </a:endParaRPr>
+          </a:p>
+          <a:p>
+            <a:pPr algn="just">
+              <a:lnSpc>
+                <a:spcPct val="200000"/>
+              </a:lnSpc>
+              <a:spcBef>
+                <a:spcPts val="0"/>
+              </a:spcBef>
+              <a:spcAft>
+                <a:spcPts val="0"/>
+              </a:spcAft>
+            </a:pPr>
+            <a:r>
+              <a:rPr lang="en-US" sz="2000" b="1" dirty="0" err="1">
+                <a:solidFill>
+                  <a:srgbClr val="000000"/>
+                </a:solidFill>
+                <a:latin typeface="+mn-ea"/>
+                <a:ea typeface="+mn-ea"/>
+              </a:rPr>
+              <a:t>ogr.Layer</a:t>
+            </a:r>
+            <a:r>
+              <a:rPr lang="zh-CN" altLang="en-US" sz="2000" b="1" dirty="0">
+                <a:solidFill>
+                  <a:srgbClr val="000000"/>
+                </a:solidFill>
+                <a:latin typeface="+mn-ea"/>
+                <a:ea typeface="+mn-ea"/>
+              </a:rPr>
+              <a:t>类</a:t>
+            </a:r>
+            <a:r>
+              <a:rPr lang="zh-CN" altLang="en-US" sz="2000" dirty="0">
+                <a:solidFill>
+                  <a:srgbClr val="000000"/>
+                </a:solidFill>
+                <a:latin typeface="+mn-ea"/>
+                <a:ea typeface="+mn-ea"/>
+              </a:rPr>
+              <a:t>：表示数据源类</a:t>
+            </a:r>
+            <a:r>
+              <a:rPr lang="en-US" sz="2000" dirty="0" err="1">
+                <a:solidFill>
+                  <a:srgbClr val="000000"/>
+                </a:solidFill>
+                <a:latin typeface="+mn-ea"/>
+                <a:ea typeface="+mn-ea"/>
+              </a:rPr>
+              <a:t>OGRDataSource</a:t>
+            </a:r>
+            <a:r>
+              <a:rPr lang="zh-CN" altLang="en-US" sz="2000" dirty="0">
+                <a:solidFill>
+                  <a:srgbClr val="000000"/>
+                </a:solidFill>
+                <a:latin typeface="+mn-ea"/>
+                <a:ea typeface="+mn-ea"/>
+              </a:rPr>
+              <a:t>里面的一层要素</a:t>
+            </a:r>
+            <a:r>
+              <a:rPr lang="en-US" sz="2000" dirty="0">
+                <a:solidFill>
+                  <a:srgbClr val="000000"/>
+                </a:solidFill>
+                <a:latin typeface="+mn-ea"/>
+                <a:ea typeface="+mn-ea"/>
+              </a:rPr>
+              <a:t>。</a:t>
+            </a:r>
+          </a:p>
+          <a:p>
+            <a:pPr algn="just">
+              <a:lnSpc>
+                <a:spcPct val="200000"/>
+              </a:lnSpc>
+              <a:spcBef>
+                <a:spcPts val="0"/>
+              </a:spcBef>
+              <a:spcAft>
+                <a:spcPts val="0"/>
+              </a:spcAft>
+            </a:pPr>
+            <a:r>
+              <a:rPr lang="en-US" sz="2000" b="1" dirty="0" err="1">
+                <a:solidFill>
+                  <a:srgbClr val="000000"/>
+                </a:solidFill>
+                <a:latin typeface="+mn-ea"/>
+                <a:ea typeface="+mn-ea"/>
+              </a:rPr>
+              <a:t>ogr</a:t>
+            </a:r>
+            <a:r>
+              <a:rPr lang="en-US" sz="2000" b="1" i="0" dirty="0" err="1">
+                <a:solidFill>
+                  <a:srgbClr val="000000"/>
+                </a:solidFill>
+                <a:effectLst/>
+                <a:latin typeface="+mn-ea"/>
+                <a:ea typeface="+mn-ea"/>
+              </a:rPr>
+              <a:t>.Feature</a:t>
+            </a:r>
+            <a:r>
+              <a:rPr lang="zh-CN" altLang="en-US" sz="2000" b="1" i="0" dirty="0">
+                <a:solidFill>
+                  <a:srgbClr val="000000"/>
+                </a:solidFill>
+                <a:effectLst/>
+                <a:latin typeface="+mn-ea"/>
+                <a:ea typeface="+mn-ea"/>
+              </a:rPr>
+              <a:t>类</a:t>
+            </a:r>
+            <a:r>
+              <a:rPr lang="zh-CN" altLang="en-US" sz="2000" b="0" i="0" dirty="0">
+                <a:solidFill>
+                  <a:srgbClr val="000000"/>
+                </a:solidFill>
+                <a:effectLst/>
+                <a:latin typeface="+mn-ea"/>
+                <a:ea typeface="+mn-ea"/>
+              </a:rPr>
+              <a:t>：用于一个完整特征（</a:t>
+            </a:r>
+            <a:r>
+              <a:rPr lang="en-US" altLang="zh-CN" sz="2000" dirty="0">
+                <a:solidFill>
+                  <a:srgbClr val="000000"/>
+                </a:solidFill>
+                <a:latin typeface="+mn-ea"/>
+                <a:ea typeface="+mn-ea"/>
+              </a:rPr>
+              <a:t>F</a:t>
+            </a:r>
+            <a:r>
+              <a:rPr lang="en-US" sz="2000" b="0" i="0" dirty="0">
+                <a:solidFill>
+                  <a:srgbClr val="000000"/>
+                </a:solidFill>
+                <a:effectLst/>
+                <a:latin typeface="+mn-ea"/>
+                <a:ea typeface="+mn-ea"/>
+              </a:rPr>
+              <a:t>eature</a:t>
+            </a:r>
+            <a:r>
+              <a:rPr lang="zh-CN" altLang="en-US" sz="2000" b="0" i="0" dirty="0">
+                <a:solidFill>
+                  <a:srgbClr val="000000"/>
+                </a:solidFill>
+                <a:effectLst/>
+                <a:latin typeface="+mn-ea"/>
+                <a:ea typeface="+mn-ea"/>
+              </a:rPr>
+              <a:t>）的定义，具体包括一个</a:t>
+            </a:r>
+            <a:r>
+              <a:rPr lang="en-US" altLang="zh-CN" sz="2000" dirty="0">
+                <a:solidFill>
+                  <a:srgbClr val="000000"/>
+                </a:solidFill>
+                <a:latin typeface="+mn-ea"/>
+                <a:ea typeface="+mn-ea"/>
+              </a:rPr>
+              <a:t>G</a:t>
+            </a:r>
+            <a:r>
+              <a:rPr lang="en-US" sz="2000" b="0" i="0" dirty="0">
+                <a:solidFill>
+                  <a:srgbClr val="000000"/>
+                </a:solidFill>
+                <a:effectLst/>
+                <a:latin typeface="+mn-ea"/>
+                <a:ea typeface="+mn-ea"/>
+              </a:rPr>
+              <a:t>eometry</a:t>
+            </a:r>
+            <a:r>
+              <a:rPr lang="zh-CN" altLang="en-US" sz="2000" b="0" i="0" dirty="0">
+                <a:solidFill>
+                  <a:srgbClr val="000000"/>
+                </a:solidFill>
+                <a:effectLst/>
+                <a:latin typeface="+mn-ea"/>
+                <a:ea typeface="+mn-ea"/>
+              </a:rPr>
+              <a:t>和</a:t>
+            </a:r>
+            <a:r>
+              <a:rPr lang="en-US" altLang="zh-CN" sz="2000" dirty="0">
+                <a:solidFill>
+                  <a:srgbClr val="000000"/>
+                </a:solidFill>
+                <a:latin typeface="+mn-ea"/>
+                <a:ea typeface="+mn-ea"/>
+              </a:rPr>
+              <a:t>G</a:t>
+            </a:r>
+            <a:r>
+              <a:rPr lang="en-US" sz="2000" b="0" i="0" dirty="0">
+                <a:solidFill>
+                  <a:srgbClr val="000000"/>
+                </a:solidFill>
+                <a:effectLst/>
+                <a:latin typeface="+mn-ea"/>
+                <a:ea typeface="+mn-ea"/>
+              </a:rPr>
+              <a:t>eometry</a:t>
+            </a:r>
+            <a:r>
+              <a:rPr lang="zh-CN" altLang="en-US" sz="2000" b="0" i="0" dirty="0">
+                <a:solidFill>
+                  <a:srgbClr val="000000"/>
+                </a:solidFill>
+                <a:effectLst/>
+                <a:latin typeface="+mn-ea"/>
+                <a:ea typeface="+mn-ea"/>
+              </a:rPr>
+              <a:t>的一系列属性。</a:t>
+            </a:r>
+            <a:endParaRPr lang="en-US" sz="2000" b="1" i="0" dirty="0">
+              <a:solidFill>
+                <a:srgbClr val="000000"/>
+              </a:solidFill>
+              <a:effectLst/>
+              <a:latin typeface="+mn-ea"/>
+              <a:ea typeface="+mn-ea"/>
+            </a:endParaRPr>
+          </a:p>
+          <a:p>
+            <a:pPr algn="just">
+              <a:lnSpc>
+                <a:spcPct val="200000"/>
+              </a:lnSpc>
+              <a:spcBef>
+                <a:spcPts val="0"/>
+              </a:spcBef>
+              <a:spcAft>
+                <a:spcPts val="0"/>
+              </a:spcAft>
+            </a:pPr>
+            <a:r>
+              <a:rPr lang="en-US" sz="2000" b="1" dirty="0" err="1">
+                <a:solidFill>
+                  <a:srgbClr val="000000"/>
+                </a:solidFill>
+                <a:latin typeface="+mn-ea"/>
+                <a:ea typeface="+mn-ea"/>
+              </a:rPr>
+              <a:t>ogr.</a:t>
+            </a:r>
+            <a:r>
+              <a:rPr lang="en-US" sz="2000" b="1" i="0" dirty="0" err="1">
+                <a:solidFill>
+                  <a:srgbClr val="000000"/>
+                </a:solidFill>
+                <a:effectLst/>
+                <a:latin typeface="+mn-ea"/>
+                <a:ea typeface="+mn-ea"/>
+              </a:rPr>
+              <a:t>SpatialReference</a:t>
+            </a:r>
+            <a:r>
+              <a:rPr lang="zh-CN" altLang="en-US" sz="2000" b="1" i="0" dirty="0">
+                <a:solidFill>
+                  <a:srgbClr val="000000"/>
+                </a:solidFill>
+                <a:effectLst/>
+                <a:latin typeface="+mn-ea"/>
+                <a:ea typeface="+mn-ea"/>
+              </a:rPr>
+              <a:t>类</a:t>
+            </a:r>
+            <a:r>
+              <a:rPr lang="zh-CN" altLang="en-US" sz="2000" dirty="0">
+                <a:solidFill>
+                  <a:srgbClr val="000000"/>
+                </a:solidFill>
+                <a:latin typeface="+mn-ea"/>
+                <a:ea typeface="+mn-ea"/>
+              </a:rPr>
+              <a:t>：</a:t>
+            </a:r>
+            <a:r>
+              <a:rPr lang="zh-CN" altLang="en-US" sz="2000" b="0" i="0" dirty="0">
+                <a:solidFill>
+                  <a:srgbClr val="000000"/>
+                </a:solidFill>
+                <a:effectLst/>
+                <a:latin typeface="+mn-ea"/>
+                <a:ea typeface="+mn-ea"/>
+              </a:rPr>
+              <a:t>用于</a:t>
+            </a:r>
+            <a:r>
+              <a:rPr lang="en-US" altLang="zh-CN" sz="2000" b="0" i="0" dirty="0" err="1">
+                <a:solidFill>
+                  <a:srgbClr val="000000"/>
+                </a:solidFill>
+                <a:effectLst/>
+                <a:latin typeface="+mn-ea"/>
+                <a:ea typeface="+mn-ea"/>
+              </a:rPr>
+              <a:t>OpenGIS</a:t>
+            </a:r>
+            <a:r>
+              <a:rPr lang="zh-CN" altLang="en-US" sz="2000" b="0" i="0" dirty="0">
+                <a:solidFill>
+                  <a:srgbClr val="000000"/>
+                </a:solidFill>
+                <a:effectLst/>
+                <a:latin typeface="+mn-ea"/>
+                <a:ea typeface="+mn-ea"/>
+              </a:rPr>
+              <a:t>空间参考系统的定义。</a:t>
+            </a:r>
+          </a:p>
+        </p:txBody>
+      </p:sp>
+      <p:sp>
+        <p:nvSpPr>
+          <p:cNvPr id="7" name="TextBox 6">
+            <a:extLst>
+              <a:ext uri="{FF2B5EF4-FFF2-40B4-BE49-F238E27FC236}">
+                <a16:creationId xmlns:a16="http://schemas.microsoft.com/office/drawing/2014/main" id="{E179D382-9C94-C796-FB1B-3281561CA174}"/>
+              </a:ext>
+            </a:extLst>
+          </p:cNvPr>
+          <p:cNvSpPr txBox="1"/>
+          <p:nvPr/>
+        </p:nvSpPr>
+        <p:spPr>
+          <a:xfrm>
+            <a:off x="317665" y="6403785"/>
+            <a:ext cx="8695706" cy="400110"/>
+          </a:xfrm>
+          <a:prstGeom prst="rect">
+            <a:avLst/>
+          </a:prstGeom>
+          <a:noFill/>
+        </p:spPr>
+        <p:txBody>
+          <a:bodyPr wrap="square">
+            <a:spAutoFit/>
+          </a:bodyPr>
+          <a:lstStyle/>
+          <a:p>
+            <a:pPr algn="r"/>
+            <a:r>
+              <a:rPr lang="en-US" altLang="zh-CN" sz="2000" b="1" i="1" dirty="0">
+                <a:solidFill>
+                  <a:schemeClr val="bg1"/>
+                </a:solidFill>
+                <a:latin typeface="PingFang SC" panose="020B0400000000000000" pitchFamily="34" charset="-122"/>
+                <a:ea typeface="PingFang SC" panose="020B0400000000000000" pitchFamily="34" charset="-122"/>
+              </a:rPr>
+              <a:t>…</a:t>
+            </a:r>
+            <a:r>
+              <a:rPr lang="zh-CN" altLang="en-US" sz="2000" b="1" i="1" dirty="0">
+                <a:solidFill>
+                  <a:schemeClr val="bg1"/>
+                </a:solidFill>
+                <a:effectLst/>
+                <a:latin typeface="PingFang SC" panose="020B0400000000000000" pitchFamily="34" charset="-122"/>
+                <a:ea typeface="PingFang SC" panose="020B0400000000000000" pitchFamily="34" charset="-122"/>
+              </a:rPr>
+              <a:t>附代码讲解</a:t>
+            </a:r>
+            <a:endParaRPr lang="en-CN" sz="2000" b="1" i="1" dirty="0">
+              <a:solidFill>
+                <a:schemeClr val="bg1"/>
+              </a:solidFill>
+            </a:endParaRPr>
+          </a:p>
+        </p:txBody>
+      </p:sp>
+    </p:spTree>
+    <p:extLst>
+      <p:ext uri="{BB962C8B-B14F-4D97-AF65-F5344CB8AC3E}">
+        <p14:creationId xmlns:p14="http://schemas.microsoft.com/office/powerpoint/2010/main" val="3657954518"/>
+      </p:ext>
+    </p:extLst>
+  </p:cSld>
+  <p:clrMapOvr>
+    <a:masterClrMapping/>
+  </p:clrMapOvr>
+  <p:transition>
+    <p:fade/>
+  </p:transition>
+</p:sld>
+</file>
+
+<file path=ppt/slides/slide15.xml><?xml version="1.0" encoding="utf-8"?>
+<p:sld xmlns:a="http://schemas.openxmlformats.org/drawingml/2006/main" xmlns:r="http://schemas.openxmlformats.org/officeDocument/2006/relationships" xmlns:p="http://schemas.openxmlformats.org/presentationml/2006/main">
+  <p:cSld>
+    <p:spTree>
+      <p:nvGrpSpPr>
+        <p:cNvPr id="1" name=""/>
+        <p:cNvGrpSpPr/>
+        <p:nvPr/>
+      </p:nvGrpSpPr>
+      <p:grpSpPr>
+        <a:xfrm>
+          <a:off x="0" y="0"/>
+          <a:ext cx="0" cy="0"/>
+          <a:chOff x="0" y="0"/>
+          <a:chExt cx="0" cy="0"/>
+        </a:xfrm>
+      </p:grpSpPr>
+      <p:sp>
+        <p:nvSpPr>
+          <p:cNvPr id="3" name="标题 2"/>
+          <p:cNvSpPr>
+            <a:spLocks noGrp="1"/>
+          </p:cNvSpPr>
+          <p:nvPr>
+            <p:ph type="title"/>
+          </p:nvPr>
+        </p:nvSpPr>
+        <p:spPr>
+          <a:xfrm>
+            <a:off x="0" y="8526"/>
+            <a:ext cx="9013371" cy="792162"/>
+          </a:xfrm>
+        </p:spPr>
+        <p:txBody>
+          <a:bodyPr/>
+          <a:lstStyle/>
+          <a:p>
+            <a:pPr algn="l" fontAlgn="auto">
+              <a:spcBef>
+                <a:spcPts val="0"/>
+              </a:spcBef>
+              <a:spcAft>
+                <a:spcPts val="0"/>
+              </a:spcAft>
+            </a:pPr>
+            <a:r>
+              <a:rPr lang="zh-CN" altLang="en-US" sz="3600" b="1" dirty="0">
+                <a:latin typeface="微软雅黑" pitchFamily="34" charset="-122"/>
+                <a:ea typeface="微软雅黑" pitchFamily="34" charset="-122"/>
+              </a:rPr>
+              <a:t>一、</a:t>
+            </a:r>
+            <a:r>
+              <a:rPr lang="en-US" sz="3600" b="1" dirty="0">
+                <a:latin typeface="微软雅黑" pitchFamily="34" charset="-122"/>
+                <a:ea typeface="微软雅黑" pitchFamily="34" charset="-122"/>
+              </a:rPr>
+              <a:t>GIS</a:t>
+            </a:r>
+            <a:r>
+              <a:rPr lang="zh-CN" altLang="en-US" sz="3600" b="1" dirty="0">
+                <a:latin typeface="微软雅黑" pitchFamily="34" charset="-122"/>
+                <a:ea typeface="微软雅黑" pitchFamily="34" charset="-122"/>
+              </a:rPr>
+              <a:t>数据读写</a:t>
+            </a:r>
+            <a:r>
+              <a:rPr lang="en-CN" sz="3600" b="1" dirty="0">
+                <a:latin typeface="微软雅黑" pitchFamily="34" charset="-122"/>
+                <a:ea typeface="微软雅黑" pitchFamily="34" charset="-122"/>
+              </a:rPr>
+              <a:t> </a:t>
+            </a:r>
+            <a:endParaRPr lang="zh-CN" altLang="en-US" sz="3600" b="1" dirty="0">
+              <a:latin typeface="微软雅黑" pitchFamily="34" charset="-122"/>
+              <a:ea typeface="微软雅黑" pitchFamily="34" charset="-122"/>
+            </a:endParaRPr>
+          </a:p>
+        </p:txBody>
+      </p:sp>
+      <p:sp>
+        <p:nvSpPr>
+          <p:cNvPr id="2" name="TextBox 1">
+            <a:extLst>
+              <a:ext uri="{FF2B5EF4-FFF2-40B4-BE49-F238E27FC236}">
+                <a16:creationId xmlns:a16="http://schemas.microsoft.com/office/drawing/2014/main" id="{631AADB6-C88A-D817-4683-FC087E4E240F}"/>
+              </a:ext>
+            </a:extLst>
+          </p:cNvPr>
+          <p:cNvSpPr txBox="1"/>
+          <p:nvPr/>
+        </p:nvSpPr>
+        <p:spPr>
+          <a:xfrm>
+            <a:off x="317665" y="846748"/>
+            <a:ext cx="8508670" cy="662489"/>
+          </a:xfrm>
+          <a:prstGeom prst="rect">
+            <a:avLst/>
+          </a:prstGeom>
+          <a:noFill/>
+        </p:spPr>
+        <p:txBody>
+          <a:bodyPr wrap="square" rtlCol="0">
+            <a:spAutoFit/>
+          </a:bodyPr>
+          <a:lstStyle/>
+          <a:p>
+            <a:pPr algn="just">
+              <a:lnSpc>
+                <a:spcPct val="150000"/>
+              </a:lnSpc>
+            </a:pPr>
+            <a:r>
+              <a:rPr lang="en-US" altLang="zh-CN" sz="2800" b="1" dirty="0">
+                <a:solidFill>
+                  <a:srgbClr val="333333"/>
+                </a:solidFill>
+                <a:latin typeface="+mn-ea"/>
+                <a:ea typeface="+mn-ea"/>
+              </a:rPr>
               <a:t>3. </a:t>
             </a:r>
             <a:r>
@@ -19994,7 +20710,7 @@
 </p:sld>
 </file>
 
-<file path=ppt/slides/slide15.xml><?xml version="1.0" encoding="utf-8"?>
+<file path=ppt/slides/slide16.xml><?xml version="1.0" encoding="utf-8"?>
 <p:sld xmlns:a="http://schemas.openxmlformats.org/drawingml/2006/main" xmlns:r="http://schemas.openxmlformats.org/officeDocument/2006/relationships" xmlns:p="http://schemas.openxmlformats.org/presentationml/2006/main">
   <p:cSld>
     <p:spTree>
@@ -20142,7 +20858,7 @@
 </p:sld>
 </file>
 
-<file path=ppt/slides/slide16.xml><?xml version="1.0" encoding="utf-8"?>
+<file path=ppt/slides/slide17.xml><?xml version="1.0" encoding="utf-8"?>
 <p:sld xmlns:a="http://schemas.openxmlformats.org/drawingml/2006/main" xmlns:r="http://schemas.openxmlformats.org/officeDocument/2006/relationships" xmlns:p="http://schemas.openxmlformats.org/presentationml/2006/main">
   <p:cSld>
     <p:spTree>
@@ -20805,7 +21521,7 @@
 </p:sld>
 </file>
 
-<file path=ppt/slides/slide17.xml><?xml version="1.0" encoding="utf-8"?>
+<file path=ppt/slides/slide18.xml><?xml version="1.0" encoding="utf-8"?>
 <p:sld xmlns:a="http://schemas.openxmlformats.org/drawingml/2006/main" xmlns:r="http://schemas.openxmlformats.org/officeDocument/2006/relationships" xmlns:p="http://schemas.openxmlformats.org/presentationml/2006/main">
   <p:cSld>
     <p:spTree>
@@ -21650,140 +22366,129 @@
       </p:grpSpPr>
       <p:sp>
         <p:nvSpPr>
-          <p:cNvPr id="3" name="矩形 2"/>
-          <p:cNvSpPr/>
+          <p:cNvPr id="2" name="灯片编号占位符 1">
+            <a:extLst>
+              <a:ext uri="{FF2B5EF4-FFF2-40B4-BE49-F238E27FC236}">
+                <a16:creationId xmlns:a16="http://schemas.microsoft.com/office/drawing/2014/main" id="{800D5C55-7D66-0F94-449B-87E1D80160C1}"/>
+              </a:ext>
+            </a:extLst>
+          </p:cNvPr>
+          <p:cNvSpPr>
+            <a:spLocks noGrp="1"/>
+          </p:cNvSpPr>
+          <p:nvPr>
+            <p:ph type="sldNum" sz="quarter" idx="12"/>
+          </p:nvPr>
+        </p:nvSpPr>
+        <p:spPr/>
+        <p:txBody>
+          <a:bodyPr/>
+          <a:lstStyle/>
+          <a:p>
+            <a:r>
+              <a:rPr lang="en-US" altLang="zh-CN">
+                <a:solidFill>
+                  <a:prstClr val="black">
+                    <a:tint val="75000"/>
+                  </a:prstClr>
+                </a:solidFill>
+              </a:rPr>
+              <a:t>Page </a:t>
+            </a:r>
+            <a:fld id="{5B7D6B44-8869-44D6-9B46-FD9D3C769EB1}" type="slidenum">
+              <a:rPr lang="zh-CN" altLang="en-US" smtClean="0">
+                <a:solidFill>
+                  <a:prstClr val="black">
+                    <a:tint val="75000"/>
+                  </a:prstClr>
+                </a:solidFill>
+              </a:rPr>
+              <a:pPr/>
+              <a:t>3</a:t>
+            </a:fld>
+            <a:endParaRPr lang="zh-CN" altLang="en-US">
+              <a:solidFill>
+                <a:prstClr val="black">
+                  <a:tint val="75000"/>
+                </a:prstClr>
+              </a:solidFill>
+            </a:endParaRPr>
+          </a:p>
+        </p:txBody>
+      </p:sp>
+      <p:sp>
+        <p:nvSpPr>
+          <p:cNvPr id="3" name="标题 2">
+            <a:extLst>
+              <a:ext uri="{FF2B5EF4-FFF2-40B4-BE49-F238E27FC236}">
+                <a16:creationId xmlns:a16="http://schemas.microsoft.com/office/drawing/2014/main" id="{C78CE539-A894-95F1-88A5-7745BA44DE40}"/>
+              </a:ext>
+            </a:extLst>
+          </p:cNvPr>
+          <p:cNvSpPr>
+            <a:spLocks noGrp="1"/>
+          </p:cNvSpPr>
+          <p:nvPr>
+            <p:ph type="title"/>
+          </p:nvPr>
+        </p:nvSpPr>
+        <p:spPr/>
+        <p:txBody>
+          <a:bodyPr/>
+          <a:lstStyle/>
+          <a:p>
+            <a:endParaRPr lang="zh-CN" altLang="en-US"/>
+          </a:p>
+        </p:txBody>
+      </p:sp>
+      <p:sp>
+        <p:nvSpPr>
+          <p:cNvPr id="4" name="文本框 3">
+            <a:extLst>
+              <a:ext uri="{FF2B5EF4-FFF2-40B4-BE49-F238E27FC236}">
+                <a16:creationId xmlns:a16="http://schemas.microsoft.com/office/drawing/2014/main" id="{2B283556-29FF-A610-28AC-B833CF4B5291}"/>
+              </a:ext>
+            </a:extLst>
+          </p:cNvPr>
+          <p:cNvSpPr txBox="1"/>
           <p:nvPr/>
         </p:nvSpPr>
         <p:spPr>
           <a:xfrm>
-            <a:off x="16933" y="3471863"/>
-            <a:ext cx="9144000" cy="1543050"/>
+            <a:off x="84788" y="3010485"/>
+            <a:ext cx="8805616" cy="1107996"/>
           </a:xfrm>
           <a:prstGeom prst="rect">
             <a:avLst/>
           </a:prstGeom>
-          <a:solidFill>
-            <a:schemeClr val="accent1"/>
-          </a:solidFill>
-          <a:ln>
-            <a:noFill/>
-          </a:ln>
+          <a:noFill/>
         </p:spPr>
         <p:txBody>
-          <a:bodyPr wrap="square" lIns="0" rtlCol="0" anchor="ctr">
-            <a:noAutofit/>
+          <a:bodyPr wrap="none" rtlCol="0">
+            <a:spAutoFit/>
           </a:bodyPr>
           <a:lstStyle/>
           <a:p>
-            <a:pPr algn="l"/>
-            <a:endParaRPr lang="zh-CN" altLang="en-US" b="1">
+            <a:r>
+              <a:rPr lang="zh-CN" altLang="en-US" sz="6600" b="1" dirty="0">
+                <a:solidFill>
+                  <a:srgbClr val="FF0000"/>
+                </a:solidFill>
+              </a:rPr>
+              <a:t>腾讯会议：</a:t>
+            </a:r>
+            <a:r>
+              <a:rPr lang="en-US" altLang="zh-CN" sz="6600" b="1" dirty="0">
+                <a:solidFill>
+                  <a:srgbClr val="FF0000"/>
+                </a:solidFill>
+              </a:rPr>
+              <a:t>392-863-563</a:t>
+            </a:r>
+            <a:endParaRPr lang="zh-CN" altLang="en-US" sz="6600" b="1" dirty="0">
               <a:solidFill>
                 <a:srgbClr val="FF0000"/>
               </a:solidFill>
-              <a:latin typeface="微软雅黑" pitchFamily="34" charset="-122"/>
-              <a:ea typeface="微软雅黑" pitchFamily="34" charset="-122"/>
-            </a:endParaRPr>
-          </a:p>
-        </p:txBody>
-      </p:sp>
-      <p:sp>
-        <p:nvSpPr>
-          <p:cNvPr id="7" name="矩形 6"/>
-          <p:cNvSpPr/>
-          <p:nvPr/>
-        </p:nvSpPr>
-        <p:spPr>
-          <a:xfrm>
-            <a:off x="67732" y="3868892"/>
-            <a:ext cx="9144000" cy="707886"/>
-          </a:xfrm>
-          <a:prstGeom prst="rect">
-            <a:avLst/>
-          </a:prstGeom>
-        </p:spPr>
-        <p:txBody>
-          <a:bodyPr wrap="square">
-            <a:spAutoFit/>
-          </a:bodyPr>
-          <a:lstStyle/>
-          <a:p>
-            <a:pPr algn="l" fontAlgn="auto">
-              <a:spcBef>
-                <a:spcPts val="0"/>
-              </a:spcBef>
-              <a:spcAft>
-                <a:spcPts val="0"/>
-              </a:spcAft>
-            </a:pPr>
-            <a:r>
-              <a:rPr lang="zh-CN" altLang="en-US" sz="4000" b="1" dirty="0">
-                <a:latin typeface="微软雅黑" pitchFamily="34" charset="-122"/>
-                <a:ea typeface="微软雅黑" pitchFamily="34" charset="-122"/>
-              </a:rPr>
-              <a:t>一、</a:t>
-            </a:r>
-            <a:r>
-              <a:rPr lang="en-US" sz="4000" b="1" dirty="0">
-                <a:latin typeface="微软雅黑" pitchFamily="34" charset="-122"/>
-                <a:ea typeface="微软雅黑" pitchFamily="34" charset="-122"/>
-              </a:rPr>
-              <a:t>Python</a:t>
-            </a:r>
-            <a:r>
-              <a:rPr lang="zh-CN" altLang="en-US" sz="4000" b="1" dirty="0">
-                <a:latin typeface="微软雅黑" pitchFamily="34" charset="-122"/>
-                <a:ea typeface="微软雅黑" pitchFamily="34" charset="-122"/>
-              </a:rPr>
-              <a:t>编程风格</a:t>
-            </a:r>
-            <a:r>
-              <a:rPr lang="en-CN" sz="4000" b="1" dirty="0">
-                <a:latin typeface="微软雅黑" pitchFamily="34" charset="-122"/>
-                <a:ea typeface="微软雅黑" pitchFamily="34" charset="-122"/>
-              </a:rPr>
-              <a:t> </a:t>
-            </a:r>
-            <a:endParaRPr lang="zh-CN" altLang="en-US" sz="4000" b="1" dirty="0">
-              <a:latin typeface="微软雅黑" pitchFamily="34" charset="-122"/>
-              <a:ea typeface="微软雅黑" pitchFamily="34" charset="-122"/>
-            </a:endParaRPr>
-          </a:p>
-        </p:txBody>
-      </p:sp>
-      <p:sp>
-        <p:nvSpPr>
-          <p:cNvPr id="8" name="矩形 7"/>
-          <p:cNvSpPr/>
-          <p:nvPr/>
-        </p:nvSpPr>
-        <p:spPr>
-          <a:xfrm>
-            <a:off x="0" y="5014912"/>
-            <a:ext cx="9144000" cy="72000"/>
-          </a:xfrm>
-          <a:prstGeom prst="rect">
-            <a:avLst/>
-          </a:prstGeom>
-          <a:solidFill>
-            <a:schemeClr val="tx1">
-              <a:lumMod val="75000"/>
-            </a:schemeClr>
-          </a:solidFill>
-          <a:effectLst/>
-        </p:spPr>
-        <p:txBody>
-          <a:bodyPr wrap="square" lIns="0" rtlCol="0" anchor="ctr">
-            <a:noAutofit/>
-          </a:bodyPr>
-          <a:lstStyle/>
-          <a:p>
-            <a:pPr algn="l"/>
-            <a:endParaRPr lang="zh-CN" altLang="en-US" b="1">
-              <a:solidFill>
-                <a:srgbClr val="FF0000"/>
-              </a:solidFill>
-              <a:latin typeface="微软雅黑" pitchFamily="34" charset="-122"/>
-              <a:ea typeface="微软雅黑" pitchFamily="34" charset="-122"/>
             </a:endParaRPr>
           </a:p>
         </p:txBody>
@@ -21791,7 +22496,7 @@
     </p:spTree>
     <p:extLst>
       <p:ext uri="{BB962C8B-B14F-4D97-AF65-F5344CB8AC3E}">
-        <p14:creationId xmlns:p14="http://schemas.microsoft.com/office/powerpoint/2010/main" val="2415901206"/>
+        <p14:creationId xmlns:p14="http://schemas.microsoft.com/office/powerpoint/2010/main" val="953918551"/>
       </p:ext>
     </p:extLst>
   </p:cSld>
@@ -21823,22 +22528,61 @@
       </p:grpSpPr>
       <p:sp>
         <p:nvSpPr>
-          <p:cNvPr id="3" name="标题 2"/>
-          <p:cNvSpPr>
-            <a:spLocks noGrp="1"/>
-          </p:cNvSpPr>
-          <p:nvPr>
-            <p:ph type="title"/>
-          </p:nvPr>
+          <p:cNvPr id="3" name="矩形 2"/>
+          <p:cNvSpPr/>
+          <p:nvPr/>
         </p:nvSpPr>
         <p:spPr>
           <a:xfrm>
-            <a:off x="0" y="8526"/>
-            <a:ext cx="9013371" cy="792162"/>
+            <a:off x="16933" y="3471863"/>
+            <a:ext cx="9144000" cy="1543050"/>
           </a:xfrm>
+          <a:prstGeom prst="rect">
+            <a:avLst/>
+          </a:prstGeom>
+          <a:solidFill>
+            <a:schemeClr val="accent1"/>
+          </a:solidFill>
+          <a:ln>
+            <a:noFill/>
+          </a:ln>
         </p:spPr>
         <p:txBody>
-          <a:bodyPr/>
+          <a:bodyPr wrap="square" lIns="0" rtlCol="0" anchor="ctr">
+            <a:noAutofit/>
+          </a:bodyPr>
+          <a:lstStyle/>
+          <a:p>
+            <a:pPr algn="l"/>
+            <a:endParaRPr lang="zh-CN" altLang="en-US" b="1">
+              <a:solidFill>
+                <a:srgbClr val="FF0000"/>
+              </a:solidFill>
+              <a:latin typeface="微软雅黑" pitchFamily="34" charset="-122"/>
+              <a:ea typeface="微软雅黑" pitchFamily="34" charset="-122"/>
+            </a:endParaRPr>
+          </a:p>
+        </p:txBody>
+      </p:sp>
+      <p:sp>
+        <p:nvSpPr>
+          <p:cNvPr id="7" name="矩形 6"/>
+          <p:cNvSpPr/>
+          <p:nvPr/>
+        </p:nvSpPr>
+        <p:spPr>
+          <a:xfrm>
+            <a:off x="67732" y="3868892"/>
+            <a:ext cx="9144000" cy="707886"/>
+          </a:xfrm>
+          <a:prstGeom prst="rect">
+            <a:avLst/>
+          </a:prstGeom>
+        </p:spPr>
+        <p:txBody>
+          <a:bodyPr wrap="square">
+            <a:spAutoFit/>
+          </a:bodyPr>
           <a:lstStyle/>
           <a:p>
             <a:pPr algn="l" fontAlgn="auto">
@@ -21850,20 +22594,34 @@
               </a:spcAft>
             </a:pPr>
             <a:r>
-              <a:rPr lang="zh-CN" altLang="en-US" sz="3600" b="1" dirty="0">
+              <a:rPr lang="zh-CN" altLang="en-US" sz="4000" b="1" dirty="0">
                 <a:latin typeface="微软雅黑" pitchFamily="34" charset="-122"/>
                 <a:ea typeface="微软雅黑" pitchFamily="34" charset="-122"/>
               </a:rPr>
               <a:t>一、</a:t>
             </a:r>
             <a:r>
-              <a:rPr lang="en-US" sz="3600" b="1" dirty="0" err="1">
+              <a:rPr lang="en-US" sz="4000" b="1" dirty="0">
                 <a:latin typeface="微软雅黑" pitchFamily="34" charset="-122"/>
                 <a:ea typeface="微软雅黑" pitchFamily="34" charset="-122"/>
               </a:rPr>
-              <a:t>Python编程风格</a:t>
-            </a:r>
-            <a:endParaRPr lang="zh-CN" altLang="en-US" sz="3600" b="1" dirty="0">
+              <a:t>Python</a:t>
+            </a:r>
+            <a:r>
+              <a:rPr lang="zh-CN" altLang="en-US" sz="4000" b="1" dirty="0">
+                <a:latin typeface="微软雅黑" pitchFamily="34" charset="-122"/>
+                <a:ea typeface="微软雅黑" pitchFamily="34" charset="-122"/>
+              </a:rPr>
+              <a:t>编程风格</a:t>
+            </a:r>
+            <a:r>
+              <a:rPr lang="en-CN" sz="4000" b="1" dirty="0">
+                <a:latin typeface="微软雅黑" pitchFamily="34" charset="-122"/>
+                <a:ea typeface="微软雅黑" pitchFamily="34" charset="-122"/>
+              </a:rPr>
+              <a:t> </a:t>
+            </a:r>
+            <a:endParaRPr lang="zh-CN" altLang="en-US" sz="4000" b="1" dirty="0">
               <a:latin typeface="微软雅黑" pitchFamily="34" charset="-122"/>
               <a:ea typeface="微软雅黑" pitchFamily="34" charset="-122"/>
             </a:endParaRPr>
@@ -21872,653 +22630,38 @@
       </p:sp>
       <p:sp>
         <p:nvSpPr>
-          <p:cNvPr id="2" name="TextBox 1">
-            <a:extLst>
-              <a:ext uri="{FF2B5EF4-FFF2-40B4-BE49-F238E27FC236}">
-                <a16:creationId xmlns:a16="http://schemas.microsoft.com/office/drawing/2014/main" id="{631AADB6-C88A-D817-4683-FC087E4E240F}"/>
-              </a:ext>
-            </a:extLst>
-          </p:cNvPr>
-          <p:cNvSpPr txBox="1"/>
+          <p:cNvPr id="8" name="矩形 7"/>
+          <p:cNvSpPr/>
           <p:nvPr/>
         </p:nvSpPr>
         <p:spPr>
           <a:xfrm>
-            <a:off x="317665" y="846748"/>
-            <a:ext cx="8508670" cy="662489"/>
+            <a:off x="0" y="5014912"/>
+            <a:ext cx="9144000" cy="72000"/>
           </a:xfrm>
           <a:prstGeom prst="rect">
             <a:avLst/>
           </a:prstGeom>
-          <a:noFill/>
+          <a:solidFill>
+            <a:schemeClr val="tx1">
+              <a:lumMod val="75000"/>
+            </a:schemeClr>
+          </a:solidFill>
+          <a:effectLst/>
         </p:spPr>
         <p:txBody>
-          <a:bodyPr wrap="square" rtlCol="0">
-            <a:spAutoFit/>
+          <a:bodyPr wrap="square" lIns="0" rtlCol="0" anchor="ctr">
+            <a:noAutofit/>
           </a:bodyPr>
           <a:lstStyle/>
           <a:p>
-            <a:pPr algn="just">
-              <a:lnSpc>
-                <a:spcPct val="150000"/>
-              </a:lnSpc>
-            </a:pPr>
-            <a:r>
-              <a:rPr lang="en-US" altLang="zh-CN" sz="2800" b="1" dirty="0">
-                <a:solidFill>
-                  <a:srgbClr val="333333"/>
-                </a:solidFill>
-                <a:latin typeface="+mn-ea"/>
-                <a:ea typeface="+mn-ea"/>
-              </a:rPr>
-              <a:t>1</a:t>
-            </a:r>
-            <a:r>
-              <a:rPr lang="zh-CN" altLang="en-US" sz="2800" b="1" dirty="0">
-                <a:solidFill>
-                  <a:srgbClr val="333333"/>
-                </a:solidFill>
-                <a:latin typeface="+mn-ea"/>
-                <a:ea typeface="+mn-ea"/>
-              </a:rPr>
-              <a:t>、基本概念</a:t>
-            </a:r>
-            <a:endParaRPr lang="en-US" altLang="zh-CN" sz="2800" b="1" dirty="0">
+            <a:pPr algn="l"/>
+            <a:endParaRPr lang="zh-CN" altLang="en-US" b="1">
               <a:solidFill>
-                <a:srgbClr val="333333"/>
+                <a:srgbClr val="FF0000"/>
               </a:solidFill>
-              <a:latin typeface="+mn-ea"/>
-              <a:ea typeface="+mn-ea"/>
-            </a:endParaRPr>
-          </a:p>
-        </p:txBody>
-      </p:sp>
-      <p:sp>
-        <p:nvSpPr>
-          <p:cNvPr id="5" name="TextBox 4">
-            <a:extLst>
-              <a:ext uri="{FF2B5EF4-FFF2-40B4-BE49-F238E27FC236}">
-                <a16:creationId xmlns:a16="http://schemas.microsoft.com/office/drawing/2014/main" id="{78502774-B04C-634F-1396-E5815996BC36}"/>
-              </a:ext>
-            </a:extLst>
-          </p:cNvPr>
-          <p:cNvSpPr txBox="1"/>
-          <p:nvPr/>
-        </p:nvSpPr>
-        <p:spPr>
-          <a:xfrm>
-            <a:off x="317664" y="1610717"/>
-            <a:ext cx="8508669" cy="4772268"/>
-          </a:xfrm>
-          <a:prstGeom prst="rect">
-            <a:avLst/>
-          </a:prstGeom>
-          <a:noFill/>
-        </p:spPr>
-        <p:txBody>
-          <a:bodyPr wrap="square">
-            <a:spAutoFit/>
-          </a:bodyPr>
-          <a:lstStyle/>
-          <a:p>
-            <a:pPr algn="just">
-              <a:lnSpc>
-                <a:spcPct val="150000"/>
-              </a:lnSpc>
-            </a:pPr>
-            <a:r>
-              <a:rPr lang="zh-CN" altLang="en-US" sz="2200" b="1" dirty="0">
-                <a:solidFill>
-                  <a:srgbClr val="333333"/>
-                </a:solidFill>
-                <a:latin typeface="+mn-ea"/>
-                <a:ea typeface="+mn-ea"/>
-              </a:rPr>
-              <a:t>定义：</a:t>
-            </a:r>
-            <a:r>
-              <a:rPr lang="zh-CN" altLang="en-US" sz="2200" dirty="0">
-                <a:solidFill>
-                  <a:srgbClr val="333333"/>
-                </a:solidFill>
-                <a:latin typeface="+mn-ea"/>
-                <a:ea typeface="+mn-ea"/>
-              </a:rPr>
-              <a:t>是一种广泛使用的</a:t>
-            </a:r>
-            <a:r>
-              <a:rPr lang="zh-CN" altLang="en-US" sz="2200" dirty="0">
-                <a:solidFill>
-                  <a:srgbClr val="333333"/>
-                </a:solidFill>
-                <a:latin typeface="+mn-ea"/>
-                <a:ea typeface="+mn-ea"/>
-                <a:hlinkClick r:id="rId3" tooltip="直译语言">
-                  <a:extLst>
-                    <a:ext uri="{A12FA001-AC4F-418D-AE19-62706E023703}">
-                      <ahyp:hlinkClr xmlns:ahyp="http://schemas.microsoft.com/office/drawing/2018/hyperlinkcolor" val="tx"/>
-                    </a:ext>
-                  </a:extLst>
-                </a:hlinkClick>
-              </a:rPr>
-              <a:t>解释型</a:t>
-            </a:r>
-            <a:r>
-              <a:rPr lang="zh-CN" altLang="en-US" sz="2200" dirty="0">
-                <a:solidFill>
-                  <a:srgbClr val="333333"/>
-                </a:solidFill>
-                <a:latin typeface="+mn-ea"/>
-                <a:ea typeface="+mn-ea"/>
-              </a:rPr>
-              <a:t>、</a:t>
-            </a:r>
-            <a:r>
-              <a:rPr lang="zh-CN" altLang="en-US" sz="2200" dirty="0">
-                <a:solidFill>
-                  <a:srgbClr val="333333"/>
-                </a:solidFill>
-                <a:latin typeface="+mn-ea"/>
-                <a:ea typeface="+mn-ea"/>
-                <a:hlinkClick r:id="rId4" tooltip="高级语言">
-                  <a:extLst>
-                    <a:ext uri="{A12FA001-AC4F-418D-AE19-62706E023703}">
-                      <ahyp:hlinkClr xmlns:ahyp="http://schemas.microsoft.com/office/drawing/2018/hyperlinkcolor" val="tx"/>
-                    </a:ext>
-                  </a:extLst>
-                </a:hlinkClick>
-              </a:rPr>
-              <a:t>高级</a:t>
-            </a:r>
-            <a:r>
-              <a:rPr lang="zh-CN" altLang="en-US" sz="2200" dirty="0">
-                <a:solidFill>
-                  <a:srgbClr val="333333"/>
-                </a:solidFill>
-                <a:latin typeface="+mn-ea"/>
-                <a:ea typeface="+mn-ea"/>
-              </a:rPr>
-              <a:t>和</a:t>
-            </a:r>
-            <a:r>
-              <a:rPr lang="zh-CN" altLang="en-US" sz="2200" dirty="0">
-                <a:solidFill>
-                  <a:srgbClr val="333333"/>
-                </a:solidFill>
-                <a:latin typeface="+mn-ea"/>
-                <a:ea typeface="+mn-ea"/>
-                <a:hlinkClick r:id="rId5" tooltip="通用编程语言">
-                  <a:extLst>
-                    <a:ext uri="{A12FA001-AC4F-418D-AE19-62706E023703}">
-                      <ahyp:hlinkClr xmlns:ahyp="http://schemas.microsoft.com/office/drawing/2018/hyperlinkcolor" val="tx"/>
-                    </a:ext>
-                  </a:extLst>
-                </a:hlinkClick>
-              </a:rPr>
-              <a:t>通用</a:t>
-            </a:r>
-            <a:r>
-              <a:rPr lang="zh-CN" altLang="en-US" sz="2200" dirty="0">
-                <a:solidFill>
-                  <a:srgbClr val="333333"/>
-                </a:solidFill>
-                <a:latin typeface="+mn-ea"/>
-                <a:ea typeface="+mn-ea"/>
-              </a:rPr>
-              <a:t>的</a:t>
-            </a:r>
-            <a:r>
-              <a:rPr lang="zh-CN" altLang="en-US" sz="2200" dirty="0">
-                <a:solidFill>
-                  <a:srgbClr val="333333"/>
-                </a:solidFill>
-                <a:latin typeface="+mn-ea"/>
-                <a:ea typeface="+mn-ea"/>
-                <a:hlinkClick r:id="rId6" tooltip="编程语言">
-                  <a:extLst>
-                    <a:ext uri="{A12FA001-AC4F-418D-AE19-62706E023703}">
-                      <ahyp:hlinkClr xmlns:ahyp="http://schemas.microsoft.com/office/drawing/2018/hyperlinkcolor" val="tx"/>
-                    </a:ext>
-                  </a:extLst>
-                </a:hlinkClick>
-              </a:rPr>
-              <a:t>编程语言</a:t>
-            </a:r>
-            <a:r>
-              <a:rPr lang="zh-CN" altLang="en-US" sz="2200" dirty="0">
-                <a:solidFill>
-                  <a:srgbClr val="333333"/>
-                </a:solidFill>
-                <a:latin typeface="+mn-ea"/>
-                <a:ea typeface="+mn-ea"/>
-              </a:rPr>
-              <a:t>。</a:t>
-            </a:r>
-            <a:r>
-              <a:rPr lang="en-US" sz="2200" dirty="0">
-                <a:solidFill>
-                  <a:srgbClr val="333333"/>
-                </a:solidFill>
-                <a:latin typeface="+mn-ea"/>
-                <a:ea typeface="+mn-ea"/>
-              </a:rPr>
-              <a:t>Python</a:t>
-            </a:r>
-            <a:r>
-              <a:rPr lang="zh-CN" altLang="en-US" sz="2200" dirty="0">
-                <a:solidFill>
-                  <a:srgbClr val="333333"/>
-                </a:solidFill>
-                <a:latin typeface="+mn-ea"/>
-                <a:ea typeface="+mn-ea"/>
-              </a:rPr>
-              <a:t>支持多种编程范型，包括结构化、过程式、反射式、面向对象和函数式编程。</a:t>
-            </a:r>
-            <a:endParaRPr lang="en-US" sz="2200" dirty="0">
-              <a:solidFill>
-                <a:srgbClr val="333333"/>
-              </a:solidFill>
-              <a:latin typeface="+mn-ea"/>
-              <a:ea typeface="+mn-ea"/>
-            </a:endParaRPr>
-          </a:p>
-          <a:p>
-            <a:pPr algn="just">
-              <a:lnSpc>
-                <a:spcPct val="150000"/>
-              </a:lnSpc>
-            </a:pPr>
-            <a:r>
-              <a:rPr lang="zh-CN" altLang="en-US" sz="2200" b="1" dirty="0">
-                <a:solidFill>
-                  <a:srgbClr val="333333"/>
-                </a:solidFill>
-                <a:latin typeface="+mn-ea"/>
-                <a:ea typeface="+mn-ea"/>
-              </a:rPr>
-              <a:t>历史：</a:t>
-            </a:r>
-            <a:r>
-              <a:rPr lang="en-US" altLang="zh-CN" sz="2200" dirty="0">
-                <a:solidFill>
-                  <a:srgbClr val="333333"/>
-                </a:solidFill>
-                <a:latin typeface="+mn-ea"/>
-                <a:ea typeface="+mn-ea"/>
-              </a:rPr>
-              <a:t>1989</a:t>
-            </a:r>
-            <a:r>
-              <a:rPr lang="zh-CN" altLang="en-US" sz="2200" dirty="0">
-                <a:solidFill>
-                  <a:srgbClr val="333333"/>
-                </a:solidFill>
-                <a:latin typeface="+mn-ea"/>
-                <a:ea typeface="+mn-ea"/>
-              </a:rPr>
-              <a:t>年，荷兰的计算机程序员吉多</a:t>
-            </a:r>
-            <a:r>
-              <a:rPr lang="en-US" altLang="zh-CN" sz="2200" dirty="0">
-                <a:solidFill>
-                  <a:srgbClr val="333333"/>
-                </a:solidFill>
-                <a:latin typeface="+mn-ea"/>
-                <a:ea typeface="+mn-ea"/>
-              </a:rPr>
-              <a:t>·</a:t>
-            </a:r>
-            <a:r>
-              <a:rPr lang="zh-CN" altLang="en-US" sz="2200" dirty="0">
-                <a:solidFill>
-                  <a:srgbClr val="333333"/>
-                </a:solidFill>
-                <a:latin typeface="+mn-ea"/>
-                <a:ea typeface="+mn-ea"/>
-              </a:rPr>
-              <a:t>范罗苏姆（</a:t>
-            </a:r>
-            <a:r>
-              <a:rPr lang="en-US" sz="2200" dirty="0">
-                <a:solidFill>
-                  <a:srgbClr val="333333"/>
-                </a:solidFill>
-                <a:latin typeface="+mn-ea"/>
-                <a:ea typeface="+mn-ea"/>
-              </a:rPr>
-              <a:t>Guido Van Rossum）</a:t>
-            </a:r>
-            <a:r>
-              <a:rPr lang="zh-CN" altLang="en-US" sz="2200" dirty="0">
-                <a:solidFill>
-                  <a:srgbClr val="333333"/>
-                </a:solidFill>
-                <a:latin typeface="+mn-ea"/>
-                <a:ea typeface="+mn-ea"/>
-              </a:rPr>
-              <a:t>创建了 </a:t>
-            </a:r>
-            <a:r>
-              <a:rPr lang="en-US" sz="2200" dirty="0">
-                <a:solidFill>
-                  <a:srgbClr val="333333"/>
-                </a:solidFill>
-                <a:latin typeface="+mn-ea"/>
-                <a:ea typeface="+mn-ea"/>
-              </a:rPr>
-              <a:t>Python。</a:t>
-            </a:r>
-          </a:p>
-          <a:p>
-            <a:pPr algn="just">
-              <a:lnSpc>
-                <a:spcPct val="150000"/>
-              </a:lnSpc>
-            </a:pPr>
-            <a:r>
-              <a:rPr lang="zh-CN" altLang="en-US" sz="2200" dirty="0">
-                <a:solidFill>
-                  <a:srgbClr val="333333"/>
-                </a:solidFill>
-                <a:latin typeface="+mn-ea"/>
-                <a:ea typeface="+mn-ea"/>
-              </a:rPr>
-              <a:t>在</a:t>
-            </a:r>
-            <a:r>
-              <a:rPr lang="en-US" altLang="zh-CN" sz="2200" dirty="0">
-                <a:solidFill>
-                  <a:srgbClr val="333333"/>
-                </a:solidFill>
-                <a:latin typeface="+mn-ea"/>
-                <a:ea typeface="+mn-ea"/>
-              </a:rPr>
-              <a:t>2000</a:t>
-            </a:r>
-            <a:r>
-              <a:rPr lang="zh-CN" altLang="en-US" sz="2200" dirty="0">
-                <a:solidFill>
-                  <a:srgbClr val="333333"/>
-                </a:solidFill>
-                <a:latin typeface="+mn-ea"/>
-                <a:ea typeface="+mn-ea"/>
-              </a:rPr>
-              <a:t>年</a:t>
-            </a:r>
-            <a:r>
-              <a:rPr lang="en-US" altLang="zh-CN" sz="2200" dirty="0">
-                <a:solidFill>
-                  <a:srgbClr val="333333"/>
-                </a:solidFill>
-                <a:latin typeface="+mn-ea"/>
-                <a:ea typeface="+mn-ea"/>
-              </a:rPr>
-              <a:t>10</a:t>
-            </a:r>
-            <a:r>
-              <a:rPr lang="zh-CN" altLang="en-US" sz="2200" dirty="0">
-                <a:solidFill>
-                  <a:srgbClr val="333333"/>
-                </a:solidFill>
-                <a:latin typeface="+mn-ea"/>
-                <a:ea typeface="+mn-ea"/>
-              </a:rPr>
-              <a:t>月</a:t>
-            </a:r>
-            <a:r>
-              <a:rPr lang="en-US" altLang="zh-CN" sz="2200" dirty="0">
-                <a:solidFill>
-                  <a:srgbClr val="333333"/>
-                </a:solidFill>
-                <a:latin typeface="+mn-ea"/>
-                <a:ea typeface="+mn-ea"/>
-              </a:rPr>
-              <a:t>16</a:t>
-            </a:r>
-            <a:r>
-              <a:rPr lang="zh-CN" altLang="en-US" sz="2200" dirty="0">
-                <a:solidFill>
-                  <a:srgbClr val="333333"/>
-                </a:solidFill>
-                <a:latin typeface="+mn-ea"/>
-                <a:ea typeface="+mn-ea"/>
-              </a:rPr>
-              <a:t>日，</a:t>
-            </a:r>
-            <a:r>
-              <a:rPr lang="en-US" sz="2200" dirty="0">
-                <a:solidFill>
-                  <a:srgbClr val="333333"/>
-                </a:solidFill>
-                <a:latin typeface="+mn-ea"/>
-                <a:ea typeface="+mn-ea"/>
-              </a:rPr>
-              <a:t>Python 2.0</a:t>
-            </a:r>
-            <a:r>
-              <a:rPr lang="zh-CN" altLang="en-US" sz="2200" dirty="0">
-                <a:solidFill>
-                  <a:srgbClr val="333333"/>
-                </a:solidFill>
-                <a:latin typeface="+mn-ea"/>
-                <a:ea typeface="+mn-ea"/>
-              </a:rPr>
-              <a:t>发布；</a:t>
-            </a:r>
-            <a:endParaRPr lang="en-US" altLang="zh-CN" sz="2200" dirty="0">
-              <a:solidFill>
-                <a:srgbClr val="333333"/>
-              </a:solidFill>
-              <a:latin typeface="+mn-ea"/>
-              <a:ea typeface="+mn-ea"/>
-            </a:endParaRPr>
-          </a:p>
-          <a:p>
-            <a:pPr algn="just">
-              <a:lnSpc>
-                <a:spcPct val="150000"/>
-              </a:lnSpc>
-            </a:pPr>
-            <a:r>
-              <a:rPr lang="zh-CN" altLang="en-US" sz="2200" dirty="0">
-                <a:solidFill>
-                  <a:srgbClr val="333333"/>
-                </a:solidFill>
-                <a:latin typeface="+mn-ea"/>
-                <a:ea typeface="+mn-ea"/>
-              </a:rPr>
-              <a:t>在</a:t>
-            </a:r>
-            <a:r>
-              <a:rPr lang="en-US" altLang="zh-CN" sz="2200" dirty="0">
-                <a:solidFill>
-                  <a:srgbClr val="333333"/>
-                </a:solidFill>
-                <a:latin typeface="+mn-ea"/>
-                <a:ea typeface="+mn-ea"/>
-              </a:rPr>
-              <a:t>2008</a:t>
-            </a:r>
-            <a:r>
-              <a:rPr lang="zh-CN" altLang="en-US" sz="2200" dirty="0">
-                <a:solidFill>
-                  <a:srgbClr val="333333"/>
-                </a:solidFill>
-                <a:latin typeface="+mn-ea"/>
-                <a:ea typeface="+mn-ea"/>
-              </a:rPr>
-              <a:t>年</a:t>
-            </a:r>
-            <a:r>
-              <a:rPr lang="en-US" altLang="zh-CN" sz="2200" dirty="0">
-                <a:solidFill>
-                  <a:srgbClr val="333333"/>
-                </a:solidFill>
-                <a:latin typeface="+mn-ea"/>
-                <a:ea typeface="+mn-ea"/>
-              </a:rPr>
-              <a:t>12</a:t>
-            </a:r>
-            <a:r>
-              <a:rPr lang="zh-CN" altLang="en-US" sz="2200" dirty="0">
-                <a:solidFill>
-                  <a:srgbClr val="333333"/>
-                </a:solidFill>
-                <a:latin typeface="+mn-ea"/>
-                <a:ea typeface="+mn-ea"/>
-              </a:rPr>
-              <a:t>月</a:t>
-            </a:r>
-            <a:r>
-              <a:rPr lang="en-US" altLang="zh-CN" sz="2200" dirty="0">
-                <a:solidFill>
-                  <a:srgbClr val="333333"/>
-                </a:solidFill>
-                <a:latin typeface="+mn-ea"/>
-                <a:ea typeface="+mn-ea"/>
-              </a:rPr>
-              <a:t>3</a:t>
-            </a:r>
-            <a:r>
-              <a:rPr lang="zh-CN" altLang="en-US" sz="2200" dirty="0">
-                <a:solidFill>
-                  <a:srgbClr val="333333"/>
-                </a:solidFill>
-                <a:latin typeface="+mn-ea"/>
-                <a:ea typeface="+mn-ea"/>
-              </a:rPr>
-              <a:t>日，</a:t>
-            </a:r>
-            <a:r>
-              <a:rPr lang="en-US" sz="2200" dirty="0">
-                <a:solidFill>
-                  <a:srgbClr val="333333"/>
-                </a:solidFill>
-                <a:latin typeface="+mn-ea"/>
-                <a:ea typeface="+mn-ea"/>
-              </a:rPr>
-              <a:t>Python 3.0</a:t>
-            </a:r>
-            <a:r>
-              <a:rPr lang="zh-CN" altLang="en-US" sz="2200" dirty="0">
-                <a:solidFill>
-                  <a:srgbClr val="333333"/>
-                </a:solidFill>
-                <a:latin typeface="+mn-ea"/>
-                <a:ea typeface="+mn-ea"/>
-              </a:rPr>
-              <a:t>发布</a:t>
-            </a:r>
-            <a:endParaRPr lang="en-US" altLang="zh-CN" sz="2200" dirty="0">
-              <a:solidFill>
-                <a:srgbClr val="333333"/>
-              </a:solidFill>
-              <a:latin typeface="+mn-ea"/>
-              <a:ea typeface="+mn-ea"/>
-            </a:endParaRPr>
-          </a:p>
-          <a:p>
-            <a:pPr algn="just">
-              <a:lnSpc>
-                <a:spcPct val="150000"/>
-              </a:lnSpc>
-            </a:pPr>
-            <a:r>
-              <a:rPr lang="en-US" altLang="zh-CN" sz="2200" dirty="0">
-                <a:solidFill>
-                  <a:srgbClr val="333333"/>
-                </a:solidFill>
-                <a:latin typeface="+mn-ea"/>
-                <a:ea typeface="+mn-ea"/>
-              </a:rPr>
-              <a:t>2020</a:t>
-            </a:r>
-            <a:r>
-              <a:rPr lang="zh-CN" altLang="en-US" sz="2200" dirty="0">
-                <a:solidFill>
-                  <a:srgbClr val="333333"/>
-                </a:solidFill>
-                <a:latin typeface="+mn-ea"/>
-                <a:ea typeface="+mn-ea"/>
-              </a:rPr>
-              <a:t>年</a:t>
-            </a:r>
-            <a:r>
-              <a:rPr lang="en-US" altLang="zh-CN" sz="2200" dirty="0">
-                <a:solidFill>
-                  <a:srgbClr val="333333"/>
-                </a:solidFill>
-                <a:latin typeface="+mn-ea"/>
-                <a:ea typeface="+mn-ea"/>
-              </a:rPr>
-              <a:t>1</a:t>
-            </a:r>
-            <a:r>
-              <a:rPr lang="zh-CN" altLang="en-US" sz="2200" dirty="0">
-                <a:solidFill>
-                  <a:srgbClr val="333333"/>
-                </a:solidFill>
-                <a:latin typeface="+mn-ea"/>
-                <a:ea typeface="+mn-ea"/>
-              </a:rPr>
-              <a:t>月</a:t>
-            </a:r>
-            <a:r>
-              <a:rPr lang="en-US" altLang="zh-CN" sz="2200" dirty="0">
-                <a:solidFill>
-                  <a:srgbClr val="333333"/>
-                </a:solidFill>
-                <a:latin typeface="+mn-ea"/>
-                <a:ea typeface="+mn-ea"/>
-              </a:rPr>
-              <a:t>1</a:t>
-            </a:r>
-            <a:r>
-              <a:rPr lang="zh-CN" altLang="en-US" sz="2200" dirty="0">
-                <a:solidFill>
-                  <a:srgbClr val="333333"/>
-                </a:solidFill>
-                <a:latin typeface="+mn-ea"/>
-                <a:ea typeface="+mn-ea"/>
-              </a:rPr>
-              <a:t>日，</a:t>
-            </a:r>
-            <a:r>
-              <a:rPr lang="en-US" altLang="zh-CN" sz="2200" b="1" dirty="0">
-                <a:solidFill>
-                  <a:srgbClr val="333333"/>
-                </a:solidFill>
-                <a:latin typeface="+mn-ea"/>
-                <a:ea typeface="+mn-ea"/>
-              </a:rPr>
-              <a:t>Python2.x</a:t>
-            </a:r>
-            <a:r>
-              <a:rPr lang="zh-CN" altLang="en-US" sz="2200" b="1" dirty="0">
-                <a:solidFill>
-                  <a:srgbClr val="333333"/>
-                </a:solidFill>
-                <a:latin typeface="+mn-ea"/>
-                <a:ea typeface="+mn-ea"/>
-              </a:rPr>
-              <a:t> 版本停止更新</a:t>
-            </a:r>
-            <a:r>
-              <a:rPr lang="zh-CN" altLang="en-US" sz="2200" dirty="0">
-                <a:solidFill>
-                  <a:srgbClr val="333333"/>
-                </a:solidFill>
-                <a:latin typeface="+mn-ea"/>
-                <a:ea typeface="+mn-ea"/>
-              </a:rPr>
-              <a:t>。</a:t>
-            </a:r>
-            <a:endParaRPr lang="en-US" altLang="zh-CN" sz="2200" dirty="0">
-              <a:solidFill>
-                <a:srgbClr val="333333"/>
-              </a:solidFill>
-              <a:latin typeface="+mn-ea"/>
-              <a:ea typeface="+mn-ea"/>
+              <a:latin typeface="微软雅黑" pitchFamily="34" charset="-122"/>
+              <a:ea typeface="微软雅黑" pitchFamily="34" charset="-122"/>
             </a:endParaRPr>
           </a:p>
         </p:txBody>
@@ -22526,7 +22669,7 @@
     </p:spTree>
     <p:extLst>
       <p:ext uri="{BB962C8B-B14F-4D97-AF65-F5344CB8AC3E}">
-        <p14:creationId xmlns:p14="http://schemas.microsoft.com/office/powerpoint/2010/main" val="2038650065"/>
+        <p14:creationId xmlns:p14="http://schemas.microsoft.com/office/powerpoint/2010/main" val="2415901206"/>
       </p:ext>
     </p:extLst>
   </p:cSld>
@@ -22619,7 +22762,7 @@
         </p:nvSpPr>
         <p:spPr>
           <a:xfrm>
-            <a:off x="317665" y="812023"/>
+            <a:off x="317665" y="846748"/>
             <a:ext cx="8508670" cy="662489"/>
           </a:xfrm>
           <a:prstGeom prst="rect">
@@ -22646,7 +22789,7 @@
                 <a:latin typeface="+mn-ea"/>
                 <a:ea typeface="+mn-ea"/>
               </a:rPr>
-              <a:t>2</a:t>
+              <a:t>1</a:t>
             </a:r>
             <a:r>
               <a:rPr lang="zh-CN" altLang="en-US" sz="2800" b="1" dirty="0">
@@ -22670,10 +22813,10 @@
       </p:sp>
       <p:sp>
         <p:nvSpPr>
-          <p:cNvPr id="4" name="TextBox 3">
+          <p:cNvPr id="5" name="TextBox 4">
             <a:extLst>
               <a:ext uri="{FF2B5EF4-FFF2-40B4-BE49-F238E27FC236}">
-                <a16:creationId xmlns:a16="http://schemas.microsoft.com/office/drawing/2014/main" id="{5890849C-B6D7-E82C-6F19-E8BC73B44DEE}"/>
+                <a16:creationId xmlns:a16="http://schemas.microsoft.com/office/drawing/2014/main" id="{78502774-B04C-634F-1396-E5815996BC36}"/>
               </a:ext>
             </a:extLst>
           </p:cNvPr>
@@ -22682,8 +22825,8 @@
         </p:nvSpPr>
         <p:spPr>
           <a:xfrm>
-            <a:off x="277794" y="1370097"/>
-            <a:ext cx="8629565" cy="5444888"/>
+            <a:off x="317664" y="1610717"/>
+            <a:ext cx="8508669" cy="4772268"/>
           </a:xfrm>
           <a:prstGeom prst="rect">
             <a:avLst/>
@@ -22702,156 +22845,154 @@
               </a:lnSpc>
             </a:pPr>
             <a:r>
-              <a:rPr lang="zh-CN" altLang="en-US" sz="1800" b="1" dirty="0">
+              <a:rPr lang="zh-CN" altLang="en-US" sz="2200" b="1" dirty="0">
                 <a:solidFill>
                   <a:srgbClr val="333333"/>
                 </a:solidFill>
                 <a:latin typeface="+mn-ea"/>
                 <a:ea typeface="+mn-ea"/>
               </a:rPr>
-              <a:t>数据类型：</a:t>
-            </a:r>
-            <a:r>
-              <a:rPr lang="en-US" altLang="zh-CN" sz="1800" dirty="0">
+              <a:t>定义：</a:t>
+            </a:r>
+            <a:r>
+              <a:rPr lang="zh-CN" altLang="en-US" sz="2200" dirty="0">
                 <a:solidFill>
                   <a:srgbClr val="333333"/>
                 </a:solidFill>
                 <a:latin typeface="+mn-ea"/>
                 <a:ea typeface="+mn-ea"/>
               </a:rPr>
-              <a:t>Bool</a:t>
-            </a:r>
-            <a:r>
-              <a:rPr lang="zh-CN" altLang="en-US" sz="1800" dirty="0">
+              <a:t>是一种广泛使用的</a:t>
+            </a:r>
+            <a:r>
+              <a:rPr lang="zh-CN" altLang="en-US" sz="2200" dirty="0">
                 <a:solidFill>
                   <a:srgbClr val="333333"/>
                 </a:solidFill>
                 <a:latin typeface="+mn-ea"/>
                 <a:ea typeface="+mn-ea"/>
-              </a:rPr>
-              <a:t>（布尔）、</a:t>
-            </a:r>
-            <a:r>
-              <a:rPr lang="en-US" altLang="zh-CN" sz="1800" dirty="0">
+                <a:hlinkClick r:id="rId3" tooltip="直译语言">
+                  <a:extLst>
+                    <a:ext uri="{A12FA001-AC4F-418D-AE19-62706E023703}">
+                      <ahyp:hlinkClr xmlns:ahyp="http://schemas.microsoft.com/office/drawing/2018/hyperlinkcolor" val="tx"/>
+                    </a:ext>
+                  </a:extLst>
+                </a:hlinkClick>
+              </a:rPr>
+              <a:t>解释型</a:t>
+            </a:r>
+            <a:r>
+              <a:rPr lang="zh-CN" altLang="en-US" sz="2200" dirty="0">
                 <a:solidFill>
                   <a:srgbClr val="333333"/>
                 </a:solidFill>
                 <a:latin typeface="+mn-ea"/>
                 <a:ea typeface="+mn-ea"/>
               </a:rPr>
-              <a:t>Number</a:t>
-            </a:r>
-            <a:r>
-              <a:rPr lang="zh-CN" altLang="en-US" sz="1800" dirty="0">
+              <a:t>、</a:t>
+            </a:r>
+            <a:r>
+              <a:rPr lang="zh-CN" altLang="en-US" sz="2200" dirty="0">
                 <a:solidFill>
                   <a:srgbClr val="333333"/>
                 </a:solidFill>
                 <a:latin typeface="+mn-ea"/>
                 <a:ea typeface="+mn-ea"/>
-              </a:rPr>
-              <a:t>（数字）、</a:t>
-            </a:r>
-            <a:r>
-              <a:rPr lang="en-US" altLang="zh-CN" sz="1800" dirty="0">
+                <a:hlinkClick r:id="rId4" tooltip="高级语言">
+                  <a:extLst>
+                    <a:ext uri="{A12FA001-AC4F-418D-AE19-62706E023703}">
+                      <ahyp:hlinkClr xmlns:ahyp="http://schemas.microsoft.com/office/drawing/2018/hyperlinkcolor" val="tx"/>
+                    </a:ext>
+                  </a:extLst>
+                </a:hlinkClick>
+              </a:rPr>
+              <a:t>高级</a:t>
+            </a:r>
+            <a:r>
+              <a:rPr lang="zh-CN" altLang="en-US" sz="2200" dirty="0">
                 <a:solidFill>
                   <a:srgbClr val="333333"/>
                 </a:solidFill>
                 <a:latin typeface="+mn-ea"/>
                 <a:ea typeface="+mn-ea"/>
               </a:rPr>
-              <a:t>String</a:t>
-            </a:r>
-            <a:r>
-              <a:rPr lang="zh-CN" altLang="en-US" sz="1800" dirty="0">
+              <a:t>和</a:t>
+            </a:r>
+            <a:r>
+              <a:rPr lang="zh-CN" altLang="en-US" sz="2200" dirty="0">
                 <a:solidFill>
                   <a:srgbClr val="333333"/>
                 </a:solidFill>
                 <a:latin typeface="+mn-ea"/>
                 <a:ea typeface="+mn-ea"/>
-              </a:rPr>
-              <a:t>（字符串）、</a:t>
-            </a:r>
-            <a:r>
-              <a:rPr lang="en-US" altLang="zh-CN" sz="1800" dirty="0">
+                <a:hlinkClick r:id="rId5" tooltip="通用编程语言">
+                  <a:extLst>
+                    <a:ext uri="{A12FA001-AC4F-418D-AE19-62706E023703}">
+                      <ahyp:hlinkClr xmlns:ahyp="http://schemas.microsoft.com/office/drawing/2018/hyperlinkcolor" val="tx"/>
+                    </a:ext>
+                  </a:extLst>
+                </a:hlinkClick>
+              </a:rPr>
+              <a:t>通用</a:t>
+            </a:r>
+            <a:r>
+              <a:rPr lang="zh-CN" altLang="en-US" sz="2200" dirty="0">
                 <a:solidFill>
                   <a:srgbClr val="333333"/>
                 </a:solidFill>
                 <a:latin typeface="+mn-ea"/>
                 <a:ea typeface="+mn-ea"/>
               </a:rPr>
-              <a:t>List</a:t>
-            </a:r>
-            <a:r>
-              <a:rPr lang="zh-CN" altLang="en-US" sz="1800" dirty="0">
+              <a:t>的</a:t>
+            </a:r>
+            <a:r>
+              <a:rPr lang="zh-CN" altLang="en-US" sz="2200" dirty="0">
                 <a:solidFill>
                   <a:srgbClr val="333333"/>
                 </a:solidFill>
                 <a:latin typeface="+mn-ea"/>
                 <a:ea typeface="+mn-ea"/>
-              </a:rPr>
-              <a:t>（列表）、</a:t>
-            </a:r>
-            <a:r>
-              <a:rPr lang="en-US" altLang="zh-CN" sz="1800" dirty="0">
+                <a:hlinkClick r:id="rId6" tooltip="编程语言">
+                  <a:extLst>
+                    <a:ext uri="{A12FA001-AC4F-418D-AE19-62706E023703}">
+                      <ahyp:hlinkClr xmlns:ahyp="http://schemas.microsoft.com/office/drawing/2018/hyperlinkcolor" val="tx"/>
+                    </a:ext>
+                  </a:extLst>
+                </a:hlinkClick>
+              </a:rPr>
+              <a:t>编程语言</a:t>
+            </a:r>
+            <a:r>
+              <a:rPr lang="zh-CN" altLang="en-US" sz="2200" dirty="0">
                 <a:solidFill>
                   <a:srgbClr val="333333"/>
                 </a:solidFill>
                 <a:latin typeface="+mn-ea"/>
                 <a:ea typeface="+mn-ea"/>
               </a:rPr>
-              <a:t>Dictionary</a:t>
-            </a:r>
-            <a:r>
-              <a:rPr lang="zh-CN" altLang="en-US" sz="1800" dirty="0">
+              <a:t>。</a:t>
+            </a:r>
+            <a:r>
+              <a:rPr lang="en-US" sz="2200" dirty="0">
                 <a:solidFill>
                   <a:srgbClr val="333333"/>
                 </a:solidFill>
                 <a:latin typeface="+mn-ea"/>
                 <a:ea typeface="+mn-ea"/>
               </a:rPr>
-              <a:t>（字典）、</a:t>
-            </a:r>
-            <a:r>
-              <a:rPr lang="en-US" altLang="zh-CN" sz="1800" dirty="0">
+              <a:t>Python</a:t>
+            </a:r>
+            <a:r>
+              <a:rPr lang="zh-CN" altLang="en-US" sz="2200" dirty="0">
                 <a:solidFill>
                   <a:srgbClr val="333333"/>
                 </a:solidFill>
                 <a:latin typeface="+mn-ea"/>
                 <a:ea typeface="+mn-ea"/>
               </a:rPr>
-              <a:t>Tuple</a:t>
-            </a:r>
-            <a:r>
-              <a:rPr lang="zh-CN" altLang="en-US" sz="1800" dirty="0">
-                <a:solidFill>
-                  <a:srgbClr val="333333"/>
-                </a:solidFill>
-                <a:latin typeface="+mn-ea"/>
-                <a:ea typeface="+mn-ea"/>
-              </a:rPr>
-              <a:t>（元组）、</a:t>
-            </a:r>
-            <a:r>
-              <a:rPr lang="en-US" altLang="zh-CN" sz="1800" dirty="0">
-                <a:solidFill>
-                  <a:srgbClr val="333333"/>
-                </a:solidFill>
-                <a:latin typeface="+mn-ea"/>
-                <a:ea typeface="+mn-ea"/>
-              </a:rPr>
-              <a:t>Set</a:t>
-            </a:r>
-            <a:r>
-              <a:rPr lang="zh-CN" altLang="en-US" sz="1800" dirty="0">
-                <a:solidFill>
-                  <a:srgbClr val="333333"/>
-                </a:solidFill>
-                <a:latin typeface="+mn-ea"/>
-                <a:ea typeface="+mn-ea"/>
-              </a:rPr>
-              <a:t>（集合）。</a:t>
-            </a:r>
-            <a:endParaRPr lang="en-US" altLang="zh-CN" sz="1800" dirty="0">
+              <a:t>支持多种编程范型，包括结构化、过程式、反射式、面向对象和函数式编程。</a:t>
+            </a:r>
+            <a:endParaRPr lang="en-US" sz="2200" dirty="0">
               <a:solidFill>
                 <a:srgbClr val="333333"/>
               </a:solidFill>
@@ -22866,26 +23007,183 @@
               </a:lnSpc>
             </a:pPr>
             <a:r>
-              <a:rPr lang="zh-CN" altLang="en-US" sz="1800" b="1" dirty="0">
+              <a:rPr lang="zh-CN" altLang="en-US" sz="2200" b="1" dirty="0">
                 <a:solidFill>
                   <a:srgbClr val="333333"/>
                 </a:solidFill>
                 <a:latin typeface="+mn-ea"/>
                 <a:ea typeface="+mn-ea"/>
               </a:rPr>
-              <a:t>变量与赋值：</a:t>
-            </a:r>
-            <a:r>
-              <a:rPr lang="zh-CN" altLang="en-US" sz="1800" dirty="0">
+              <a:t>历史：</a:t>
+            </a:r>
+            <a:r>
+              <a:rPr lang="en-US" altLang="zh-CN" sz="2200" dirty="0">
                 <a:solidFill>
                   <a:srgbClr val="333333"/>
                 </a:solidFill>
                 <a:latin typeface="+mn-ea"/>
                 <a:ea typeface="+mn-ea"/>
               </a:rPr>
-              <a:t>可以看成一个小箱子，专门用来“盛装”程序中的数据。</a:t>
-            </a:r>
-            <a:endParaRPr lang="en-US" altLang="zh-CN" sz="1800" dirty="0">
+              <a:t>1989</a:t>
+            </a:r>
+            <a:r>
+              <a:rPr lang="zh-CN" altLang="en-US" sz="2200" dirty="0">
+                <a:solidFill>
+                  <a:srgbClr val="333333"/>
+                </a:solidFill>
+                <a:latin typeface="+mn-ea"/>
+                <a:ea typeface="+mn-ea"/>
+              </a:rPr>
+              <a:t>年，荷兰的计算机程序员吉多</a:t>
+            </a:r>
+            <a:r>
+              <a:rPr lang="en-US" altLang="zh-CN" sz="2200" dirty="0">
+                <a:solidFill>
+                  <a:srgbClr val="333333"/>
+                </a:solidFill>
+                <a:latin typeface="+mn-ea"/>
+                <a:ea typeface="+mn-ea"/>
+              </a:rPr>
+              <a:t>·</a:t>
+            </a:r>
+            <a:r>
+              <a:rPr lang="zh-CN" altLang="en-US" sz="2200" dirty="0">
+                <a:solidFill>
+                  <a:srgbClr val="333333"/>
+                </a:solidFill>
+                <a:latin typeface="+mn-ea"/>
+                <a:ea typeface="+mn-ea"/>
+              </a:rPr>
+              <a:t>范罗苏姆（</a:t>
+            </a:r>
+            <a:r>
+              <a:rPr lang="en-US" sz="2200" dirty="0">
+                <a:solidFill>
+                  <a:srgbClr val="333333"/>
+                </a:solidFill>
+                <a:latin typeface="+mn-ea"/>
+                <a:ea typeface="+mn-ea"/>
+              </a:rPr>
+              <a:t>Guido Van Rossum）</a:t>
+            </a:r>
+            <a:r>
+              <a:rPr lang="zh-CN" altLang="en-US" sz="2200" dirty="0">
+                <a:solidFill>
+                  <a:srgbClr val="333333"/>
+                </a:solidFill>
+                <a:latin typeface="+mn-ea"/>
+                <a:ea typeface="+mn-ea"/>
+              </a:rPr>
+              <a:t>创建了 </a:t>
+            </a:r>
+            <a:r>
+              <a:rPr lang="en-US" sz="2200" dirty="0">
+                <a:solidFill>
+                  <a:srgbClr val="333333"/>
+                </a:solidFill>
+                <a:latin typeface="+mn-ea"/>
+                <a:ea typeface="+mn-ea"/>
+              </a:rPr>
+              <a:t>Python。</a:t>
+            </a:r>
+          </a:p>
+          <a:p>
+            <a:pPr algn="just">
+              <a:lnSpc>
+                <a:spcPct val="150000"/>
+              </a:lnSpc>
+            </a:pPr>
+            <a:r>
+              <a:rPr lang="zh-CN" altLang="en-US" sz="2200" dirty="0">
+                <a:solidFill>
+                  <a:srgbClr val="333333"/>
+                </a:solidFill>
+                <a:latin typeface="+mn-ea"/>
+                <a:ea typeface="+mn-ea"/>
+              </a:rPr>
+              <a:t>在</a:t>
+            </a:r>
+            <a:r>
+              <a:rPr lang="en-US" altLang="zh-CN" sz="2200" dirty="0">
+                <a:solidFill>
+                  <a:srgbClr val="333333"/>
+                </a:solidFill>
+                <a:latin typeface="+mn-ea"/>
+                <a:ea typeface="+mn-ea"/>
+              </a:rPr>
+              <a:t>2000</a:t>
+            </a:r>
+            <a:r>
+              <a:rPr lang="zh-CN" altLang="en-US" sz="2200" dirty="0">
+                <a:solidFill>
+                  <a:srgbClr val="333333"/>
+                </a:solidFill>
+                <a:latin typeface="+mn-ea"/>
+                <a:ea typeface="+mn-ea"/>
+              </a:rPr>
+              <a:t>年</a:t>
+            </a:r>
+            <a:r>
+              <a:rPr lang="en-US" altLang="zh-CN" sz="2200" dirty="0">
+                <a:solidFill>
+                  <a:srgbClr val="333333"/>
+                </a:solidFill>
+                <a:latin typeface="+mn-ea"/>
+                <a:ea typeface="+mn-ea"/>
+              </a:rPr>
+              <a:t>10</a:t>
+            </a:r>
+            <a:r>
+              <a:rPr lang="zh-CN" altLang="en-US" sz="2200" dirty="0">
+                <a:solidFill>
+                  <a:srgbClr val="333333"/>
+                </a:solidFill>
+                <a:latin typeface="+mn-ea"/>
+                <a:ea typeface="+mn-ea"/>
+              </a:rPr>
+              <a:t>月</a:t>
+            </a:r>
+            <a:r>
+              <a:rPr lang="en-US" altLang="zh-CN" sz="2200" dirty="0">
+                <a:solidFill>
+                  <a:srgbClr val="333333"/>
+                </a:solidFill>
+                <a:latin typeface="+mn-ea"/>
+                <a:ea typeface="+mn-ea"/>
+              </a:rPr>
+              <a:t>16</a:t>
+            </a:r>
+            <a:r>
+              <a:rPr lang="zh-CN" altLang="en-US" sz="2200" dirty="0">
+                <a:solidFill>
+                  <a:srgbClr val="333333"/>
+                </a:solidFill>
+                <a:latin typeface="+mn-ea"/>
+                <a:ea typeface="+mn-ea"/>
+              </a:rPr>
+              <a:t>日，</a:t>
+            </a:r>
+            <a:r>
+              <a:rPr lang="en-US" sz="2200" dirty="0">
+                <a:solidFill>
+                  <a:srgbClr val="333333"/>
+                </a:solidFill>
+                <a:latin typeface="+mn-ea"/>
+                <a:ea typeface="+mn-ea"/>
+              </a:rPr>
+              <a:t>Python 2.0</a:t>
+            </a:r>
+            <a:r>
+              <a:rPr lang="zh-CN" altLang="en-US" sz="2200" dirty="0">
+                <a:solidFill>
+                  <a:srgbClr val="333333"/>
+                </a:solidFill>
+                <a:latin typeface="+mn-ea"/>
+                <a:ea typeface="+mn-ea"/>
+              </a:rPr>
+              <a:t>发布；</a:t>
+            </a:r>
+            <a:endParaRPr lang="en-US" altLang="zh-CN" sz="2200" dirty="0">
               <a:solidFill>
                 <a:srgbClr val="333333"/>
               </a:solidFill>
@@ -22900,86 +23198,96 @@
               </a:lnSpc>
             </a:pPr>
             <a:r>
-              <a:rPr lang="zh-CN" altLang="en-US" sz="1800" b="1" dirty="0">
+              <a:rPr lang="zh-CN" altLang="en-US" sz="2200" dirty="0">
                 <a:solidFill>
                   <a:srgbClr val="333333"/>
                 </a:solidFill>
                 <a:latin typeface="+mn-ea"/>
                 <a:ea typeface="+mn-ea"/>
               </a:rPr>
-              <a:t>条件判断</a:t>
-            </a:r>
-            <a:r>
-              <a:rPr lang="zh-CN" altLang="en-US" sz="1800" dirty="0">
+              <a:t>在</a:t>
+            </a:r>
+            <a:r>
+              <a:rPr lang="en-US" altLang="zh-CN" sz="2200" dirty="0">
                 <a:solidFill>
                   <a:srgbClr val="333333"/>
                 </a:solidFill>
                 <a:latin typeface="+mn-ea"/>
                 <a:ea typeface="+mn-ea"/>
               </a:rPr>
-              <a:t>：通过一条或多条判断语句的执行结果（</a:t>
-            </a:r>
-            <a:r>
-              <a:rPr lang="en-US" sz="1800" dirty="0">
+              <a:t>2008</a:t>
+            </a:r>
+            <a:r>
+              <a:rPr lang="zh-CN" altLang="en-US" sz="2200" dirty="0">
                 <a:solidFill>
                   <a:srgbClr val="333333"/>
                 </a:solidFill>
                 <a:latin typeface="+mn-ea"/>
                 <a:ea typeface="+mn-ea"/>
               </a:rPr>
-              <a:t>True</a:t>
-            </a:r>
-            <a:r>
-              <a:rPr lang="zh-CN" altLang="en-US" sz="1800" dirty="0">
+              <a:t>年</a:t>
+            </a:r>
+            <a:r>
+              <a:rPr lang="en-US" altLang="zh-CN" sz="2200" dirty="0">
                 <a:solidFill>
                   <a:srgbClr val="333333"/>
                 </a:solidFill>
                 <a:latin typeface="+mn-ea"/>
                 <a:ea typeface="+mn-ea"/>
               </a:rPr>
-              <a:t>或者</a:t>
-            </a:r>
-            <a:r>
-              <a:rPr lang="en-US" sz="1800" dirty="0">
+              <a:t>12</a:t>
+            </a:r>
+            <a:r>
+              <a:rPr lang="zh-CN" altLang="en-US" sz="2200" dirty="0">
                 <a:solidFill>
                   <a:srgbClr val="333333"/>
                 </a:solidFill>
                 <a:latin typeface="+mn-ea"/>
                 <a:ea typeface="+mn-ea"/>
               </a:rPr>
-              <a:t>False）</a:t>
-            </a:r>
-            <a:r>
-              <a:rPr lang="zh-CN" altLang="en-US" sz="1800" dirty="0">
+              <a:t>月</a:t>
+            </a:r>
+            <a:r>
+              <a:rPr lang="en-US" altLang="zh-CN" sz="2200" dirty="0">
                 <a:solidFill>
                   <a:srgbClr val="333333"/>
                 </a:solidFill>
                 <a:latin typeface="+mn-ea"/>
                 <a:ea typeface="+mn-ea"/>
               </a:rPr>
-              <a:t>来决定执行的代码块。（</a:t>
-            </a:r>
-            <a:r>
-              <a:rPr lang="en-US" altLang="zh-CN" sz="1800" dirty="0">
+              <a:t>3</a:t>
+            </a:r>
+            <a:r>
+              <a:rPr lang="zh-CN" altLang="en-US" sz="2200" dirty="0">
                 <a:solidFill>
                   <a:srgbClr val="333333"/>
                 </a:solidFill>
                 <a:latin typeface="+mn-ea"/>
                 <a:ea typeface="+mn-ea"/>
               </a:rPr>
-              <a:t>if…else…</a:t>
-            </a:r>
-            <a:r>
-              <a:rPr lang="zh-CN" altLang="en-US" sz="1800" dirty="0">
+              <a:t>日，</a:t>
+            </a:r>
+            <a:r>
+              <a:rPr lang="en-US" sz="2200" dirty="0">
                 <a:solidFill>
                   <a:srgbClr val="333333"/>
                 </a:solidFill>
                 <a:latin typeface="+mn-ea"/>
                 <a:ea typeface="+mn-ea"/>
               </a:rPr>
-              <a:t>）</a:t>
-            </a:r>
-            <a:endParaRPr lang="en-US" altLang="zh-CN" sz="1800" dirty="0">
+              <a:t>Python 3.0</a:t>
+            </a:r>
+            <a:r>
+              <a:rPr lang="zh-CN" altLang="en-US" sz="2200" dirty="0">
+                <a:solidFill>
+                  <a:srgbClr val="333333"/>
+                </a:solidFill>
+                <a:latin typeface="+mn-ea"/>
+                <a:ea typeface="+mn-ea"/>
+              </a:rPr>
+              <a:t>发布</a:t>
+            </a:r>
+            <a:endParaRPr lang="en-US" altLang="zh-CN" sz="2200" dirty="0">
               <a:solidFill>
                 <a:srgbClr val="333333"/>
               </a:solidFill>
@@ -22994,63 +23302,96 @@
               </a:lnSpc>
             </a:pPr>
             <a:r>
-              <a:rPr lang="zh-CN" altLang="en-US" sz="1800" b="1" dirty="0">
+              <a:rPr lang="en-US" altLang="zh-CN" sz="2200" dirty="0">
                 <a:solidFill>
                   <a:srgbClr val="333333"/>
                 </a:solidFill>
                 <a:latin typeface="+mn-ea"/>
                 <a:ea typeface="+mn-ea"/>
               </a:rPr>
-              <a:t>循环：</a:t>
-            </a:r>
-            <a:r>
-              <a:rPr lang="zh-CN" altLang="en-US" sz="1800" dirty="0">
+              <a:t>2020</a:t>
+            </a:r>
+            <a:r>
+              <a:rPr lang="zh-CN" altLang="en-US" sz="2200" dirty="0">
                 <a:solidFill>
                   <a:srgbClr val="333333"/>
                 </a:solidFill>
                 <a:latin typeface="+mn-ea"/>
                 <a:ea typeface="+mn-ea"/>
               </a:rPr>
-              <a:t>指自动化、重复多次执行相似的任务。</a:t>
-            </a:r>
-            <a:r>
-              <a:rPr lang="en-US" altLang="zh-CN" sz="1800" dirty="0">
+              <a:t>年</a:t>
+            </a:r>
+            <a:r>
+              <a:rPr lang="en-US" altLang="zh-CN" sz="2200" dirty="0">
                 <a:solidFill>
                   <a:srgbClr val="333333"/>
                 </a:solidFill>
                 <a:latin typeface="+mn-ea"/>
                 <a:ea typeface="+mn-ea"/>
               </a:rPr>
-              <a:t>(for..; while…;)</a:t>
-            </a:r>
-          </a:p>
-          <a:p>
-            <a:pPr algn="just">
-              <a:lnSpc>
-                <a:spcPct val="150000"/>
-              </a:lnSpc>
-            </a:pPr>
-            <a:r>
-              <a:rPr lang="zh-CN" altLang="en-US" sz="1800" b="1" dirty="0">
+              <a:t>1</a:t>
+            </a:r>
+            <a:r>
+              <a:rPr lang="zh-CN" altLang="en-US" sz="2200" dirty="0">
                 <a:solidFill>
                   <a:srgbClr val="333333"/>
                 </a:solidFill>
                 <a:latin typeface="+mn-ea"/>
                 <a:ea typeface="+mn-ea"/>
               </a:rPr>
-              <a:t>函数：</a:t>
-            </a:r>
-            <a:r>
-              <a:rPr lang="zh-CN" altLang="en-US" sz="1800" dirty="0">
+              <a:t>月</a:t>
+            </a:r>
+            <a:r>
+              <a:rPr lang="en-US" altLang="zh-CN" sz="2200" dirty="0">
                 <a:solidFill>
                   <a:srgbClr val="333333"/>
                 </a:solidFill>
                 <a:latin typeface="+mn-ea"/>
                 <a:ea typeface="+mn-ea"/>
               </a:rPr>
-              <a:t>一个可重复使用的代码块，当它被调用时执行某种功能。</a:t>
-            </a:r>
-            <a:endParaRPr lang="en-US" altLang="zh-CN" sz="1800" dirty="0">
+              <a:t>1</a:t>
+            </a:r>
+            <a:r>
+              <a:rPr lang="zh-CN" altLang="en-US" sz="2200" dirty="0">
+                <a:solidFill>
+                  <a:srgbClr val="333333"/>
+                </a:solidFill>
+                <a:latin typeface="+mn-ea"/>
+                <a:ea typeface="+mn-ea"/>
+              </a:rPr>
+              <a:t>日，</a:t>
+            </a:r>
+            <a:r>
+              <a:rPr lang="en-US" altLang="zh-CN" sz="2200" b="1" dirty="0">
+                <a:solidFill>
+                  <a:srgbClr val="333333"/>
+                </a:solidFill>
+                <a:latin typeface="+mn-ea"/>
+                <a:ea typeface="+mn-ea"/>
+              </a:rPr>
+              <a:t>Python2.x</a:t>
+            </a:r>
+            <a:r>
+              <a:rPr lang="zh-CN" altLang="en-US" sz="2200" b="1" dirty="0">
+                <a:solidFill>
+                  <a:srgbClr val="333333"/>
+                </a:solidFill>
+                <a:latin typeface="+mn-ea"/>
+                <a:ea typeface="+mn-ea"/>
+              </a:rPr>
+              <a:t> 版本停止更新</a:t>
+            </a:r>
+            <a:r>
+              <a:rPr lang="zh-CN" altLang="en-US" sz="2200" dirty="0">
+                <a:solidFill>
+                  <a:srgbClr val="333333"/>
+                </a:solidFill>
+                <a:latin typeface="+mn-ea"/>
+                <a:ea typeface="+mn-ea"/>
+              </a:rPr>
+              <a:t>。</a:t>
+            </a:r>
+            <a:endParaRPr lang="en-US" altLang="zh-CN" sz="2200" dirty="0">
               <a:solidFill>
                 <a:srgbClr val="333333"/>
               </a:solidFill>
@@ -23058,188 +23399,12 @@
               <a:ea typeface="+mn-ea"/>
             </a:endParaRPr>
           </a:p>
-          <a:p>
-            <a:pPr algn="just">
-              <a:lnSpc>
-                <a:spcPct val="150000"/>
-              </a:lnSpc>
-            </a:pPr>
-            <a:r>
-              <a:rPr lang="zh-CN" altLang="en-US" sz="1800" b="1" dirty="0">
-                <a:solidFill>
-                  <a:srgbClr val="333333"/>
-                </a:solidFill>
-                <a:latin typeface="+mn-ea"/>
-                <a:ea typeface="+mn-ea"/>
-              </a:rPr>
-              <a:t>模块：</a:t>
-            </a:r>
-            <a:r>
-              <a:rPr lang="zh-CN" altLang="en-US" sz="1800" dirty="0">
-                <a:solidFill>
-                  <a:srgbClr val="333333"/>
-                </a:solidFill>
-                <a:latin typeface="+mn-ea"/>
-                <a:ea typeface="+mn-ea"/>
-              </a:rPr>
-              <a:t>指用一系列代码实现了某个功能的代码集合。通常一个模块由多个函数构成。通过模块调用能大幅度提高编程效率。</a:t>
-            </a:r>
-            <a:endParaRPr lang="en-US" altLang="zh-CN" sz="1800" dirty="0">
-              <a:solidFill>
-                <a:srgbClr val="333333"/>
-              </a:solidFill>
-              <a:latin typeface="+mn-ea"/>
-              <a:ea typeface="+mn-ea"/>
-            </a:endParaRPr>
-          </a:p>
-          <a:p>
-            <a:pPr algn="just">
-              <a:lnSpc>
-                <a:spcPct val="150000"/>
-              </a:lnSpc>
-            </a:pPr>
-            <a:r>
-              <a:rPr lang="zh-CN" altLang="en-US" sz="1800" b="1" dirty="0">
-                <a:solidFill>
-                  <a:srgbClr val="333333"/>
-                </a:solidFill>
-                <a:latin typeface="+mn-ea"/>
-                <a:ea typeface="+mn-ea"/>
-              </a:rPr>
-              <a:t>软件包调用：</a:t>
-            </a:r>
-            <a:r>
-              <a:rPr lang="zh-CN" altLang="en-US" sz="1800" dirty="0">
-                <a:solidFill>
-                  <a:srgbClr val="333333"/>
-                </a:solidFill>
-                <a:latin typeface="+mn-ea"/>
-                <a:ea typeface="+mn-ea"/>
-              </a:rPr>
-              <a:t>为了对多个模块进行有效管理，</a:t>
-            </a:r>
-            <a:r>
-              <a:rPr lang="en-US" sz="1800" dirty="0">
-                <a:solidFill>
-                  <a:srgbClr val="333333"/>
-                </a:solidFill>
-                <a:latin typeface="+mn-ea"/>
-                <a:ea typeface="+mn-ea"/>
-              </a:rPr>
-              <a:t>Python</a:t>
-            </a:r>
-            <a:r>
-              <a:rPr lang="zh-CN" altLang="en-US" sz="1800" dirty="0">
-                <a:solidFill>
-                  <a:srgbClr val="333333"/>
-                </a:solidFill>
-                <a:latin typeface="+mn-ea"/>
-                <a:ea typeface="+mn-ea"/>
-              </a:rPr>
-              <a:t>引入了按目录来组织模块的方法，该目录称为包（</a:t>
-            </a:r>
-            <a:r>
-              <a:rPr lang="en-US" sz="1800" dirty="0">
-                <a:solidFill>
-                  <a:srgbClr val="333333"/>
-                </a:solidFill>
-                <a:latin typeface="+mn-ea"/>
-                <a:ea typeface="+mn-ea"/>
-              </a:rPr>
-              <a:t>Package）</a:t>
-            </a:r>
-            <a:r>
-              <a:rPr lang="zh-CN" altLang="en-US" sz="1800" dirty="0">
-                <a:solidFill>
-                  <a:srgbClr val="333333"/>
-                </a:solidFill>
-                <a:latin typeface="+mn-ea"/>
-                <a:ea typeface="+mn-ea"/>
-              </a:rPr>
-              <a:t>，软件包调用与模块调用类似</a:t>
-            </a:r>
-            <a:r>
-              <a:rPr lang="en-US" sz="1800" dirty="0">
-                <a:solidFill>
-                  <a:srgbClr val="333333"/>
-                </a:solidFill>
-                <a:latin typeface="+mn-ea"/>
-                <a:ea typeface="+mn-ea"/>
-              </a:rPr>
-              <a:t>。</a:t>
-            </a:r>
-            <a:endParaRPr lang="en-US" altLang="zh-CN" sz="1800" dirty="0">
-              <a:solidFill>
-                <a:srgbClr val="333333"/>
-              </a:solidFill>
-              <a:latin typeface="+mn-ea"/>
-              <a:ea typeface="+mn-ea"/>
-            </a:endParaRPr>
-          </a:p>
-        </p:txBody>
-      </p:sp>
-      <p:sp>
-        <p:nvSpPr>
-          <p:cNvPr id="7" name="TextBox 6">
-            <a:extLst>
-              <a:ext uri="{FF2B5EF4-FFF2-40B4-BE49-F238E27FC236}">
-                <a16:creationId xmlns:a16="http://schemas.microsoft.com/office/drawing/2014/main" id="{6A0464DA-16D3-0757-416F-B5FC79C9913C}"/>
-              </a:ext>
-            </a:extLst>
-          </p:cNvPr>
-          <p:cNvSpPr txBox="1"/>
-          <p:nvPr/>
-        </p:nvSpPr>
-        <p:spPr>
-          <a:xfrm>
-            <a:off x="6875362" y="6495664"/>
-            <a:ext cx="2268638" cy="338554"/>
-          </a:xfrm>
-          <a:prstGeom prst="rect">
-            <a:avLst/>
-          </a:prstGeom>
-          <a:noFill/>
-        </p:spPr>
-        <p:txBody>
-          <a:bodyPr wrap="square">
-            <a:spAutoFit/>
-          </a:bodyPr>
-          <a:lstStyle/>
-          <a:p>
-            <a:pPr algn="r"/>
-            <a:r>
-              <a:rPr lang="en-US" altLang="zh-CN" sz="1600" b="1" i="1" dirty="0">
-                <a:solidFill>
-                  <a:schemeClr val="bg1"/>
-                </a:solidFill>
-                <a:latin typeface="PingFang SC" panose="020B0400000000000000" pitchFamily="34" charset="-122"/>
-                <a:ea typeface="PingFang SC" panose="020B0400000000000000" pitchFamily="34" charset="-122"/>
-              </a:rPr>
-              <a:t>…</a:t>
-            </a:r>
-            <a:r>
-              <a:rPr lang="zh-CN" altLang="en-US" sz="1600" b="1" i="1" dirty="0">
-                <a:solidFill>
-                  <a:schemeClr val="bg1"/>
-                </a:solidFill>
-                <a:effectLst/>
-                <a:latin typeface="PingFang SC" panose="020B0400000000000000" pitchFamily="34" charset="-122"/>
-                <a:ea typeface="PingFang SC" panose="020B0400000000000000" pitchFamily="34" charset="-122"/>
-              </a:rPr>
-              <a:t>附代码讲解</a:t>
-            </a:r>
-            <a:endParaRPr lang="en-CN" sz="1600" b="1" i="1" dirty="0">
-              <a:solidFill>
-                <a:schemeClr val="bg1"/>
-              </a:solidFill>
-            </a:endParaRPr>
-          </a:p>
         </p:txBody>
       </p:sp>
     </p:spTree>
     <p:extLst>
       <p:ext uri="{BB962C8B-B14F-4D97-AF65-F5344CB8AC3E}">
-        <p14:creationId xmlns:p14="http://schemas.microsoft.com/office/powerpoint/2010/main" val="2245643700"/>
+        <p14:creationId xmlns:p14="http://schemas.microsoft.com/office/powerpoint/2010/main" val="2038650065"/>
       </p:ext>
     </p:extLst>
   </p:cSld>
@@ -23305,6 +23470,719 @@
               <a:t>一、</a:t>
             </a:r>
             <a:r>
+              <a:rPr lang="en-US" sz="3600" b="1" dirty="0" err="1">
+                <a:latin typeface="微软雅黑" pitchFamily="34" charset="-122"/>
+                <a:ea typeface="微软雅黑" pitchFamily="34" charset="-122"/>
+              </a:rPr>
+              <a:t>Python编程风格</a:t>
+            </a:r>
+            <a:endParaRPr lang="zh-CN" altLang="en-US" sz="3600" b="1" dirty="0">
+              <a:latin typeface="微软雅黑" pitchFamily="34" charset="-122"/>
+              <a:ea typeface="微软雅黑" pitchFamily="34" charset="-122"/>
+            </a:endParaRPr>
+          </a:p>
+        </p:txBody>
+      </p:sp>
+      <p:sp>
+        <p:nvSpPr>
+          <p:cNvPr id="2" name="TextBox 1">
+            <a:extLst>
+              <a:ext uri="{FF2B5EF4-FFF2-40B4-BE49-F238E27FC236}">
+                <a16:creationId xmlns:a16="http://schemas.microsoft.com/office/drawing/2014/main" id="{631AADB6-C88A-D817-4683-FC087E4E240F}"/>
+              </a:ext>
+            </a:extLst>
+          </p:cNvPr>
+          <p:cNvSpPr txBox="1"/>
+          <p:nvPr/>
+        </p:nvSpPr>
+        <p:spPr>
+          <a:xfrm>
+            <a:off x="317665" y="812023"/>
+            <a:ext cx="8508670" cy="662489"/>
+          </a:xfrm>
+          <a:prstGeom prst="rect">
+            <a:avLst/>
+          </a:prstGeom>
+          <a:noFill/>
+        </p:spPr>
+        <p:txBody>
+          <a:bodyPr wrap="square" rtlCol="0">
+            <a:spAutoFit/>
+          </a:bodyPr>
+          <a:lstStyle/>
+          <a:p>
+            <a:pPr algn="just">
+              <a:lnSpc>
+                <a:spcPct val="150000"/>
+              </a:lnSpc>
+            </a:pPr>
+            <a:r>
+              <a:rPr lang="en-US" altLang="zh-CN" sz="2800" b="1" dirty="0">
+                <a:solidFill>
+                  <a:srgbClr val="333333"/>
+                </a:solidFill>
+                <a:latin typeface="+mn-ea"/>
+                <a:ea typeface="+mn-ea"/>
+              </a:rPr>
+              <a:t>2</a:t>
+            </a:r>
+            <a:r>
+              <a:rPr lang="zh-CN" altLang="en-US" sz="2800" b="1" dirty="0">
+                <a:solidFill>
+                  <a:srgbClr val="333333"/>
+                </a:solidFill>
+                <a:latin typeface="+mn-ea"/>
+                <a:ea typeface="+mn-ea"/>
+              </a:rPr>
+              <a:t>、基本概念</a:t>
+            </a:r>
+            <a:endParaRPr lang="en-US" altLang="zh-CN" sz="2800" b="1" dirty="0">
+              <a:solidFill>
+                <a:srgbClr val="333333"/>
+              </a:solidFill>
+              <a:latin typeface="+mn-ea"/>
+              <a:ea typeface="+mn-ea"/>
+            </a:endParaRPr>
+          </a:p>
+        </p:txBody>
+      </p:sp>
+      <p:sp>
+        <p:nvSpPr>
+          <p:cNvPr id="4" name="TextBox 3">
+            <a:extLst>
+              <a:ext uri="{FF2B5EF4-FFF2-40B4-BE49-F238E27FC236}">
+                <a16:creationId xmlns:a16="http://schemas.microsoft.com/office/drawing/2014/main" id="{5890849C-B6D7-E82C-6F19-E8BC73B44DEE}"/>
+              </a:ext>
+            </a:extLst>
+          </p:cNvPr>
+          <p:cNvSpPr txBox="1"/>
+          <p:nvPr/>
+        </p:nvSpPr>
+        <p:spPr>
+          <a:xfrm>
+            <a:off x="277794" y="1370097"/>
+            <a:ext cx="8629565" cy="5444888"/>
+          </a:xfrm>
+          <a:prstGeom prst="rect">
+            <a:avLst/>
+          </a:prstGeom>
+          <a:noFill/>
+        </p:spPr>
+        <p:txBody>
+          <a:bodyPr wrap="square">
+            <a:spAutoFit/>
+          </a:bodyPr>
+          <a:lstStyle/>
+          <a:p>
+            <a:pPr algn="just">
+              <a:lnSpc>
+                <a:spcPct val="150000"/>
+              </a:lnSpc>
+            </a:pPr>
+            <a:r>
+              <a:rPr lang="zh-CN" altLang="en-US" sz="1800" b="1" dirty="0">
+                <a:solidFill>
+                  <a:srgbClr val="333333"/>
+                </a:solidFill>
+                <a:latin typeface="+mn-ea"/>
+                <a:ea typeface="+mn-ea"/>
+              </a:rPr>
+              <a:t>数据类型：</a:t>
+            </a:r>
+            <a:r>
+              <a:rPr lang="en-US" altLang="zh-CN" sz="1800" dirty="0">
+                <a:solidFill>
+                  <a:srgbClr val="333333"/>
+                </a:solidFill>
+                <a:latin typeface="+mn-ea"/>
+                <a:ea typeface="+mn-ea"/>
+              </a:rPr>
+              <a:t>Bool</a:t>
+            </a:r>
+            <a:r>
+              <a:rPr lang="zh-CN" altLang="en-US" sz="1800" dirty="0">
+                <a:solidFill>
+                  <a:srgbClr val="333333"/>
+                </a:solidFill>
+                <a:latin typeface="+mn-ea"/>
+                <a:ea typeface="+mn-ea"/>
+              </a:rPr>
+              <a:t>（布尔）、</a:t>
+            </a:r>
+            <a:r>
+              <a:rPr lang="en-US" altLang="zh-CN" sz="1800" dirty="0">
+                <a:solidFill>
+                  <a:srgbClr val="333333"/>
+                </a:solidFill>
+                <a:latin typeface="+mn-ea"/>
+                <a:ea typeface="+mn-ea"/>
+              </a:rPr>
+              <a:t>Number</a:t>
+            </a:r>
+            <a:r>
+              <a:rPr lang="zh-CN" altLang="en-US" sz="1800" dirty="0">
+                <a:solidFill>
+                  <a:srgbClr val="333333"/>
+                </a:solidFill>
+                <a:latin typeface="+mn-ea"/>
+                <a:ea typeface="+mn-ea"/>
+              </a:rPr>
+              <a:t>（数字）、</a:t>
+            </a:r>
+            <a:r>
+              <a:rPr lang="en-US" altLang="zh-CN" sz="1800" dirty="0">
+                <a:solidFill>
+                  <a:srgbClr val="333333"/>
+                </a:solidFill>
+                <a:latin typeface="+mn-ea"/>
+                <a:ea typeface="+mn-ea"/>
+              </a:rPr>
+              <a:t>String</a:t>
+            </a:r>
+            <a:r>
+              <a:rPr lang="zh-CN" altLang="en-US" sz="1800" dirty="0">
+                <a:solidFill>
+                  <a:srgbClr val="333333"/>
+                </a:solidFill>
+                <a:latin typeface="+mn-ea"/>
+                <a:ea typeface="+mn-ea"/>
+              </a:rPr>
+              <a:t>（字符串）、</a:t>
+            </a:r>
+            <a:r>
+              <a:rPr lang="en-US" altLang="zh-CN" sz="1800" dirty="0">
+                <a:solidFill>
+                  <a:srgbClr val="333333"/>
+                </a:solidFill>
+                <a:latin typeface="+mn-ea"/>
+                <a:ea typeface="+mn-ea"/>
+              </a:rPr>
+              <a:t>List</a:t>
+            </a:r>
+            <a:r>
+              <a:rPr lang="zh-CN" altLang="en-US" sz="1800" dirty="0">
+                <a:solidFill>
+                  <a:srgbClr val="333333"/>
+                </a:solidFill>
+                <a:latin typeface="+mn-ea"/>
+                <a:ea typeface="+mn-ea"/>
+              </a:rPr>
+              <a:t>（列表）、</a:t>
+            </a:r>
+            <a:r>
+              <a:rPr lang="en-US" altLang="zh-CN" sz="1800" dirty="0">
+                <a:solidFill>
+                  <a:srgbClr val="333333"/>
+                </a:solidFill>
+                <a:latin typeface="+mn-ea"/>
+                <a:ea typeface="+mn-ea"/>
+              </a:rPr>
+              <a:t>Dictionary</a:t>
+            </a:r>
+            <a:r>
+              <a:rPr lang="zh-CN" altLang="en-US" sz="1800" dirty="0">
+                <a:solidFill>
+                  <a:srgbClr val="333333"/>
+                </a:solidFill>
+                <a:latin typeface="+mn-ea"/>
+                <a:ea typeface="+mn-ea"/>
+              </a:rPr>
+              <a:t>（字典）、</a:t>
+            </a:r>
+            <a:r>
+              <a:rPr lang="en-US" altLang="zh-CN" sz="1800" dirty="0">
+                <a:solidFill>
+                  <a:srgbClr val="333333"/>
+                </a:solidFill>
+                <a:latin typeface="+mn-ea"/>
+                <a:ea typeface="+mn-ea"/>
+              </a:rPr>
+              <a:t>Tuple</a:t>
+            </a:r>
+            <a:r>
+              <a:rPr lang="zh-CN" altLang="en-US" sz="1800" dirty="0">
+                <a:solidFill>
+                  <a:srgbClr val="333333"/>
+                </a:solidFill>
+                <a:latin typeface="+mn-ea"/>
+                <a:ea typeface="+mn-ea"/>
+              </a:rPr>
+              <a:t>（元组）、</a:t>
+            </a:r>
+            <a:r>
+              <a:rPr lang="en-US" altLang="zh-CN" sz="1800" dirty="0">
+                <a:solidFill>
+                  <a:srgbClr val="333333"/>
+                </a:solidFill>
+                <a:latin typeface="+mn-ea"/>
+                <a:ea typeface="+mn-ea"/>
+              </a:rPr>
+              <a:t>Set</a:t>
+            </a:r>
+            <a:r>
+              <a:rPr lang="zh-CN" altLang="en-US" sz="1800" dirty="0">
+                <a:solidFill>
+                  <a:srgbClr val="333333"/>
+                </a:solidFill>
+                <a:latin typeface="+mn-ea"/>
+                <a:ea typeface="+mn-ea"/>
+              </a:rPr>
+              <a:t>（集合）。</a:t>
+            </a:r>
+            <a:endParaRPr lang="en-US" altLang="zh-CN" sz="1800" dirty="0">
+              <a:solidFill>
+                <a:srgbClr val="333333"/>
+              </a:solidFill>
+              <a:latin typeface="+mn-ea"/>
+              <a:ea typeface="+mn-ea"/>
+            </a:endParaRPr>
+          </a:p>
+          <a:p>
+            <a:pPr algn="just">
+              <a:lnSpc>
+                <a:spcPct val="150000"/>
+              </a:lnSpc>
+            </a:pPr>
+            <a:r>
+              <a:rPr lang="zh-CN" altLang="en-US" sz="1800" b="1" dirty="0">
+                <a:solidFill>
+                  <a:srgbClr val="333333"/>
+                </a:solidFill>
+                <a:latin typeface="+mn-ea"/>
+                <a:ea typeface="+mn-ea"/>
+              </a:rPr>
+              <a:t>变量与赋值：</a:t>
+            </a:r>
+            <a:r>
+              <a:rPr lang="zh-CN" altLang="en-US" sz="1800" dirty="0">
+                <a:solidFill>
+                  <a:srgbClr val="333333"/>
+                </a:solidFill>
+                <a:latin typeface="+mn-ea"/>
+                <a:ea typeface="+mn-ea"/>
+              </a:rPr>
+              <a:t>可以看成一个小箱子，专门用来“盛装”程序中的数据。</a:t>
+            </a:r>
+            <a:endParaRPr lang="en-US" altLang="zh-CN" sz="1800" dirty="0">
+              <a:solidFill>
+                <a:srgbClr val="333333"/>
+              </a:solidFill>
+              <a:latin typeface="+mn-ea"/>
+              <a:ea typeface="+mn-ea"/>
+            </a:endParaRPr>
+          </a:p>
+          <a:p>
+            <a:pPr algn="just">
+              <a:lnSpc>
+                <a:spcPct val="150000"/>
+              </a:lnSpc>
+            </a:pPr>
+            <a:r>
+              <a:rPr lang="zh-CN" altLang="en-US" sz="1800" b="1" dirty="0">
+                <a:solidFill>
+                  <a:srgbClr val="333333"/>
+                </a:solidFill>
+                <a:latin typeface="+mn-ea"/>
+                <a:ea typeface="+mn-ea"/>
+              </a:rPr>
+              <a:t>条件判断</a:t>
+            </a:r>
+            <a:r>
+              <a:rPr lang="zh-CN" altLang="en-US" sz="1800" dirty="0">
+                <a:solidFill>
+                  <a:srgbClr val="333333"/>
+                </a:solidFill>
+                <a:latin typeface="+mn-ea"/>
+                <a:ea typeface="+mn-ea"/>
+              </a:rPr>
+              <a:t>：通过一条或多条判断语句的执行结果（</a:t>
+            </a:r>
+            <a:r>
+              <a:rPr lang="en-US" sz="1800" dirty="0">
+                <a:solidFill>
+                  <a:srgbClr val="333333"/>
+                </a:solidFill>
+                <a:latin typeface="+mn-ea"/>
+                <a:ea typeface="+mn-ea"/>
+              </a:rPr>
+              <a:t>True</a:t>
+            </a:r>
+            <a:r>
+              <a:rPr lang="zh-CN" altLang="en-US" sz="1800" dirty="0">
+                <a:solidFill>
+                  <a:srgbClr val="333333"/>
+                </a:solidFill>
+                <a:latin typeface="+mn-ea"/>
+                <a:ea typeface="+mn-ea"/>
+              </a:rPr>
+              <a:t>或者</a:t>
+            </a:r>
+            <a:r>
+              <a:rPr lang="en-US" sz="1800" dirty="0">
+                <a:solidFill>
+                  <a:srgbClr val="333333"/>
+                </a:solidFill>
+                <a:latin typeface="+mn-ea"/>
+                <a:ea typeface="+mn-ea"/>
+              </a:rPr>
+              <a:t>False）</a:t>
+            </a:r>
+            <a:r>
+              <a:rPr lang="zh-CN" altLang="en-US" sz="1800" dirty="0">
+                <a:solidFill>
+                  <a:srgbClr val="333333"/>
+                </a:solidFill>
+                <a:latin typeface="+mn-ea"/>
+                <a:ea typeface="+mn-ea"/>
+              </a:rPr>
+              <a:t>来决定执行的代码块。（</a:t>
+            </a:r>
+            <a:r>
+              <a:rPr lang="en-US" altLang="zh-CN" sz="1800" dirty="0">
+                <a:solidFill>
+                  <a:srgbClr val="333333"/>
+                </a:solidFill>
+                <a:latin typeface="+mn-ea"/>
+                <a:ea typeface="+mn-ea"/>
+              </a:rPr>
+              <a:t>if…else…</a:t>
+            </a:r>
+            <a:r>
+              <a:rPr lang="zh-CN" altLang="en-US" sz="1800" dirty="0">
+                <a:solidFill>
+                  <a:srgbClr val="333333"/>
+                </a:solidFill>
+                <a:latin typeface="+mn-ea"/>
+                <a:ea typeface="+mn-ea"/>
+              </a:rPr>
+              <a:t>）</a:t>
+            </a:r>
+            <a:endParaRPr lang="en-US" altLang="zh-CN" sz="1800" dirty="0">
+              <a:solidFill>
+                <a:srgbClr val="333333"/>
+              </a:solidFill>
+              <a:latin typeface="+mn-ea"/>
+              <a:ea typeface="+mn-ea"/>
+            </a:endParaRPr>
+          </a:p>
+          <a:p>
+            <a:pPr algn="just">
+              <a:lnSpc>
+                <a:spcPct val="150000"/>
+              </a:lnSpc>
+            </a:pPr>
+            <a:r>
+              <a:rPr lang="zh-CN" altLang="en-US" sz="1800" b="1" dirty="0">
+                <a:solidFill>
+                  <a:srgbClr val="333333"/>
+                </a:solidFill>
+                <a:latin typeface="+mn-ea"/>
+                <a:ea typeface="+mn-ea"/>
+              </a:rPr>
+              <a:t>循环：</a:t>
+            </a:r>
+            <a:r>
+              <a:rPr lang="zh-CN" altLang="en-US" sz="1800" dirty="0">
+                <a:solidFill>
+                  <a:srgbClr val="333333"/>
+                </a:solidFill>
+                <a:latin typeface="+mn-ea"/>
+                <a:ea typeface="+mn-ea"/>
+              </a:rPr>
+              <a:t>指自动化、重复多次执行相似的任务。</a:t>
+            </a:r>
+            <a:r>
+              <a:rPr lang="en-US" altLang="zh-CN" sz="1800" dirty="0">
+                <a:solidFill>
+                  <a:srgbClr val="333333"/>
+                </a:solidFill>
+                <a:latin typeface="+mn-ea"/>
+                <a:ea typeface="+mn-ea"/>
+              </a:rPr>
+              <a:t>(for..; while…;)</a:t>
+            </a:r>
+          </a:p>
+          <a:p>
+            <a:pPr algn="just">
+              <a:lnSpc>
+                <a:spcPct val="150000"/>
+              </a:lnSpc>
+            </a:pPr>
+            <a:r>
+              <a:rPr lang="zh-CN" altLang="en-US" sz="1800" b="1" dirty="0">
+                <a:solidFill>
+                  <a:srgbClr val="333333"/>
+                </a:solidFill>
+                <a:latin typeface="+mn-ea"/>
+                <a:ea typeface="+mn-ea"/>
+              </a:rPr>
+              <a:t>函数：</a:t>
+            </a:r>
+            <a:r>
+              <a:rPr lang="zh-CN" altLang="en-US" sz="1800" dirty="0">
+                <a:solidFill>
+                  <a:srgbClr val="333333"/>
+                </a:solidFill>
+                <a:latin typeface="+mn-ea"/>
+                <a:ea typeface="+mn-ea"/>
+              </a:rPr>
+              <a:t>一个可重复使用的代码块，当它被调用时执行某种功能。</a:t>
+            </a:r>
+            <a:endParaRPr lang="en-US" altLang="zh-CN" sz="1800" dirty="0">
+              <a:solidFill>
+                <a:srgbClr val="333333"/>
+              </a:solidFill>
+              <a:latin typeface="+mn-ea"/>
+              <a:ea typeface="+mn-ea"/>
+            </a:endParaRPr>
+          </a:p>
+          <a:p>
+            <a:pPr algn="just">
+              <a:lnSpc>
+                <a:spcPct val="150000"/>
+              </a:lnSpc>
+            </a:pPr>
+            <a:r>
+              <a:rPr lang="zh-CN" altLang="en-US" sz="1800" b="1" dirty="0">
+                <a:solidFill>
+                  <a:srgbClr val="333333"/>
+                </a:solidFill>
+                <a:latin typeface="+mn-ea"/>
+                <a:ea typeface="+mn-ea"/>
+              </a:rPr>
+              <a:t>模块：</a:t>
+            </a:r>
+            <a:r>
+              <a:rPr lang="zh-CN" altLang="en-US" sz="1800" dirty="0">
+                <a:solidFill>
+                  <a:srgbClr val="333333"/>
+                </a:solidFill>
+                <a:latin typeface="+mn-ea"/>
+                <a:ea typeface="+mn-ea"/>
+              </a:rPr>
+              <a:t>指用一系列代码实现了某个功能的代码集合。通常一个模块由多个函数构成。通过模块调用能大幅度提高编程效率。</a:t>
+            </a:r>
+            <a:endParaRPr lang="en-US" altLang="zh-CN" sz="1800" dirty="0">
+              <a:solidFill>
+                <a:srgbClr val="333333"/>
+              </a:solidFill>
+              <a:latin typeface="+mn-ea"/>
+              <a:ea typeface="+mn-ea"/>
+            </a:endParaRPr>
+          </a:p>
+          <a:p>
+            <a:pPr algn="just">
+              <a:lnSpc>
+                <a:spcPct val="150000"/>
+              </a:lnSpc>
+            </a:pPr>
+            <a:r>
+              <a:rPr lang="zh-CN" altLang="en-US" sz="1800" b="1" dirty="0">
+                <a:solidFill>
+                  <a:srgbClr val="333333"/>
+                </a:solidFill>
+                <a:latin typeface="+mn-ea"/>
+                <a:ea typeface="+mn-ea"/>
+              </a:rPr>
+              <a:t>软件包调用：</a:t>
+            </a:r>
+            <a:r>
+              <a:rPr lang="zh-CN" altLang="en-US" sz="1800" dirty="0">
+                <a:solidFill>
+                  <a:srgbClr val="333333"/>
+                </a:solidFill>
+                <a:latin typeface="+mn-ea"/>
+                <a:ea typeface="+mn-ea"/>
+              </a:rPr>
+              <a:t>为了对多个模块进行有效管理，</a:t>
+            </a:r>
+            <a:r>
+              <a:rPr lang="en-US" sz="1800" dirty="0">
+                <a:solidFill>
+                  <a:srgbClr val="333333"/>
+                </a:solidFill>
+                <a:latin typeface="+mn-ea"/>
+                <a:ea typeface="+mn-ea"/>
+              </a:rPr>
+              <a:t>Python</a:t>
+            </a:r>
+            <a:r>
+              <a:rPr lang="zh-CN" altLang="en-US" sz="1800" dirty="0">
+                <a:solidFill>
+                  <a:srgbClr val="333333"/>
+                </a:solidFill>
+                <a:latin typeface="+mn-ea"/>
+                <a:ea typeface="+mn-ea"/>
+              </a:rPr>
+              <a:t>引入了按目录来组织模块的方法，该目录称为包（</a:t>
+            </a:r>
+            <a:r>
+              <a:rPr lang="en-US" sz="1800" dirty="0">
+                <a:solidFill>
+                  <a:srgbClr val="333333"/>
+                </a:solidFill>
+                <a:latin typeface="+mn-ea"/>
+                <a:ea typeface="+mn-ea"/>
+              </a:rPr>
+              <a:t>Package）</a:t>
+            </a:r>
+            <a:r>
+              <a:rPr lang="zh-CN" altLang="en-US" sz="1800" dirty="0">
+                <a:solidFill>
+                  <a:srgbClr val="333333"/>
+                </a:solidFill>
+                <a:latin typeface="+mn-ea"/>
+                <a:ea typeface="+mn-ea"/>
+              </a:rPr>
+              <a:t>，软件包调用与模块调用类似</a:t>
+            </a:r>
+            <a:r>
+              <a:rPr lang="en-US" sz="1800" dirty="0">
+                <a:solidFill>
+                  <a:srgbClr val="333333"/>
+                </a:solidFill>
+                <a:latin typeface="+mn-ea"/>
+                <a:ea typeface="+mn-ea"/>
+              </a:rPr>
+              <a:t>。</a:t>
+            </a:r>
+            <a:endParaRPr lang="en-US" altLang="zh-CN" sz="1800" dirty="0">
+              <a:solidFill>
+                <a:srgbClr val="333333"/>
+              </a:solidFill>
+              <a:latin typeface="+mn-ea"/>
+              <a:ea typeface="+mn-ea"/>
+            </a:endParaRPr>
+          </a:p>
+        </p:txBody>
+      </p:sp>
+      <p:sp>
+        <p:nvSpPr>
+          <p:cNvPr id="7" name="TextBox 6">
+            <a:extLst>
+              <a:ext uri="{FF2B5EF4-FFF2-40B4-BE49-F238E27FC236}">
+                <a16:creationId xmlns:a16="http://schemas.microsoft.com/office/drawing/2014/main" id="{6A0464DA-16D3-0757-416F-B5FC79C9913C}"/>
+              </a:ext>
+            </a:extLst>
+          </p:cNvPr>
+          <p:cNvSpPr txBox="1"/>
+          <p:nvPr/>
+        </p:nvSpPr>
+        <p:spPr>
+          <a:xfrm>
+            <a:off x="6875362" y="6495664"/>
+            <a:ext cx="2268638" cy="338554"/>
+          </a:xfrm>
+          <a:prstGeom prst="rect">
+            <a:avLst/>
+          </a:prstGeom>
+          <a:noFill/>
+        </p:spPr>
+        <p:txBody>
+          <a:bodyPr wrap="square">
+            <a:spAutoFit/>
+          </a:bodyPr>
+          <a:lstStyle/>
+          <a:p>
+            <a:pPr algn="r"/>
+            <a:r>
+              <a:rPr lang="en-US" altLang="zh-CN" sz="1600" b="1" i="1" dirty="0">
+                <a:solidFill>
+                  <a:schemeClr val="bg1"/>
+                </a:solidFill>
+                <a:latin typeface="PingFang SC" panose="020B0400000000000000" pitchFamily="34" charset="-122"/>
+                <a:ea typeface="PingFang SC" panose="020B0400000000000000" pitchFamily="34" charset="-122"/>
+              </a:rPr>
+              <a:t>…</a:t>
+            </a:r>
+            <a:r>
+              <a:rPr lang="zh-CN" altLang="en-US" sz="1600" b="1" i="1" dirty="0">
+                <a:solidFill>
+                  <a:schemeClr val="bg1"/>
+                </a:solidFill>
+                <a:effectLst/>
+                <a:latin typeface="PingFang SC" panose="020B0400000000000000" pitchFamily="34" charset="-122"/>
+                <a:ea typeface="PingFang SC" panose="020B0400000000000000" pitchFamily="34" charset="-122"/>
+              </a:rPr>
+              <a:t>附代码讲解</a:t>
+            </a:r>
+            <a:endParaRPr lang="en-CN" sz="1600" b="1" i="1" dirty="0">
+              <a:solidFill>
+                <a:schemeClr val="bg1"/>
+              </a:solidFill>
+            </a:endParaRPr>
+          </a:p>
+        </p:txBody>
+      </p:sp>
+    </p:spTree>
+    <p:extLst>
+      <p:ext uri="{BB962C8B-B14F-4D97-AF65-F5344CB8AC3E}">
+        <p14:creationId xmlns:p14="http://schemas.microsoft.com/office/powerpoint/2010/main" val="2245643700"/>
+      </p:ext>
+    </p:extLst>
+  </p:cSld>
+  <p:clrMapOvr>
+    <a:masterClrMapping/>
+  </p:clrMapOvr>
+  <p:transition>
+    <p:fade/>
+  </p:transition>
+</p:sld>
+</file>
+
+<file path=ppt/slides/slide7.xml><?xml version="1.0" encoding="utf-8"?>
+<p:sld xmlns:a="http://schemas.openxmlformats.org/drawingml/2006/main" xmlns:r="http://schemas.openxmlformats.org/officeDocument/2006/relationships" xmlns:p="http://schemas.openxmlformats.org/presentationml/2006/main">
+  <p:cSld>
+    <p:spTree>
+      <p:nvGrpSpPr>
+        <p:cNvPr id="1" name=""/>
+        <p:cNvGrpSpPr/>
+        <p:nvPr/>
+      </p:nvGrpSpPr>
+      <p:grpSpPr>
+        <a:xfrm>
+          <a:off x="0" y="0"/>
+          <a:ext cx="0" cy="0"/>
+          <a:chOff x="0" y="0"/>
+          <a:chExt cx="0" cy="0"/>
+        </a:xfrm>
+      </p:grpSpPr>
+      <p:sp>
+        <p:nvSpPr>
+          <p:cNvPr id="3" name="标题 2"/>
+          <p:cNvSpPr>
+            <a:spLocks noGrp="1"/>
+          </p:cNvSpPr>
+          <p:nvPr>
+            <p:ph type="title"/>
+          </p:nvPr>
+        </p:nvSpPr>
+        <p:spPr>
+          <a:xfrm>
+            <a:off x="0" y="8526"/>
+            <a:ext cx="9013371" cy="792162"/>
+          </a:xfrm>
+        </p:spPr>
+        <p:txBody>
+          <a:bodyPr/>
+          <a:lstStyle/>
+          <a:p>
+            <a:pPr algn="l" fontAlgn="auto">
+              <a:spcBef>
+                <a:spcPts val="0"/>
+              </a:spcBef>
+              <a:spcAft>
+                <a:spcPts val="0"/>
+              </a:spcAft>
+            </a:pPr>
+            <a:r>
+              <a:rPr lang="zh-CN" altLang="en-US" sz="3600" b="1" dirty="0">
+                <a:latin typeface="微软雅黑" pitchFamily="34" charset="-122"/>
+                <a:ea typeface="微软雅黑" pitchFamily="34" charset="-122"/>
+              </a:rPr>
+              <a:t>一、</a:t>
+            </a:r>
+            <a:r>
               <a:rPr lang="en-US" sz="3600" b="1" dirty="0">
                 <a:latin typeface="微软雅黑" pitchFamily="34" charset="-122"/>
                 <a:ea typeface="微软雅黑" pitchFamily="34" charset="-122"/>
@@ -23410,7 +24288,7 @@
         <p:spPr>
           <a:xfrm>
             <a:off x="561109" y="1672501"/>
-            <a:ext cx="8021782" cy="3720377"/>
+            <a:ext cx="8021782" cy="4459041"/>
           </a:xfrm>
           <a:prstGeom prst="rect">
             <a:avLst/>
@@ -23596,6 +24474,20 @@
               </a:rPr>
               <a:t>开源库。</a:t>
             </a:r>
+            <a:endParaRPr lang="en-US" altLang="zh-CN" sz="2400" dirty="0">
+              <a:solidFill>
+                <a:srgbClr val="333333"/>
+              </a:solidFill>
+              <a:latin typeface="+mn-ea"/>
+              <a:ea typeface="+mn-ea"/>
+            </a:endParaRPr>
+          </a:p>
+          <a:p>
+            <a:pPr algn="just">
+              <a:lnSpc>
+                <a:spcPct val="150000"/>
+              </a:lnSpc>
+            </a:pPr>
             <a:endParaRPr lang="en-US" altLang="zh-CN" sz="2400" dirty="0">
               <a:solidFill>
                 <a:srgbClr val="333333"/>
@@ -23622,7 +24514,7 @@
 </p:sld>
 </file>
 
-<file path=ppt/slides/slide7.xml><?xml version="1.0" encoding="utf-8"?>
+<file path=ppt/slides/slide8.xml><?xml version="1.0" encoding="utf-8"?>
 <p:sld xmlns:a="http://schemas.openxmlformats.org/drawingml/2006/main" xmlns:r="http://schemas.openxmlformats.org/officeDocument/2006/relationships" xmlns:p="http://schemas.openxmlformats.org/presentationml/2006/main">
   <p:cSld>
     <p:spTree>
@@ -23781,7 +24673,7 @@
 </p:sld>
 </file>
 
-<file path=ppt/slides/slide8.xml><?xml version="1.0" encoding="utf-8"?>
+<file path=ppt/slides/slide9.xml><?xml version="1.0" encoding="utf-8"?>
 <p:sld xmlns:a="http://schemas.openxmlformats.org/drawingml/2006/main" xmlns:r="http://schemas.openxmlformats.org/officeDocument/2006/relationships" xmlns:p="http://schemas.openxmlformats.org/presentationml/2006/main">
   <p:cSld>
     <p:spTree>
@@ -24246,509 +25138,6 @@
     <p:extLst>
       <p:ext uri="{BB962C8B-B14F-4D97-AF65-F5344CB8AC3E}">
         <p14:creationId xmlns:p14="http://schemas.microsoft.com/office/powerpoint/2010/main" val="1157508697"/>
-      </p:ext>
-    </p:extLst>
-  </p:cSld>
-  <p:clrMapOvr>
-    <a:masterClrMapping/>
-  </p:clrMapOvr>
-  <p:transition>
-    <p:fade/>
-  </p:transition>
-</p:sld>
-</file>
-
-<file path=ppt/slides/slide9.xml><?xml version="1.0" encoding="utf-8"?>
-<p:sld xmlns:a="http://schemas.openxmlformats.org/drawingml/2006/main" xmlns:r="http://schemas.openxmlformats.org/officeDocument/2006/relationships" xmlns:p="http://schemas.openxmlformats.org/presentationml/2006/main">
-  <p:cSld>
-    <p:spTree>
-      <p:nvGrpSpPr>
-        <p:cNvPr id="1" name=""/>
-        <p:cNvGrpSpPr/>
-        <p:nvPr/>
-      </p:nvGrpSpPr>
-      <p:grpSpPr>
-        <a:xfrm>
-          <a:off x="0" y="0"/>
-          <a:ext cx="0" cy="0"/>
-          <a:chOff x="0" y="0"/>
-          <a:chExt cx="0" cy="0"/>
-        </a:xfrm>
-      </p:grpSpPr>
-      <p:sp>
-        <p:nvSpPr>
-          <p:cNvPr id="3" name="标题 2"/>
-          <p:cNvSpPr>
-            <a:spLocks noGrp="1"/>
-          </p:cNvSpPr>
-          <p:nvPr>
-            <p:ph type="title"/>
-          </p:nvPr>
-        </p:nvSpPr>
-        <p:spPr>
-          <a:xfrm>
-            <a:off x="0" y="8526"/>
-            <a:ext cx="9013371" cy="792162"/>
-          </a:xfrm>
-        </p:spPr>
-        <p:txBody>
-          <a:bodyPr/>
-          <a:lstStyle/>
-          <a:p>
-            <a:pPr algn="l" fontAlgn="auto">
-              <a:spcBef>
-                <a:spcPts val="0"/>
-              </a:spcBef>
-              <a:spcAft>
-                <a:spcPts val="0"/>
-              </a:spcAft>
-            </a:pPr>
-            <a:r>
-              <a:rPr lang="zh-CN" altLang="en-US" sz="3600" b="1" dirty="0">
-                <a:latin typeface="微软雅黑" pitchFamily="34" charset="-122"/>
-                <a:ea typeface="微软雅黑" pitchFamily="34" charset="-122"/>
-              </a:rPr>
-              <a:t>一、矢量数据处理</a:t>
-            </a:r>
-          </a:p>
-        </p:txBody>
-      </p:sp>
-      <p:sp>
-        <p:nvSpPr>
-          <p:cNvPr id="2" name="TextBox 1">
-            <a:extLst>
-              <a:ext uri="{FF2B5EF4-FFF2-40B4-BE49-F238E27FC236}">
-                <a16:creationId xmlns:a16="http://schemas.microsoft.com/office/drawing/2014/main" id="{631AADB6-C88A-D817-4683-FC087E4E240F}"/>
-              </a:ext>
-            </a:extLst>
-          </p:cNvPr>
-          <p:cNvSpPr txBox="1"/>
-          <p:nvPr/>
-        </p:nvSpPr>
-        <p:spPr>
-          <a:xfrm>
-            <a:off x="317665" y="846748"/>
-            <a:ext cx="8508670" cy="662489"/>
-          </a:xfrm>
-          <a:prstGeom prst="rect">
-            <a:avLst/>
-          </a:prstGeom>
-          <a:noFill/>
-        </p:spPr>
-        <p:txBody>
-          <a:bodyPr wrap="square" rtlCol="0">
-            <a:spAutoFit/>
-          </a:bodyPr>
-          <a:lstStyle/>
-          <a:p>
-            <a:pPr algn="just">
-              <a:lnSpc>
-                <a:spcPct val="150000"/>
-              </a:lnSpc>
-            </a:pPr>
-            <a:r>
-              <a:rPr lang="en-US" altLang="zh-CN" sz="2800" b="1" dirty="0">
-                <a:solidFill>
-                  <a:srgbClr val="333333"/>
-                </a:solidFill>
-                <a:latin typeface="+mn-ea"/>
-                <a:ea typeface="+mn-ea"/>
-              </a:rPr>
-              <a:t>1</a:t>
-            </a:r>
-            <a:r>
-              <a:rPr lang="zh-CN" altLang="en-US" sz="2800" b="1" dirty="0">
-                <a:solidFill>
-                  <a:srgbClr val="333333"/>
-                </a:solidFill>
-                <a:latin typeface="+mn-ea"/>
-                <a:ea typeface="+mn-ea"/>
-              </a:rPr>
-              <a:t>、基本概念</a:t>
-            </a:r>
-            <a:endParaRPr lang="en-US" altLang="zh-CN" sz="2800" b="1" dirty="0">
-              <a:solidFill>
-                <a:srgbClr val="333333"/>
-              </a:solidFill>
-              <a:latin typeface="+mn-ea"/>
-              <a:ea typeface="+mn-ea"/>
-            </a:endParaRPr>
-          </a:p>
-        </p:txBody>
-      </p:sp>
-      <p:sp>
-        <p:nvSpPr>
-          <p:cNvPr id="5" name="TextBox 4">
-            <a:extLst>
-              <a:ext uri="{FF2B5EF4-FFF2-40B4-BE49-F238E27FC236}">
-                <a16:creationId xmlns:a16="http://schemas.microsoft.com/office/drawing/2014/main" id="{78502774-B04C-634F-1396-E5815996BC36}"/>
-              </a:ext>
-            </a:extLst>
-          </p:cNvPr>
-          <p:cNvSpPr txBox="1"/>
-          <p:nvPr/>
-        </p:nvSpPr>
-        <p:spPr>
-          <a:xfrm>
-            <a:off x="367146" y="1707699"/>
-            <a:ext cx="8459189" cy="4264437"/>
-          </a:xfrm>
-          <a:prstGeom prst="rect">
-            <a:avLst/>
-          </a:prstGeom>
-          <a:noFill/>
-        </p:spPr>
-        <p:txBody>
-          <a:bodyPr wrap="square">
-            <a:spAutoFit/>
-          </a:bodyPr>
-          <a:lstStyle/>
-          <a:p>
-            <a:pPr algn="l">
-              <a:lnSpc>
-                <a:spcPct val="150000"/>
-              </a:lnSpc>
-            </a:pPr>
-            <a:r>
-              <a:rPr lang="zh-CN" altLang="en-US" sz="2200" b="0" i="0" dirty="0">
-                <a:solidFill>
-                  <a:srgbClr val="121212"/>
-                </a:solidFill>
-                <a:effectLst/>
-                <a:latin typeface="+mn-ea"/>
-                <a:ea typeface="+mn-ea"/>
-              </a:rPr>
-              <a:t>矢量数据三要素：</a:t>
-            </a:r>
-            <a:r>
-              <a:rPr lang="zh-CN" altLang="en-US" sz="2200" b="1" i="0" dirty="0">
-                <a:solidFill>
-                  <a:srgbClr val="121212"/>
-                </a:solidFill>
-                <a:effectLst/>
-                <a:latin typeface="+mn-ea"/>
-                <a:ea typeface="+mn-ea"/>
-              </a:rPr>
-              <a:t>点，线，面</a:t>
-            </a:r>
-            <a:r>
-              <a:rPr lang="zh-CN" altLang="en-US" sz="2200" b="0" i="0" dirty="0">
-                <a:solidFill>
-                  <a:srgbClr val="121212"/>
-                </a:solidFill>
-                <a:effectLst/>
-                <a:latin typeface="+mn-ea"/>
-                <a:ea typeface="+mn-ea"/>
-              </a:rPr>
-              <a:t>。</a:t>
-            </a:r>
-          </a:p>
-          <a:p>
-            <a:pPr algn="l">
-              <a:lnSpc>
-                <a:spcPct val="150000"/>
-              </a:lnSpc>
-            </a:pPr>
-            <a:r>
-              <a:rPr lang="zh-CN" altLang="en-US" sz="2200" b="0" i="0" dirty="0">
-                <a:solidFill>
-                  <a:srgbClr val="121212"/>
-                </a:solidFill>
-                <a:effectLst/>
-                <a:latin typeface="+mn-ea"/>
-                <a:ea typeface="+mn-ea"/>
-              </a:rPr>
-              <a:t>矢量数据的主要内容：</a:t>
-            </a:r>
-            <a:r>
-              <a:rPr lang="zh-CN" altLang="en-US" sz="2200" b="1" i="0" dirty="0">
-                <a:solidFill>
-                  <a:srgbClr val="121212"/>
-                </a:solidFill>
-                <a:effectLst/>
-                <a:latin typeface="+mn-ea"/>
-                <a:ea typeface="+mn-ea"/>
-              </a:rPr>
-              <a:t>几何对象</a:t>
-            </a:r>
-            <a:r>
-              <a:rPr lang="en-US" altLang="zh-CN" sz="2200" b="1" i="0" dirty="0">
-                <a:solidFill>
-                  <a:srgbClr val="121212"/>
-                </a:solidFill>
-                <a:effectLst/>
-                <a:latin typeface="+mn-ea"/>
-                <a:ea typeface="+mn-ea"/>
-              </a:rPr>
-              <a:t>(</a:t>
-            </a:r>
-            <a:r>
-              <a:rPr lang="en-US" sz="2200" b="1" i="0" dirty="0">
-                <a:solidFill>
-                  <a:srgbClr val="121212"/>
-                </a:solidFill>
-                <a:effectLst/>
-                <a:latin typeface="+mn-ea"/>
-                <a:ea typeface="+mn-ea"/>
-              </a:rPr>
-              <a:t>Geometry)+</a:t>
-            </a:r>
-            <a:r>
-              <a:rPr lang="zh-CN" altLang="en-US" sz="2200" b="1" i="0" dirty="0">
-                <a:solidFill>
-                  <a:srgbClr val="121212"/>
-                </a:solidFill>
-                <a:effectLst/>
-                <a:latin typeface="+mn-ea"/>
-                <a:ea typeface="+mn-ea"/>
-              </a:rPr>
-              <a:t>属性</a:t>
-            </a:r>
-            <a:r>
-              <a:rPr lang="en-US" altLang="zh-CN" sz="2200" b="1" i="0" dirty="0">
-                <a:solidFill>
-                  <a:srgbClr val="121212"/>
-                </a:solidFill>
-                <a:effectLst/>
-                <a:latin typeface="+mn-ea"/>
-                <a:ea typeface="+mn-ea"/>
-              </a:rPr>
-              <a:t>(</a:t>
-            </a:r>
-            <a:r>
-              <a:rPr lang="en-US" sz="2200" b="1" i="0" dirty="0">
-                <a:solidFill>
-                  <a:srgbClr val="121212"/>
-                </a:solidFill>
-                <a:effectLst/>
-                <a:latin typeface="+mn-ea"/>
-                <a:ea typeface="+mn-ea"/>
-              </a:rPr>
-              <a:t>attribute)</a:t>
-            </a:r>
-            <a:r>
-              <a:rPr lang="zh-CN" altLang="en-US" sz="2200" b="0" i="0" dirty="0">
-                <a:solidFill>
-                  <a:srgbClr val="121212"/>
-                </a:solidFill>
-                <a:effectLst/>
-                <a:latin typeface="+mn-ea"/>
-                <a:ea typeface="+mn-ea"/>
-              </a:rPr>
-              <a:t>。</a:t>
-            </a:r>
-            <a:endParaRPr lang="en-US" sz="2200" b="0" i="0" dirty="0">
-              <a:solidFill>
-                <a:srgbClr val="121212"/>
-              </a:solidFill>
-              <a:effectLst/>
-              <a:latin typeface="+mn-ea"/>
-              <a:ea typeface="+mn-ea"/>
-            </a:endParaRPr>
-          </a:p>
-          <a:p>
-            <a:pPr algn="l">
-              <a:lnSpc>
-                <a:spcPct val="150000"/>
-              </a:lnSpc>
-            </a:pPr>
-            <a:r>
-              <a:rPr lang="zh-CN" altLang="en-US" sz="2200" b="0" i="0" dirty="0">
-                <a:solidFill>
-                  <a:srgbClr val="121212"/>
-                </a:solidFill>
-                <a:effectLst/>
-                <a:latin typeface="+mn-ea"/>
-                <a:ea typeface="+mn-ea"/>
-              </a:rPr>
-              <a:t>矢量数据的表示与比例尺相关：</a:t>
-            </a:r>
-            <a:r>
-              <a:rPr lang="zh-CN" altLang="en-US" sz="2200" b="1" i="0" dirty="0">
-                <a:solidFill>
-                  <a:srgbClr val="121212"/>
-                </a:solidFill>
-                <a:effectLst/>
-                <a:latin typeface="+mn-ea"/>
-                <a:ea typeface="+mn-ea"/>
-              </a:rPr>
-              <a:t>比例尺越大</a:t>
-            </a:r>
-            <a:r>
-              <a:rPr lang="zh-CN" altLang="en-US" sz="2200" b="1" dirty="0">
-                <a:solidFill>
-                  <a:srgbClr val="121212"/>
-                </a:solidFill>
-                <a:latin typeface="+mn-ea"/>
-                <a:ea typeface="+mn-ea"/>
-              </a:rPr>
-              <a:t>，分辨率越高，内容越详细</a:t>
-            </a:r>
-            <a:r>
-              <a:rPr lang="zh-CN" altLang="en-US" sz="2200" dirty="0">
-                <a:solidFill>
-                  <a:srgbClr val="121212"/>
-                </a:solidFill>
-                <a:latin typeface="+mn-ea"/>
-                <a:ea typeface="+mn-ea"/>
-              </a:rPr>
-              <a:t>；</a:t>
-            </a:r>
-            <a:endParaRPr lang="en-US" altLang="zh-CN" sz="2200" dirty="0">
-              <a:solidFill>
-                <a:srgbClr val="121212"/>
-              </a:solidFill>
-              <a:latin typeface="+mn-ea"/>
-              <a:ea typeface="+mn-ea"/>
-            </a:endParaRPr>
-          </a:p>
-          <a:p>
-            <a:pPr algn="l">
-              <a:lnSpc>
-                <a:spcPct val="150000"/>
-              </a:lnSpc>
-            </a:pPr>
-            <a:r>
-              <a:rPr lang="zh-CN" altLang="en-US" sz="2200" dirty="0">
-                <a:solidFill>
-                  <a:srgbClr val="121212"/>
-                </a:solidFill>
-                <a:latin typeface="+mn-ea"/>
-                <a:ea typeface="+mn-ea"/>
-              </a:rPr>
-              <a:t>矢量数据主要用于</a:t>
-            </a:r>
-            <a:r>
-              <a:rPr lang="zh-CN" altLang="en-US" sz="2200" b="1" dirty="0">
-                <a:solidFill>
-                  <a:srgbClr val="121212"/>
-                </a:solidFill>
-                <a:latin typeface="+mn-ea"/>
-                <a:ea typeface="+mn-ea"/>
-              </a:rPr>
-              <a:t>空间分析和制图</a:t>
-            </a:r>
-            <a:r>
-              <a:rPr lang="zh-CN" altLang="en-US" sz="2200" dirty="0">
-                <a:solidFill>
-                  <a:srgbClr val="121212"/>
-                </a:solidFill>
-                <a:latin typeface="+mn-ea"/>
-                <a:ea typeface="+mn-ea"/>
-              </a:rPr>
-              <a:t>。</a:t>
-            </a:r>
-            <a:endParaRPr lang="en-US" altLang="zh-CN" sz="2200" dirty="0">
-              <a:solidFill>
-                <a:srgbClr val="121212"/>
-              </a:solidFill>
-              <a:latin typeface="+mn-ea"/>
-              <a:ea typeface="+mn-ea"/>
-            </a:endParaRPr>
-          </a:p>
-          <a:p>
-            <a:pPr algn="l">
-              <a:lnSpc>
-                <a:spcPct val="150000"/>
-              </a:lnSpc>
-            </a:pPr>
-            <a:r>
-              <a:rPr lang="zh-CN" altLang="en-US" sz="2200" dirty="0">
-                <a:solidFill>
-                  <a:srgbClr val="121212"/>
-                </a:solidFill>
-                <a:latin typeface="+mn-ea"/>
-                <a:ea typeface="+mn-ea"/>
-              </a:rPr>
-              <a:t>矢量数据常用的存储格式：</a:t>
-            </a:r>
-            <a:r>
-              <a:rPr lang="en-US" altLang="zh-CN" sz="2200" b="1" dirty="0">
-                <a:solidFill>
-                  <a:srgbClr val="121212"/>
-                </a:solidFill>
-                <a:latin typeface="+mn-ea"/>
-                <a:ea typeface="+mn-ea"/>
-              </a:rPr>
-              <a:t>S</a:t>
-            </a:r>
-            <a:r>
-              <a:rPr lang="en-US" sz="2200" b="1" dirty="0">
-                <a:solidFill>
-                  <a:srgbClr val="121212"/>
-                </a:solidFill>
-                <a:latin typeface="+mn-ea"/>
-                <a:ea typeface="+mn-ea"/>
-              </a:rPr>
-              <a:t>hapefile</a:t>
-            </a:r>
-            <a:r>
-              <a:rPr lang="zh-CN" altLang="en-US" sz="2200" b="1" dirty="0">
-                <a:solidFill>
-                  <a:srgbClr val="121212"/>
-                </a:solidFill>
-                <a:latin typeface="+mn-ea"/>
-                <a:ea typeface="+mn-ea"/>
-              </a:rPr>
-              <a:t>格式，</a:t>
-            </a:r>
-            <a:r>
-              <a:rPr lang="en-US" altLang="zh-CN" sz="2200" b="1" dirty="0" err="1">
-                <a:solidFill>
-                  <a:srgbClr val="121212"/>
-                </a:solidFill>
-                <a:latin typeface="+mn-ea"/>
-                <a:ea typeface="+mn-ea"/>
-              </a:rPr>
-              <a:t>GeoPackage</a:t>
-            </a:r>
-            <a:r>
-              <a:rPr lang="zh-CN" altLang="en-US" sz="2200" b="1" dirty="0">
-                <a:solidFill>
-                  <a:srgbClr val="121212"/>
-                </a:solidFill>
-                <a:latin typeface="+mn-ea"/>
-                <a:ea typeface="+mn-ea"/>
-              </a:rPr>
-              <a:t>格式、</a:t>
-            </a:r>
-            <a:r>
-              <a:rPr lang="en-US" altLang="zh-CN" sz="2200" b="1" dirty="0">
-                <a:solidFill>
-                  <a:srgbClr val="121212"/>
-                </a:solidFill>
-                <a:latin typeface="+mn-ea"/>
-                <a:ea typeface="+mn-ea"/>
-              </a:rPr>
-              <a:t>KML</a:t>
-            </a:r>
-            <a:r>
-              <a:rPr lang="zh-CN" altLang="en-US" sz="2200" b="1" dirty="0">
-                <a:solidFill>
-                  <a:srgbClr val="121212"/>
-                </a:solidFill>
-                <a:latin typeface="+mn-ea"/>
-                <a:ea typeface="+mn-ea"/>
-              </a:rPr>
-              <a:t>格式</a:t>
-            </a:r>
-            <a:r>
-              <a:rPr lang="zh-CN" altLang="en-US" sz="2200" dirty="0">
-                <a:solidFill>
-                  <a:srgbClr val="121212"/>
-                </a:solidFill>
-                <a:latin typeface="+mn-ea"/>
-                <a:ea typeface="+mn-ea"/>
-              </a:rPr>
-              <a:t>等。</a:t>
-            </a:r>
-          </a:p>
-        </p:txBody>
-      </p:sp>
-    </p:spTree>
-    <p:extLst>
-      <p:ext uri="{BB962C8B-B14F-4D97-AF65-F5344CB8AC3E}">
-        <p14:creationId xmlns:p14="http://schemas.microsoft.com/office/powerpoint/2010/main" val="2097263393"/>
       </p:ext>
     </p:extLst>
   </p:cSld>

--- a/第4章-矢量数据处理-8课时/第4章-矢量数据处理.pptx
+++ b/第4章-矢量数据处理-8课时/第4章-矢量数据处理.pptx
@@ -448,7 +448,7 @@
 <file path=ppt/revisionInfo.xml><?xml version="1.0" encoding="utf-8"?>
 <p1510:revInfo xmlns:a="http://schemas.openxmlformats.org/drawingml/2006/main" xmlns:r="http://schemas.openxmlformats.org/officeDocument/2006/relationships" xmlns:p1510="http://schemas.microsoft.com/office/powerpoint/2015/10/main">
   <p1510:revLst>
-    <p1510:client id="{BB46F696-05A3-E847-981C-1ABF183D4160}" v="2" dt="2023-08-23T11:03:00.153"/>
+    <p1510:client id="{F39FD8EC-B3B0-744A-BAD0-DA61AA840DC4}" v="3" dt="2023-09-24T13:56:20.041"/>
   </p1510:revLst>
 </p1510:revInfo>
 </file>
@@ -891,696 +891,6 @@
     </pc:docChg>
   </pc:docChgLst>
   <pc:docChgLst>
-    <pc:chgData name="Xin Luo" userId="82312ee5779919a4" providerId="LiveId" clId="{8BA8C8C7-2517-3646-951D-48296B93037A}"/>
-    <pc:docChg chg="undo custSel addSld delSld modSld sldOrd">
-      <pc:chgData name="Xin Luo" userId="82312ee5779919a4" providerId="LiveId" clId="{8BA8C8C7-2517-3646-951D-48296B93037A}" dt="2023-03-13T10:46:23.938" v="2088" actId="20577"/>
-      <pc:docMkLst>
-        <pc:docMk/>
-      </pc:docMkLst>
-      <pc:sldChg chg="modSp mod">
-        <pc:chgData name="Xin Luo" userId="82312ee5779919a4" providerId="LiveId" clId="{8BA8C8C7-2517-3646-951D-48296B93037A}" dt="2023-02-28T06:07:00.105" v="66" actId="20577"/>
-        <pc:sldMkLst>
-          <pc:docMk/>
-          <pc:sldMk cId="1576120367" sldId="2387"/>
-        </pc:sldMkLst>
-        <pc:spChg chg="mod">
-          <ac:chgData name="Xin Luo" userId="82312ee5779919a4" providerId="LiveId" clId="{8BA8C8C7-2517-3646-951D-48296B93037A}" dt="2023-02-28T06:07:00.105" v="66" actId="20577"/>
-          <ac:spMkLst>
-            <pc:docMk/>
-            <pc:sldMk cId="1576120367" sldId="2387"/>
-            <ac:spMk id="12" creationId="{00000000-0000-0000-0000-000000000000}"/>
-          </ac:spMkLst>
-        </pc:spChg>
-        <pc:spChg chg="mod">
-          <ac:chgData name="Xin Luo" userId="82312ee5779919a4" providerId="LiveId" clId="{8BA8C8C7-2517-3646-951D-48296B93037A}" dt="2023-02-28T06:06:51.443" v="40" actId="20577"/>
-          <ac:spMkLst>
-            <pc:docMk/>
-            <pc:sldMk cId="1576120367" sldId="2387"/>
-            <ac:spMk id="14" creationId="{00000000-0000-0000-0000-000000000000}"/>
-          </ac:spMkLst>
-        </pc:spChg>
-      </pc:sldChg>
-      <pc:sldChg chg="modSp mod">
-        <pc:chgData name="Xin Luo" userId="82312ee5779919a4" providerId="LiveId" clId="{8BA8C8C7-2517-3646-951D-48296B93037A}" dt="2023-02-28T06:02:43.468" v="25" actId="20577"/>
-        <pc:sldMkLst>
-          <pc:docMk/>
-          <pc:sldMk cId="1658607177" sldId="2708"/>
-        </pc:sldMkLst>
-        <pc:spChg chg="mod">
-          <ac:chgData name="Xin Luo" userId="82312ee5779919a4" providerId="LiveId" clId="{8BA8C8C7-2517-3646-951D-48296B93037A}" dt="2023-02-28T06:02:43.468" v="25" actId="20577"/>
-          <ac:spMkLst>
-            <pc:docMk/>
-            <pc:sldMk cId="1658607177" sldId="2708"/>
-            <ac:spMk id="24" creationId="{00000000-0000-0000-0000-000000000000}"/>
-          </ac:spMkLst>
-        </pc:spChg>
-      </pc:sldChg>
-      <pc:sldChg chg="modSp add del mod">
-        <pc:chgData name="Xin Luo" userId="82312ee5779919a4" providerId="LiveId" clId="{8BA8C8C7-2517-3646-951D-48296B93037A}" dt="2023-03-13T10:46:23.938" v="2088" actId="20577"/>
-        <pc:sldMkLst>
-          <pc:docMk/>
-          <pc:sldMk cId="1209572041" sldId="2722"/>
-        </pc:sldMkLst>
-        <pc:spChg chg="mod">
-          <ac:chgData name="Xin Luo" userId="82312ee5779919a4" providerId="LiveId" clId="{8BA8C8C7-2517-3646-951D-48296B93037A}" dt="2023-02-28T06:13:02.270" v="222" actId="20577"/>
-          <ac:spMkLst>
-            <pc:docMk/>
-            <pc:sldMk cId="1209572041" sldId="2722"/>
-            <ac:spMk id="11" creationId="{53A7E693-8098-76C4-CD5D-47166ABEB164}"/>
-          </ac:spMkLst>
-        </pc:spChg>
-        <pc:spChg chg="mod">
-          <ac:chgData name="Xin Luo" userId="82312ee5779919a4" providerId="LiveId" clId="{8BA8C8C7-2517-3646-951D-48296B93037A}" dt="2023-03-13T10:46:23.938" v="2088" actId="20577"/>
-          <ac:spMkLst>
-            <pc:docMk/>
-            <pc:sldMk cId="1209572041" sldId="2722"/>
-            <ac:spMk id="13" creationId="{303BC878-BC57-D350-27A3-F03AE48213AC}"/>
-          </ac:spMkLst>
-        </pc:spChg>
-      </pc:sldChg>
-      <pc:sldChg chg="modSp mod">
-        <pc:chgData name="Xin Luo" userId="82312ee5779919a4" providerId="LiveId" clId="{8BA8C8C7-2517-3646-951D-48296B93037A}" dt="2023-02-28T06:07:14.771" v="81" actId="20577"/>
-        <pc:sldMkLst>
-          <pc:docMk/>
-          <pc:sldMk cId="393940605" sldId="2742"/>
-        </pc:sldMkLst>
-        <pc:spChg chg="mod">
-          <ac:chgData name="Xin Luo" userId="82312ee5779919a4" providerId="LiveId" clId="{8BA8C8C7-2517-3646-951D-48296B93037A}" dt="2023-02-28T06:07:14.771" v="81" actId="20577"/>
-          <ac:spMkLst>
-            <pc:docMk/>
-            <pc:sldMk cId="393940605" sldId="2742"/>
-            <ac:spMk id="7" creationId="{00000000-0000-0000-0000-000000000000}"/>
-          </ac:spMkLst>
-        </pc:spChg>
-      </pc:sldChg>
-      <pc:sldChg chg="modSp mod ord">
-        <pc:chgData name="Xin Luo" userId="82312ee5779919a4" providerId="LiveId" clId="{8BA8C8C7-2517-3646-951D-48296B93037A}" dt="2023-02-28T06:08:18.980" v="128" actId="20577"/>
-        <pc:sldMkLst>
-          <pc:docMk/>
-          <pc:sldMk cId="3175231995" sldId="2743"/>
-        </pc:sldMkLst>
-        <pc:spChg chg="mod">
-          <ac:chgData name="Xin Luo" userId="82312ee5779919a4" providerId="LiveId" clId="{8BA8C8C7-2517-3646-951D-48296B93037A}" dt="2023-02-28T06:08:18.980" v="128" actId="20577"/>
-          <ac:spMkLst>
-            <pc:docMk/>
-            <pc:sldMk cId="3175231995" sldId="2743"/>
-            <ac:spMk id="7" creationId="{00000000-0000-0000-0000-000000000000}"/>
-          </ac:spMkLst>
-        </pc:spChg>
-      </pc:sldChg>
-      <pc:sldChg chg="del">
-        <pc:chgData name="Xin Luo" userId="82312ee5779919a4" providerId="LiveId" clId="{8BA8C8C7-2517-3646-951D-48296B93037A}" dt="2023-02-28T06:12:32.846" v="191" actId="2696"/>
-        <pc:sldMkLst>
-          <pc:docMk/>
-          <pc:sldMk cId="2345376688" sldId="2745"/>
-        </pc:sldMkLst>
-      </pc:sldChg>
-      <pc:sldChg chg="del">
-        <pc:chgData name="Xin Luo" userId="82312ee5779919a4" providerId="LiveId" clId="{8BA8C8C7-2517-3646-951D-48296B93037A}" dt="2023-02-28T06:07:32.726" v="99" actId="2696"/>
-        <pc:sldMkLst>
-          <pc:docMk/>
-          <pc:sldMk cId="580867947" sldId="2747"/>
-        </pc:sldMkLst>
-      </pc:sldChg>
-      <pc:sldChg chg="modSp mod">
-        <pc:chgData name="Xin Luo" userId="82312ee5779919a4" providerId="LiveId" clId="{8BA8C8C7-2517-3646-951D-48296B93037A}" dt="2023-03-05T03:24:16.561" v="315" actId="113"/>
-        <pc:sldMkLst>
-          <pc:docMk/>
-          <pc:sldMk cId="2245643700" sldId="2751"/>
-        </pc:sldMkLst>
-        <pc:spChg chg="mod">
-          <ac:chgData name="Xin Luo" userId="82312ee5779919a4" providerId="LiveId" clId="{8BA8C8C7-2517-3646-951D-48296B93037A}" dt="2023-03-05T03:24:16.561" v="315" actId="113"/>
-          <ac:spMkLst>
-            <pc:docMk/>
-            <pc:sldMk cId="2245643700" sldId="2751"/>
-            <ac:spMk id="4" creationId="{5890849C-B6D7-E82C-6F19-E8BC73B44DEE}"/>
-          </ac:spMkLst>
-        </pc:spChg>
-      </pc:sldChg>
-      <pc:sldChg chg="modSp mod">
-        <pc:chgData name="Xin Luo" userId="82312ee5779919a4" providerId="LiveId" clId="{8BA8C8C7-2517-3646-951D-48296B93037A}" dt="2023-03-05T05:51:21.234" v="360" actId="115"/>
-        <pc:sldMkLst>
-          <pc:docMk/>
-          <pc:sldMk cId="3400956243" sldId="2752"/>
-        </pc:sldMkLst>
-        <pc:spChg chg="mod">
-          <ac:chgData name="Xin Luo" userId="82312ee5779919a4" providerId="LiveId" clId="{8BA8C8C7-2517-3646-951D-48296B93037A}" dt="2023-03-05T05:51:12.017" v="359" actId="115"/>
-          <ac:spMkLst>
-            <pc:docMk/>
-            <pc:sldMk cId="3400956243" sldId="2752"/>
-            <ac:spMk id="2" creationId="{631AADB6-C88A-D817-4683-FC087E4E240F}"/>
-          </ac:spMkLst>
-        </pc:spChg>
-        <pc:spChg chg="mod">
-          <ac:chgData name="Xin Luo" userId="82312ee5779919a4" providerId="LiveId" clId="{8BA8C8C7-2517-3646-951D-48296B93037A}" dt="2023-03-05T05:51:21.234" v="360" actId="115"/>
-          <ac:spMkLst>
-            <pc:docMk/>
-            <pc:sldMk cId="3400956243" sldId="2752"/>
-            <ac:spMk id="5" creationId="{78502774-B04C-634F-1396-E5815996BC36}"/>
-          </ac:spMkLst>
-        </pc:spChg>
-      </pc:sldChg>
-      <pc:sldChg chg="modSp del mod">
-        <pc:chgData name="Xin Luo" userId="82312ee5779919a4" providerId="LiveId" clId="{8BA8C8C7-2517-3646-951D-48296B93037A}" dt="2023-02-28T06:12:32.814" v="188" actId="2696"/>
-        <pc:sldMkLst>
-          <pc:docMk/>
-          <pc:sldMk cId="3929071932" sldId="2753"/>
-        </pc:sldMkLst>
-        <pc:spChg chg="mod">
-          <ac:chgData name="Xin Luo" userId="82312ee5779919a4" providerId="LiveId" clId="{8BA8C8C7-2517-3646-951D-48296B93037A}" dt="2023-02-28T06:11:32.799" v="187" actId="20577"/>
-          <ac:spMkLst>
-            <pc:docMk/>
-            <pc:sldMk cId="3929071932" sldId="2753"/>
-            <ac:spMk id="5" creationId="{78502774-B04C-634F-1396-E5815996BC36}"/>
-          </ac:spMkLst>
-        </pc:spChg>
-      </pc:sldChg>
-      <pc:sldChg chg="modSp mod">
-        <pc:chgData name="Xin Luo" userId="82312ee5779919a4" providerId="LiveId" clId="{8BA8C8C7-2517-3646-951D-48296B93037A}" dt="2023-03-05T05:48:42.120" v="322" actId="1036"/>
-        <pc:sldMkLst>
-          <pc:docMk/>
-          <pc:sldMk cId="1157508697" sldId="2757"/>
-        </pc:sldMkLst>
-        <pc:spChg chg="mod">
-          <ac:chgData name="Xin Luo" userId="82312ee5779919a4" providerId="LiveId" clId="{8BA8C8C7-2517-3646-951D-48296B93037A}" dt="2023-02-28T06:07:24.216" v="98" actId="20577"/>
-          <ac:spMkLst>
-            <pc:docMk/>
-            <pc:sldMk cId="1157508697" sldId="2757"/>
-            <ac:spMk id="3" creationId="{00000000-0000-0000-0000-000000000000}"/>
-          </ac:spMkLst>
-        </pc:spChg>
-        <pc:spChg chg="mod">
-          <ac:chgData name="Xin Luo" userId="82312ee5779919a4" providerId="LiveId" clId="{8BA8C8C7-2517-3646-951D-48296B93037A}" dt="2023-03-05T05:48:42.120" v="322" actId="1036"/>
-          <ac:spMkLst>
-            <pc:docMk/>
-            <pc:sldMk cId="1157508697" sldId="2757"/>
-            <ac:spMk id="5" creationId="{78502774-B04C-634F-1396-E5815996BC36}"/>
-          </ac:spMkLst>
-        </pc:spChg>
-        <pc:grpChg chg="mod">
-          <ac:chgData name="Xin Luo" userId="82312ee5779919a4" providerId="LiveId" clId="{8BA8C8C7-2517-3646-951D-48296B93037A}" dt="2023-03-05T05:48:31.505" v="317" actId="1036"/>
-          <ac:grpSpMkLst>
-            <pc:docMk/>
-            <pc:sldMk cId="1157508697" sldId="2757"/>
-            <ac:grpSpMk id="22" creationId="{BA4C2415-490B-F3C5-D5E8-A263DD477CBB}"/>
-          </ac:grpSpMkLst>
-        </pc:grpChg>
-      </pc:sldChg>
-      <pc:sldChg chg="addSp delSp modSp mod">
-        <pc:chgData name="Xin Luo" userId="82312ee5779919a4" providerId="LiveId" clId="{8BA8C8C7-2517-3646-951D-48296B93037A}" dt="2023-03-13T07:18:34.063" v="852" actId="1038"/>
-        <pc:sldMkLst>
-          <pc:docMk/>
-          <pc:sldMk cId="4211155851" sldId="2758"/>
-        </pc:sldMkLst>
-        <pc:spChg chg="add del mod">
-          <ac:chgData name="Xin Luo" userId="82312ee5779919a4" providerId="LiveId" clId="{8BA8C8C7-2517-3646-951D-48296B93037A}" dt="2023-03-13T07:18:34.063" v="852" actId="1038"/>
-          <ac:spMkLst>
-            <pc:docMk/>
-            <pc:sldMk cId="4211155851" sldId="2758"/>
-            <ac:spMk id="4" creationId="{4290CCE0-108B-48BB-91BC-936B92572B2F}"/>
-          </ac:spMkLst>
-        </pc:spChg>
-        <pc:spChg chg="add del mod">
-          <ac:chgData name="Xin Luo" userId="82312ee5779919a4" providerId="LiveId" clId="{8BA8C8C7-2517-3646-951D-48296B93037A}" dt="2023-03-13T07:18:34.063" v="852" actId="1038"/>
-          <ac:spMkLst>
-            <pc:docMk/>
-            <pc:sldMk cId="4211155851" sldId="2758"/>
-            <ac:spMk id="5" creationId="{902AE302-3C56-F68F-A45D-492101557DAC}"/>
-          </ac:spMkLst>
-        </pc:spChg>
-        <pc:spChg chg="del mod">
-          <ac:chgData name="Xin Luo" userId="82312ee5779919a4" providerId="LiveId" clId="{8BA8C8C7-2517-3646-951D-48296B93037A}" dt="2023-03-06T08:01:25.488" v="437" actId="478"/>
-          <ac:spMkLst>
-            <pc:docMk/>
-            <pc:sldMk cId="4211155851" sldId="2758"/>
-            <ac:spMk id="6" creationId="{DA984439-1B23-1931-1979-ECF8DE9D6DCA}"/>
-          </ac:spMkLst>
-        </pc:spChg>
-        <pc:spChg chg="del mod">
-          <ac:chgData name="Xin Luo" userId="82312ee5779919a4" providerId="LiveId" clId="{8BA8C8C7-2517-3646-951D-48296B93037A}" dt="2023-03-06T08:01:39.985" v="442" actId="478"/>
-          <ac:spMkLst>
-            <pc:docMk/>
-            <pc:sldMk cId="4211155851" sldId="2758"/>
-            <ac:spMk id="7" creationId="{E179D382-9C94-C796-FB1B-3281561CA174}"/>
-          </ac:spMkLst>
-        </pc:spChg>
-        <pc:spChg chg="add del mod">
-          <ac:chgData name="Xin Luo" userId="82312ee5779919a4" providerId="LiveId" clId="{8BA8C8C7-2517-3646-951D-48296B93037A}" dt="2023-03-13T07:18:34.063" v="852" actId="1038"/>
-          <ac:spMkLst>
-            <pc:docMk/>
-            <pc:sldMk cId="4211155851" sldId="2758"/>
-            <ac:spMk id="8" creationId="{1DDB1CA7-77B6-4A88-958D-DF0B53FDA020}"/>
-          </ac:spMkLst>
-        </pc:spChg>
-        <pc:spChg chg="add mod">
-          <ac:chgData name="Xin Luo" userId="82312ee5779919a4" providerId="LiveId" clId="{8BA8C8C7-2517-3646-951D-48296B93037A}" dt="2023-03-13T07:18:34.063" v="852" actId="1038"/>
-          <ac:spMkLst>
-            <pc:docMk/>
-            <pc:sldMk cId="4211155851" sldId="2758"/>
-            <ac:spMk id="14" creationId="{E7B0D113-1929-C3DF-78B3-7E0AA39E5565}"/>
-          </ac:spMkLst>
-        </pc:spChg>
-        <pc:spChg chg="add mod">
-          <ac:chgData name="Xin Luo" userId="82312ee5779919a4" providerId="LiveId" clId="{8BA8C8C7-2517-3646-951D-48296B93037A}" dt="2023-03-08T00:55:54.440" v="794" actId="255"/>
-          <ac:spMkLst>
-            <pc:docMk/>
-            <pc:sldMk cId="4211155851" sldId="2758"/>
-            <ac:spMk id="28" creationId="{0C89B2E1-0CDC-F585-F0BB-887E467853D8}"/>
-          </ac:spMkLst>
-        </pc:spChg>
-        <pc:spChg chg="add mod">
-          <ac:chgData name="Xin Luo" userId="82312ee5779919a4" providerId="LiveId" clId="{8BA8C8C7-2517-3646-951D-48296B93037A}" dt="2023-03-08T00:55:54.440" v="794" actId="255"/>
-          <ac:spMkLst>
-            <pc:docMk/>
-            <pc:sldMk cId="4211155851" sldId="2758"/>
-            <ac:spMk id="29" creationId="{C6B2AD75-E0F3-26E1-5973-C33A78FC4D1F}"/>
-          </ac:spMkLst>
-        </pc:spChg>
-        <pc:spChg chg="add mod">
-          <ac:chgData name="Xin Luo" userId="82312ee5779919a4" providerId="LiveId" clId="{8BA8C8C7-2517-3646-951D-48296B93037A}" dt="2023-03-08T00:55:54.440" v="794" actId="255"/>
-          <ac:spMkLst>
-            <pc:docMk/>
-            <pc:sldMk cId="4211155851" sldId="2758"/>
-            <ac:spMk id="30" creationId="{A9F2243D-1754-C1E2-7F17-CBA97876DD24}"/>
-          </ac:spMkLst>
-        </pc:spChg>
-        <pc:spChg chg="add del mod">
-          <ac:chgData name="Xin Luo" userId="82312ee5779919a4" providerId="LiveId" clId="{8BA8C8C7-2517-3646-951D-48296B93037A}" dt="2023-03-06T12:29:50.729" v="679" actId="478"/>
-          <ac:spMkLst>
-            <pc:docMk/>
-            <pc:sldMk cId="4211155851" sldId="2758"/>
-            <ac:spMk id="31" creationId="{C8AB4AF9-446E-CD06-3044-ECCCAB8814C1}"/>
-          </ac:spMkLst>
-        </pc:spChg>
-        <pc:spChg chg="add mod">
-          <ac:chgData name="Xin Luo" userId="82312ee5779919a4" providerId="LiveId" clId="{8BA8C8C7-2517-3646-951D-48296B93037A}" dt="2023-03-08T00:55:54.440" v="794" actId="255"/>
-          <ac:spMkLst>
-            <pc:docMk/>
-            <pc:sldMk cId="4211155851" sldId="2758"/>
-            <ac:spMk id="32" creationId="{127D4D11-3546-035E-9F0C-C18C992C41EA}"/>
-          </ac:spMkLst>
-        </pc:spChg>
-        <pc:spChg chg="add mod">
-          <ac:chgData name="Xin Luo" userId="82312ee5779919a4" providerId="LiveId" clId="{8BA8C8C7-2517-3646-951D-48296B93037A}" dt="2023-03-08T00:55:54.440" v="794" actId="255"/>
-          <ac:spMkLst>
-            <pc:docMk/>
-            <pc:sldMk cId="4211155851" sldId="2758"/>
-            <ac:spMk id="33" creationId="{97444748-D656-B7D4-2562-526BEF84C111}"/>
-          </ac:spMkLst>
-        </pc:spChg>
-        <pc:spChg chg="add del mod">
-          <ac:chgData name="Xin Luo" userId="82312ee5779919a4" providerId="LiveId" clId="{8BA8C8C7-2517-3646-951D-48296B93037A}" dt="2023-03-06T12:32:57.728" v="787" actId="478"/>
-          <ac:spMkLst>
-            <pc:docMk/>
-            <pc:sldMk cId="4211155851" sldId="2758"/>
-            <ac:spMk id="60" creationId="{73D30355-FE16-B525-D14B-56B6B60D1BD6}"/>
-          </ac:spMkLst>
-        </pc:spChg>
-        <pc:grpChg chg="add mod">
-          <ac:chgData name="Xin Luo" userId="82312ee5779919a4" providerId="LiveId" clId="{8BA8C8C7-2517-3646-951D-48296B93037A}" dt="2023-03-13T07:18:34.063" v="852" actId="1038"/>
-          <ac:grpSpMkLst>
-            <pc:docMk/>
-            <pc:sldMk cId="4211155851" sldId="2758"/>
-            <ac:grpSpMk id="24" creationId="{5ECE93F5-69CF-FC98-48E9-D6AAE8B13C45}"/>
-          </ac:grpSpMkLst>
-        </pc:grpChg>
-        <pc:grpChg chg="add mod">
-          <ac:chgData name="Xin Luo" userId="82312ee5779919a4" providerId="LiveId" clId="{8BA8C8C7-2517-3646-951D-48296B93037A}" dt="2023-03-06T12:33:03.787" v="793" actId="1037"/>
-          <ac:grpSpMkLst>
-            <pc:docMk/>
-            <pc:sldMk cId="4211155851" sldId="2758"/>
-            <ac:grpSpMk id="61" creationId="{10E0DE21-518B-3F8E-E721-DFE4115F847E}"/>
-          </ac:grpSpMkLst>
-        </pc:grpChg>
-        <pc:picChg chg="add mod">
-          <ac:chgData name="Xin Luo" userId="82312ee5779919a4" providerId="LiveId" clId="{8BA8C8C7-2517-3646-951D-48296B93037A}" dt="2023-03-13T07:18:34.063" v="852" actId="1038"/>
-          <ac:picMkLst>
-            <pc:docMk/>
-            <pc:sldMk cId="4211155851" sldId="2758"/>
-            <ac:picMk id="10" creationId="{A4517004-D557-9AA0-B58C-AD17ECE0ABD3}"/>
-          </ac:picMkLst>
-        </pc:picChg>
-        <pc:picChg chg="add mod">
-          <ac:chgData name="Xin Luo" userId="82312ee5779919a4" providerId="LiveId" clId="{8BA8C8C7-2517-3646-951D-48296B93037A}" dt="2023-03-13T07:18:34.063" v="852" actId="1038"/>
-          <ac:picMkLst>
-            <pc:docMk/>
-            <pc:sldMk cId="4211155851" sldId="2758"/>
-            <ac:picMk id="12" creationId="{B208D771-92F6-7D78-84FD-9100CDF43873}"/>
-          </ac:picMkLst>
-        </pc:picChg>
-        <pc:cxnChg chg="add mod">
-          <ac:chgData name="Xin Luo" userId="82312ee5779919a4" providerId="LiveId" clId="{8BA8C8C7-2517-3646-951D-48296B93037A}" dt="2023-03-13T07:18:34.063" v="852" actId="1038"/>
-          <ac:cxnSpMkLst>
-            <pc:docMk/>
-            <pc:sldMk cId="4211155851" sldId="2758"/>
-            <ac:cxnSpMk id="16" creationId="{75A490F3-1E4C-EF7A-4A6C-38ABE3FAAD46}"/>
-          </ac:cxnSpMkLst>
-        </pc:cxnChg>
-        <pc:cxnChg chg="add mod">
-          <ac:chgData name="Xin Luo" userId="82312ee5779919a4" providerId="LiveId" clId="{8BA8C8C7-2517-3646-951D-48296B93037A}" dt="2023-03-13T07:18:34.063" v="852" actId="1038"/>
-          <ac:cxnSpMkLst>
-            <pc:docMk/>
-            <pc:sldMk cId="4211155851" sldId="2758"/>
-            <ac:cxnSpMk id="17" creationId="{8B4C3365-D97F-A491-04F4-FFA583C726E9}"/>
-          </ac:cxnSpMkLst>
-        </pc:cxnChg>
-        <pc:cxnChg chg="add mod">
-          <ac:chgData name="Xin Luo" userId="82312ee5779919a4" providerId="LiveId" clId="{8BA8C8C7-2517-3646-951D-48296B93037A}" dt="2023-03-13T07:18:34.063" v="852" actId="1038"/>
-          <ac:cxnSpMkLst>
-            <pc:docMk/>
-            <pc:sldMk cId="4211155851" sldId="2758"/>
-            <ac:cxnSpMk id="20" creationId="{D8311B51-9785-E69B-B7B0-511153550000}"/>
-          </ac:cxnSpMkLst>
-        </pc:cxnChg>
-        <pc:cxnChg chg="add mod">
-          <ac:chgData name="Xin Luo" userId="82312ee5779919a4" providerId="LiveId" clId="{8BA8C8C7-2517-3646-951D-48296B93037A}" dt="2023-03-06T12:32:39.692" v="777" actId="164"/>
-          <ac:cxnSpMkLst>
-            <pc:docMk/>
-            <pc:sldMk cId="4211155851" sldId="2758"/>
-            <ac:cxnSpMk id="35" creationId="{D01D2FB2-54F7-1B97-6AA0-81D59E87D871}"/>
-          </ac:cxnSpMkLst>
-        </pc:cxnChg>
-        <pc:cxnChg chg="add mod">
-          <ac:chgData name="Xin Luo" userId="82312ee5779919a4" providerId="LiveId" clId="{8BA8C8C7-2517-3646-951D-48296B93037A}" dt="2023-03-06T12:32:39.692" v="777" actId="164"/>
-          <ac:cxnSpMkLst>
-            <pc:docMk/>
-            <pc:sldMk cId="4211155851" sldId="2758"/>
-            <ac:cxnSpMk id="37" creationId="{6F759320-1F38-881A-42BB-8EC115CCE1FE}"/>
-          </ac:cxnSpMkLst>
-        </pc:cxnChg>
-        <pc:cxnChg chg="add mod">
-          <ac:chgData name="Xin Luo" userId="82312ee5779919a4" providerId="LiveId" clId="{8BA8C8C7-2517-3646-951D-48296B93037A}" dt="2023-03-06T12:32:39.692" v="777" actId="164"/>
-          <ac:cxnSpMkLst>
-            <pc:docMk/>
-            <pc:sldMk cId="4211155851" sldId="2758"/>
-            <ac:cxnSpMk id="44" creationId="{D78B4608-05C6-CCAD-D83C-287F4CBFFB69}"/>
-          </ac:cxnSpMkLst>
-        </pc:cxnChg>
-        <pc:cxnChg chg="add mod">
-          <ac:chgData name="Xin Luo" userId="82312ee5779919a4" providerId="LiveId" clId="{8BA8C8C7-2517-3646-951D-48296B93037A}" dt="2023-03-06T12:32:39.692" v="777" actId="164"/>
-          <ac:cxnSpMkLst>
-            <pc:docMk/>
-            <pc:sldMk cId="4211155851" sldId="2758"/>
-            <ac:cxnSpMk id="47" creationId="{AFDF6298-495F-C50C-91B3-8403B747640A}"/>
-          </ac:cxnSpMkLst>
-        </pc:cxnChg>
-      </pc:sldChg>
-      <pc:sldChg chg="del">
-        <pc:chgData name="Xin Luo" userId="82312ee5779919a4" providerId="LiveId" clId="{8BA8C8C7-2517-3646-951D-48296B93037A}" dt="2023-03-05T05:51:46.534" v="361" actId="2696"/>
-        <pc:sldMkLst>
-          <pc:docMk/>
-          <pc:sldMk cId="3818021166" sldId="2760"/>
-        </pc:sldMkLst>
-      </pc:sldChg>
-      <pc:sldChg chg="del">
-        <pc:chgData name="Xin Luo" userId="82312ee5779919a4" providerId="LiveId" clId="{8BA8C8C7-2517-3646-951D-48296B93037A}" dt="2023-02-28T06:12:32.856" v="192" actId="2696"/>
-        <pc:sldMkLst>
-          <pc:docMk/>
-          <pc:sldMk cId="97719364" sldId="2761"/>
-        </pc:sldMkLst>
-      </pc:sldChg>
-      <pc:sldChg chg="del">
-        <pc:chgData name="Xin Luo" userId="82312ee5779919a4" providerId="LiveId" clId="{8BA8C8C7-2517-3646-951D-48296B93037A}" dt="2023-02-28T06:12:32.828" v="190" actId="2696"/>
-        <pc:sldMkLst>
-          <pc:docMk/>
-          <pc:sldMk cId="2861954436" sldId="2762"/>
-        </pc:sldMkLst>
-      </pc:sldChg>
-      <pc:sldChg chg="del">
-        <pc:chgData name="Xin Luo" userId="82312ee5779919a4" providerId="LiveId" clId="{8BA8C8C7-2517-3646-951D-48296B93037A}" dt="2023-02-28T06:12:32.826" v="189" actId="2696"/>
-        <pc:sldMkLst>
-          <pc:docMk/>
-          <pc:sldMk cId="3373327641" sldId="2763"/>
-        </pc:sldMkLst>
-      </pc:sldChg>
-      <pc:sldChg chg="addSp delSp modSp mod ord">
-        <pc:chgData name="Xin Luo" userId="82312ee5779919a4" providerId="LiveId" clId="{8BA8C8C7-2517-3646-951D-48296B93037A}" dt="2023-03-13T07:46:33.198" v="1348" actId="20577"/>
-        <pc:sldMkLst>
-          <pc:docMk/>
-          <pc:sldMk cId="2047512068" sldId="2764"/>
-        </pc:sldMkLst>
-        <pc:spChg chg="del mod">
-          <ac:chgData name="Xin Luo" userId="82312ee5779919a4" providerId="LiveId" clId="{8BA8C8C7-2517-3646-951D-48296B93037A}" dt="2023-02-28T06:09:47.404" v="175" actId="478"/>
-          <ac:spMkLst>
-            <pc:docMk/>
-            <pc:sldMk cId="2047512068" sldId="2764"/>
-            <ac:spMk id="5" creationId="{78502774-B04C-634F-1396-E5815996BC36}"/>
-          </ac:spMkLst>
-        </pc:spChg>
-        <pc:spChg chg="add mod">
-          <ac:chgData name="Xin Luo" userId="82312ee5779919a4" providerId="LiveId" clId="{8BA8C8C7-2517-3646-951D-48296B93037A}" dt="2023-03-13T07:46:33.198" v="1348" actId="20577"/>
-          <ac:spMkLst>
-            <pc:docMk/>
-            <pc:sldMk cId="2047512068" sldId="2764"/>
-            <ac:spMk id="6" creationId="{DB970E5D-5367-222C-EBF7-0F886FDEDDC5}"/>
-          </ac:spMkLst>
-        </pc:spChg>
-      </pc:sldChg>
-      <pc:sldChg chg="modSp mod">
-        <pc:chgData name="Xin Luo" userId="82312ee5779919a4" providerId="LiveId" clId="{8BA8C8C7-2517-3646-951D-48296B93037A}" dt="2023-03-05T03:19:55.768" v="313" actId="20577"/>
-        <pc:sldMkLst>
-          <pc:docMk/>
-          <pc:sldMk cId="70654754" sldId="2765"/>
-        </pc:sldMkLst>
-        <pc:spChg chg="mod">
-          <ac:chgData name="Xin Luo" userId="82312ee5779919a4" providerId="LiveId" clId="{8BA8C8C7-2517-3646-951D-48296B93037A}" dt="2023-03-05T03:19:55.768" v="313" actId="20577"/>
-          <ac:spMkLst>
-            <pc:docMk/>
-            <pc:sldMk cId="70654754" sldId="2765"/>
-            <ac:spMk id="5" creationId="{78502774-B04C-634F-1396-E5815996BC36}"/>
-          </ac:spMkLst>
-        </pc:spChg>
-      </pc:sldChg>
-      <pc:sldChg chg="del">
-        <pc:chgData name="Xin Luo" userId="82312ee5779919a4" providerId="LiveId" clId="{8BA8C8C7-2517-3646-951D-48296B93037A}" dt="2023-02-28T06:07:53.148" v="100" actId="2696"/>
-        <pc:sldMkLst>
-          <pc:docMk/>
-          <pc:sldMk cId="1482309087" sldId="2766"/>
-        </pc:sldMkLst>
-      </pc:sldChg>
-      <pc:sldChg chg="modSp add mod">
-        <pc:chgData name="Xin Luo" userId="82312ee5779919a4" providerId="LiveId" clId="{8BA8C8C7-2517-3646-951D-48296B93037A}" dt="2023-03-05T05:50:57.277" v="358" actId="1035"/>
-        <pc:sldMkLst>
-          <pc:docMk/>
-          <pc:sldMk cId="2097263393" sldId="2766"/>
-        </pc:sldMkLst>
-        <pc:spChg chg="mod">
-          <ac:chgData name="Xin Luo" userId="82312ee5779919a4" providerId="LiveId" clId="{8BA8C8C7-2517-3646-951D-48296B93037A}" dt="2023-03-05T05:50:57.277" v="358" actId="1035"/>
-          <ac:spMkLst>
-            <pc:docMk/>
-            <pc:sldMk cId="2097263393" sldId="2766"/>
-            <ac:spMk id="5" creationId="{78502774-B04C-634F-1396-E5815996BC36}"/>
-          </ac:spMkLst>
-        </pc:spChg>
-      </pc:sldChg>
-      <pc:sldChg chg="modSp add mod">
-        <pc:chgData name="Xin Luo" userId="82312ee5779919a4" providerId="LiveId" clId="{8BA8C8C7-2517-3646-951D-48296B93037A}" dt="2023-03-13T07:54:42.825" v="1628" actId="403"/>
-        <pc:sldMkLst>
-          <pc:docMk/>
-          <pc:sldMk cId="782854285" sldId="2767"/>
-        </pc:sldMkLst>
-        <pc:spChg chg="mod">
-          <ac:chgData name="Xin Luo" userId="82312ee5779919a4" providerId="LiveId" clId="{8BA8C8C7-2517-3646-951D-48296B93037A}" dt="2023-03-13T07:52:58.456" v="1567" actId="14100"/>
-          <ac:spMkLst>
-            <pc:docMk/>
-            <pc:sldMk cId="782854285" sldId="2767"/>
-            <ac:spMk id="4" creationId="{A7E97437-B77F-D3F5-E0F8-38B1EBE5E36E}"/>
-          </ac:spMkLst>
-        </pc:spChg>
-        <pc:spChg chg="mod">
-          <ac:chgData name="Xin Luo" userId="82312ee5779919a4" providerId="LiveId" clId="{8BA8C8C7-2517-3646-951D-48296B93037A}" dt="2023-03-13T07:54:42.825" v="1628" actId="403"/>
-          <ac:spMkLst>
-            <pc:docMk/>
-            <pc:sldMk cId="782854285" sldId="2767"/>
-            <ac:spMk id="5" creationId="{78502774-B04C-634F-1396-E5815996BC36}"/>
-          </ac:spMkLst>
-        </pc:spChg>
-      </pc:sldChg>
-      <pc:sldChg chg="addSp delSp modSp add mod">
-        <pc:chgData name="Xin Luo" userId="82312ee5779919a4" providerId="LiveId" clId="{8BA8C8C7-2517-3646-951D-48296B93037A}" dt="2023-03-13T07:39:39.304" v="1199" actId="1076"/>
-        <pc:sldMkLst>
-          <pc:docMk/>
-          <pc:sldMk cId="2380741125" sldId="2768"/>
-        </pc:sldMkLst>
-        <pc:spChg chg="add mod">
-          <ac:chgData name="Xin Luo" userId="82312ee5779919a4" providerId="LiveId" clId="{8BA8C8C7-2517-3646-951D-48296B93037A}" dt="2023-03-13T07:39:37.507" v="1198" actId="1076"/>
-          <ac:spMkLst>
-            <pc:docMk/>
-            <pc:sldMk cId="2380741125" sldId="2768"/>
-            <ac:spMk id="4" creationId="{838928A2-AB5A-5293-3942-99957D81A26D}"/>
-          </ac:spMkLst>
-        </pc:spChg>
-        <pc:spChg chg="add del mod">
-          <ac:chgData name="Xin Luo" userId="82312ee5779919a4" providerId="LiveId" clId="{8BA8C8C7-2517-3646-951D-48296B93037A}" dt="2023-03-13T07:22:53.161" v="876" actId="21"/>
-          <ac:spMkLst>
-            <pc:docMk/>
-            <pc:sldMk cId="2380741125" sldId="2768"/>
-            <ac:spMk id="5" creationId="{EC51A3B3-43D2-1168-D68E-D01604EF07FC}"/>
-          </ac:spMkLst>
-        </pc:spChg>
-        <pc:spChg chg="mod">
-          <ac:chgData name="Xin Luo" userId="82312ee5779919a4" providerId="LiveId" clId="{8BA8C8C7-2517-3646-951D-48296B93037A}" dt="2023-03-13T07:38:57.474" v="1196" actId="20577"/>
-          <ac:spMkLst>
-            <pc:docMk/>
-            <pc:sldMk cId="2380741125" sldId="2768"/>
-            <ac:spMk id="6" creationId="{DA984439-1B23-1931-1979-ECF8DE9D6DCA}"/>
-          </ac:spMkLst>
-        </pc:spChg>
-        <pc:spChg chg="mod">
-          <ac:chgData name="Xin Luo" userId="82312ee5779919a4" providerId="LiveId" clId="{8BA8C8C7-2517-3646-951D-48296B93037A}" dt="2023-03-13T07:26:52.364" v="986" actId="14100"/>
-          <ac:spMkLst>
-            <pc:docMk/>
-            <pc:sldMk cId="2380741125" sldId="2768"/>
-            <ac:spMk id="7" creationId="{E179D382-9C94-C796-FB1B-3281561CA174}"/>
-          </ac:spMkLst>
-        </pc:spChg>
-        <pc:spChg chg="add del mod">
-          <ac:chgData name="Xin Luo" userId="82312ee5779919a4" providerId="LiveId" clId="{8BA8C8C7-2517-3646-951D-48296B93037A}" dt="2023-03-13T07:22:53.161" v="876" actId="21"/>
-          <ac:spMkLst>
-            <pc:docMk/>
-            <pc:sldMk cId="2380741125" sldId="2768"/>
-            <ac:spMk id="8" creationId="{D756AE91-9C56-4A5F-9D22-F8CDAD09D676}"/>
-          </ac:spMkLst>
-        </pc:spChg>
-        <pc:spChg chg="add del mod">
-          <ac:chgData name="Xin Luo" userId="82312ee5779919a4" providerId="LiveId" clId="{8BA8C8C7-2517-3646-951D-48296B93037A}" dt="2023-03-13T07:22:53.161" v="876" actId="21"/>
-          <ac:spMkLst>
-            <pc:docMk/>
-            <pc:sldMk cId="2380741125" sldId="2768"/>
-            <ac:spMk id="9" creationId="{B81CCB25-4F7C-D3B7-F3F0-5FE44FE77B15}"/>
-          </ac:spMkLst>
-        </pc:spChg>
-        <pc:spChg chg="add mod">
-          <ac:chgData name="Xin Luo" userId="82312ee5779919a4" providerId="LiveId" clId="{8BA8C8C7-2517-3646-951D-48296B93037A}" dt="2023-03-13T07:39:37.507" v="1198" actId="1076"/>
-          <ac:spMkLst>
-            <pc:docMk/>
-            <pc:sldMk cId="2380741125" sldId="2768"/>
-            <ac:spMk id="10" creationId="{5B5303EF-70D7-0AFA-74A6-684C0A719D89}"/>
-          </ac:spMkLst>
-        </pc:spChg>
-        <pc:spChg chg="add mod">
-          <ac:chgData name="Xin Luo" userId="82312ee5779919a4" providerId="LiveId" clId="{8BA8C8C7-2517-3646-951D-48296B93037A}" dt="2023-03-13T07:39:37.507" v="1198" actId="1076"/>
-          <ac:spMkLst>
-            <pc:docMk/>
-            <pc:sldMk cId="2380741125" sldId="2768"/>
-            <ac:spMk id="11" creationId="{882BC205-1F7C-8CB5-E1D7-7521F8B1285E}"/>
-          </ac:spMkLst>
-        </pc:spChg>
-        <pc:spChg chg="add del mod">
-          <ac:chgData name="Xin Luo" userId="82312ee5779919a4" providerId="LiveId" clId="{8BA8C8C7-2517-3646-951D-48296B93037A}" dt="2023-03-13T07:24:53.410" v="901"/>
-          <ac:spMkLst>
-            <pc:docMk/>
-            <pc:sldMk cId="2380741125" sldId="2768"/>
-            <ac:spMk id="12" creationId="{69840456-2511-36C5-DAB3-D95FD22E1133}"/>
-          </ac:spMkLst>
-        </pc:spChg>
-        <pc:spChg chg="add mod">
-          <ac:chgData name="Xin Luo" userId="82312ee5779919a4" providerId="LiveId" clId="{8BA8C8C7-2517-3646-951D-48296B93037A}" dt="2023-03-13T07:39:37.507" v="1198" actId="1076"/>
-          <ac:spMkLst>
-            <pc:docMk/>
-            <pc:sldMk cId="2380741125" sldId="2768"/>
-            <ac:spMk id="13" creationId="{18AB25C2-FB51-47F7-D5E6-3CD713C8DF6D}"/>
-          </ac:spMkLst>
-        </pc:spChg>
-        <pc:spChg chg="add del mod">
-          <ac:chgData name="Xin Luo" userId="82312ee5779919a4" providerId="LiveId" clId="{8BA8C8C7-2517-3646-951D-48296B93037A}" dt="2023-03-13T07:37:07.551" v="1107" actId="478"/>
-          <ac:spMkLst>
-            <pc:docMk/>
-            <pc:sldMk cId="2380741125" sldId="2768"/>
-            <ac:spMk id="14" creationId="{566F205A-13F8-4AD2-ABFE-CEB7F534816E}"/>
-          </ac:spMkLst>
-        </pc:spChg>
-        <pc:spChg chg="add mod">
-          <ac:chgData name="Xin Luo" userId="82312ee5779919a4" providerId="LiveId" clId="{8BA8C8C7-2517-3646-951D-48296B93037A}" dt="2023-03-13T07:39:37.507" v="1198" actId="1076"/>
-          <ac:spMkLst>
-            <pc:docMk/>
-            <pc:sldMk cId="2380741125" sldId="2768"/>
-            <ac:spMk id="15" creationId="{DCE793DD-39B2-FF02-7C84-E9A7F7ADE60A}"/>
-          </ac:spMkLst>
-        </pc:spChg>
-        <pc:spChg chg="add mod">
-          <ac:chgData name="Xin Luo" userId="82312ee5779919a4" providerId="LiveId" clId="{8BA8C8C7-2517-3646-951D-48296B93037A}" dt="2023-03-13T07:39:39.304" v="1199" actId="1076"/>
-          <ac:spMkLst>
-            <pc:docMk/>
-            <pc:sldMk cId="2380741125" sldId="2768"/>
-            <ac:spMk id="16" creationId="{D6DE5B36-E23C-44CB-46DF-80768FC4DFB0}"/>
-          </ac:spMkLst>
-        </pc:spChg>
-        <pc:cxnChg chg="add mod">
-          <ac:chgData name="Xin Luo" userId="82312ee5779919a4" providerId="LiveId" clId="{8BA8C8C7-2517-3646-951D-48296B93037A}" dt="2023-03-13T07:39:37.507" v="1198" actId="1076"/>
-          <ac:cxnSpMkLst>
-            <pc:docMk/>
-            <pc:sldMk cId="2380741125" sldId="2768"/>
-            <ac:cxnSpMk id="18" creationId="{4A91ECEA-B01F-CD7D-FDC3-691666722FB0}"/>
-          </ac:cxnSpMkLst>
-        </pc:cxnChg>
-        <pc:cxnChg chg="add mod">
-          <ac:chgData name="Xin Luo" userId="82312ee5779919a4" providerId="LiveId" clId="{8BA8C8C7-2517-3646-951D-48296B93037A}" dt="2023-03-13T07:39:37.507" v="1198" actId="1076"/>
-          <ac:cxnSpMkLst>
-            <pc:docMk/>
-            <pc:sldMk cId="2380741125" sldId="2768"/>
-            <ac:cxnSpMk id="20" creationId="{F7B72513-CA83-5A94-CC92-80A7ABB35251}"/>
-          </ac:cxnSpMkLst>
-        </pc:cxnChg>
-        <pc:cxnChg chg="add mod">
-          <ac:chgData name="Xin Luo" userId="82312ee5779919a4" providerId="LiveId" clId="{8BA8C8C7-2517-3646-951D-48296B93037A}" dt="2023-03-13T07:39:37.507" v="1198" actId="1076"/>
-          <ac:cxnSpMkLst>
-            <pc:docMk/>
-            <pc:sldMk cId="2380741125" sldId="2768"/>
-            <ac:cxnSpMk id="23" creationId="{8F4F86DC-7CE9-9D5C-AE76-EE8DAB4109A5}"/>
-          </ac:cxnSpMkLst>
-        </pc:cxnChg>
-        <pc:cxnChg chg="add mod">
-          <ac:chgData name="Xin Luo" userId="82312ee5779919a4" providerId="LiveId" clId="{8BA8C8C7-2517-3646-951D-48296B93037A}" dt="2023-03-13T07:39:37.507" v="1198" actId="1076"/>
-          <ac:cxnSpMkLst>
-            <pc:docMk/>
-            <pc:sldMk cId="2380741125" sldId="2768"/>
-            <ac:cxnSpMk id="26" creationId="{260DAA9A-59FF-8791-35DF-05CA47DAACD8}"/>
-          </ac:cxnSpMkLst>
-        </pc:cxnChg>
-      </pc:sldChg>
-      <pc:sldChg chg="modSp add mod">
-        <pc:chgData name="Xin Luo" userId="82312ee5779919a4" providerId="LiveId" clId="{8BA8C8C7-2517-3646-951D-48296B93037A}" dt="2023-03-13T07:45:07.040" v="1239" actId="1035"/>
-        <pc:sldMkLst>
-          <pc:docMk/>
-          <pc:sldMk cId="3657954518" sldId="2769"/>
-        </pc:sldMkLst>
-        <pc:spChg chg="mod">
-          <ac:chgData name="Xin Luo" userId="82312ee5779919a4" providerId="LiveId" clId="{8BA8C8C7-2517-3646-951D-48296B93037A}" dt="2023-03-13T07:45:07.040" v="1239" actId="1035"/>
-          <ac:spMkLst>
-            <pc:docMk/>
-            <pc:sldMk cId="3657954518" sldId="2769"/>
-            <ac:spMk id="6" creationId="{DA984439-1B23-1931-1979-ECF8DE9D6DCA}"/>
-          </ac:spMkLst>
-        </pc:spChg>
-      </pc:sldChg>
-    </pc:docChg>
-  </pc:docChgLst>
-  <pc:docChgLst>
-    <pc:chgData name="Xin Luo" userId="82312ee5779919a4" providerId="LiveId" clId="{7C68D8C5-3836-3547-9AA8-5B377782C93A}"/>
-    <pc:docChg chg="modSld">
-      <pc:chgData name="Xin Luo" userId="82312ee5779919a4" providerId="LiveId" clId="{7C68D8C5-3836-3547-9AA8-5B377782C93A}" dt="2023-04-12T12:59:02.669" v="101" actId="20577"/>
-      <pc:docMkLst>
-        <pc:docMk/>
-      </pc:docMkLst>
-      <pc:sldChg chg="modSp mod">
-        <pc:chgData name="Xin Luo" userId="82312ee5779919a4" providerId="LiveId" clId="{7C68D8C5-3836-3547-9AA8-5B377782C93A}" dt="2023-04-12T12:59:02.669" v="101" actId="20577"/>
-        <pc:sldMkLst>
-          <pc:docMk/>
-          <pc:sldMk cId="1209572041" sldId="2722"/>
-        </pc:sldMkLst>
-        <pc:spChg chg="mod">
-          <ac:chgData name="Xin Luo" userId="82312ee5779919a4" providerId="LiveId" clId="{7C68D8C5-3836-3547-9AA8-5B377782C93A}" dt="2023-04-12T12:59:02.669" v="101" actId="20577"/>
-          <ac:spMkLst>
-            <pc:docMk/>
-            <pc:sldMk cId="1209572041" sldId="2722"/>
-            <ac:spMk id="13" creationId="{303BC878-BC57-D350-27A3-F03AE48213AC}"/>
-          </ac:spMkLst>
-        </pc:spChg>
-      </pc:sldChg>
-    </pc:docChg>
-  </pc:docChgLst>
-  <pc:docChgLst>
     <pc:chgData name="Xin Luo" userId="82312ee5779919a4" providerId="LiveId" clId="{3C4A7AF4-6488-5041-B432-D36EF53163D3}"/>
     <pc:docChg chg="undo custSel addSld delSld modSld sldOrd">
       <pc:chgData name="Xin Luo" userId="82312ee5779919a4" providerId="LiveId" clId="{3C4A7AF4-6488-5041-B432-D36EF53163D3}" dt="2023-02-23T14:33:41.327" v="6919" actId="478"/>
@@ -3605,6 +2915,350 @@
             <pc:docMk/>
             <pc:sldMk cId="383906436" sldId="2736"/>
             <ac:spMk id="17" creationId="{9E05FFCA-3371-AF5C-381D-71D984055F5A}"/>
+          </ac:spMkLst>
+        </pc:spChg>
+      </pc:sldChg>
+    </pc:docChg>
+  </pc:docChgLst>
+  <pc:docChgLst>
+    <pc:chgData name="Xin Luo" userId="82312ee5779919a4" providerId="LiveId" clId="{23920C8D-EBCE-A347-9C82-C14316D20539}"/>
+    <pc:docChg chg="undo custSel addSld modSld">
+      <pc:chgData name="Xin Luo" userId="82312ee5779919a4" providerId="LiveId" clId="{23920C8D-EBCE-A347-9C82-C14316D20539}" dt="2022-10-26T12:19:06.428" v="501" actId="767"/>
+      <pc:docMkLst>
+        <pc:docMk/>
+      </pc:docMkLst>
+      <pc:sldChg chg="modSp mod">
+        <pc:chgData name="Xin Luo" userId="82312ee5779919a4" providerId="LiveId" clId="{23920C8D-EBCE-A347-9C82-C14316D20539}" dt="2022-10-10T01:06:29.261" v="368" actId="404"/>
+        <pc:sldMkLst>
+          <pc:docMk/>
+          <pc:sldMk cId="1576120367" sldId="2387"/>
+        </pc:sldMkLst>
+        <pc:spChg chg="mod">
+          <ac:chgData name="Xin Luo" userId="82312ee5779919a4" providerId="LiveId" clId="{23920C8D-EBCE-A347-9C82-C14316D20539}" dt="2022-10-10T01:06:29.261" v="368" actId="404"/>
+          <ac:spMkLst>
+            <pc:docMk/>
+            <pc:sldMk cId="1576120367" sldId="2387"/>
+            <ac:spMk id="10" creationId="{00000000-0000-0000-0000-000000000000}"/>
+          </ac:spMkLst>
+        </pc:spChg>
+        <pc:spChg chg="mod">
+          <ac:chgData name="Xin Luo" userId="82312ee5779919a4" providerId="LiveId" clId="{23920C8D-EBCE-A347-9C82-C14316D20539}" dt="2022-10-10T01:06:13.262" v="366" actId="403"/>
+          <ac:spMkLst>
+            <pc:docMk/>
+            <pc:sldMk cId="1576120367" sldId="2387"/>
+            <ac:spMk id="12" creationId="{00000000-0000-0000-0000-000000000000}"/>
+          </ac:spMkLst>
+        </pc:spChg>
+        <pc:spChg chg="mod">
+          <ac:chgData name="Xin Luo" userId="82312ee5779919a4" providerId="LiveId" clId="{23920C8D-EBCE-A347-9C82-C14316D20539}" dt="2022-10-10T01:06:29.261" v="368" actId="404"/>
+          <ac:spMkLst>
+            <pc:docMk/>
+            <pc:sldMk cId="1576120367" sldId="2387"/>
+            <ac:spMk id="13" creationId="{00000000-0000-0000-0000-000000000000}"/>
+          </ac:spMkLst>
+        </pc:spChg>
+        <pc:spChg chg="mod">
+          <ac:chgData name="Xin Luo" userId="82312ee5779919a4" providerId="LiveId" clId="{23920C8D-EBCE-A347-9C82-C14316D20539}" dt="2022-10-10T01:06:13.262" v="366" actId="403"/>
+          <ac:spMkLst>
+            <pc:docMk/>
+            <pc:sldMk cId="1576120367" sldId="2387"/>
+            <ac:spMk id="14" creationId="{00000000-0000-0000-0000-000000000000}"/>
+          </ac:spMkLst>
+        </pc:spChg>
+        <pc:spChg chg="mod">
+          <ac:chgData name="Xin Luo" userId="82312ee5779919a4" providerId="LiveId" clId="{23920C8D-EBCE-A347-9C82-C14316D20539}" dt="2022-10-10T01:06:29.261" v="368" actId="404"/>
+          <ac:spMkLst>
+            <pc:docMk/>
+            <pc:sldMk cId="1576120367" sldId="2387"/>
+            <ac:spMk id="15" creationId="{00000000-0000-0000-0000-000000000000}"/>
+          </ac:spMkLst>
+        </pc:spChg>
+        <pc:spChg chg="mod">
+          <ac:chgData name="Xin Luo" userId="82312ee5779919a4" providerId="LiveId" clId="{23920C8D-EBCE-A347-9C82-C14316D20539}" dt="2022-10-10T01:06:19.369" v="367" actId="14100"/>
+          <ac:spMkLst>
+            <pc:docMk/>
+            <pc:sldMk cId="1576120367" sldId="2387"/>
+            <ac:spMk id="16" creationId="{00000000-0000-0000-0000-000000000000}"/>
+          </ac:spMkLst>
+        </pc:spChg>
+      </pc:sldChg>
+      <pc:sldChg chg="modSp mod">
+        <pc:chgData name="Xin Luo" userId="82312ee5779919a4" providerId="LiveId" clId="{23920C8D-EBCE-A347-9C82-C14316D20539}" dt="2022-10-10T01:06:39.449" v="369" actId="403"/>
+        <pc:sldMkLst>
+          <pc:docMk/>
+          <pc:sldMk cId="2415901206" sldId="2447"/>
+        </pc:sldMkLst>
+        <pc:spChg chg="mod">
+          <ac:chgData name="Xin Luo" userId="82312ee5779919a4" providerId="LiveId" clId="{23920C8D-EBCE-A347-9C82-C14316D20539}" dt="2022-10-10T01:06:39.449" v="369" actId="403"/>
+          <ac:spMkLst>
+            <pc:docMk/>
+            <pc:sldMk cId="2415901206" sldId="2447"/>
+            <ac:spMk id="7" creationId="{00000000-0000-0000-0000-000000000000}"/>
+          </ac:spMkLst>
+        </pc:spChg>
+      </pc:sldChg>
+      <pc:sldChg chg="addSp delSp modSp mod">
+        <pc:chgData name="Xin Luo" userId="82312ee5779919a4" providerId="LiveId" clId="{23920C8D-EBCE-A347-9C82-C14316D20539}" dt="2022-10-26T11:18:20.490" v="500"/>
+        <pc:sldMkLst>
+          <pc:docMk/>
+          <pc:sldMk cId="2689840772" sldId="2604"/>
+        </pc:sldMkLst>
+        <pc:spChg chg="mod">
+          <ac:chgData name="Xin Luo" userId="82312ee5779919a4" providerId="LiveId" clId="{23920C8D-EBCE-A347-9C82-C14316D20539}" dt="2022-10-26T11:18:14.630" v="497" actId="1038"/>
+          <ac:spMkLst>
+            <pc:docMk/>
+            <pc:sldMk cId="2689840772" sldId="2604"/>
+            <ac:spMk id="2" creationId="{DB381E7B-A050-4BE4-6756-9B64308C74D7}"/>
+          </ac:spMkLst>
+        </pc:spChg>
+        <pc:spChg chg="del mod">
+          <ac:chgData name="Xin Luo" userId="82312ee5779919a4" providerId="LiveId" clId="{23920C8D-EBCE-A347-9C82-C14316D20539}" dt="2022-10-10T00:58:26.498" v="9" actId="478"/>
+          <ac:spMkLst>
+            <pc:docMk/>
+            <pc:sldMk cId="2689840772" sldId="2604"/>
+            <ac:spMk id="3" creationId="{00000000-0000-0000-0000-000000000000}"/>
+          </ac:spMkLst>
+        </pc:spChg>
+        <pc:spChg chg="add del mod">
+          <ac:chgData name="Xin Luo" userId="82312ee5779919a4" providerId="LiveId" clId="{23920C8D-EBCE-A347-9C82-C14316D20539}" dt="2022-10-26T11:18:20.490" v="500"/>
+          <ac:spMkLst>
+            <pc:docMk/>
+            <pc:sldMk cId="2689840772" sldId="2604"/>
+            <ac:spMk id="3" creationId="{0AC6D251-AEF6-35BE-71D5-DE25EAD72977}"/>
+          </ac:spMkLst>
+        </pc:spChg>
+        <pc:spChg chg="add mod">
+          <ac:chgData name="Xin Luo" userId="82312ee5779919a4" providerId="LiveId" clId="{23920C8D-EBCE-A347-9C82-C14316D20539}" dt="2022-10-10T01:03:50.909" v="356" actId="20577"/>
+          <ac:spMkLst>
+            <pc:docMk/>
+            <pc:sldMk cId="2689840772" sldId="2604"/>
+            <ac:spMk id="4" creationId="{5B949F23-92C2-3ACE-AE9A-58F8C8D7AB52}"/>
+          </ac:spMkLst>
+        </pc:spChg>
+      </pc:sldChg>
+      <pc:sldChg chg="modSp mod">
+        <pc:chgData name="Xin Luo" userId="82312ee5779919a4" providerId="LiveId" clId="{23920C8D-EBCE-A347-9C82-C14316D20539}" dt="2022-10-25T11:53:23.523" v="402" actId="207"/>
+        <pc:sldMkLst>
+          <pc:docMk/>
+          <pc:sldMk cId="1392274363" sldId="2606"/>
+        </pc:sldMkLst>
+        <pc:spChg chg="mod">
+          <ac:chgData name="Xin Luo" userId="82312ee5779919a4" providerId="LiveId" clId="{23920C8D-EBCE-A347-9C82-C14316D20539}" dt="2022-10-10T01:08:08.448" v="392" actId="20577"/>
+          <ac:spMkLst>
+            <pc:docMk/>
+            <pc:sldMk cId="1392274363" sldId="2606"/>
+            <ac:spMk id="35" creationId="{2CBBD54C-A0C4-CFAB-2A67-F8BF299D28F5}"/>
+          </ac:spMkLst>
+        </pc:spChg>
+        <pc:spChg chg="mod">
+          <ac:chgData name="Xin Luo" userId="82312ee5779919a4" providerId="LiveId" clId="{23920C8D-EBCE-A347-9C82-C14316D20539}" dt="2022-10-25T11:53:23.523" v="402" actId="207"/>
+          <ac:spMkLst>
+            <pc:docMk/>
+            <pc:sldMk cId="1392274363" sldId="2606"/>
+            <ac:spMk id="42" creationId="{E4B07DDE-AB89-2B16-6B7A-2142621DE6F5}"/>
+          </ac:spMkLst>
+        </pc:spChg>
+      </pc:sldChg>
+      <pc:sldChg chg="modSp mod">
+        <pc:chgData name="Xin Luo" userId="82312ee5779919a4" providerId="LiveId" clId="{23920C8D-EBCE-A347-9C82-C14316D20539}" dt="2022-10-25T12:03:26.240" v="414" actId="14100"/>
+        <pc:sldMkLst>
+          <pc:docMk/>
+          <pc:sldMk cId="292605530" sldId="2607"/>
+        </pc:sldMkLst>
+        <pc:spChg chg="mod">
+          <ac:chgData name="Xin Luo" userId="82312ee5779919a4" providerId="LiveId" clId="{23920C8D-EBCE-A347-9C82-C14316D20539}" dt="2022-10-25T12:03:26.240" v="414" actId="14100"/>
+          <ac:spMkLst>
+            <pc:docMk/>
+            <pc:sldMk cId="292605530" sldId="2607"/>
+            <ac:spMk id="18" creationId="{8399C9E7-13B6-1DAF-F5BF-4471E8528C5F}"/>
+          </ac:spMkLst>
+        </pc:spChg>
+      </pc:sldChg>
+      <pc:sldChg chg="modSp mod">
+        <pc:chgData name="Xin Luo" userId="82312ee5779919a4" providerId="LiveId" clId="{23920C8D-EBCE-A347-9C82-C14316D20539}" dt="2022-10-25T12:09:03.730" v="478" actId="1036"/>
+        <pc:sldMkLst>
+          <pc:docMk/>
+          <pc:sldMk cId="2780969545" sldId="2609"/>
+        </pc:sldMkLst>
+        <pc:spChg chg="mod">
+          <ac:chgData name="Xin Luo" userId="82312ee5779919a4" providerId="LiveId" clId="{23920C8D-EBCE-A347-9C82-C14316D20539}" dt="2022-10-25T12:08:56.496" v="469" actId="115"/>
+          <ac:spMkLst>
+            <pc:docMk/>
+            <pc:sldMk cId="2780969545" sldId="2609"/>
+            <ac:spMk id="6" creationId="{2D1A6305-FF43-CF53-224A-B6D4901EAB0F}"/>
+          </ac:spMkLst>
+        </pc:spChg>
+        <pc:spChg chg="mod">
+          <ac:chgData name="Xin Luo" userId="82312ee5779919a4" providerId="LiveId" clId="{23920C8D-EBCE-A347-9C82-C14316D20539}" dt="2022-10-25T12:09:03.730" v="478" actId="1036"/>
+          <ac:spMkLst>
+            <pc:docMk/>
+            <pc:sldMk cId="2780969545" sldId="2609"/>
+            <ac:spMk id="11" creationId="{63EAC848-88D2-7A10-E878-444ADA855E23}"/>
+          </ac:spMkLst>
+        </pc:spChg>
+        <pc:spChg chg="mod">
+          <ac:chgData name="Xin Luo" userId="82312ee5779919a4" providerId="LiveId" clId="{23920C8D-EBCE-A347-9C82-C14316D20539}" dt="2022-10-25T12:09:03.730" v="478" actId="1036"/>
+          <ac:spMkLst>
+            <pc:docMk/>
+            <pc:sldMk cId="2780969545" sldId="2609"/>
+            <ac:spMk id="12" creationId="{BED7A820-9D6E-7E7E-A906-8A9424528316}"/>
+          </ac:spMkLst>
+        </pc:spChg>
+        <pc:spChg chg="mod">
+          <ac:chgData name="Xin Luo" userId="82312ee5779919a4" providerId="LiveId" clId="{23920C8D-EBCE-A347-9C82-C14316D20539}" dt="2022-10-25T12:09:03.730" v="478" actId="1036"/>
+          <ac:spMkLst>
+            <pc:docMk/>
+            <pc:sldMk cId="2780969545" sldId="2609"/>
+            <ac:spMk id="20" creationId="{87EC125B-CB98-6914-1633-6697471A2CB4}"/>
+          </ac:spMkLst>
+        </pc:spChg>
+        <pc:spChg chg="mod">
+          <ac:chgData name="Xin Luo" userId="82312ee5779919a4" providerId="LiveId" clId="{23920C8D-EBCE-A347-9C82-C14316D20539}" dt="2022-10-25T12:09:03.730" v="478" actId="1036"/>
+          <ac:spMkLst>
+            <pc:docMk/>
+            <pc:sldMk cId="2780969545" sldId="2609"/>
+            <ac:spMk id="21" creationId="{0AF67847-7DEF-CDAB-6208-0271BFB4FB06}"/>
+          </ac:spMkLst>
+        </pc:spChg>
+        <pc:spChg chg="mod">
+          <ac:chgData name="Xin Luo" userId="82312ee5779919a4" providerId="LiveId" clId="{23920C8D-EBCE-A347-9C82-C14316D20539}" dt="2022-10-25T12:09:03.730" v="478" actId="1036"/>
+          <ac:spMkLst>
+            <pc:docMk/>
+            <pc:sldMk cId="2780969545" sldId="2609"/>
+            <ac:spMk id="23" creationId="{0011846D-F543-398E-85CB-0AB0A842928A}"/>
+          </ac:spMkLst>
+        </pc:spChg>
+        <pc:spChg chg="mod">
+          <ac:chgData name="Xin Luo" userId="82312ee5779919a4" providerId="LiveId" clId="{23920C8D-EBCE-A347-9C82-C14316D20539}" dt="2022-10-25T12:09:03.730" v="478" actId="1036"/>
+          <ac:spMkLst>
+            <pc:docMk/>
+            <pc:sldMk cId="2780969545" sldId="2609"/>
+            <ac:spMk id="24" creationId="{37B5D87E-7419-7CC0-91CC-8A0807F0F999}"/>
+          </ac:spMkLst>
+        </pc:spChg>
+        <pc:spChg chg="mod">
+          <ac:chgData name="Xin Luo" userId="82312ee5779919a4" providerId="LiveId" clId="{23920C8D-EBCE-A347-9C82-C14316D20539}" dt="2022-10-25T12:09:03.730" v="478" actId="1036"/>
+          <ac:spMkLst>
+            <pc:docMk/>
+            <pc:sldMk cId="2780969545" sldId="2609"/>
+            <ac:spMk id="25" creationId="{4745244D-B431-F067-4A97-7CC4387296FB}"/>
+          </ac:spMkLst>
+        </pc:spChg>
+        <pc:spChg chg="mod">
+          <ac:chgData name="Xin Luo" userId="82312ee5779919a4" providerId="LiveId" clId="{23920C8D-EBCE-A347-9C82-C14316D20539}" dt="2022-10-25T12:09:03.730" v="478" actId="1036"/>
+          <ac:spMkLst>
+            <pc:docMk/>
+            <pc:sldMk cId="2780969545" sldId="2609"/>
+            <ac:spMk id="26" creationId="{FB9C53DE-8D1F-6DF4-8CE3-3A262A9F8737}"/>
+          </ac:spMkLst>
+        </pc:spChg>
+        <pc:picChg chg="mod">
+          <ac:chgData name="Xin Luo" userId="82312ee5779919a4" providerId="LiveId" clId="{23920C8D-EBCE-A347-9C82-C14316D20539}" dt="2022-10-25T12:09:03.730" v="478" actId="1036"/>
+          <ac:picMkLst>
+            <pc:docMk/>
+            <pc:sldMk cId="2780969545" sldId="2609"/>
+            <ac:picMk id="4" creationId="{49B7ACC6-6794-9162-52B2-E80F7E4B0442}"/>
+          </ac:picMkLst>
+        </pc:picChg>
+        <pc:picChg chg="mod">
+          <ac:chgData name="Xin Luo" userId="82312ee5779919a4" providerId="LiveId" clId="{23920C8D-EBCE-A347-9C82-C14316D20539}" dt="2022-10-25T12:09:03.730" v="478" actId="1036"/>
+          <ac:picMkLst>
+            <pc:docMk/>
+            <pc:sldMk cId="2780969545" sldId="2609"/>
+            <ac:picMk id="7" creationId="{42FD45A0-A9EA-D518-41B5-21FA7A24BA60}"/>
+          </ac:picMkLst>
+        </pc:picChg>
+        <pc:picChg chg="mod">
+          <ac:chgData name="Xin Luo" userId="82312ee5779919a4" providerId="LiveId" clId="{23920C8D-EBCE-A347-9C82-C14316D20539}" dt="2022-10-25T12:09:03.730" v="478" actId="1036"/>
+          <ac:picMkLst>
+            <pc:docMk/>
+            <pc:sldMk cId="2780969545" sldId="2609"/>
+            <ac:picMk id="10" creationId="{C2B12388-3179-41F8-2462-0C9BA14093FF}"/>
+          </ac:picMkLst>
+        </pc:picChg>
+        <pc:picChg chg="mod">
+          <ac:chgData name="Xin Luo" userId="82312ee5779919a4" providerId="LiveId" clId="{23920C8D-EBCE-A347-9C82-C14316D20539}" dt="2022-10-25T12:09:03.730" v="478" actId="1036"/>
+          <ac:picMkLst>
+            <pc:docMk/>
+            <pc:sldMk cId="2780969545" sldId="2609"/>
+            <ac:picMk id="7170" creationId="{A3C33C8C-6841-03A7-574F-E161D6BA2409}"/>
+          </ac:picMkLst>
+        </pc:picChg>
+        <pc:cxnChg chg="mod">
+          <ac:chgData name="Xin Luo" userId="82312ee5779919a4" providerId="LiveId" clId="{23920C8D-EBCE-A347-9C82-C14316D20539}" dt="2022-10-25T12:09:03.730" v="478" actId="1036"/>
+          <ac:cxnSpMkLst>
+            <pc:docMk/>
+            <pc:sldMk cId="2780969545" sldId="2609"/>
+            <ac:cxnSpMk id="9" creationId="{FD972B84-6C44-171E-8256-D2A04F01B0C9}"/>
+          </ac:cxnSpMkLst>
+        </pc:cxnChg>
+        <pc:cxnChg chg="mod">
+          <ac:chgData name="Xin Luo" userId="82312ee5779919a4" providerId="LiveId" clId="{23920C8D-EBCE-A347-9C82-C14316D20539}" dt="2022-10-25T12:09:03.730" v="478" actId="1036"/>
+          <ac:cxnSpMkLst>
+            <pc:docMk/>
+            <pc:sldMk cId="2780969545" sldId="2609"/>
+            <ac:cxnSpMk id="16" creationId="{612BCBDC-DECE-5090-7C5B-6492FF4CE722}"/>
+          </ac:cxnSpMkLst>
+        </pc:cxnChg>
+        <pc:cxnChg chg="mod">
+          <ac:chgData name="Xin Luo" userId="82312ee5779919a4" providerId="LiveId" clId="{23920C8D-EBCE-A347-9C82-C14316D20539}" dt="2022-10-25T12:09:03.730" v="478" actId="1036"/>
+          <ac:cxnSpMkLst>
+            <pc:docMk/>
+            <pc:sldMk cId="2780969545" sldId="2609"/>
+            <ac:cxnSpMk id="17" creationId="{AF045F09-2718-C456-D477-E816A43885FF}"/>
+          </ac:cxnSpMkLst>
+        </pc:cxnChg>
+        <pc:cxnChg chg="mod">
+          <ac:chgData name="Xin Luo" userId="82312ee5779919a4" providerId="LiveId" clId="{23920C8D-EBCE-A347-9C82-C14316D20539}" dt="2022-10-25T12:09:03.730" v="478" actId="1036"/>
+          <ac:cxnSpMkLst>
+            <pc:docMk/>
+            <pc:sldMk cId="2780969545" sldId="2609"/>
+            <ac:cxnSpMk id="28" creationId="{6C11ADF7-6234-2989-2798-F5AAD5EDE3BF}"/>
+          </ac:cxnSpMkLst>
+        </pc:cxnChg>
+      </pc:sldChg>
+      <pc:sldChg chg="modSp mod">
+        <pc:chgData name="Xin Luo" userId="82312ee5779919a4" providerId="LiveId" clId="{23920C8D-EBCE-A347-9C82-C14316D20539}" dt="2022-10-26T02:56:58.658" v="480" actId="207"/>
+        <pc:sldMkLst>
+          <pc:docMk/>
+          <pc:sldMk cId="63705705" sldId="2612"/>
+        </pc:sldMkLst>
+        <pc:spChg chg="mod">
+          <ac:chgData name="Xin Luo" userId="82312ee5779919a4" providerId="LiveId" clId="{23920C8D-EBCE-A347-9C82-C14316D20539}" dt="2022-10-26T02:56:58.658" v="480" actId="207"/>
+          <ac:spMkLst>
+            <pc:docMk/>
+            <pc:sldMk cId="63705705" sldId="2612"/>
+            <ac:spMk id="63" creationId="{6400CC45-5050-7ACD-CE08-CC6D7000A1DA}"/>
+          </ac:spMkLst>
+        </pc:spChg>
+      </pc:sldChg>
+      <pc:sldChg chg="addSp modSp">
+        <pc:chgData name="Xin Luo" userId="82312ee5779919a4" providerId="LiveId" clId="{23920C8D-EBCE-A347-9C82-C14316D20539}" dt="2022-10-26T12:19:06.428" v="501" actId="767"/>
+        <pc:sldMkLst>
+          <pc:docMk/>
+          <pc:sldMk cId="963926578" sldId="2613"/>
+        </pc:sldMkLst>
+        <pc:spChg chg="add mod">
+          <ac:chgData name="Xin Luo" userId="82312ee5779919a4" providerId="LiveId" clId="{23920C8D-EBCE-A347-9C82-C14316D20539}" dt="2022-10-26T12:19:06.428" v="501" actId="767"/>
+          <ac:spMkLst>
+            <pc:docMk/>
+            <pc:sldMk cId="963926578" sldId="2613"/>
+            <ac:spMk id="2" creationId="{5F7683B3-77E0-69A9-94AE-FF04E7249325}"/>
+          </ac:spMkLst>
+        </pc:spChg>
+      </pc:sldChg>
+      <pc:sldChg chg="modSp add mod">
+        <pc:chgData name="Xin Luo" userId="82312ee5779919a4" providerId="LiveId" clId="{23920C8D-EBCE-A347-9C82-C14316D20539}" dt="2022-10-10T01:06:02.902" v="365" actId="403"/>
+        <pc:sldMkLst>
+          <pc:docMk/>
+          <pc:sldMk cId="2358282757" sldId="2714"/>
+        </pc:sldMkLst>
+        <pc:spChg chg="mod">
+          <ac:chgData name="Xin Luo" userId="82312ee5779919a4" providerId="LiveId" clId="{23920C8D-EBCE-A347-9C82-C14316D20539}" dt="2022-10-10T01:06:02.902" v="365" actId="403"/>
+          <ac:spMkLst>
+            <pc:docMk/>
+            <pc:sldMk cId="2358282757" sldId="2714"/>
+            <ac:spMk id="2" creationId="{DB381E7B-A050-4BE4-6756-9B64308C74D7}"/>
           </ac:spMkLst>
         </pc:spChg>
       </pc:sldChg>
@@ -4667,6 +4321,703 @@
           <pc:docMk/>
           <pc:sldMk cId="1482309087" sldId="2766"/>
         </pc:sldMkLst>
+      </pc:sldChg>
+    </pc:docChg>
+  </pc:docChgLst>
+  <pc:docChgLst>
+    <pc:chgData name="Xin Luo" userId="82312ee5779919a4" providerId="LiveId" clId="{F39FD8EC-B3B0-744A-BAD0-DA61AA840DC4}"/>
+    <pc:docChg chg="custSel addSld delSld modSld">
+      <pc:chgData name="Xin Luo" userId="82312ee5779919a4" providerId="LiveId" clId="{F39FD8EC-B3B0-744A-BAD0-DA61AA840DC4}" dt="2023-09-24T13:56:24.236" v="64" actId="2696"/>
+      <pc:docMkLst>
+        <pc:docMk/>
+      </pc:docMkLst>
+      <pc:sldChg chg="modSp mod">
+        <pc:chgData name="Xin Luo" userId="82312ee5779919a4" providerId="LiveId" clId="{F39FD8EC-B3B0-744A-BAD0-DA61AA840DC4}" dt="2023-09-24T13:53:44.986" v="62" actId="313"/>
+        <pc:sldMkLst>
+          <pc:docMk/>
+          <pc:sldMk cId="782854285" sldId="2767"/>
+        </pc:sldMkLst>
+        <pc:spChg chg="mod">
+          <ac:chgData name="Xin Luo" userId="82312ee5779919a4" providerId="LiveId" clId="{F39FD8EC-B3B0-744A-BAD0-DA61AA840DC4}" dt="2023-09-24T13:53:44.986" v="62" actId="313"/>
+          <ac:spMkLst>
+            <pc:docMk/>
+            <pc:sldMk cId="782854285" sldId="2767"/>
+            <ac:spMk id="5" creationId="{78502774-B04C-634F-1396-E5815996BC36}"/>
+          </ac:spMkLst>
+        </pc:spChg>
+      </pc:sldChg>
+      <pc:sldChg chg="add del">
+        <pc:chgData name="Xin Luo" userId="82312ee5779919a4" providerId="LiveId" clId="{F39FD8EC-B3B0-744A-BAD0-DA61AA840DC4}" dt="2023-09-24T13:56:24.236" v="64" actId="2696"/>
+        <pc:sldMkLst>
+          <pc:docMk/>
+          <pc:sldMk cId="1493379628" sldId="2771"/>
+        </pc:sldMkLst>
+      </pc:sldChg>
+    </pc:docChg>
+  </pc:docChgLst>
+  <pc:docChgLst>
+    <pc:chgData name="Xin Luo" userId="82312ee5779919a4" providerId="LiveId" clId="{8BA8C8C7-2517-3646-951D-48296B93037A}"/>
+    <pc:docChg chg="undo custSel addSld delSld modSld sldOrd">
+      <pc:chgData name="Xin Luo" userId="82312ee5779919a4" providerId="LiveId" clId="{8BA8C8C7-2517-3646-951D-48296B93037A}" dt="2023-03-13T10:46:23.938" v="2088" actId="20577"/>
+      <pc:docMkLst>
+        <pc:docMk/>
+      </pc:docMkLst>
+      <pc:sldChg chg="modSp mod">
+        <pc:chgData name="Xin Luo" userId="82312ee5779919a4" providerId="LiveId" clId="{8BA8C8C7-2517-3646-951D-48296B93037A}" dt="2023-02-28T06:07:00.105" v="66" actId="20577"/>
+        <pc:sldMkLst>
+          <pc:docMk/>
+          <pc:sldMk cId="1576120367" sldId="2387"/>
+        </pc:sldMkLst>
+        <pc:spChg chg="mod">
+          <ac:chgData name="Xin Luo" userId="82312ee5779919a4" providerId="LiveId" clId="{8BA8C8C7-2517-3646-951D-48296B93037A}" dt="2023-02-28T06:07:00.105" v="66" actId="20577"/>
+          <ac:spMkLst>
+            <pc:docMk/>
+            <pc:sldMk cId="1576120367" sldId="2387"/>
+            <ac:spMk id="12" creationId="{00000000-0000-0000-0000-000000000000}"/>
+          </ac:spMkLst>
+        </pc:spChg>
+        <pc:spChg chg="mod">
+          <ac:chgData name="Xin Luo" userId="82312ee5779919a4" providerId="LiveId" clId="{8BA8C8C7-2517-3646-951D-48296B93037A}" dt="2023-02-28T06:06:51.443" v="40" actId="20577"/>
+          <ac:spMkLst>
+            <pc:docMk/>
+            <pc:sldMk cId="1576120367" sldId="2387"/>
+            <ac:spMk id="14" creationId="{00000000-0000-0000-0000-000000000000}"/>
+          </ac:spMkLst>
+        </pc:spChg>
+      </pc:sldChg>
+      <pc:sldChg chg="modSp mod">
+        <pc:chgData name="Xin Luo" userId="82312ee5779919a4" providerId="LiveId" clId="{8BA8C8C7-2517-3646-951D-48296B93037A}" dt="2023-02-28T06:02:43.468" v="25" actId="20577"/>
+        <pc:sldMkLst>
+          <pc:docMk/>
+          <pc:sldMk cId="1658607177" sldId="2708"/>
+        </pc:sldMkLst>
+        <pc:spChg chg="mod">
+          <ac:chgData name="Xin Luo" userId="82312ee5779919a4" providerId="LiveId" clId="{8BA8C8C7-2517-3646-951D-48296B93037A}" dt="2023-02-28T06:02:43.468" v="25" actId="20577"/>
+          <ac:spMkLst>
+            <pc:docMk/>
+            <pc:sldMk cId="1658607177" sldId="2708"/>
+            <ac:spMk id="24" creationId="{00000000-0000-0000-0000-000000000000}"/>
+          </ac:spMkLst>
+        </pc:spChg>
+      </pc:sldChg>
+      <pc:sldChg chg="modSp add del mod">
+        <pc:chgData name="Xin Luo" userId="82312ee5779919a4" providerId="LiveId" clId="{8BA8C8C7-2517-3646-951D-48296B93037A}" dt="2023-03-13T10:46:23.938" v="2088" actId="20577"/>
+        <pc:sldMkLst>
+          <pc:docMk/>
+          <pc:sldMk cId="1209572041" sldId="2722"/>
+        </pc:sldMkLst>
+        <pc:spChg chg="mod">
+          <ac:chgData name="Xin Luo" userId="82312ee5779919a4" providerId="LiveId" clId="{8BA8C8C7-2517-3646-951D-48296B93037A}" dt="2023-02-28T06:13:02.270" v="222" actId="20577"/>
+          <ac:spMkLst>
+            <pc:docMk/>
+            <pc:sldMk cId="1209572041" sldId="2722"/>
+            <ac:spMk id="11" creationId="{53A7E693-8098-76C4-CD5D-47166ABEB164}"/>
+          </ac:spMkLst>
+        </pc:spChg>
+        <pc:spChg chg="mod">
+          <ac:chgData name="Xin Luo" userId="82312ee5779919a4" providerId="LiveId" clId="{8BA8C8C7-2517-3646-951D-48296B93037A}" dt="2023-03-13T10:46:23.938" v="2088" actId="20577"/>
+          <ac:spMkLst>
+            <pc:docMk/>
+            <pc:sldMk cId="1209572041" sldId="2722"/>
+            <ac:spMk id="13" creationId="{303BC878-BC57-D350-27A3-F03AE48213AC}"/>
+          </ac:spMkLst>
+        </pc:spChg>
+      </pc:sldChg>
+      <pc:sldChg chg="modSp mod">
+        <pc:chgData name="Xin Luo" userId="82312ee5779919a4" providerId="LiveId" clId="{8BA8C8C7-2517-3646-951D-48296B93037A}" dt="2023-02-28T06:07:14.771" v="81" actId="20577"/>
+        <pc:sldMkLst>
+          <pc:docMk/>
+          <pc:sldMk cId="393940605" sldId="2742"/>
+        </pc:sldMkLst>
+        <pc:spChg chg="mod">
+          <ac:chgData name="Xin Luo" userId="82312ee5779919a4" providerId="LiveId" clId="{8BA8C8C7-2517-3646-951D-48296B93037A}" dt="2023-02-28T06:07:14.771" v="81" actId="20577"/>
+          <ac:spMkLst>
+            <pc:docMk/>
+            <pc:sldMk cId="393940605" sldId="2742"/>
+            <ac:spMk id="7" creationId="{00000000-0000-0000-0000-000000000000}"/>
+          </ac:spMkLst>
+        </pc:spChg>
+      </pc:sldChg>
+      <pc:sldChg chg="modSp mod ord">
+        <pc:chgData name="Xin Luo" userId="82312ee5779919a4" providerId="LiveId" clId="{8BA8C8C7-2517-3646-951D-48296B93037A}" dt="2023-02-28T06:08:18.980" v="128" actId="20577"/>
+        <pc:sldMkLst>
+          <pc:docMk/>
+          <pc:sldMk cId="3175231995" sldId="2743"/>
+        </pc:sldMkLst>
+        <pc:spChg chg="mod">
+          <ac:chgData name="Xin Luo" userId="82312ee5779919a4" providerId="LiveId" clId="{8BA8C8C7-2517-3646-951D-48296B93037A}" dt="2023-02-28T06:08:18.980" v="128" actId="20577"/>
+          <ac:spMkLst>
+            <pc:docMk/>
+            <pc:sldMk cId="3175231995" sldId="2743"/>
+            <ac:spMk id="7" creationId="{00000000-0000-0000-0000-000000000000}"/>
+          </ac:spMkLst>
+        </pc:spChg>
+      </pc:sldChg>
+      <pc:sldChg chg="del">
+        <pc:chgData name="Xin Luo" userId="82312ee5779919a4" providerId="LiveId" clId="{8BA8C8C7-2517-3646-951D-48296B93037A}" dt="2023-02-28T06:12:32.846" v="191" actId="2696"/>
+        <pc:sldMkLst>
+          <pc:docMk/>
+          <pc:sldMk cId="2345376688" sldId="2745"/>
+        </pc:sldMkLst>
+      </pc:sldChg>
+      <pc:sldChg chg="del">
+        <pc:chgData name="Xin Luo" userId="82312ee5779919a4" providerId="LiveId" clId="{8BA8C8C7-2517-3646-951D-48296B93037A}" dt="2023-02-28T06:07:32.726" v="99" actId="2696"/>
+        <pc:sldMkLst>
+          <pc:docMk/>
+          <pc:sldMk cId="580867947" sldId="2747"/>
+        </pc:sldMkLst>
+      </pc:sldChg>
+      <pc:sldChg chg="modSp mod">
+        <pc:chgData name="Xin Luo" userId="82312ee5779919a4" providerId="LiveId" clId="{8BA8C8C7-2517-3646-951D-48296B93037A}" dt="2023-03-05T03:24:16.561" v="315" actId="113"/>
+        <pc:sldMkLst>
+          <pc:docMk/>
+          <pc:sldMk cId="2245643700" sldId="2751"/>
+        </pc:sldMkLst>
+        <pc:spChg chg="mod">
+          <ac:chgData name="Xin Luo" userId="82312ee5779919a4" providerId="LiveId" clId="{8BA8C8C7-2517-3646-951D-48296B93037A}" dt="2023-03-05T03:24:16.561" v="315" actId="113"/>
+          <ac:spMkLst>
+            <pc:docMk/>
+            <pc:sldMk cId="2245643700" sldId="2751"/>
+            <ac:spMk id="4" creationId="{5890849C-B6D7-E82C-6F19-E8BC73B44DEE}"/>
+          </ac:spMkLst>
+        </pc:spChg>
+      </pc:sldChg>
+      <pc:sldChg chg="modSp mod">
+        <pc:chgData name="Xin Luo" userId="82312ee5779919a4" providerId="LiveId" clId="{8BA8C8C7-2517-3646-951D-48296B93037A}" dt="2023-03-05T05:51:21.234" v="360" actId="115"/>
+        <pc:sldMkLst>
+          <pc:docMk/>
+          <pc:sldMk cId="3400956243" sldId="2752"/>
+        </pc:sldMkLst>
+        <pc:spChg chg="mod">
+          <ac:chgData name="Xin Luo" userId="82312ee5779919a4" providerId="LiveId" clId="{8BA8C8C7-2517-3646-951D-48296B93037A}" dt="2023-03-05T05:51:12.017" v="359" actId="115"/>
+          <ac:spMkLst>
+            <pc:docMk/>
+            <pc:sldMk cId="3400956243" sldId="2752"/>
+            <ac:spMk id="2" creationId="{631AADB6-C88A-D817-4683-FC087E4E240F}"/>
+          </ac:spMkLst>
+        </pc:spChg>
+        <pc:spChg chg="mod">
+          <ac:chgData name="Xin Luo" userId="82312ee5779919a4" providerId="LiveId" clId="{8BA8C8C7-2517-3646-951D-48296B93037A}" dt="2023-03-05T05:51:21.234" v="360" actId="115"/>
+          <ac:spMkLst>
+            <pc:docMk/>
+            <pc:sldMk cId="3400956243" sldId="2752"/>
+            <ac:spMk id="5" creationId="{78502774-B04C-634F-1396-E5815996BC36}"/>
+          </ac:spMkLst>
+        </pc:spChg>
+      </pc:sldChg>
+      <pc:sldChg chg="modSp del mod">
+        <pc:chgData name="Xin Luo" userId="82312ee5779919a4" providerId="LiveId" clId="{8BA8C8C7-2517-3646-951D-48296B93037A}" dt="2023-02-28T06:12:32.814" v="188" actId="2696"/>
+        <pc:sldMkLst>
+          <pc:docMk/>
+          <pc:sldMk cId="3929071932" sldId="2753"/>
+        </pc:sldMkLst>
+        <pc:spChg chg="mod">
+          <ac:chgData name="Xin Luo" userId="82312ee5779919a4" providerId="LiveId" clId="{8BA8C8C7-2517-3646-951D-48296B93037A}" dt="2023-02-28T06:11:32.799" v="187" actId="20577"/>
+          <ac:spMkLst>
+            <pc:docMk/>
+            <pc:sldMk cId="3929071932" sldId="2753"/>
+            <ac:spMk id="5" creationId="{78502774-B04C-634F-1396-E5815996BC36}"/>
+          </ac:spMkLst>
+        </pc:spChg>
+      </pc:sldChg>
+      <pc:sldChg chg="modSp mod">
+        <pc:chgData name="Xin Luo" userId="82312ee5779919a4" providerId="LiveId" clId="{8BA8C8C7-2517-3646-951D-48296B93037A}" dt="2023-03-05T05:48:42.120" v="322" actId="1036"/>
+        <pc:sldMkLst>
+          <pc:docMk/>
+          <pc:sldMk cId="1157508697" sldId="2757"/>
+        </pc:sldMkLst>
+        <pc:spChg chg="mod">
+          <ac:chgData name="Xin Luo" userId="82312ee5779919a4" providerId="LiveId" clId="{8BA8C8C7-2517-3646-951D-48296B93037A}" dt="2023-02-28T06:07:24.216" v="98" actId="20577"/>
+          <ac:spMkLst>
+            <pc:docMk/>
+            <pc:sldMk cId="1157508697" sldId="2757"/>
+            <ac:spMk id="3" creationId="{00000000-0000-0000-0000-000000000000}"/>
+          </ac:spMkLst>
+        </pc:spChg>
+        <pc:spChg chg="mod">
+          <ac:chgData name="Xin Luo" userId="82312ee5779919a4" providerId="LiveId" clId="{8BA8C8C7-2517-3646-951D-48296B93037A}" dt="2023-03-05T05:48:42.120" v="322" actId="1036"/>
+          <ac:spMkLst>
+            <pc:docMk/>
+            <pc:sldMk cId="1157508697" sldId="2757"/>
+            <ac:spMk id="5" creationId="{78502774-B04C-634F-1396-E5815996BC36}"/>
+          </ac:spMkLst>
+        </pc:spChg>
+        <pc:grpChg chg="mod">
+          <ac:chgData name="Xin Luo" userId="82312ee5779919a4" providerId="LiveId" clId="{8BA8C8C7-2517-3646-951D-48296B93037A}" dt="2023-03-05T05:48:31.505" v="317" actId="1036"/>
+          <ac:grpSpMkLst>
+            <pc:docMk/>
+            <pc:sldMk cId="1157508697" sldId="2757"/>
+            <ac:grpSpMk id="22" creationId="{BA4C2415-490B-F3C5-D5E8-A263DD477CBB}"/>
+          </ac:grpSpMkLst>
+        </pc:grpChg>
+      </pc:sldChg>
+      <pc:sldChg chg="addSp delSp modSp mod">
+        <pc:chgData name="Xin Luo" userId="82312ee5779919a4" providerId="LiveId" clId="{8BA8C8C7-2517-3646-951D-48296B93037A}" dt="2023-03-13T07:18:34.063" v="852" actId="1038"/>
+        <pc:sldMkLst>
+          <pc:docMk/>
+          <pc:sldMk cId="4211155851" sldId="2758"/>
+        </pc:sldMkLst>
+        <pc:spChg chg="add del mod">
+          <ac:chgData name="Xin Luo" userId="82312ee5779919a4" providerId="LiveId" clId="{8BA8C8C7-2517-3646-951D-48296B93037A}" dt="2023-03-13T07:18:34.063" v="852" actId="1038"/>
+          <ac:spMkLst>
+            <pc:docMk/>
+            <pc:sldMk cId="4211155851" sldId="2758"/>
+            <ac:spMk id="4" creationId="{4290CCE0-108B-48BB-91BC-936B92572B2F}"/>
+          </ac:spMkLst>
+        </pc:spChg>
+        <pc:spChg chg="add del mod">
+          <ac:chgData name="Xin Luo" userId="82312ee5779919a4" providerId="LiveId" clId="{8BA8C8C7-2517-3646-951D-48296B93037A}" dt="2023-03-13T07:18:34.063" v="852" actId="1038"/>
+          <ac:spMkLst>
+            <pc:docMk/>
+            <pc:sldMk cId="4211155851" sldId="2758"/>
+            <ac:spMk id="5" creationId="{902AE302-3C56-F68F-A45D-492101557DAC}"/>
+          </ac:spMkLst>
+        </pc:spChg>
+        <pc:spChg chg="del mod">
+          <ac:chgData name="Xin Luo" userId="82312ee5779919a4" providerId="LiveId" clId="{8BA8C8C7-2517-3646-951D-48296B93037A}" dt="2023-03-06T08:01:25.488" v="437" actId="478"/>
+          <ac:spMkLst>
+            <pc:docMk/>
+            <pc:sldMk cId="4211155851" sldId="2758"/>
+            <ac:spMk id="6" creationId="{DA984439-1B23-1931-1979-ECF8DE9D6DCA}"/>
+          </ac:spMkLst>
+        </pc:spChg>
+        <pc:spChg chg="del mod">
+          <ac:chgData name="Xin Luo" userId="82312ee5779919a4" providerId="LiveId" clId="{8BA8C8C7-2517-3646-951D-48296B93037A}" dt="2023-03-06T08:01:39.985" v="442" actId="478"/>
+          <ac:spMkLst>
+            <pc:docMk/>
+            <pc:sldMk cId="4211155851" sldId="2758"/>
+            <ac:spMk id="7" creationId="{E179D382-9C94-C796-FB1B-3281561CA174}"/>
+          </ac:spMkLst>
+        </pc:spChg>
+        <pc:spChg chg="add del mod">
+          <ac:chgData name="Xin Luo" userId="82312ee5779919a4" providerId="LiveId" clId="{8BA8C8C7-2517-3646-951D-48296B93037A}" dt="2023-03-13T07:18:34.063" v="852" actId="1038"/>
+          <ac:spMkLst>
+            <pc:docMk/>
+            <pc:sldMk cId="4211155851" sldId="2758"/>
+            <ac:spMk id="8" creationId="{1DDB1CA7-77B6-4A88-958D-DF0B53FDA020}"/>
+          </ac:spMkLst>
+        </pc:spChg>
+        <pc:spChg chg="add mod">
+          <ac:chgData name="Xin Luo" userId="82312ee5779919a4" providerId="LiveId" clId="{8BA8C8C7-2517-3646-951D-48296B93037A}" dt="2023-03-13T07:18:34.063" v="852" actId="1038"/>
+          <ac:spMkLst>
+            <pc:docMk/>
+            <pc:sldMk cId="4211155851" sldId="2758"/>
+            <ac:spMk id="14" creationId="{E7B0D113-1929-C3DF-78B3-7E0AA39E5565}"/>
+          </ac:spMkLst>
+        </pc:spChg>
+        <pc:spChg chg="add mod">
+          <ac:chgData name="Xin Luo" userId="82312ee5779919a4" providerId="LiveId" clId="{8BA8C8C7-2517-3646-951D-48296B93037A}" dt="2023-03-08T00:55:54.440" v="794" actId="255"/>
+          <ac:spMkLst>
+            <pc:docMk/>
+            <pc:sldMk cId="4211155851" sldId="2758"/>
+            <ac:spMk id="28" creationId="{0C89B2E1-0CDC-F585-F0BB-887E467853D8}"/>
+          </ac:spMkLst>
+        </pc:spChg>
+        <pc:spChg chg="add mod">
+          <ac:chgData name="Xin Luo" userId="82312ee5779919a4" providerId="LiveId" clId="{8BA8C8C7-2517-3646-951D-48296B93037A}" dt="2023-03-08T00:55:54.440" v="794" actId="255"/>
+          <ac:spMkLst>
+            <pc:docMk/>
+            <pc:sldMk cId="4211155851" sldId="2758"/>
+            <ac:spMk id="29" creationId="{C6B2AD75-E0F3-26E1-5973-C33A78FC4D1F}"/>
+          </ac:spMkLst>
+        </pc:spChg>
+        <pc:spChg chg="add mod">
+          <ac:chgData name="Xin Luo" userId="82312ee5779919a4" providerId="LiveId" clId="{8BA8C8C7-2517-3646-951D-48296B93037A}" dt="2023-03-08T00:55:54.440" v="794" actId="255"/>
+          <ac:spMkLst>
+            <pc:docMk/>
+            <pc:sldMk cId="4211155851" sldId="2758"/>
+            <ac:spMk id="30" creationId="{A9F2243D-1754-C1E2-7F17-CBA97876DD24}"/>
+          </ac:spMkLst>
+        </pc:spChg>
+        <pc:spChg chg="add del mod">
+          <ac:chgData name="Xin Luo" userId="82312ee5779919a4" providerId="LiveId" clId="{8BA8C8C7-2517-3646-951D-48296B93037A}" dt="2023-03-06T12:29:50.729" v="679" actId="478"/>
+          <ac:spMkLst>
+            <pc:docMk/>
+            <pc:sldMk cId="4211155851" sldId="2758"/>
+            <ac:spMk id="31" creationId="{C8AB4AF9-446E-CD06-3044-ECCCAB8814C1}"/>
+          </ac:spMkLst>
+        </pc:spChg>
+        <pc:spChg chg="add mod">
+          <ac:chgData name="Xin Luo" userId="82312ee5779919a4" providerId="LiveId" clId="{8BA8C8C7-2517-3646-951D-48296B93037A}" dt="2023-03-08T00:55:54.440" v="794" actId="255"/>
+          <ac:spMkLst>
+            <pc:docMk/>
+            <pc:sldMk cId="4211155851" sldId="2758"/>
+            <ac:spMk id="32" creationId="{127D4D11-3546-035E-9F0C-C18C992C41EA}"/>
+          </ac:spMkLst>
+        </pc:spChg>
+        <pc:spChg chg="add mod">
+          <ac:chgData name="Xin Luo" userId="82312ee5779919a4" providerId="LiveId" clId="{8BA8C8C7-2517-3646-951D-48296B93037A}" dt="2023-03-08T00:55:54.440" v="794" actId="255"/>
+          <ac:spMkLst>
+            <pc:docMk/>
+            <pc:sldMk cId="4211155851" sldId="2758"/>
+            <ac:spMk id="33" creationId="{97444748-D656-B7D4-2562-526BEF84C111}"/>
+          </ac:spMkLst>
+        </pc:spChg>
+        <pc:spChg chg="add del mod">
+          <ac:chgData name="Xin Luo" userId="82312ee5779919a4" providerId="LiveId" clId="{8BA8C8C7-2517-3646-951D-48296B93037A}" dt="2023-03-06T12:32:57.728" v="787" actId="478"/>
+          <ac:spMkLst>
+            <pc:docMk/>
+            <pc:sldMk cId="4211155851" sldId="2758"/>
+            <ac:spMk id="60" creationId="{73D30355-FE16-B525-D14B-56B6B60D1BD6}"/>
+          </ac:spMkLst>
+        </pc:spChg>
+        <pc:grpChg chg="add mod">
+          <ac:chgData name="Xin Luo" userId="82312ee5779919a4" providerId="LiveId" clId="{8BA8C8C7-2517-3646-951D-48296B93037A}" dt="2023-03-13T07:18:34.063" v="852" actId="1038"/>
+          <ac:grpSpMkLst>
+            <pc:docMk/>
+            <pc:sldMk cId="4211155851" sldId="2758"/>
+            <ac:grpSpMk id="24" creationId="{5ECE93F5-69CF-FC98-48E9-D6AAE8B13C45}"/>
+          </ac:grpSpMkLst>
+        </pc:grpChg>
+        <pc:grpChg chg="add mod">
+          <ac:chgData name="Xin Luo" userId="82312ee5779919a4" providerId="LiveId" clId="{8BA8C8C7-2517-3646-951D-48296B93037A}" dt="2023-03-06T12:33:03.787" v="793" actId="1037"/>
+          <ac:grpSpMkLst>
+            <pc:docMk/>
+            <pc:sldMk cId="4211155851" sldId="2758"/>
+            <ac:grpSpMk id="61" creationId="{10E0DE21-518B-3F8E-E721-DFE4115F847E}"/>
+          </ac:grpSpMkLst>
+        </pc:grpChg>
+        <pc:picChg chg="add mod">
+          <ac:chgData name="Xin Luo" userId="82312ee5779919a4" providerId="LiveId" clId="{8BA8C8C7-2517-3646-951D-48296B93037A}" dt="2023-03-13T07:18:34.063" v="852" actId="1038"/>
+          <ac:picMkLst>
+            <pc:docMk/>
+            <pc:sldMk cId="4211155851" sldId="2758"/>
+            <ac:picMk id="10" creationId="{A4517004-D557-9AA0-B58C-AD17ECE0ABD3}"/>
+          </ac:picMkLst>
+        </pc:picChg>
+        <pc:picChg chg="add mod">
+          <ac:chgData name="Xin Luo" userId="82312ee5779919a4" providerId="LiveId" clId="{8BA8C8C7-2517-3646-951D-48296B93037A}" dt="2023-03-13T07:18:34.063" v="852" actId="1038"/>
+          <ac:picMkLst>
+            <pc:docMk/>
+            <pc:sldMk cId="4211155851" sldId="2758"/>
+            <ac:picMk id="12" creationId="{B208D771-92F6-7D78-84FD-9100CDF43873}"/>
+          </ac:picMkLst>
+        </pc:picChg>
+        <pc:cxnChg chg="add mod">
+          <ac:chgData name="Xin Luo" userId="82312ee5779919a4" providerId="LiveId" clId="{8BA8C8C7-2517-3646-951D-48296B93037A}" dt="2023-03-13T07:18:34.063" v="852" actId="1038"/>
+          <ac:cxnSpMkLst>
+            <pc:docMk/>
+            <pc:sldMk cId="4211155851" sldId="2758"/>
+            <ac:cxnSpMk id="16" creationId="{75A490F3-1E4C-EF7A-4A6C-38ABE3FAAD46}"/>
+          </ac:cxnSpMkLst>
+        </pc:cxnChg>
+        <pc:cxnChg chg="add mod">
+          <ac:chgData name="Xin Luo" userId="82312ee5779919a4" providerId="LiveId" clId="{8BA8C8C7-2517-3646-951D-48296B93037A}" dt="2023-03-13T07:18:34.063" v="852" actId="1038"/>
+          <ac:cxnSpMkLst>
+            <pc:docMk/>
+            <pc:sldMk cId="4211155851" sldId="2758"/>
+            <ac:cxnSpMk id="17" creationId="{8B4C3365-D97F-A491-04F4-FFA583C726E9}"/>
+          </ac:cxnSpMkLst>
+        </pc:cxnChg>
+        <pc:cxnChg chg="add mod">
+          <ac:chgData name="Xin Luo" userId="82312ee5779919a4" providerId="LiveId" clId="{8BA8C8C7-2517-3646-951D-48296B93037A}" dt="2023-03-13T07:18:34.063" v="852" actId="1038"/>
+          <ac:cxnSpMkLst>
+            <pc:docMk/>
+            <pc:sldMk cId="4211155851" sldId="2758"/>
+            <ac:cxnSpMk id="20" creationId="{D8311B51-9785-E69B-B7B0-511153550000}"/>
+          </ac:cxnSpMkLst>
+        </pc:cxnChg>
+        <pc:cxnChg chg="add mod">
+          <ac:chgData name="Xin Luo" userId="82312ee5779919a4" providerId="LiveId" clId="{8BA8C8C7-2517-3646-951D-48296B93037A}" dt="2023-03-06T12:32:39.692" v="777" actId="164"/>
+          <ac:cxnSpMkLst>
+            <pc:docMk/>
+            <pc:sldMk cId="4211155851" sldId="2758"/>
+            <ac:cxnSpMk id="35" creationId="{D01D2FB2-54F7-1B97-6AA0-81D59E87D871}"/>
+          </ac:cxnSpMkLst>
+        </pc:cxnChg>
+        <pc:cxnChg chg="add mod">
+          <ac:chgData name="Xin Luo" userId="82312ee5779919a4" providerId="LiveId" clId="{8BA8C8C7-2517-3646-951D-48296B93037A}" dt="2023-03-06T12:32:39.692" v="777" actId="164"/>
+          <ac:cxnSpMkLst>
+            <pc:docMk/>
+            <pc:sldMk cId="4211155851" sldId="2758"/>
+            <ac:cxnSpMk id="37" creationId="{6F759320-1F38-881A-42BB-8EC115CCE1FE}"/>
+          </ac:cxnSpMkLst>
+        </pc:cxnChg>
+        <pc:cxnChg chg="add mod">
+          <ac:chgData name="Xin Luo" userId="82312ee5779919a4" providerId="LiveId" clId="{8BA8C8C7-2517-3646-951D-48296B93037A}" dt="2023-03-06T12:32:39.692" v="777" actId="164"/>
+          <ac:cxnSpMkLst>
+            <pc:docMk/>
+            <pc:sldMk cId="4211155851" sldId="2758"/>
+            <ac:cxnSpMk id="44" creationId="{D78B4608-05C6-CCAD-D83C-287F4CBFFB69}"/>
+          </ac:cxnSpMkLst>
+        </pc:cxnChg>
+        <pc:cxnChg chg="add mod">
+          <ac:chgData name="Xin Luo" userId="82312ee5779919a4" providerId="LiveId" clId="{8BA8C8C7-2517-3646-951D-48296B93037A}" dt="2023-03-06T12:32:39.692" v="777" actId="164"/>
+          <ac:cxnSpMkLst>
+            <pc:docMk/>
+            <pc:sldMk cId="4211155851" sldId="2758"/>
+            <ac:cxnSpMk id="47" creationId="{AFDF6298-495F-C50C-91B3-8403B747640A}"/>
+          </ac:cxnSpMkLst>
+        </pc:cxnChg>
+      </pc:sldChg>
+      <pc:sldChg chg="del">
+        <pc:chgData name="Xin Luo" userId="82312ee5779919a4" providerId="LiveId" clId="{8BA8C8C7-2517-3646-951D-48296B93037A}" dt="2023-03-05T05:51:46.534" v="361" actId="2696"/>
+        <pc:sldMkLst>
+          <pc:docMk/>
+          <pc:sldMk cId="3818021166" sldId="2760"/>
+        </pc:sldMkLst>
+      </pc:sldChg>
+      <pc:sldChg chg="del">
+        <pc:chgData name="Xin Luo" userId="82312ee5779919a4" providerId="LiveId" clId="{8BA8C8C7-2517-3646-951D-48296B93037A}" dt="2023-02-28T06:12:32.856" v="192" actId="2696"/>
+        <pc:sldMkLst>
+          <pc:docMk/>
+          <pc:sldMk cId="97719364" sldId="2761"/>
+        </pc:sldMkLst>
+      </pc:sldChg>
+      <pc:sldChg chg="del">
+        <pc:chgData name="Xin Luo" userId="82312ee5779919a4" providerId="LiveId" clId="{8BA8C8C7-2517-3646-951D-48296B93037A}" dt="2023-02-28T06:12:32.828" v="190" actId="2696"/>
+        <pc:sldMkLst>
+          <pc:docMk/>
+          <pc:sldMk cId="2861954436" sldId="2762"/>
+        </pc:sldMkLst>
+      </pc:sldChg>
+      <pc:sldChg chg="del">
+        <pc:chgData name="Xin Luo" userId="82312ee5779919a4" providerId="LiveId" clId="{8BA8C8C7-2517-3646-951D-48296B93037A}" dt="2023-02-28T06:12:32.826" v="189" actId="2696"/>
+        <pc:sldMkLst>
+          <pc:docMk/>
+          <pc:sldMk cId="3373327641" sldId="2763"/>
+        </pc:sldMkLst>
+      </pc:sldChg>
+      <pc:sldChg chg="addSp delSp modSp mod ord">
+        <pc:chgData name="Xin Luo" userId="82312ee5779919a4" providerId="LiveId" clId="{8BA8C8C7-2517-3646-951D-48296B93037A}" dt="2023-03-13T07:46:33.198" v="1348" actId="20577"/>
+        <pc:sldMkLst>
+          <pc:docMk/>
+          <pc:sldMk cId="2047512068" sldId="2764"/>
+        </pc:sldMkLst>
+        <pc:spChg chg="del mod">
+          <ac:chgData name="Xin Luo" userId="82312ee5779919a4" providerId="LiveId" clId="{8BA8C8C7-2517-3646-951D-48296B93037A}" dt="2023-02-28T06:09:47.404" v="175" actId="478"/>
+          <ac:spMkLst>
+            <pc:docMk/>
+            <pc:sldMk cId="2047512068" sldId="2764"/>
+            <ac:spMk id="5" creationId="{78502774-B04C-634F-1396-E5815996BC36}"/>
+          </ac:spMkLst>
+        </pc:spChg>
+        <pc:spChg chg="add mod">
+          <ac:chgData name="Xin Luo" userId="82312ee5779919a4" providerId="LiveId" clId="{8BA8C8C7-2517-3646-951D-48296B93037A}" dt="2023-03-13T07:46:33.198" v="1348" actId="20577"/>
+          <ac:spMkLst>
+            <pc:docMk/>
+            <pc:sldMk cId="2047512068" sldId="2764"/>
+            <ac:spMk id="6" creationId="{DB970E5D-5367-222C-EBF7-0F886FDEDDC5}"/>
+          </ac:spMkLst>
+        </pc:spChg>
+      </pc:sldChg>
+      <pc:sldChg chg="modSp mod">
+        <pc:chgData name="Xin Luo" userId="82312ee5779919a4" providerId="LiveId" clId="{8BA8C8C7-2517-3646-951D-48296B93037A}" dt="2023-03-05T03:19:55.768" v="313" actId="20577"/>
+        <pc:sldMkLst>
+          <pc:docMk/>
+          <pc:sldMk cId="70654754" sldId="2765"/>
+        </pc:sldMkLst>
+        <pc:spChg chg="mod">
+          <ac:chgData name="Xin Luo" userId="82312ee5779919a4" providerId="LiveId" clId="{8BA8C8C7-2517-3646-951D-48296B93037A}" dt="2023-03-05T03:19:55.768" v="313" actId="20577"/>
+          <ac:spMkLst>
+            <pc:docMk/>
+            <pc:sldMk cId="70654754" sldId="2765"/>
+            <ac:spMk id="5" creationId="{78502774-B04C-634F-1396-E5815996BC36}"/>
+          </ac:spMkLst>
+        </pc:spChg>
+      </pc:sldChg>
+      <pc:sldChg chg="del">
+        <pc:chgData name="Xin Luo" userId="82312ee5779919a4" providerId="LiveId" clId="{8BA8C8C7-2517-3646-951D-48296B93037A}" dt="2023-02-28T06:07:53.148" v="100" actId="2696"/>
+        <pc:sldMkLst>
+          <pc:docMk/>
+          <pc:sldMk cId="1482309087" sldId="2766"/>
+        </pc:sldMkLst>
+      </pc:sldChg>
+      <pc:sldChg chg="modSp add mod">
+        <pc:chgData name="Xin Luo" userId="82312ee5779919a4" providerId="LiveId" clId="{8BA8C8C7-2517-3646-951D-48296B93037A}" dt="2023-03-05T05:50:57.277" v="358" actId="1035"/>
+        <pc:sldMkLst>
+          <pc:docMk/>
+          <pc:sldMk cId="2097263393" sldId="2766"/>
+        </pc:sldMkLst>
+        <pc:spChg chg="mod">
+          <ac:chgData name="Xin Luo" userId="82312ee5779919a4" providerId="LiveId" clId="{8BA8C8C7-2517-3646-951D-48296B93037A}" dt="2023-03-05T05:50:57.277" v="358" actId="1035"/>
+          <ac:spMkLst>
+            <pc:docMk/>
+            <pc:sldMk cId="2097263393" sldId="2766"/>
+            <ac:spMk id="5" creationId="{78502774-B04C-634F-1396-E5815996BC36}"/>
+          </ac:spMkLst>
+        </pc:spChg>
+      </pc:sldChg>
+      <pc:sldChg chg="modSp add mod">
+        <pc:chgData name="Xin Luo" userId="82312ee5779919a4" providerId="LiveId" clId="{8BA8C8C7-2517-3646-951D-48296B93037A}" dt="2023-03-13T07:54:42.825" v="1628" actId="403"/>
+        <pc:sldMkLst>
+          <pc:docMk/>
+          <pc:sldMk cId="782854285" sldId="2767"/>
+        </pc:sldMkLst>
+        <pc:spChg chg="mod">
+          <ac:chgData name="Xin Luo" userId="82312ee5779919a4" providerId="LiveId" clId="{8BA8C8C7-2517-3646-951D-48296B93037A}" dt="2023-03-13T07:52:58.456" v="1567" actId="14100"/>
+          <ac:spMkLst>
+            <pc:docMk/>
+            <pc:sldMk cId="782854285" sldId="2767"/>
+            <ac:spMk id="4" creationId="{A7E97437-B77F-D3F5-E0F8-38B1EBE5E36E}"/>
+          </ac:spMkLst>
+        </pc:spChg>
+        <pc:spChg chg="mod">
+          <ac:chgData name="Xin Luo" userId="82312ee5779919a4" providerId="LiveId" clId="{8BA8C8C7-2517-3646-951D-48296B93037A}" dt="2023-03-13T07:54:42.825" v="1628" actId="403"/>
+          <ac:spMkLst>
+            <pc:docMk/>
+            <pc:sldMk cId="782854285" sldId="2767"/>
+            <ac:spMk id="5" creationId="{78502774-B04C-634F-1396-E5815996BC36}"/>
+          </ac:spMkLst>
+        </pc:spChg>
+      </pc:sldChg>
+      <pc:sldChg chg="addSp delSp modSp add mod">
+        <pc:chgData name="Xin Luo" userId="82312ee5779919a4" providerId="LiveId" clId="{8BA8C8C7-2517-3646-951D-48296B93037A}" dt="2023-03-13T07:39:39.304" v="1199" actId="1076"/>
+        <pc:sldMkLst>
+          <pc:docMk/>
+          <pc:sldMk cId="2380741125" sldId="2768"/>
+        </pc:sldMkLst>
+        <pc:spChg chg="add mod">
+          <ac:chgData name="Xin Luo" userId="82312ee5779919a4" providerId="LiveId" clId="{8BA8C8C7-2517-3646-951D-48296B93037A}" dt="2023-03-13T07:39:37.507" v="1198" actId="1076"/>
+          <ac:spMkLst>
+            <pc:docMk/>
+            <pc:sldMk cId="2380741125" sldId="2768"/>
+            <ac:spMk id="4" creationId="{838928A2-AB5A-5293-3942-99957D81A26D}"/>
+          </ac:spMkLst>
+        </pc:spChg>
+        <pc:spChg chg="add del mod">
+          <ac:chgData name="Xin Luo" userId="82312ee5779919a4" providerId="LiveId" clId="{8BA8C8C7-2517-3646-951D-48296B93037A}" dt="2023-03-13T07:22:53.161" v="876" actId="21"/>
+          <ac:spMkLst>
+            <pc:docMk/>
+            <pc:sldMk cId="2380741125" sldId="2768"/>
+            <ac:spMk id="5" creationId="{EC51A3B3-43D2-1168-D68E-D01604EF07FC}"/>
+          </ac:spMkLst>
+        </pc:spChg>
+        <pc:spChg chg="mod">
+          <ac:chgData name="Xin Luo" userId="82312ee5779919a4" providerId="LiveId" clId="{8BA8C8C7-2517-3646-951D-48296B93037A}" dt="2023-03-13T07:38:57.474" v="1196" actId="20577"/>
+          <ac:spMkLst>
+            <pc:docMk/>
+            <pc:sldMk cId="2380741125" sldId="2768"/>
+            <ac:spMk id="6" creationId="{DA984439-1B23-1931-1979-ECF8DE9D6DCA}"/>
+          </ac:spMkLst>
+        </pc:spChg>
+        <pc:spChg chg="mod">
+          <ac:chgData name="Xin Luo" userId="82312ee5779919a4" providerId="LiveId" clId="{8BA8C8C7-2517-3646-951D-48296B93037A}" dt="2023-03-13T07:26:52.364" v="986" actId="14100"/>
+          <ac:spMkLst>
+            <pc:docMk/>
+            <pc:sldMk cId="2380741125" sldId="2768"/>
+            <ac:spMk id="7" creationId="{E179D382-9C94-C796-FB1B-3281561CA174}"/>
+          </ac:spMkLst>
+        </pc:spChg>
+        <pc:spChg chg="add del mod">
+          <ac:chgData name="Xin Luo" userId="82312ee5779919a4" providerId="LiveId" clId="{8BA8C8C7-2517-3646-951D-48296B93037A}" dt="2023-03-13T07:22:53.161" v="876" actId="21"/>
+          <ac:spMkLst>
+            <pc:docMk/>
+            <pc:sldMk cId="2380741125" sldId="2768"/>
+            <ac:spMk id="8" creationId="{D756AE91-9C56-4A5F-9D22-F8CDAD09D676}"/>
+          </ac:spMkLst>
+        </pc:spChg>
+        <pc:spChg chg="add del mod">
+          <ac:chgData name="Xin Luo" userId="82312ee5779919a4" providerId="LiveId" clId="{8BA8C8C7-2517-3646-951D-48296B93037A}" dt="2023-03-13T07:22:53.161" v="876" actId="21"/>
+          <ac:spMkLst>
+            <pc:docMk/>
+            <pc:sldMk cId="2380741125" sldId="2768"/>
+            <ac:spMk id="9" creationId="{B81CCB25-4F7C-D3B7-F3F0-5FE44FE77B15}"/>
+          </ac:spMkLst>
+        </pc:spChg>
+        <pc:spChg chg="add mod">
+          <ac:chgData name="Xin Luo" userId="82312ee5779919a4" providerId="LiveId" clId="{8BA8C8C7-2517-3646-951D-48296B93037A}" dt="2023-03-13T07:39:37.507" v="1198" actId="1076"/>
+          <ac:spMkLst>
+            <pc:docMk/>
+            <pc:sldMk cId="2380741125" sldId="2768"/>
+            <ac:spMk id="10" creationId="{5B5303EF-70D7-0AFA-74A6-684C0A719D89}"/>
+          </ac:spMkLst>
+        </pc:spChg>
+        <pc:spChg chg="add mod">
+          <ac:chgData name="Xin Luo" userId="82312ee5779919a4" providerId="LiveId" clId="{8BA8C8C7-2517-3646-951D-48296B93037A}" dt="2023-03-13T07:39:37.507" v="1198" actId="1076"/>
+          <ac:spMkLst>
+            <pc:docMk/>
+            <pc:sldMk cId="2380741125" sldId="2768"/>
+            <ac:spMk id="11" creationId="{882BC205-1F7C-8CB5-E1D7-7521F8B1285E}"/>
+          </ac:spMkLst>
+        </pc:spChg>
+        <pc:spChg chg="add del mod">
+          <ac:chgData name="Xin Luo" userId="82312ee5779919a4" providerId="LiveId" clId="{8BA8C8C7-2517-3646-951D-48296B93037A}" dt="2023-03-13T07:24:53.410" v="901"/>
+          <ac:spMkLst>
+            <pc:docMk/>
+            <pc:sldMk cId="2380741125" sldId="2768"/>
+            <ac:spMk id="12" creationId="{69840456-2511-36C5-DAB3-D95FD22E1133}"/>
+          </ac:spMkLst>
+        </pc:spChg>
+        <pc:spChg chg="add mod">
+          <ac:chgData name="Xin Luo" userId="82312ee5779919a4" providerId="LiveId" clId="{8BA8C8C7-2517-3646-951D-48296B93037A}" dt="2023-03-13T07:39:37.507" v="1198" actId="1076"/>
+          <ac:spMkLst>
+            <pc:docMk/>
+            <pc:sldMk cId="2380741125" sldId="2768"/>
+            <ac:spMk id="13" creationId="{18AB25C2-FB51-47F7-D5E6-3CD713C8DF6D}"/>
+          </ac:spMkLst>
+        </pc:spChg>
+        <pc:spChg chg="add del mod">
+          <ac:chgData name="Xin Luo" userId="82312ee5779919a4" providerId="LiveId" clId="{8BA8C8C7-2517-3646-951D-48296B93037A}" dt="2023-03-13T07:37:07.551" v="1107" actId="478"/>
+          <ac:spMkLst>
+            <pc:docMk/>
+            <pc:sldMk cId="2380741125" sldId="2768"/>
+            <ac:spMk id="14" creationId="{566F205A-13F8-4AD2-ABFE-CEB7F534816E}"/>
+          </ac:spMkLst>
+        </pc:spChg>
+        <pc:spChg chg="add mod">
+          <ac:chgData name="Xin Luo" userId="82312ee5779919a4" providerId="LiveId" clId="{8BA8C8C7-2517-3646-951D-48296B93037A}" dt="2023-03-13T07:39:37.507" v="1198" actId="1076"/>
+          <ac:spMkLst>
+            <pc:docMk/>
+            <pc:sldMk cId="2380741125" sldId="2768"/>
+            <ac:spMk id="15" creationId="{DCE793DD-39B2-FF02-7C84-E9A7F7ADE60A}"/>
+          </ac:spMkLst>
+        </pc:spChg>
+        <pc:spChg chg="add mod">
+          <ac:chgData name="Xin Luo" userId="82312ee5779919a4" providerId="LiveId" clId="{8BA8C8C7-2517-3646-951D-48296B93037A}" dt="2023-03-13T07:39:39.304" v="1199" actId="1076"/>
+          <ac:spMkLst>
+            <pc:docMk/>
+            <pc:sldMk cId="2380741125" sldId="2768"/>
+            <ac:spMk id="16" creationId="{D6DE5B36-E23C-44CB-46DF-80768FC4DFB0}"/>
+          </ac:spMkLst>
+        </pc:spChg>
+        <pc:cxnChg chg="add mod">
+          <ac:chgData name="Xin Luo" userId="82312ee5779919a4" providerId="LiveId" clId="{8BA8C8C7-2517-3646-951D-48296B93037A}" dt="2023-03-13T07:39:37.507" v="1198" actId="1076"/>
+          <ac:cxnSpMkLst>
+            <pc:docMk/>
+            <pc:sldMk cId="2380741125" sldId="2768"/>
+            <ac:cxnSpMk id="18" creationId="{4A91ECEA-B01F-CD7D-FDC3-691666722FB0}"/>
+          </ac:cxnSpMkLst>
+        </pc:cxnChg>
+        <pc:cxnChg chg="add mod">
+          <ac:chgData name="Xin Luo" userId="82312ee5779919a4" providerId="LiveId" clId="{8BA8C8C7-2517-3646-951D-48296B93037A}" dt="2023-03-13T07:39:37.507" v="1198" actId="1076"/>
+          <ac:cxnSpMkLst>
+            <pc:docMk/>
+            <pc:sldMk cId="2380741125" sldId="2768"/>
+            <ac:cxnSpMk id="20" creationId="{F7B72513-CA83-5A94-CC92-80A7ABB35251}"/>
+          </ac:cxnSpMkLst>
+        </pc:cxnChg>
+        <pc:cxnChg chg="add mod">
+          <ac:chgData name="Xin Luo" userId="82312ee5779919a4" providerId="LiveId" clId="{8BA8C8C7-2517-3646-951D-48296B93037A}" dt="2023-03-13T07:39:37.507" v="1198" actId="1076"/>
+          <ac:cxnSpMkLst>
+            <pc:docMk/>
+            <pc:sldMk cId="2380741125" sldId="2768"/>
+            <ac:cxnSpMk id="23" creationId="{8F4F86DC-7CE9-9D5C-AE76-EE8DAB4109A5}"/>
+          </ac:cxnSpMkLst>
+        </pc:cxnChg>
+        <pc:cxnChg chg="add mod">
+          <ac:chgData name="Xin Luo" userId="82312ee5779919a4" providerId="LiveId" clId="{8BA8C8C7-2517-3646-951D-48296B93037A}" dt="2023-03-13T07:39:37.507" v="1198" actId="1076"/>
+          <ac:cxnSpMkLst>
+            <pc:docMk/>
+            <pc:sldMk cId="2380741125" sldId="2768"/>
+            <ac:cxnSpMk id="26" creationId="{260DAA9A-59FF-8791-35DF-05CA47DAACD8}"/>
+          </ac:cxnSpMkLst>
+        </pc:cxnChg>
+      </pc:sldChg>
+      <pc:sldChg chg="modSp add mod">
+        <pc:chgData name="Xin Luo" userId="82312ee5779919a4" providerId="LiveId" clId="{8BA8C8C7-2517-3646-951D-48296B93037A}" dt="2023-03-13T07:45:07.040" v="1239" actId="1035"/>
+        <pc:sldMkLst>
+          <pc:docMk/>
+          <pc:sldMk cId="3657954518" sldId="2769"/>
+        </pc:sldMkLst>
+        <pc:spChg chg="mod">
+          <ac:chgData name="Xin Luo" userId="82312ee5779919a4" providerId="LiveId" clId="{8BA8C8C7-2517-3646-951D-48296B93037A}" dt="2023-03-13T07:45:07.040" v="1239" actId="1035"/>
+          <ac:spMkLst>
+            <pc:docMk/>
+            <pc:sldMk cId="3657954518" sldId="2769"/>
+            <ac:spMk id="6" creationId="{DA984439-1B23-1931-1979-ECF8DE9D6DCA}"/>
+          </ac:spMkLst>
+        </pc:spChg>
       </pc:sldChg>
     </pc:docChg>
   </pc:docChgLst>
@@ -4891,630 +5242,6 @@
     </pc:docChg>
   </pc:docChgLst>
   <pc:docChgLst>
-    <pc:chgData name="Xin Luo" userId="82312ee5779919a4" providerId="LiveId" clId="{82BFAA31-791A-9843-976C-3AAFAA5AC07D}"/>
-    <pc:docChg chg="undo custSel addSld delSld modSld">
-      <pc:chgData name="Xin Luo" userId="82312ee5779919a4" providerId="LiveId" clId="{82BFAA31-791A-9843-976C-3AAFAA5AC07D}" dt="2023-02-24T13:20:14.840" v="2906" actId="404"/>
-      <pc:docMkLst>
-        <pc:docMk/>
-      </pc:docMkLst>
-      <pc:sldChg chg="addSp delSp modSp mod">
-        <pc:chgData name="Xin Luo" userId="82312ee5779919a4" providerId="LiveId" clId="{82BFAA31-791A-9843-976C-3AAFAA5AC07D}" dt="2023-02-24T08:49:58.378" v="580" actId="478"/>
-        <pc:sldMkLst>
-          <pc:docMk/>
-          <pc:sldMk cId="3833073590" sldId="2716"/>
-        </pc:sldMkLst>
-        <pc:spChg chg="mod">
-          <ac:chgData name="Xin Luo" userId="82312ee5779919a4" providerId="LiveId" clId="{82BFAA31-791A-9843-976C-3AAFAA5AC07D}" dt="2023-02-24T03:06:08.550" v="104" actId="20577"/>
-          <ac:spMkLst>
-            <pc:docMk/>
-            <pc:sldMk cId="3833073590" sldId="2716"/>
-            <ac:spMk id="2" creationId="{631AADB6-C88A-D817-4683-FC087E4E240F}"/>
-          </ac:spMkLst>
-        </pc:spChg>
-        <pc:spChg chg="del">
-          <ac:chgData name="Xin Luo" userId="82312ee5779919a4" providerId="LiveId" clId="{82BFAA31-791A-9843-976C-3AAFAA5AC07D}" dt="2023-02-24T03:02:42.862" v="33" actId="478"/>
-          <ac:spMkLst>
-            <pc:docMk/>
-            <pc:sldMk cId="3833073590" sldId="2716"/>
-            <ac:spMk id="5" creationId="{9F4AEA98-0C33-E82A-EB75-839D0F0B55A4}"/>
-          </ac:spMkLst>
-        </pc:spChg>
-        <pc:spChg chg="add mod">
-          <ac:chgData name="Xin Luo" userId="82312ee5779919a4" providerId="LiveId" clId="{82BFAA31-791A-9843-976C-3AAFAA5AC07D}" dt="2023-02-24T08:49:58.156" v="579" actId="14100"/>
-          <ac:spMkLst>
-            <pc:docMk/>
-            <pc:sldMk cId="3833073590" sldId="2716"/>
-            <ac:spMk id="6" creationId="{6741FEA2-C046-FD82-2800-2CB513792080}"/>
-          </ac:spMkLst>
-        </pc:spChg>
-        <pc:picChg chg="add del">
-          <ac:chgData name="Xin Luo" userId="82312ee5779919a4" providerId="LiveId" clId="{82BFAA31-791A-9843-976C-3AAFAA5AC07D}" dt="2023-02-24T03:02:42.862" v="33" actId="478"/>
-          <ac:picMkLst>
-            <pc:docMk/>
-            <pc:sldMk cId="3833073590" sldId="2716"/>
-            <ac:picMk id="1026" creationId="{37EB6838-2807-43B3-E78E-EF1353DBEC4D}"/>
-          </ac:picMkLst>
-        </pc:picChg>
-        <pc:picChg chg="add del mod">
-          <ac:chgData name="Xin Luo" userId="82312ee5779919a4" providerId="LiveId" clId="{82BFAA31-791A-9843-976C-3AAFAA5AC07D}" dt="2023-02-24T03:03:49.502" v="38" actId="478"/>
-          <ac:picMkLst>
-            <pc:docMk/>
-            <pc:sldMk cId="3833073590" sldId="2716"/>
-            <ac:picMk id="1028" creationId="{0060DCE3-4593-4CBE-2C1A-12A7D72C453A}"/>
-          </ac:picMkLst>
-        </pc:picChg>
-        <pc:picChg chg="add del mod">
-          <ac:chgData name="Xin Luo" userId="82312ee5779919a4" providerId="LiveId" clId="{82BFAA31-791A-9843-976C-3AAFAA5AC07D}" dt="2023-02-24T08:49:58.378" v="580" actId="478"/>
-          <ac:picMkLst>
-            <pc:docMk/>
-            <pc:sldMk cId="3833073590" sldId="2716"/>
-            <ac:picMk id="1030" creationId="{C93DB76E-C02F-05AC-2014-674F7E808ADA}"/>
-          </ac:picMkLst>
-        </pc:picChg>
-      </pc:sldChg>
-      <pc:sldChg chg="addSp delSp modSp mod">
-        <pc:chgData name="Xin Luo" userId="82312ee5779919a4" providerId="LiveId" clId="{82BFAA31-791A-9843-976C-3AAFAA5AC07D}" dt="2023-02-24T08:50:06.402" v="585" actId="20577"/>
-        <pc:sldMkLst>
-          <pc:docMk/>
-          <pc:sldMk cId="972163772" sldId="2720"/>
-        </pc:sldMkLst>
-        <pc:spChg chg="mod">
-          <ac:chgData name="Xin Luo" userId="82312ee5779919a4" providerId="LiveId" clId="{82BFAA31-791A-9843-976C-3AAFAA5AC07D}" dt="2023-02-24T08:50:06.402" v="585" actId="20577"/>
-          <ac:spMkLst>
-            <pc:docMk/>
-            <pc:sldMk cId="972163772" sldId="2720"/>
-            <ac:spMk id="7" creationId="{00000000-0000-0000-0000-000000000000}"/>
-          </ac:spMkLst>
-        </pc:spChg>
-        <pc:picChg chg="add del">
-          <ac:chgData name="Xin Luo" userId="82312ee5779919a4" providerId="LiveId" clId="{82BFAA31-791A-9843-976C-3AAFAA5AC07D}" dt="2023-02-24T08:47:42.881" v="485"/>
-          <ac:picMkLst>
-            <pc:docMk/>
-            <pc:sldMk cId="972163772" sldId="2720"/>
-            <ac:picMk id="3074" creationId="{C4128BB6-F8FE-667B-1E3D-38360E7E0C3C}"/>
-          </ac:picMkLst>
-        </pc:picChg>
-      </pc:sldChg>
-      <pc:sldChg chg="addSp delSp modSp mod">
-        <pc:chgData name="Xin Luo" userId="82312ee5779919a4" providerId="LiveId" clId="{82BFAA31-791A-9843-976C-3AAFAA5AC07D}" dt="2023-02-24T13:00:34.955" v="2586" actId="1036"/>
-        <pc:sldMkLst>
-          <pc:docMk/>
-          <pc:sldMk cId="2689695864" sldId="2721"/>
-        </pc:sldMkLst>
-        <pc:spChg chg="mod">
-          <ac:chgData name="Xin Luo" userId="82312ee5779919a4" providerId="LiveId" clId="{82BFAA31-791A-9843-976C-3AAFAA5AC07D}" dt="2023-02-24T13:00:34.955" v="2586" actId="1036"/>
-          <ac:spMkLst>
-            <pc:docMk/>
-            <pc:sldMk cId="2689695864" sldId="2721"/>
-            <ac:spMk id="2" creationId="{631AADB6-C88A-D817-4683-FC087E4E240F}"/>
-          </ac:spMkLst>
-        </pc:spChg>
-        <pc:spChg chg="mod">
-          <ac:chgData name="Xin Luo" userId="82312ee5779919a4" providerId="LiveId" clId="{82BFAA31-791A-9843-976C-3AAFAA5AC07D}" dt="2023-02-24T08:50:21.921" v="586"/>
-          <ac:spMkLst>
-            <pc:docMk/>
-            <pc:sldMk cId="2689695864" sldId="2721"/>
-            <ac:spMk id="3" creationId="{00000000-0000-0000-0000-000000000000}"/>
-          </ac:spMkLst>
-        </pc:spChg>
-        <pc:spChg chg="add del mod">
-          <ac:chgData name="Xin Luo" userId="82312ee5779919a4" providerId="LiveId" clId="{82BFAA31-791A-9843-976C-3AAFAA5AC07D}" dt="2023-02-24T12:38:43.360" v="1999" actId="478"/>
-          <ac:spMkLst>
-            <pc:docMk/>
-            <pc:sldMk cId="2689695864" sldId="2721"/>
-            <ac:spMk id="5" creationId="{D45B97A4-ED20-7E18-1BEF-4A81710B7783}"/>
-          </ac:spMkLst>
-        </pc:spChg>
-        <pc:spChg chg="mod">
-          <ac:chgData name="Xin Luo" userId="82312ee5779919a4" providerId="LiveId" clId="{82BFAA31-791A-9843-976C-3AAFAA5AC07D}" dt="2023-02-24T13:00:31.975" v="2582" actId="1036"/>
-          <ac:spMkLst>
-            <pc:docMk/>
-            <pc:sldMk cId="2689695864" sldId="2721"/>
-            <ac:spMk id="17" creationId="{9E05FFCA-3371-AF5C-381D-71D984055F5A}"/>
-          </ac:spMkLst>
-        </pc:spChg>
-      </pc:sldChg>
-      <pc:sldChg chg="modSp mod">
-        <pc:chgData name="Xin Luo" userId="82312ee5779919a4" providerId="LiveId" clId="{82BFAA31-791A-9843-976C-3AAFAA5AC07D}" dt="2023-02-24T13:19:35.601" v="2898" actId="20577"/>
-        <pc:sldMkLst>
-          <pc:docMk/>
-          <pc:sldMk cId="1209572041" sldId="2722"/>
-        </pc:sldMkLst>
-        <pc:spChg chg="mod">
-          <ac:chgData name="Xin Luo" userId="82312ee5779919a4" providerId="LiveId" clId="{82BFAA31-791A-9843-976C-3AAFAA5AC07D}" dt="2023-02-24T13:19:35.601" v="2898" actId="20577"/>
-          <ac:spMkLst>
-            <pc:docMk/>
-            <pc:sldMk cId="1209572041" sldId="2722"/>
-            <ac:spMk id="13" creationId="{303BC878-BC57-D350-27A3-F03AE48213AC}"/>
-          </ac:spMkLst>
-        </pc:spChg>
-      </pc:sldChg>
-      <pc:sldChg chg="addSp delSp modSp add mod">
-        <pc:chgData name="Xin Luo" userId="82312ee5779919a4" providerId="LiveId" clId="{82BFAA31-791A-9843-976C-3AAFAA5AC07D}" dt="2023-02-24T13:20:14.840" v="2906" actId="404"/>
-        <pc:sldMkLst>
-          <pc:docMk/>
-          <pc:sldMk cId="4156684215" sldId="2738"/>
-        </pc:sldMkLst>
-        <pc:spChg chg="mod">
-          <ac:chgData name="Xin Luo" userId="82312ee5779919a4" providerId="LiveId" clId="{82BFAA31-791A-9843-976C-3AAFAA5AC07D}" dt="2023-02-24T07:02:55.789" v="157" actId="20577"/>
-          <ac:spMkLst>
-            <pc:docMk/>
-            <pc:sldMk cId="4156684215" sldId="2738"/>
-            <ac:spMk id="2" creationId="{631AADB6-C88A-D817-4683-FC087E4E240F}"/>
-          </ac:spMkLst>
-        </pc:spChg>
-        <pc:spChg chg="add del mod">
-          <ac:chgData name="Xin Luo" userId="82312ee5779919a4" providerId="LiveId" clId="{82BFAA31-791A-9843-976C-3AAFAA5AC07D}" dt="2023-02-24T13:20:14.840" v="2906" actId="404"/>
-          <ac:spMkLst>
-            <pc:docMk/>
-            <pc:sldMk cId="4156684215" sldId="2738"/>
-            <ac:spMk id="6" creationId="{6741FEA2-C046-FD82-2800-2CB513792080}"/>
-          </ac:spMkLst>
-        </pc:spChg>
-        <pc:picChg chg="del mod">
-          <ac:chgData name="Xin Luo" userId="82312ee5779919a4" providerId="LiveId" clId="{82BFAA31-791A-9843-976C-3AAFAA5AC07D}" dt="2023-02-24T07:03:01.663" v="158" actId="478"/>
-          <ac:picMkLst>
-            <pc:docMk/>
-            <pc:sldMk cId="4156684215" sldId="2738"/>
-            <ac:picMk id="1030" creationId="{C93DB76E-C02F-05AC-2014-674F7E808ADA}"/>
-          </ac:picMkLst>
-        </pc:picChg>
-        <pc:picChg chg="add del mod">
-          <ac:chgData name="Xin Luo" userId="82312ee5779919a4" providerId="LiveId" clId="{82BFAA31-791A-9843-976C-3AAFAA5AC07D}" dt="2023-02-24T13:20:06.575" v="2903" actId="1076"/>
-          <ac:picMkLst>
-            <pc:docMk/>
-            <pc:sldMk cId="4156684215" sldId="2738"/>
-            <ac:picMk id="2050" creationId="{324F0AC4-07BA-4B3E-1A6B-D49FF0B87AC4}"/>
-          </ac:picMkLst>
-        </pc:picChg>
-      </pc:sldChg>
-      <pc:sldChg chg="delSp modSp add mod">
-        <pc:chgData name="Xin Luo" userId="82312ee5779919a4" providerId="LiveId" clId="{82BFAA31-791A-9843-976C-3AAFAA5AC07D}" dt="2023-02-24T12:59:25.971" v="2504" actId="20577"/>
-        <pc:sldMkLst>
-          <pc:docMk/>
-          <pc:sldMk cId="2776132283" sldId="2739"/>
-        </pc:sldMkLst>
-        <pc:spChg chg="mod">
-          <ac:chgData name="Xin Luo" userId="82312ee5779919a4" providerId="LiveId" clId="{82BFAA31-791A-9843-976C-3AAFAA5AC07D}" dt="2023-02-24T12:39:05.574" v="2002" actId="1076"/>
-          <ac:spMkLst>
-            <pc:docMk/>
-            <pc:sldMk cId="2776132283" sldId="2739"/>
-            <ac:spMk id="2" creationId="{631AADB6-C88A-D817-4683-FC087E4E240F}"/>
-          </ac:spMkLst>
-        </pc:spChg>
-        <pc:spChg chg="mod">
-          <ac:chgData name="Xin Luo" userId="82312ee5779919a4" providerId="LiveId" clId="{82BFAA31-791A-9843-976C-3AAFAA5AC07D}" dt="2023-02-24T12:59:25.971" v="2504" actId="20577"/>
-          <ac:spMkLst>
-            <pc:docMk/>
-            <pc:sldMk cId="2776132283" sldId="2739"/>
-            <ac:spMk id="6" creationId="{6741FEA2-C046-FD82-2800-2CB513792080}"/>
-          </ac:spMkLst>
-        </pc:spChg>
-        <pc:picChg chg="del">
-          <ac:chgData name="Xin Luo" userId="82312ee5779919a4" providerId="LiveId" clId="{82BFAA31-791A-9843-976C-3AAFAA5AC07D}" dt="2023-02-24T09:02:09.130" v="665" actId="478"/>
-          <ac:picMkLst>
-            <pc:docMk/>
-            <pc:sldMk cId="2776132283" sldId="2739"/>
-            <ac:picMk id="2050" creationId="{324F0AC4-07BA-4B3E-1A6B-D49FF0B87AC4}"/>
-          </ac:picMkLst>
-        </pc:picChg>
-      </pc:sldChg>
-      <pc:sldChg chg="delSp modSp add mod">
-        <pc:chgData name="Xin Luo" userId="82312ee5779919a4" providerId="LiveId" clId="{82BFAA31-791A-9843-976C-3AAFAA5AC07D}" dt="2023-02-24T12:42:54.354" v="2196" actId="20577"/>
-        <pc:sldMkLst>
-          <pc:docMk/>
-          <pc:sldMk cId="2510358707" sldId="2740"/>
-        </pc:sldMkLst>
-        <pc:spChg chg="mod">
-          <ac:chgData name="Xin Luo" userId="82312ee5779919a4" providerId="LiveId" clId="{82BFAA31-791A-9843-976C-3AAFAA5AC07D}" dt="2023-02-24T12:39:15.147" v="2006" actId="20577"/>
-          <ac:spMkLst>
-            <pc:docMk/>
-            <pc:sldMk cId="2510358707" sldId="2740"/>
-            <ac:spMk id="2" creationId="{631AADB6-C88A-D817-4683-FC087E4E240F}"/>
-          </ac:spMkLst>
-        </pc:spChg>
-        <pc:spChg chg="del mod">
-          <ac:chgData name="Xin Luo" userId="82312ee5779919a4" providerId="LiveId" clId="{82BFAA31-791A-9843-976C-3AAFAA5AC07D}" dt="2023-02-24T12:26:37.033" v="1934" actId="478"/>
-          <ac:spMkLst>
-            <pc:docMk/>
-            <pc:sldMk cId="2510358707" sldId="2740"/>
-            <ac:spMk id="5" creationId="{D45B97A4-ED20-7E18-1BEF-4A81710B7783}"/>
-          </ac:spMkLst>
-        </pc:spChg>
-        <pc:spChg chg="mod">
-          <ac:chgData name="Xin Luo" userId="82312ee5779919a4" providerId="LiveId" clId="{82BFAA31-791A-9843-976C-3AAFAA5AC07D}" dt="2023-02-24T12:42:54.354" v="2196" actId="20577"/>
-          <ac:spMkLst>
-            <pc:docMk/>
-            <pc:sldMk cId="2510358707" sldId="2740"/>
-            <ac:spMk id="17" creationId="{9E05FFCA-3371-AF5C-381D-71D984055F5A}"/>
-          </ac:spMkLst>
-        </pc:spChg>
-      </pc:sldChg>
-      <pc:sldChg chg="add del">
-        <pc:chgData name="Xin Luo" userId="82312ee5779919a4" providerId="LiveId" clId="{82BFAA31-791A-9843-976C-3AAFAA5AC07D}" dt="2023-02-24T12:26:24.988" v="1931"/>
-        <pc:sldMkLst>
-          <pc:docMk/>
-          <pc:sldMk cId="2028886328" sldId="2741"/>
-        </pc:sldMkLst>
-      </pc:sldChg>
-      <pc:sldChg chg="modSp add mod">
-        <pc:chgData name="Xin Luo" userId="82312ee5779919a4" providerId="LiveId" clId="{82BFAA31-791A-9843-976C-3AAFAA5AC07D}" dt="2023-02-24T13:00:24.884" v="2578" actId="20577"/>
-        <pc:sldMkLst>
-          <pc:docMk/>
-          <pc:sldMk cId="2476237792" sldId="2741"/>
-        </pc:sldMkLst>
-        <pc:spChg chg="mod">
-          <ac:chgData name="Xin Luo" userId="82312ee5779919a4" providerId="LiveId" clId="{82BFAA31-791A-9843-976C-3AAFAA5AC07D}" dt="2023-02-24T12:59:34.011" v="2511" actId="20577"/>
-          <ac:spMkLst>
-            <pc:docMk/>
-            <pc:sldMk cId="2476237792" sldId="2741"/>
-            <ac:spMk id="2" creationId="{631AADB6-C88A-D817-4683-FC087E4E240F}"/>
-          </ac:spMkLst>
-        </pc:spChg>
-        <pc:spChg chg="mod">
-          <ac:chgData name="Xin Luo" userId="82312ee5779919a4" providerId="LiveId" clId="{82BFAA31-791A-9843-976C-3AAFAA5AC07D}" dt="2023-02-24T12:39:25.368" v="2008"/>
-          <ac:spMkLst>
-            <pc:docMk/>
-            <pc:sldMk cId="2476237792" sldId="2741"/>
-            <ac:spMk id="3" creationId="{00000000-0000-0000-0000-000000000000}"/>
-          </ac:spMkLst>
-        </pc:spChg>
-        <pc:spChg chg="mod">
-          <ac:chgData name="Xin Luo" userId="82312ee5779919a4" providerId="LiveId" clId="{82BFAA31-791A-9843-976C-3AAFAA5AC07D}" dt="2023-02-24T13:00:24.884" v="2578" actId="20577"/>
-          <ac:spMkLst>
-            <pc:docMk/>
-            <pc:sldMk cId="2476237792" sldId="2741"/>
-            <ac:spMk id="6" creationId="{6741FEA2-C046-FD82-2800-2CB513792080}"/>
-          </ac:spMkLst>
-        </pc:spChg>
-      </pc:sldChg>
-    </pc:docChg>
-  </pc:docChgLst>
-  <pc:docChgLst>
-    <pc:chgData name="Xin Luo" userId="82312ee5779919a4" providerId="LiveId" clId="{23920C8D-EBCE-A347-9C82-C14316D20539}"/>
-    <pc:docChg chg="undo custSel addSld modSld">
-      <pc:chgData name="Xin Luo" userId="82312ee5779919a4" providerId="LiveId" clId="{23920C8D-EBCE-A347-9C82-C14316D20539}" dt="2022-10-26T12:19:06.428" v="501" actId="767"/>
-      <pc:docMkLst>
-        <pc:docMk/>
-      </pc:docMkLst>
-      <pc:sldChg chg="modSp mod">
-        <pc:chgData name="Xin Luo" userId="82312ee5779919a4" providerId="LiveId" clId="{23920C8D-EBCE-A347-9C82-C14316D20539}" dt="2022-10-10T01:06:29.261" v="368" actId="404"/>
-        <pc:sldMkLst>
-          <pc:docMk/>
-          <pc:sldMk cId="1576120367" sldId="2387"/>
-        </pc:sldMkLst>
-        <pc:spChg chg="mod">
-          <ac:chgData name="Xin Luo" userId="82312ee5779919a4" providerId="LiveId" clId="{23920C8D-EBCE-A347-9C82-C14316D20539}" dt="2022-10-10T01:06:29.261" v="368" actId="404"/>
-          <ac:spMkLst>
-            <pc:docMk/>
-            <pc:sldMk cId="1576120367" sldId="2387"/>
-            <ac:spMk id="10" creationId="{00000000-0000-0000-0000-000000000000}"/>
-          </ac:spMkLst>
-        </pc:spChg>
-        <pc:spChg chg="mod">
-          <ac:chgData name="Xin Luo" userId="82312ee5779919a4" providerId="LiveId" clId="{23920C8D-EBCE-A347-9C82-C14316D20539}" dt="2022-10-10T01:06:13.262" v="366" actId="403"/>
-          <ac:spMkLst>
-            <pc:docMk/>
-            <pc:sldMk cId="1576120367" sldId="2387"/>
-            <ac:spMk id="12" creationId="{00000000-0000-0000-0000-000000000000}"/>
-          </ac:spMkLst>
-        </pc:spChg>
-        <pc:spChg chg="mod">
-          <ac:chgData name="Xin Luo" userId="82312ee5779919a4" providerId="LiveId" clId="{23920C8D-EBCE-A347-9C82-C14316D20539}" dt="2022-10-10T01:06:29.261" v="368" actId="404"/>
-          <ac:spMkLst>
-            <pc:docMk/>
-            <pc:sldMk cId="1576120367" sldId="2387"/>
-            <ac:spMk id="13" creationId="{00000000-0000-0000-0000-000000000000}"/>
-          </ac:spMkLst>
-        </pc:spChg>
-        <pc:spChg chg="mod">
-          <ac:chgData name="Xin Luo" userId="82312ee5779919a4" providerId="LiveId" clId="{23920C8D-EBCE-A347-9C82-C14316D20539}" dt="2022-10-10T01:06:13.262" v="366" actId="403"/>
-          <ac:spMkLst>
-            <pc:docMk/>
-            <pc:sldMk cId="1576120367" sldId="2387"/>
-            <ac:spMk id="14" creationId="{00000000-0000-0000-0000-000000000000}"/>
-          </ac:spMkLst>
-        </pc:spChg>
-        <pc:spChg chg="mod">
-          <ac:chgData name="Xin Luo" userId="82312ee5779919a4" providerId="LiveId" clId="{23920C8D-EBCE-A347-9C82-C14316D20539}" dt="2022-10-10T01:06:29.261" v="368" actId="404"/>
-          <ac:spMkLst>
-            <pc:docMk/>
-            <pc:sldMk cId="1576120367" sldId="2387"/>
-            <ac:spMk id="15" creationId="{00000000-0000-0000-0000-000000000000}"/>
-          </ac:spMkLst>
-        </pc:spChg>
-        <pc:spChg chg="mod">
-          <ac:chgData name="Xin Luo" userId="82312ee5779919a4" providerId="LiveId" clId="{23920C8D-EBCE-A347-9C82-C14316D20539}" dt="2022-10-10T01:06:19.369" v="367" actId="14100"/>
-          <ac:spMkLst>
-            <pc:docMk/>
-            <pc:sldMk cId="1576120367" sldId="2387"/>
-            <ac:spMk id="16" creationId="{00000000-0000-0000-0000-000000000000}"/>
-          </ac:spMkLst>
-        </pc:spChg>
-      </pc:sldChg>
-      <pc:sldChg chg="modSp mod">
-        <pc:chgData name="Xin Luo" userId="82312ee5779919a4" providerId="LiveId" clId="{23920C8D-EBCE-A347-9C82-C14316D20539}" dt="2022-10-10T01:06:39.449" v="369" actId="403"/>
-        <pc:sldMkLst>
-          <pc:docMk/>
-          <pc:sldMk cId="2415901206" sldId="2447"/>
-        </pc:sldMkLst>
-        <pc:spChg chg="mod">
-          <ac:chgData name="Xin Luo" userId="82312ee5779919a4" providerId="LiveId" clId="{23920C8D-EBCE-A347-9C82-C14316D20539}" dt="2022-10-10T01:06:39.449" v="369" actId="403"/>
-          <ac:spMkLst>
-            <pc:docMk/>
-            <pc:sldMk cId="2415901206" sldId="2447"/>
-            <ac:spMk id="7" creationId="{00000000-0000-0000-0000-000000000000}"/>
-          </ac:spMkLst>
-        </pc:spChg>
-      </pc:sldChg>
-      <pc:sldChg chg="addSp delSp modSp mod">
-        <pc:chgData name="Xin Luo" userId="82312ee5779919a4" providerId="LiveId" clId="{23920C8D-EBCE-A347-9C82-C14316D20539}" dt="2022-10-26T11:18:20.490" v="500"/>
-        <pc:sldMkLst>
-          <pc:docMk/>
-          <pc:sldMk cId="2689840772" sldId="2604"/>
-        </pc:sldMkLst>
-        <pc:spChg chg="mod">
-          <ac:chgData name="Xin Luo" userId="82312ee5779919a4" providerId="LiveId" clId="{23920C8D-EBCE-A347-9C82-C14316D20539}" dt="2022-10-26T11:18:14.630" v="497" actId="1038"/>
-          <ac:spMkLst>
-            <pc:docMk/>
-            <pc:sldMk cId="2689840772" sldId="2604"/>
-            <ac:spMk id="2" creationId="{DB381E7B-A050-4BE4-6756-9B64308C74D7}"/>
-          </ac:spMkLst>
-        </pc:spChg>
-        <pc:spChg chg="del mod">
-          <ac:chgData name="Xin Luo" userId="82312ee5779919a4" providerId="LiveId" clId="{23920C8D-EBCE-A347-9C82-C14316D20539}" dt="2022-10-10T00:58:26.498" v="9" actId="478"/>
-          <ac:spMkLst>
-            <pc:docMk/>
-            <pc:sldMk cId="2689840772" sldId="2604"/>
-            <ac:spMk id="3" creationId="{00000000-0000-0000-0000-000000000000}"/>
-          </ac:spMkLst>
-        </pc:spChg>
-        <pc:spChg chg="add del mod">
-          <ac:chgData name="Xin Luo" userId="82312ee5779919a4" providerId="LiveId" clId="{23920C8D-EBCE-A347-9C82-C14316D20539}" dt="2022-10-26T11:18:20.490" v="500"/>
-          <ac:spMkLst>
-            <pc:docMk/>
-            <pc:sldMk cId="2689840772" sldId="2604"/>
-            <ac:spMk id="3" creationId="{0AC6D251-AEF6-35BE-71D5-DE25EAD72977}"/>
-          </ac:spMkLst>
-        </pc:spChg>
-        <pc:spChg chg="add mod">
-          <ac:chgData name="Xin Luo" userId="82312ee5779919a4" providerId="LiveId" clId="{23920C8D-EBCE-A347-9C82-C14316D20539}" dt="2022-10-10T01:03:50.909" v="356" actId="20577"/>
-          <ac:spMkLst>
-            <pc:docMk/>
-            <pc:sldMk cId="2689840772" sldId="2604"/>
-            <ac:spMk id="4" creationId="{5B949F23-92C2-3ACE-AE9A-58F8C8D7AB52}"/>
-          </ac:spMkLst>
-        </pc:spChg>
-      </pc:sldChg>
-      <pc:sldChg chg="modSp mod">
-        <pc:chgData name="Xin Luo" userId="82312ee5779919a4" providerId="LiveId" clId="{23920C8D-EBCE-A347-9C82-C14316D20539}" dt="2022-10-25T11:53:23.523" v="402" actId="207"/>
-        <pc:sldMkLst>
-          <pc:docMk/>
-          <pc:sldMk cId="1392274363" sldId="2606"/>
-        </pc:sldMkLst>
-        <pc:spChg chg="mod">
-          <ac:chgData name="Xin Luo" userId="82312ee5779919a4" providerId="LiveId" clId="{23920C8D-EBCE-A347-9C82-C14316D20539}" dt="2022-10-10T01:08:08.448" v="392" actId="20577"/>
-          <ac:spMkLst>
-            <pc:docMk/>
-            <pc:sldMk cId="1392274363" sldId="2606"/>
-            <ac:spMk id="35" creationId="{2CBBD54C-A0C4-CFAB-2A67-F8BF299D28F5}"/>
-          </ac:spMkLst>
-        </pc:spChg>
-        <pc:spChg chg="mod">
-          <ac:chgData name="Xin Luo" userId="82312ee5779919a4" providerId="LiveId" clId="{23920C8D-EBCE-A347-9C82-C14316D20539}" dt="2022-10-25T11:53:23.523" v="402" actId="207"/>
-          <ac:spMkLst>
-            <pc:docMk/>
-            <pc:sldMk cId="1392274363" sldId="2606"/>
-            <ac:spMk id="42" creationId="{E4B07DDE-AB89-2B16-6B7A-2142621DE6F5}"/>
-          </ac:spMkLst>
-        </pc:spChg>
-      </pc:sldChg>
-      <pc:sldChg chg="modSp mod">
-        <pc:chgData name="Xin Luo" userId="82312ee5779919a4" providerId="LiveId" clId="{23920C8D-EBCE-A347-9C82-C14316D20539}" dt="2022-10-25T12:03:26.240" v="414" actId="14100"/>
-        <pc:sldMkLst>
-          <pc:docMk/>
-          <pc:sldMk cId="292605530" sldId="2607"/>
-        </pc:sldMkLst>
-        <pc:spChg chg="mod">
-          <ac:chgData name="Xin Luo" userId="82312ee5779919a4" providerId="LiveId" clId="{23920C8D-EBCE-A347-9C82-C14316D20539}" dt="2022-10-25T12:03:26.240" v="414" actId="14100"/>
-          <ac:spMkLst>
-            <pc:docMk/>
-            <pc:sldMk cId="292605530" sldId="2607"/>
-            <ac:spMk id="18" creationId="{8399C9E7-13B6-1DAF-F5BF-4471E8528C5F}"/>
-          </ac:spMkLst>
-        </pc:spChg>
-      </pc:sldChg>
-      <pc:sldChg chg="modSp mod">
-        <pc:chgData name="Xin Luo" userId="82312ee5779919a4" providerId="LiveId" clId="{23920C8D-EBCE-A347-9C82-C14316D20539}" dt="2022-10-25T12:09:03.730" v="478" actId="1036"/>
-        <pc:sldMkLst>
-          <pc:docMk/>
-          <pc:sldMk cId="2780969545" sldId="2609"/>
-        </pc:sldMkLst>
-        <pc:spChg chg="mod">
-          <ac:chgData name="Xin Luo" userId="82312ee5779919a4" providerId="LiveId" clId="{23920C8D-EBCE-A347-9C82-C14316D20539}" dt="2022-10-25T12:08:56.496" v="469" actId="115"/>
-          <ac:spMkLst>
-            <pc:docMk/>
-            <pc:sldMk cId="2780969545" sldId="2609"/>
-            <ac:spMk id="6" creationId="{2D1A6305-FF43-CF53-224A-B6D4901EAB0F}"/>
-          </ac:spMkLst>
-        </pc:spChg>
-        <pc:spChg chg="mod">
-          <ac:chgData name="Xin Luo" userId="82312ee5779919a4" providerId="LiveId" clId="{23920C8D-EBCE-A347-9C82-C14316D20539}" dt="2022-10-25T12:09:03.730" v="478" actId="1036"/>
-          <ac:spMkLst>
-            <pc:docMk/>
-            <pc:sldMk cId="2780969545" sldId="2609"/>
-            <ac:spMk id="11" creationId="{63EAC848-88D2-7A10-E878-444ADA855E23}"/>
-          </ac:spMkLst>
-        </pc:spChg>
-        <pc:spChg chg="mod">
-          <ac:chgData name="Xin Luo" userId="82312ee5779919a4" providerId="LiveId" clId="{23920C8D-EBCE-A347-9C82-C14316D20539}" dt="2022-10-25T12:09:03.730" v="478" actId="1036"/>
-          <ac:spMkLst>
-            <pc:docMk/>
-            <pc:sldMk cId="2780969545" sldId="2609"/>
-            <ac:spMk id="12" creationId="{BED7A820-9D6E-7E7E-A906-8A9424528316}"/>
-          </ac:spMkLst>
-        </pc:spChg>
-        <pc:spChg chg="mod">
-          <ac:chgData name="Xin Luo" userId="82312ee5779919a4" providerId="LiveId" clId="{23920C8D-EBCE-A347-9C82-C14316D20539}" dt="2022-10-25T12:09:03.730" v="478" actId="1036"/>
-          <ac:spMkLst>
-            <pc:docMk/>
-            <pc:sldMk cId="2780969545" sldId="2609"/>
-            <ac:spMk id="20" creationId="{87EC125B-CB98-6914-1633-6697471A2CB4}"/>
-          </ac:spMkLst>
-        </pc:spChg>
-        <pc:spChg chg="mod">
-          <ac:chgData name="Xin Luo" userId="82312ee5779919a4" providerId="LiveId" clId="{23920C8D-EBCE-A347-9C82-C14316D20539}" dt="2022-10-25T12:09:03.730" v="478" actId="1036"/>
-          <ac:spMkLst>
-            <pc:docMk/>
-            <pc:sldMk cId="2780969545" sldId="2609"/>
-            <ac:spMk id="21" creationId="{0AF67847-7DEF-CDAB-6208-0271BFB4FB06}"/>
-          </ac:spMkLst>
-        </pc:spChg>
-        <pc:spChg chg="mod">
-          <ac:chgData name="Xin Luo" userId="82312ee5779919a4" providerId="LiveId" clId="{23920C8D-EBCE-A347-9C82-C14316D20539}" dt="2022-10-25T12:09:03.730" v="478" actId="1036"/>
-          <ac:spMkLst>
-            <pc:docMk/>
-            <pc:sldMk cId="2780969545" sldId="2609"/>
-            <ac:spMk id="23" creationId="{0011846D-F543-398E-85CB-0AB0A842928A}"/>
-          </ac:spMkLst>
-        </pc:spChg>
-        <pc:spChg chg="mod">
-          <ac:chgData name="Xin Luo" userId="82312ee5779919a4" providerId="LiveId" clId="{23920C8D-EBCE-A347-9C82-C14316D20539}" dt="2022-10-25T12:09:03.730" v="478" actId="1036"/>
-          <ac:spMkLst>
-            <pc:docMk/>
-            <pc:sldMk cId="2780969545" sldId="2609"/>
-            <ac:spMk id="24" creationId="{37B5D87E-7419-7CC0-91CC-8A0807F0F999}"/>
-          </ac:spMkLst>
-        </pc:spChg>
-        <pc:spChg chg="mod">
-          <ac:chgData name="Xin Luo" userId="82312ee5779919a4" providerId="LiveId" clId="{23920C8D-EBCE-A347-9C82-C14316D20539}" dt="2022-10-25T12:09:03.730" v="478" actId="1036"/>
-          <ac:spMkLst>
-            <pc:docMk/>
-            <pc:sldMk cId="2780969545" sldId="2609"/>
-            <ac:spMk id="25" creationId="{4745244D-B431-F067-4A97-7CC4387296FB}"/>
-          </ac:spMkLst>
-        </pc:spChg>
-        <pc:spChg chg="mod">
-          <ac:chgData name="Xin Luo" userId="82312ee5779919a4" providerId="LiveId" clId="{23920C8D-EBCE-A347-9C82-C14316D20539}" dt="2022-10-25T12:09:03.730" v="478" actId="1036"/>
-          <ac:spMkLst>
-            <pc:docMk/>
-            <pc:sldMk cId="2780969545" sldId="2609"/>
-            <ac:spMk id="26" creationId="{FB9C53DE-8D1F-6DF4-8CE3-3A262A9F8737}"/>
-          </ac:spMkLst>
-        </pc:spChg>
-        <pc:picChg chg="mod">
-          <ac:chgData name="Xin Luo" userId="82312ee5779919a4" providerId="LiveId" clId="{23920C8D-EBCE-A347-9C82-C14316D20539}" dt="2022-10-25T12:09:03.730" v="478" actId="1036"/>
-          <ac:picMkLst>
-            <pc:docMk/>
-            <pc:sldMk cId="2780969545" sldId="2609"/>
-            <ac:picMk id="4" creationId="{49B7ACC6-6794-9162-52B2-E80F7E4B0442}"/>
-          </ac:picMkLst>
-        </pc:picChg>
-        <pc:picChg chg="mod">
-          <ac:chgData name="Xin Luo" userId="82312ee5779919a4" providerId="LiveId" clId="{23920C8D-EBCE-A347-9C82-C14316D20539}" dt="2022-10-25T12:09:03.730" v="478" actId="1036"/>
-          <ac:picMkLst>
-            <pc:docMk/>
-            <pc:sldMk cId="2780969545" sldId="2609"/>
-            <ac:picMk id="7" creationId="{42FD45A0-A9EA-D518-41B5-21FA7A24BA60}"/>
-          </ac:picMkLst>
-        </pc:picChg>
-        <pc:picChg chg="mod">
-          <ac:chgData name="Xin Luo" userId="82312ee5779919a4" providerId="LiveId" clId="{23920C8D-EBCE-A347-9C82-C14316D20539}" dt="2022-10-25T12:09:03.730" v="478" actId="1036"/>
-          <ac:picMkLst>
-            <pc:docMk/>
-            <pc:sldMk cId="2780969545" sldId="2609"/>
-            <ac:picMk id="10" creationId="{C2B12388-3179-41F8-2462-0C9BA14093FF}"/>
-          </ac:picMkLst>
-        </pc:picChg>
-        <pc:picChg chg="mod">
-          <ac:chgData name="Xin Luo" userId="82312ee5779919a4" providerId="LiveId" clId="{23920C8D-EBCE-A347-9C82-C14316D20539}" dt="2022-10-25T12:09:03.730" v="478" actId="1036"/>
-          <ac:picMkLst>
-            <pc:docMk/>
-            <pc:sldMk cId="2780969545" sldId="2609"/>
-            <ac:picMk id="7170" creationId="{A3C33C8C-6841-03A7-574F-E161D6BA2409}"/>
-          </ac:picMkLst>
-        </pc:picChg>
-        <pc:cxnChg chg="mod">
-          <ac:chgData name="Xin Luo" userId="82312ee5779919a4" providerId="LiveId" clId="{23920C8D-EBCE-A347-9C82-C14316D20539}" dt="2022-10-25T12:09:03.730" v="478" actId="1036"/>
-          <ac:cxnSpMkLst>
-            <pc:docMk/>
-            <pc:sldMk cId="2780969545" sldId="2609"/>
-            <ac:cxnSpMk id="9" creationId="{FD972B84-6C44-171E-8256-D2A04F01B0C9}"/>
-          </ac:cxnSpMkLst>
-        </pc:cxnChg>
-        <pc:cxnChg chg="mod">
-          <ac:chgData name="Xin Luo" userId="82312ee5779919a4" providerId="LiveId" clId="{23920C8D-EBCE-A347-9C82-C14316D20539}" dt="2022-10-25T12:09:03.730" v="478" actId="1036"/>
-          <ac:cxnSpMkLst>
-            <pc:docMk/>
-            <pc:sldMk cId="2780969545" sldId="2609"/>
-            <ac:cxnSpMk id="16" creationId="{612BCBDC-DECE-5090-7C5B-6492FF4CE722}"/>
-          </ac:cxnSpMkLst>
-        </pc:cxnChg>
-        <pc:cxnChg chg="mod">
-          <ac:chgData name="Xin Luo" userId="82312ee5779919a4" providerId="LiveId" clId="{23920C8D-EBCE-A347-9C82-C14316D20539}" dt="2022-10-25T12:09:03.730" v="478" actId="1036"/>
-          <ac:cxnSpMkLst>
-            <pc:docMk/>
-            <pc:sldMk cId="2780969545" sldId="2609"/>
-            <ac:cxnSpMk id="17" creationId="{AF045F09-2718-C456-D477-E816A43885FF}"/>
-          </ac:cxnSpMkLst>
-        </pc:cxnChg>
-        <pc:cxnChg chg="mod">
-          <ac:chgData name="Xin Luo" userId="82312ee5779919a4" providerId="LiveId" clId="{23920C8D-EBCE-A347-9C82-C14316D20539}" dt="2022-10-25T12:09:03.730" v="478" actId="1036"/>
-          <ac:cxnSpMkLst>
-            <pc:docMk/>
-            <pc:sldMk cId="2780969545" sldId="2609"/>
-            <ac:cxnSpMk id="28" creationId="{6C11ADF7-6234-2989-2798-F5AAD5EDE3BF}"/>
-          </ac:cxnSpMkLst>
-        </pc:cxnChg>
-      </pc:sldChg>
-      <pc:sldChg chg="modSp mod">
-        <pc:chgData name="Xin Luo" userId="82312ee5779919a4" providerId="LiveId" clId="{23920C8D-EBCE-A347-9C82-C14316D20539}" dt="2022-10-26T02:56:58.658" v="480" actId="207"/>
-        <pc:sldMkLst>
-          <pc:docMk/>
-          <pc:sldMk cId="63705705" sldId="2612"/>
-        </pc:sldMkLst>
-        <pc:spChg chg="mod">
-          <ac:chgData name="Xin Luo" userId="82312ee5779919a4" providerId="LiveId" clId="{23920C8D-EBCE-A347-9C82-C14316D20539}" dt="2022-10-26T02:56:58.658" v="480" actId="207"/>
-          <ac:spMkLst>
-            <pc:docMk/>
-            <pc:sldMk cId="63705705" sldId="2612"/>
-            <ac:spMk id="63" creationId="{6400CC45-5050-7ACD-CE08-CC6D7000A1DA}"/>
-          </ac:spMkLst>
-        </pc:spChg>
-      </pc:sldChg>
-      <pc:sldChg chg="addSp modSp">
-        <pc:chgData name="Xin Luo" userId="82312ee5779919a4" providerId="LiveId" clId="{23920C8D-EBCE-A347-9C82-C14316D20539}" dt="2022-10-26T12:19:06.428" v="501" actId="767"/>
-        <pc:sldMkLst>
-          <pc:docMk/>
-          <pc:sldMk cId="963926578" sldId="2613"/>
-        </pc:sldMkLst>
-        <pc:spChg chg="add mod">
-          <ac:chgData name="Xin Luo" userId="82312ee5779919a4" providerId="LiveId" clId="{23920C8D-EBCE-A347-9C82-C14316D20539}" dt="2022-10-26T12:19:06.428" v="501" actId="767"/>
-          <ac:spMkLst>
-            <pc:docMk/>
-            <pc:sldMk cId="963926578" sldId="2613"/>
-            <ac:spMk id="2" creationId="{5F7683B3-77E0-69A9-94AE-FF04E7249325}"/>
-          </ac:spMkLst>
-        </pc:spChg>
-      </pc:sldChg>
-      <pc:sldChg chg="modSp add mod">
-        <pc:chgData name="Xin Luo" userId="82312ee5779919a4" providerId="LiveId" clId="{23920C8D-EBCE-A347-9C82-C14316D20539}" dt="2022-10-10T01:06:02.902" v="365" actId="403"/>
-        <pc:sldMkLst>
-          <pc:docMk/>
-          <pc:sldMk cId="2358282757" sldId="2714"/>
-        </pc:sldMkLst>
-        <pc:spChg chg="mod">
-          <ac:chgData name="Xin Luo" userId="82312ee5779919a4" providerId="LiveId" clId="{23920C8D-EBCE-A347-9C82-C14316D20539}" dt="2022-10-10T01:06:02.902" v="365" actId="403"/>
-          <ac:spMkLst>
-            <pc:docMk/>
-            <pc:sldMk cId="2358282757" sldId="2714"/>
-            <ac:spMk id="2" creationId="{DB381E7B-A050-4BE4-6756-9B64308C74D7}"/>
-          </ac:spMkLst>
-        </pc:spChg>
-      </pc:sldChg>
-    </pc:docChg>
-  </pc:docChgLst>
-  <pc:docChgLst>
     <pc:chgData name="Xin Luo" userId="82312ee5779919a4" providerId="LiveId" clId="{4DB6C473-8E57-A543-81F7-48BE109E8C13}"/>
     <pc:docChg chg="undo custSel addSld delSld modSld sldOrd delMainMaster">
       <pc:chgData name="Xin Luo" userId="82312ee5779919a4" providerId="LiveId" clId="{4DB6C473-8E57-A543-81F7-48BE109E8C13}" dt="2023-02-21T15:10:04.498" v="5724" actId="108"/>
@@ -6580,6 +6307,310 @@
           </pc:sldLayoutMkLst>
         </pc:sldLayoutChg>
       </pc:sldMasterChg>
+    </pc:docChg>
+  </pc:docChgLst>
+  <pc:docChgLst>
+    <pc:chgData name="Xin Luo" userId="82312ee5779919a4" providerId="LiveId" clId="{7C68D8C5-3836-3547-9AA8-5B377782C93A}"/>
+    <pc:docChg chg="modSld">
+      <pc:chgData name="Xin Luo" userId="82312ee5779919a4" providerId="LiveId" clId="{7C68D8C5-3836-3547-9AA8-5B377782C93A}" dt="2023-04-12T12:59:02.669" v="101" actId="20577"/>
+      <pc:docMkLst>
+        <pc:docMk/>
+      </pc:docMkLst>
+      <pc:sldChg chg="modSp mod">
+        <pc:chgData name="Xin Luo" userId="82312ee5779919a4" providerId="LiveId" clId="{7C68D8C5-3836-3547-9AA8-5B377782C93A}" dt="2023-04-12T12:59:02.669" v="101" actId="20577"/>
+        <pc:sldMkLst>
+          <pc:docMk/>
+          <pc:sldMk cId="1209572041" sldId="2722"/>
+        </pc:sldMkLst>
+        <pc:spChg chg="mod">
+          <ac:chgData name="Xin Luo" userId="82312ee5779919a4" providerId="LiveId" clId="{7C68D8C5-3836-3547-9AA8-5B377782C93A}" dt="2023-04-12T12:59:02.669" v="101" actId="20577"/>
+          <ac:spMkLst>
+            <pc:docMk/>
+            <pc:sldMk cId="1209572041" sldId="2722"/>
+            <ac:spMk id="13" creationId="{303BC878-BC57-D350-27A3-F03AE48213AC}"/>
+          </ac:spMkLst>
+        </pc:spChg>
+      </pc:sldChg>
+    </pc:docChg>
+  </pc:docChgLst>
+  <pc:docChgLst>
+    <pc:chgData name="Xin Luo" userId="82312ee5779919a4" providerId="LiveId" clId="{82BFAA31-791A-9843-976C-3AAFAA5AC07D}"/>
+    <pc:docChg chg="undo custSel addSld delSld modSld">
+      <pc:chgData name="Xin Luo" userId="82312ee5779919a4" providerId="LiveId" clId="{82BFAA31-791A-9843-976C-3AAFAA5AC07D}" dt="2023-02-24T13:20:14.840" v="2906" actId="404"/>
+      <pc:docMkLst>
+        <pc:docMk/>
+      </pc:docMkLst>
+      <pc:sldChg chg="addSp delSp modSp mod">
+        <pc:chgData name="Xin Luo" userId="82312ee5779919a4" providerId="LiveId" clId="{82BFAA31-791A-9843-976C-3AAFAA5AC07D}" dt="2023-02-24T08:49:58.378" v="580" actId="478"/>
+        <pc:sldMkLst>
+          <pc:docMk/>
+          <pc:sldMk cId="3833073590" sldId="2716"/>
+        </pc:sldMkLst>
+        <pc:spChg chg="mod">
+          <ac:chgData name="Xin Luo" userId="82312ee5779919a4" providerId="LiveId" clId="{82BFAA31-791A-9843-976C-3AAFAA5AC07D}" dt="2023-02-24T03:06:08.550" v="104" actId="20577"/>
+          <ac:spMkLst>
+            <pc:docMk/>
+            <pc:sldMk cId="3833073590" sldId="2716"/>
+            <ac:spMk id="2" creationId="{631AADB6-C88A-D817-4683-FC087E4E240F}"/>
+          </ac:spMkLst>
+        </pc:spChg>
+        <pc:spChg chg="del">
+          <ac:chgData name="Xin Luo" userId="82312ee5779919a4" providerId="LiveId" clId="{82BFAA31-791A-9843-976C-3AAFAA5AC07D}" dt="2023-02-24T03:02:42.862" v="33" actId="478"/>
+          <ac:spMkLst>
+            <pc:docMk/>
+            <pc:sldMk cId="3833073590" sldId="2716"/>
+            <ac:spMk id="5" creationId="{9F4AEA98-0C33-E82A-EB75-839D0F0B55A4}"/>
+          </ac:spMkLst>
+        </pc:spChg>
+        <pc:spChg chg="add mod">
+          <ac:chgData name="Xin Luo" userId="82312ee5779919a4" providerId="LiveId" clId="{82BFAA31-791A-9843-976C-3AAFAA5AC07D}" dt="2023-02-24T08:49:58.156" v="579" actId="14100"/>
+          <ac:spMkLst>
+            <pc:docMk/>
+            <pc:sldMk cId="3833073590" sldId="2716"/>
+            <ac:spMk id="6" creationId="{6741FEA2-C046-FD82-2800-2CB513792080}"/>
+          </ac:spMkLst>
+        </pc:spChg>
+        <pc:picChg chg="add del">
+          <ac:chgData name="Xin Luo" userId="82312ee5779919a4" providerId="LiveId" clId="{82BFAA31-791A-9843-976C-3AAFAA5AC07D}" dt="2023-02-24T03:02:42.862" v="33" actId="478"/>
+          <ac:picMkLst>
+            <pc:docMk/>
+            <pc:sldMk cId="3833073590" sldId="2716"/>
+            <ac:picMk id="1026" creationId="{37EB6838-2807-43B3-E78E-EF1353DBEC4D}"/>
+          </ac:picMkLst>
+        </pc:picChg>
+        <pc:picChg chg="add del mod">
+          <ac:chgData name="Xin Luo" userId="82312ee5779919a4" providerId="LiveId" clId="{82BFAA31-791A-9843-976C-3AAFAA5AC07D}" dt="2023-02-24T03:03:49.502" v="38" actId="478"/>
+          <ac:picMkLst>
+            <pc:docMk/>
+            <pc:sldMk cId="3833073590" sldId="2716"/>
+            <ac:picMk id="1028" creationId="{0060DCE3-4593-4CBE-2C1A-12A7D72C453A}"/>
+          </ac:picMkLst>
+        </pc:picChg>
+        <pc:picChg chg="add del mod">
+          <ac:chgData name="Xin Luo" userId="82312ee5779919a4" providerId="LiveId" clId="{82BFAA31-791A-9843-976C-3AAFAA5AC07D}" dt="2023-02-24T08:49:58.378" v="580" actId="478"/>
+          <ac:picMkLst>
+            <pc:docMk/>
+            <pc:sldMk cId="3833073590" sldId="2716"/>
+            <ac:picMk id="1030" creationId="{C93DB76E-C02F-05AC-2014-674F7E808ADA}"/>
+          </ac:picMkLst>
+        </pc:picChg>
+      </pc:sldChg>
+      <pc:sldChg chg="addSp delSp modSp mod">
+        <pc:chgData name="Xin Luo" userId="82312ee5779919a4" providerId="LiveId" clId="{82BFAA31-791A-9843-976C-3AAFAA5AC07D}" dt="2023-02-24T08:50:06.402" v="585" actId="20577"/>
+        <pc:sldMkLst>
+          <pc:docMk/>
+          <pc:sldMk cId="972163772" sldId="2720"/>
+        </pc:sldMkLst>
+        <pc:spChg chg="mod">
+          <ac:chgData name="Xin Luo" userId="82312ee5779919a4" providerId="LiveId" clId="{82BFAA31-791A-9843-976C-3AAFAA5AC07D}" dt="2023-02-24T08:50:06.402" v="585" actId="20577"/>
+          <ac:spMkLst>
+            <pc:docMk/>
+            <pc:sldMk cId="972163772" sldId="2720"/>
+            <ac:spMk id="7" creationId="{00000000-0000-0000-0000-000000000000}"/>
+          </ac:spMkLst>
+        </pc:spChg>
+        <pc:picChg chg="add del">
+          <ac:chgData name="Xin Luo" userId="82312ee5779919a4" providerId="LiveId" clId="{82BFAA31-791A-9843-976C-3AAFAA5AC07D}" dt="2023-02-24T08:47:42.881" v="485"/>
+          <ac:picMkLst>
+            <pc:docMk/>
+            <pc:sldMk cId="972163772" sldId="2720"/>
+            <ac:picMk id="3074" creationId="{C4128BB6-F8FE-667B-1E3D-38360E7E0C3C}"/>
+          </ac:picMkLst>
+        </pc:picChg>
+      </pc:sldChg>
+      <pc:sldChg chg="addSp delSp modSp mod">
+        <pc:chgData name="Xin Luo" userId="82312ee5779919a4" providerId="LiveId" clId="{82BFAA31-791A-9843-976C-3AAFAA5AC07D}" dt="2023-02-24T13:00:34.955" v="2586" actId="1036"/>
+        <pc:sldMkLst>
+          <pc:docMk/>
+          <pc:sldMk cId="2689695864" sldId="2721"/>
+        </pc:sldMkLst>
+        <pc:spChg chg="mod">
+          <ac:chgData name="Xin Luo" userId="82312ee5779919a4" providerId="LiveId" clId="{82BFAA31-791A-9843-976C-3AAFAA5AC07D}" dt="2023-02-24T13:00:34.955" v="2586" actId="1036"/>
+          <ac:spMkLst>
+            <pc:docMk/>
+            <pc:sldMk cId="2689695864" sldId="2721"/>
+            <ac:spMk id="2" creationId="{631AADB6-C88A-D817-4683-FC087E4E240F}"/>
+          </ac:spMkLst>
+        </pc:spChg>
+        <pc:spChg chg="mod">
+          <ac:chgData name="Xin Luo" userId="82312ee5779919a4" providerId="LiveId" clId="{82BFAA31-791A-9843-976C-3AAFAA5AC07D}" dt="2023-02-24T08:50:21.921" v="586"/>
+          <ac:spMkLst>
+            <pc:docMk/>
+            <pc:sldMk cId="2689695864" sldId="2721"/>
+            <ac:spMk id="3" creationId="{00000000-0000-0000-0000-000000000000}"/>
+          </ac:spMkLst>
+        </pc:spChg>
+        <pc:spChg chg="add del mod">
+          <ac:chgData name="Xin Luo" userId="82312ee5779919a4" providerId="LiveId" clId="{82BFAA31-791A-9843-976C-3AAFAA5AC07D}" dt="2023-02-24T12:38:43.360" v="1999" actId="478"/>
+          <ac:spMkLst>
+            <pc:docMk/>
+            <pc:sldMk cId="2689695864" sldId="2721"/>
+            <ac:spMk id="5" creationId="{D45B97A4-ED20-7E18-1BEF-4A81710B7783}"/>
+          </ac:spMkLst>
+        </pc:spChg>
+        <pc:spChg chg="mod">
+          <ac:chgData name="Xin Luo" userId="82312ee5779919a4" providerId="LiveId" clId="{82BFAA31-791A-9843-976C-3AAFAA5AC07D}" dt="2023-02-24T13:00:31.975" v="2582" actId="1036"/>
+          <ac:spMkLst>
+            <pc:docMk/>
+            <pc:sldMk cId="2689695864" sldId="2721"/>
+            <ac:spMk id="17" creationId="{9E05FFCA-3371-AF5C-381D-71D984055F5A}"/>
+          </ac:spMkLst>
+        </pc:spChg>
+      </pc:sldChg>
+      <pc:sldChg chg="modSp mod">
+        <pc:chgData name="Xin Luo" userId="82312ee5779919a4" providerId="LiveId" clId="{82BFAA31-791A-9843-976C-3AAFAA5AC07D}" dt="2023-02-24T13:19:35.601" v="2898" actId="20577"/>
+        <pc:sldMkLst>
+          <pc:docMk/>
+          <pc:sldMk cId="1209572041" sldId="2722"/>
+        </pc:sldMkLst>
+        <pc:spChg chg="mod">
+          <ac:chgData name="Xin Luo" userId="82312ee5779919a4" providerId="LiveId" clId="{82BFAA31-791A-9843-976C-3AAFAA5AC07D}" dt="2023-02-24T13:19:35.601" v="2898" actId="20577"/>
+          <ac:spMkLst>
+            <pc:docMk/>
+            <pc:sldMk cId="1209572041" sldId="2722"/>
+            <ac:spMk id="13" creationId="{303BC878-BC57-D350-27A3-F03AE48213AC}"/>
+          </ac:spMkLst>
+        </pc:spChg>
+      </pc:sldChg>
+      <pc:sldChg chg="addSp delSp modSp add mod">
+        <pc:chgData name="Xin Luo" userId="82312ee5779919a4" providerId="LiveId" clId="{82BFAA31-791A-9843-976C-3AAFAA5AC07D}" dt="2023-02-24T13:20:14.840" v="2906" actId="404"/>
+        <pc:sldMkLst>
+          <pc:docMk/>
+          <pc:sldMk cId="4156684215" sldId="2738"/>
+        </pc:sldMkLst>
+        <pc:spChg chg="mod">
+          <ac:chgData name="Xin Luo" userId="82312ee5779919a4" providerId="LiveId" clId="{82BFAA31-791A-9843-976C-3AAFAA5AC07D}" dt="2023-02-24T07:02:55.789" v="157" actId="20577"/>
+          <ac:spMkLst>
+            <pc:docMk/>
+            <pc:sldMk cId="4156684215" sldId="2738"/>
+            <ac:spMk id="2" creationId="{631AADB6-C88A-D817-4683-FC087E4E240F}"/>
+          </ac:spMkLst>
+        </pc:spChg>
+        <pc:spChg chg="add del mod">
+          <ac:chgData name="Xin Luo" userId="82312ee5779919a4" providerId="LiveId" clId="{82BFAA31-791A-9843-976C-3AAFAA5AC07D}" dt="2023-02-24T13:20:14.840" v="2906" actId="404"/>
+          <ac:spMkLst>
+            <pc:docMk/>
+            <pc:sldMk cId="4156684215" sldId="2738"/>
+            <ac:spMk id="6" creationId="{6741FEA2-C046-FD82-2800-2CB513792080}"/>
+          </ac:spMkLst>
+        </pc:spChg>
+        <pc:picChg chg="del mod">
+          <ac:chgData name="Xin Luo" userId="82312ee5779919a4" providerId="LiveId" clId="{82BFAA31-791A-9843-976C-3AAFAA5AC07D}" dt="2023-02-24T07:03:01.663" v="158" actId="478"/>
+          <ac:picMkLst>
+            <pc:docMk/>
+            <pc:sldMk cId="4156684215" sldId="2738"/>
+            <ac:picMk id="1030" creationId="{C93DB76E-C02F-05AC-2014-674F7E808ADA}"/>
+          </ac:picMkLst>
+        </pc:picChg>
+        <pc:picChg chg="add del mod">
+          <ac:chgData name="Xin Luo" userId="82312ee5779919a4" providerId="LiveId" clId="{82BFAA31-791A-9843-976C-3AAFAA5AC07D}" dt="2023-02-24T13:20:06.575" v="2903" actId="1076"/>
+          <ac:picMkLst>
+            <pc:docMk/>
+            <pc:sldMk cId="4156684215" sldId="2738"/>
+            <ac:picMk id="2050" creationId="{324F0AC4-07BA-4B3E-1A6B-D49FF0B87AC4}"/>
+          </ac:picMkLst>
+        </pc:picChg>
+      </pc:sldChg>
+      <pc:sldChg chg="delSp modSp add mod">
+        <pc:chgData name="Xin Luo" userId="82312ee5779919a4" providerId="LiveId" clId="{82BFAA31-791A-9843-976C-3AAFAA5AC07D}" dt="2023-02-24T12:59:25.971" v="2504" actId="20577"/>
+        <pc:sldMkLst>
+          <pc:docMk/>
+          <pc:sldMk cId="2776132283" sldId="2739"/>
+        </pc:sldMkLst>
+        <pc:spChg chg="mod">
+          <ac:chgData name="Xin Luo" userId="82312ee5779919a4" providerId="LiveId" clId="{82BFAA31-791A-9843-976C-3AAFAA5AC07D}" dt="2023-02-24T12:39:05.574" v="2002" actId="1076"/>
+          <ac:spMkLst>
+            <pc:docMk/>
+            <pc:sldMk cId="2776132283" sldId="2739"/>
+            <ac:spMk id="2" creationId="{631AADB6-C88A-D817-4683-FC087E4E240F}"/>
+          </ac:spMkLst>
+        </pc:spChg>
+        <pc:spChg chg="mod">
+          <ac:chgData name="Xin Luo" userId="82312ee5779919a4" providerId="LiveId" clId="{82BFAA31-791A-9843-976C-3AAFAA5AC07D}" dt="2023-02-24T12:59:25.971" v="2504" actId="20577"/>
+          <ac:spMkLst>
+            <pc:docMk/>
+            <pc:sldMk cId="2776132283" sldId="2739"/>
+            <ac:spMk id="6" creationId="{6741FEA2-C046-FD82-2800-2CB513792080}"/>
+          </ac:spMkLst>
+        </pc:spChg>
+        <pc:picChg chg="del">
+          <ac:chgData name="Xin Luo" userId="82312ee5779919a4" providerId="LiveId" clId="{82BFAA31-791A-9843-976C-3AAFAA5AC07D}" dt="2023-02-24T09:02:09.130" v="665" actId="478"/>
+          <ac:picMkLst>
+            <pc:docMk/>
+            <pc:sldMk cId="2776132283" sldId="2739"/>
+            <ac:picMk id="2050" creationId="{324F0AC4-07BA-4B3E-1A6B-D49FF0B87AC4}"/>
+          </ac:picMkLst>
+        </pc:picChg>
+      </pc:sldChg>
+      <pc:sldChg chg="delSp modSp add mod">
+        <pc:chgData name="Xin Luo" userId="82312ee5779919a4" providerId="LiveId" clId="{82BFAA31-791A-9843-976C-3AAFAA5AC07D}" dt="2023-02-24T12:42:54.354" v="2196" actId="20577"/>
+        <pc:sldMkLst>
+          <pc:docMk/>
+          <pc:sldMk cId="2510358707" sldId="2740"/>
+        </pc:sldMkLst>
+        <pc:spChg chg="mod">
+          <ac:chgData name="Xin Luo" userId="82312ee5779919a4" providerId="LiveId" clId="{82BFAA31-791A-9843-976C-3AAFAA5AC07D}" dt="2023-02-24T12:39:15.147" v="2006" actId="20577"/>
+          <ac:spMkLst>
+            <pc:docMk/>
+            <pc:sldMk cId="2510358707" sldId="2740"/>
+            <ac:spMk id="2" creationId="{631AADB6-C88A-D817-4683-FC087E4E240F}"/>
+          </ac:spMkLst>
+        </pc:spChg>
+        <pc:spChg chg="del mod">
+          <ac:chgData name="Xin Luo" userId="82312ee5779919a4" providerId="LiveId" clId="{82BFAA31-791A-9843-976C-3AAFAA5AC07D}" dt="2023-02-24T12:26:37.033" v="1934" actId="478"/>
+          <ac:spMkLst>
+            <pc:docMk/>
+            <pc:sldMk cId="2510358707" sldId="2740"/>
+            <ac:spMk id="5" creationId="{D45B97A4-ED20-7E18-1BEF-4A81710B7783}"/>
+          </ac:spMkLst>
+        </pc:spChg>
+        <pc:spChg chg="mod">
+          <ac:chgData name="Xin Luo" userId="82312ee5779919a4" providerId="LiveId" clId="{82BFAA31-791A-9843-976C-3AAFAA5AC07D}" dt="2023-02-24T12:42:54.354" v="2196" actId="20577"/>
+          <ac:spMkLst>
+            <pc:docMk/>
+            <pc:sldMk cId="2510358707" sldId="2740"/>
+            <ac:spMk id="17" creationId="{9E05FFCA-3371-AF5C-381D-71D984055F5A}"/>
+          </ac:spMkLst>
+        </pc:spChg>
+      </pc:sldChg>
+      <pc:sldChg chg="add del">
+        <pc:chgData name="Xin Luo" userId="82312ee5779919a4" providerId="LiveId" clId="{82BFAA31-791A-9843-976C-3AAFAA5AC07D}" dt="2023-02-24T12:26:24.988" v="1931"/>
+        <pc:sldMkLst>
+          <pc:docMk/>
+          <pc:sldMk cId="2028886328" sldId="2741"/>
+        </pc:sldMkLst>
+      </pc:sldChg>
+      <pc:sldChg chg="modSp add mod">
+        <pc:chgData name="Xin Luo" userId="82312ee5779919a4" providerId="LiveId" clId="{82BFAA31-791A-9843-976C-3AAFAA5AC07D}" dt="2023-02-24T13:00:24.884" v="2578" actId="20577"/>
+        <pc:sldMkLst>
+          <pc:docMk/>
+          <pc:sldMk cId="2476237792" sldId="2741"/>
+        </pc:sldMkLst>
+        <pc:spChg chg="mod">
+          <ac:chgData name="Xin Luo" userId="82312ee5779919a4" providerId="LiveId" clId="{82BFAA31-791A-9843-976C-3AAFAA5AC07D}" dt="2023-02-24T12:59:34.011" v="2511" actId="20577"/>
+          <ac:spMkLst>
+            <pc:docMk/>
+            <pc:sldMk cId="2476237792" sldId="2741"/>
+            <ac:spMk id="2" creationId="{631AADB6-C88A-D817-4683-FC087E4E240F}"/>
+          </ac:spMkLst>
+        </pc:spChg>
+        <pc:spChg chg="mod">
+          <ac:chgData name="Xin Luo" userId="82312ee5779919a4" providerId="LiveId" clId="{82BFAA31-791A-9843-976C-3AAFAA5AC07D}" dt="2023-02-24T12:39:25.368" v="2008"/>
+          <ac:spMkLst>
+            <pc:docMk/>
+            <pc:sldMk cId="2476237792" sldId="2741"/>
+            <ac:spMk id="3" creationId="{00000000-0000-0000-0000-000000000000}"/>
+          </ac:spMkLst>
+        </pc:spChg>
+        <pc:spChg chg="mod">
+          <ac:chgData name="Xin Luo" userId="82312ee5779919a4" providerId="LiveId" clId="{82BFAA31-791A-9843-976C-3AAFAA5AC07D}" dt="2023-02-24T13:00:24.884" v="2578" actId="20577"/>
+          <ac:spMkLst>
+            <pc:docMk/>
+            <pc:sldMk cId="2476237792" sldId="2741"/>
+            <ac:spMk id="6" creationId="{6741FEA2-C046-FD82-2800-2CB513792080}"/>
+          </ac:spMkLst>
+        </pc:spChg>
+      </pc:sldChg>
     </pc:docChg>
   </pc:docChgLst>
   <pc:docChgLst>
@@ -7092,7 +7123,7 @@
               </a14:hiddenFill>
             </a:ext>
             <a:ext uri="{FAA26D3D-D897-4be2-8F04-BA451C77F1D7}">
-              <ma14:placeholderFlag xmlns="" xmlns:ma14="http://schemas.microsoft.com/office/mac/drawingml/2011/main" val="1"/>
+              <ma14:placeholderFlag xmlns:ma14="http://schemas.microsoft.com/office/mac/drawingml/2011/main" xmlns="" val="1"/>
             </a:ext>
           </a:extLst>
         </p:spPr>
@@ -7476,7 +7507,7 @@
               </a14:hiddenLine>
             </a:ext>
             <a:ext uri="{FAA26D3D-D897-4be2-8F04-BA451C77F1D7}">
-              <ma14:placeholderFlag xmlns="" xmlns:ma14="http://schemas.microsoft.com/office/mac/drawingml/2011/main" val="1"/>
+              <ma14:placeholderFlag xmlns:ma14="http://schemas.microsoft.com/office/mac/drawingml/2011/main" xmlns="" val="1"/>
             </a:ext>
           </a:extLst>
         </p:spPr>
@@ -10379,7 +10410,7 @@
               </a14:hiddenLine>
             </a:ext>
             <a:ext uri="{FAA26D3D-D897-4be2-8F04-BA451C77F1D7}">
-              <ma14:placeholderFlag xmlns="" xmlns:ma14="http://schemas.microsoft.com/office/mac/drawingml/2011/main" val="1"/>
+              <ma14:placeholderFlag xmlns:ma14="http://schemas.microsoft.com/office/mac/drawingml/2011/main" xmlns="" val="1"/>
             </a:ext>
           </a:extLst>
         </p:spPr>
@@ -14070,7 +14101,7 @@
               </a14:hiddenLine>
             </a:ext>
             <a:ext uri="{FAA26D3D-D897-4be2-8F04-BA451C77F1D7}">
-              <ma14:placeholderFlag xmlns="" xmlns:ma14="http://schemas.microsoft.com/office/mac/drawingml/2011/main" val="1"/>
+              <ma14:placeholderFlag xmlns:ma14="http://schemas.microsoft.com/office/mac/drawingml/2011/main" xmlns="" val="1"/>
             </a:ext>
           </a:extLst>
         </p:spPr>
@@ -20990,8 +21021,8 @@
         </p:nvSpPr>
         <p:spPr>
           <a:xfrm>
-            <a:off x="317665" y="1679990"/>
-            <a:ext cx="8508669" cy="4500656"/>
+            <a:off x="317666" y="1555297"/>
+            <a:ext cx="8508669" cy="4962320"/>
           </a:xfrm>
           <a:prstGeom prst="rect">
             <a:avLst/>
@@ -21047,7 +21078,7 @@
                 <a:latin typeface="+mn-ea"/>
                 <a:ea typeface="+mn-ea"/>
               </a:rPr>
-              <a:t>删除字段、要素面积、中心点等信息提取、根据地理信息创建矢量文件、</a:t>
+              <a:t>删除字段、要素面积、中心点等信息提取、根据地理信息创建矢量文件等。</a:t>
             </a:r>
             <a:endParaRPr lang="en-US" altLang="zh-CN" sz="2000" dirty="0">
               <a:solidFill>
@@ -21071,7 +21102,7 @@
                 <a:latin typeface="+mn-ea"/>
                 <a:ea typeface="+mn-ea"/>
               </a:rPr>
-              <a:t>ESPG</a:t>
+              <a:t>EPSG</a:t>
             </a:r>
             <a:r>
               <a:rPr lang="zh-CN" altLang="en-US" sz="2000" b="1" dirty="0">
@@ -21305,7 +21336,7 @@
                 <a:latin typeface="+mn-ea"/>
                 <a:ea typeface="+mn-ea"/>
               </a:rPr>
-              <a:t>：是</a:t>
+              <a:t>：是开放地理空间联盟（</a:t>
             </a:r>
             <a:r>
               <a:rPr lang="en-US" sz="2000" dirty="0">
@@ -21325,7 +21356,7 @@
                 <a:latin typeface="+mn-ea"/>
                 <a:ea typeface="+mn-ea"/>
               </a:rPr>
-              <a:t>制定的空间数据的组织规范，</a:t>
+              <a:t>）制定的空间数据的组织规范，</a:t>
             </a:r>
             <a:r>
               <a:rPr lang="en-US" sz="2000" dirty="0" err="1">
@@ -21395,7 +21426,7 @@
                 <a:latin typeface="+mn-ea"/>
                 <a:ea typeface="+mn-ea"/>
               </a:rPr>
-              <a:t>"POINT (</a:t>
+              <a:t>“POINT (</a:t>
             </a:r>
             <a:r>
               <a:rPr lang="en-US" altLang="zh-CN" sz="2000" dirty="0">
@@ -21435,9 +21466,19 @@
                 <a:latin typeface="+mn-ea"/>
                 <a:ea typeface="+mn-ea"/>
               </a:rPr>
-              <a:t>)"</a:t>
-            </a:r>
-            <a:endParaRPr lang="en-US" altLang="zh-CN" sz="2000" dirty="0">
+              <a:t>)”</a:t>
+            </a:r>
+            <a:r>
+              <a:rPr lang="zh-CN" altLang="en-US" sz="2000" dirty="0">
+                <a:solidFill>
+                  <a:srgbClr val="121212"/>
+                </a:solidFill>
+                <a:latin typeface="+mn-ea"/>
+                <a:ea typeface="+mn-ea"/>
+              </a:rPr>
+              <a:t>。</a:t>
+            </a:r>
+            <a:endParaRPr lang="en-US" sz="2000" dirty="0">
               <a:solidFill>
                 <a:srgbClr val="121212"/>
               </a:solidFill>

--- a/第4章-矢量数据处理-8课时/第4章-矢量数据处理.pptx
+++ b/第4章-矢量数据处理-8课时/第4章-矢量数据处理.pptx
@@ -13,8 +13,8 @@
   </p:handoutMasterIdLst>
   <p:sldIdLst>
     <p:sldId id="2708" r:id="rId3"/>
-    <p:sldId id="2387" r:id="rId4"/>
-    <p:sldId id="2770" r:id="rId5"/>
+    <p:sldId id="2770" r:id="rId4"/>
+    <p:sldId id="2387" r:id="rId5"/>
     <p:sldId id="2447" r:id="rId6"/>
     <p:sldId id="2744" r:id="rId7"/>
     <p:sldId id="2751" r:id="rId8"/>
@@ -448,7 +448,7 @@
 <file path=ppt/revisionInfo.xml><?xml version="1.0" encoding="utf-8"?>
 <p1510:revInfo xmlns:a="http://schemas.openxmlformats.org/drawingml/2006/main" xmlns:r="http://schemas.openxmlformats.org/officeDocument/2006/relationships" xmlns:p1510="http://schemas.microsoft.com/office/powerpoint/2015/10/main">
   <p1510:revLst>
-    <p1510:client id="{BB46F696-05A3-E847-981C-1ABF183D4160}" v="2" dt="2023-08-23T11:03:00.153"/>
+    <p1510:client id="{F39FD8EC-B3B0-744A-BAD0-DA61AA840DC4}" v="3" dt="2023-09-24T13:56:20.041"/>
   </p1510:revLst>
 </p1510:revInfo>
 </file>
@@ -1553,6 +1553,37 @@
             <ac:spMk id="6" creationId="{DA984439-1B23-1931-1979-ECF8DE9D6DCA}"/>
           </ac:spMkLst>
         </pc:spChg>
+      </pc:sldChg>
+    </pc:docChg>
+  </pc:docChgLst>
+  <pc:docChgLst>
+    <pc:chgData name="Xin Luo" userId="82312ee5779919a4" providerId="LiveId" clId="{F39FD8EC-B3B0-744A-BAD0-DA61AA840DC4}"/>
+    <pc:docChg chg="custSel addSld delSld modSld">
+      <pc:chgData name="Xin Luo" userId="82312ee5779919a4" providerId="LiveId" clId="{F39FD8EC-B3B0-744A-BAD0-DA61AA840DC4}" dt="2023-09-24T13:56:24.236" v="64" actId="2696"/>
+      <pc:docMkLst>
+        <pc:docMk/>
+      </pc:docMkLst>
+      <pc:sldChg chg="modSp mod">
+        <pc:chgData name="Xin Luo" userId="82312ee5779919a4" providerId="LiveId" clId="{F39FD8EC-B3B0-744A-BAD0-DA61AA840DC4}" dt="2023-09-24T13:53:44.986" v="62" actId="313"/>
+        <pc:sldMkLst>
+          <pc:docMk/>
+          <pc:sldMk cId="782854285" sldId="2767"/>
+        </pc:sldMkLst>
+        <pc:spChg chg="mod">
+          <ac:chgData name="Xin Luo" userId="82312ee5779919a4" providerId="LiveId" clId="{F39FD8EC-B3B0-744A-BAD0-DA61AA840DC4}" dt="2023-09-24T13:53:44.986" v="62" actId="313"/>
+          <ac:spMkLst>
+            <pc:docMk/>
+            <pc:sldMk cId="782854285" sldId="2767"/>
+            <ac:spMk id="5" creationId="{78502774-B04C-634F-1396-E5815996BC36}"/>
+          </ac:spMkLst>
+        </pc:spChg>
+      </pc:sldChg>
+      <pc:sldChg chg="add del">
+        <pc:chgData name="Xin Luo" userId="82312ee5779919a4" providerId="LiveId" clId="{F39FD8EC-B3B0-744A-BAD0-DA61AA840DC4}" dt="2023-09-24T13:56:24.236" v="64" actId="2696"/>
+        <pc:sldMkLst>
+          <pc:docMk/>
+          <pc:sldMk cId="1493379628" sldId="2771"/>
+        </pc:sldMkLst>
       </pc:sldChg>
     </pc:docChg>
   </pc:docChgLst>
@@ -7092,7 +7123,7 @@
               </a14:hiddenFill>
             </a:ext>
             <a:ext uri="{FAA26D3D-D897-4be2-8F04-BA451C77F1D7}">
-              <ma14:placeholderFlag xmlns="" xmlns:ma14="http://schemas.microsoft.com/office/mac/drawingml/2011/main" val="1"/>
+              <ma14:placeholderFlag xmlns:ma14="http://schemas.microsoft.com/office/mac/drawingml/2011/main" xmlns="" val="1"/>
             </a:ext>
           </a:extLst>
         </p:spPr>
@@ -7476,7 +7507,7 @@
               </a14:hiddenLine>
             </a:ext>
             <a:ext uri="{FAA26D3D-D897-4be2-8F04-BA451C77F1D7}">
-              <ma14:placeholderFlag xmlns="" xmlns:ma14="http://schemas.microsoft.com/office/mac/drawingml/2011/main" val="1"/>
+              <ma14:placeholderFlag xmlns:ma14="http://schemas.microsoft.com/office/mac/drawingml/2011/main" xmlns="" val="1"/>
             </a:ext>
           </a:extLst>
         </p:spPr>
@@ -8102,7 +8133,7 @@
                 </a:solidFill>
               </a:rPr>
               <a:pPr/>
-              <a:t>2</a:t>
+              <a:t>3</a:t>
             </a:fld>
             <a:endParaRPr lang="zh-CN" altLang="en-US">
               <a:solidFill>
@@ -10379,7 +10410,7 @@
               </a14:hiddenLine>
             </a:ext>
             <a:ext uri="{FAA26D3D-D897-4be2-8F04-BA451C77F1D7}">
-              <ma14:placeholderFlag xmlns="" xmlns:ma14="http://schemas.microsoft.com/office/mac/drawingml/2011/main" val="1"/>
+              <ma14:placeholderFlag xmlns:ma14="http://schemas.microsoft.com/office/mac/drawingml/2011/main" xmlns="" val="1"/>
             </a:ext>
           </a:extLst>
         </p:spPr>
@@ -14070,7 +14101,7 @@
               </a14:hiddenLine>
             </a:ext>
             <a:ext uri="{FAA26D3D-D897-4be2-8F04-BA451C77F1D7}">
-              <ma14:placeholderFlag xmlns="" xmlns:ma14="http://schemas.microsoft.com/office/mac/drawingml/2011/main" val="1"/>
+              <ma14:placeholderFlag xmlns:ma14="http://schemas.microsoft.com/office/mac/drawingml/2011/main" xmlns="" val="1"/>
             </a:ext>
           </a:extLst>
         </p:spPr>
@@ -20990,8 +21021,8 @@
         </p:nvSpPr>
         <p:spPr>
           <a:xfrm>
-            <a:off x="317665" y="1679990"/>
-            <a:ext cx="8508669" cy="4500656"/>
+            <a:off x="317666" y="1555297"/>
+            <a:ext cx="8508669" cy="4962320"/>
           </a:xfrm>
           <a:prstGeom prst="rect">
             <a:avLst/>
@@ -21047,7 +21078,7 @@
                 <a:latin typeface="+mn-ea"/>
                 <a:ea typeface="+mn-ea"/>
               </a:rPr>
-              <a:t>删除字段、要素面积、中心点等信息提取、根据地理信息创建矢量文件、</a:t>
+              <a:t>删除字段、要素面积、中心点等信息提取、根据地理信息创建矢量文件等。</a:t>
             </a:r>
             <a:endParaRPr lang="en-US" altLang="zh-CN" sz="2000" dirty="0">
               <a:solidFill>
@@ -21071,7 +21102,7 @@
                 <a:latin typeface="+mn-ea"/>
                 <a:ea typeface="+mn-ea"/>
               </a:rPr>
-              <a:t>ESPG</a:t>
+              <a:t>EPSG</a:t>
             </a:r>
             <a:r>
               <a:rPr lang="zh-CN" altLang="en-US" sz="2000" b="1" dirty="0">
@@ -21305,7 +21336,7 @@
                 <a:latin typeface="+mn-ea"/>
                 <a:ea typeface="+mn-ea"/>
               </a:rPr>
-              <a:t>：是</a:t>
+              <a:t>：是开放地理空间联盟（</a:t>
             </a:r>
             <a:r>
               <a:rPr lang="en-US" sz="2000" dirty="0">
@@ -21325,7 +21356,7 @@
                 <a:latin typeface="+mn-ea"/>
                 <a:ea typeface="+mn-ea"/>
               </a:rPr>
-              <a:t>制定的空间数据的组织规范，</a:t>
+              <a:t>）制定的空间数据的组织规范，</a:t>
             </a:r>
             <a:r>
               <a:rPr lang="en-US" sz="2000" dirty="0" err="1">
@@ -21395,7 +21426,7 @@
                 <a:latin typeface="+mn-ea"/>
                 <a:ea typeface="+mn-ea"/>
               </a:rPr>
-              <a:t>"POINT (</a:t>
+              <a:t>“POINT (</a:t>
             </a:r>
             <a:r>
               <a:rPr lang="en-US" altLang="zh-CN" sz="2000" dirty="0">
@@ -21435,9 +21466,19 @@
                 <a:latin typeface="+mn-ea"/>
                 <a:ea typeface="+mn-ea"/>
               </a:rPr>
-              <a:t>)"</a:t>
-            </a:r>
-            <a:endParaRPr lang="en-US" altLang="zh-CN" sz="2000" dirty="0">
+              <a:t>)”</a:t>
+            </a:r>
+            <a:r>
+              <a:rPr lang="zh-CN" altLang="en-US" sz="2000" dirty="0">
+                <a:solidFill>
+                  <a:srgbClr val="121212"/>
+                </a:solidFill>
+                <a:latin typeface="+mn-ea"/>
+                <a:ea typeface="+mn-ea"/>
+              </a:rPr>
+              <a:t>。</a:t>
+            </a:r>
+            <a:endParaRPr lang="en-US" sz="2000" dirty="0">
               <a:solidFill>
                 <a:srgbClr val="121212"/>
               </a:solidFill>
@@ -21799,6 +21840,163 @@
 </file>
 
 <file path=ppt/slides/slide2.xml><?xml version="1.0" encoding="utf-8"?>
+<p:sld xmlns:a="http://schemas.openxmlformats.org/drawingml/2006/main" xmlns:r="http://schemas.openxmlformats.org/officeDocument/2006/relationships" xmlns:p="http://schemas.openxmlformats.org/presentationml/2006/main">
+  <p:cSld>
+    <p:spTree>
+      <p:nvGrpSpPr>
+        <p:cNvPr id="1" name=""/>
+        <p:cNvGrpSpPr/>
+        <p:nvPr/>
+      </p:nvGrpSpPr>
+      <p:grpSpPr>
+        <a:xfrm>
+          <a:off x="0" y="0"/>
+          <a:ext cx="0" cy="0"/>
+          <a:chOff x="0" y="0"/>
+          <a:chExt cx="0" cy="0"/>
+        </a:xfrm>
+      </p:grpSpPr>
+      <p:sp>
+        <p:nvSpPr>
+          <p:cNvPr id="2" name="灯片编号占位符 1">
+            <a:extLst>
+              <a:ext uri="{FF2B5EF4-FFF2-40B4-BE49-F238E27FC236}">
+                <a16:creationId xmlns:a16="http://schemas.microsoft.com/office/drawing/2014/main" id="{800D5C55-7D66-0F94-449B-87E1D80160C1}"/>
+              </a:ext>
+            </a:extLst>
+          </p:cNvPr>
+          <p:cNvSpPr>
+            <a:spLocks noGrp="1"/>
+          </p:cNvSpPr>
+          <p:nvPr>
+            <p:ph type="sldNum" sz="quarter" idx="12"/>
+          </p:nvPr>
+        </p:nvSpPr>
+        <p:spPr/>
+        <p:txBody>
+          <a:bodyPr/>
+          <a:lstStyle/>
+          <a:p>
+            <a:r>
+              <a:rPr lang="en-US" altLang="zh-CN">
+                <a:solidFill>
+                  <a:prstClr val="black">
+                    <a:tint val="75000"/>
+                  </a:prstClr>
+                </a:solidFill>
+              </a:rPr>
+              <a:t>Page </a:t>
+            </a:r>
+            <a:fld id="{5B7D6B44-8869-44D6-9B46-FD9D3C769EB1}" type="slidenum">
+              <a:rPr lang="zh-CN" altLang="en-US" smtClean="0">
+                <a:solidFill>
+                  <a:prstClr val="black">
+                    <a:tint val="75000"/>
+                  </a:prstClr>
+                </a:solidFill>
+              </a:rPr>
+              <a:pPr/>
+              <a:t>2</a:t>
+            </a:fld>
+            <a:endParaRPr lang="zh-CN" altLang="en-US">
+              <a:solidFill>
+                <a:prstClr val="black">
+                  <a:tint val="75000"/>
+                </a:prstClr>
+              </a:solidFill>
+            </a:endParaRPr>
+          </a:p>
+        </p:txBody>
+      </p:sp>
+      <p:sp>
+        <p:nvSpPr>
+          <p:cNvPr id="3" name="标题 2">
+            <a:extLst>
+              <a:ext uri="{FF2B5EF4-FFF2-40B4-BE49-F238E27FC236}">
+                <a16:creationId xmlns:a16="http://schemas.microsoft.com/office/drawing/2014/main" id="{C78CE539-A894-95F1-88A5-7745BA44DE40}"/>
+              </a:ext>
+            </a:extLst>
+          </p:cNvPr>
+          <p:cNvSpPr>
+            <a:spLocks noGrp="1"/>
+          </p:cNvSpPr>
+          <p:nvPr>
+            <p:ph type="title"/>
+          </p:nvPr>
+        </p:nvSpPr>
+        <p:spPr/>
+        <p:txBody>
+          <a:bodyPr/>
+          <a:lstStyle/>
+          <a:p>
+            <a:endParaRPr lang="zh-CN" altLang="en-US"/>
+          </a:p>
+        </p:txBody>
+      </p:sp>
+      <p:sp>
+        <p:nvSpPr>
+          <p:cNvPr id="4" name="文本框 3">
+            <a:extLst>
+              <a:ext uri="{FF2B5EF4-FFF2-40B4-BE49-F238E27FC236}">
+                <a16:creationId xmlns:a16="http://schemas.microsoft.com/office/drawing/2014/main" id="{2B283556-29FF-A610-28AC-B833CF4B5291}"/>
+              </a:ext>
+            </a:extLst>
+          </p:cNvPr>
+          <p:cNvSpPr txBox="1"/>
+          <p:nvPr/>
+        </p:nvSpPr>
+        <p:spPr>
+          <a:xfrm>
+            <a:off x="84788" y="3010485"/>
+            <a:ext cx="8805616" cy="1107996"/>
+          </a:xfrm>
+          <a:prstGeom prst="rect">
+            <a:avLst/>
+          </a:prstGeom>
+          <a:noFill/>
+        </p:spPr>
+        <p:txBody>
+          <a:bodyPr wrap="none" rtlCol="0">
+            <a:spAutoFit/>
+          </a:bodyPr>
+          <a:lstStyle/>
+          <a:p>
+            <a:r>
+              <a:rPr lang="zh-CN" altLang="en-US" sz="6600" b="1" dirty="0">
+                <a:solidFill>
+                  <a:srgbClr val="FF0000"/>
+                </a:solidFill>
+              </a:rPr>
+              <a:t>腾讯会议：</a:t>
+            </a:r>
+            <a:r>
+              <a:rPr lang="en-US" altLang="zh-CN" sz="6600" b="1" dirty="0">
+                <a:solidFill>
+                  <a:srgbClr val="FF0000"/>
+                </a:solidFill>
+              </a:rPr>
+              <a:t>347-339-534</a:t>
+            </a:r>
+          </a:p>
+        </p:txBody>
+      </p:sp>
+    </p:spTree>
+    <p:extLst>
+      <p:ext uri="{BB962C8B-B14F-4D97-AF65-F5344CB8AC3E}">
+        <p14:creationId xmlns:p14="http://schemas.microsoft.com/office/powerpoint/2010/main" val="953918551"/>
+      </p:ext>
+    </p:extLst>
+  </p:cSld>
+  <p:clrMapOvr>
+    <a:masterClrMapping/>
+  </p:clrMapOvr>
+  <p:transition>
+    <p:fade/>
+  </p:transition>
+</p:sld>
+</file>
+
+<file path=ppt/slides/slide3.xml><?xml version="1.0" encoding="utf-8"?>
 <p:sld xmlns:a="http://schemas.openxmlformats.org/drawingml/2006/main" xmlns:r="http://schemas.openxmlformats.org/officeDocument/2006/relationships" xmlns:p="http://schemas.openxmlformats.org/presentationml/2006/main" showMasterSp="0">
   <p:cSld>
     <p:spTree>
@@ -22335,168 +22533,6 @@
     <p:extLst>
       <p:ext uri="{BB962C8B-B14F-4D97-AF65-F5344CB8AC3E}">
         <p14:creationId xmlns:p14="http://schemas.microsoft.com/office/powerpoint/2010/main" val="1576120367"/>
-      </p:ext>
-    </p:extLst>
-  </p:cSld>
-  <p:clrMapOvr>
-    <a:masterClrMapping/>
-  </p:clrMapOvr>
-  <p:transition>
-    <p:fade/>
-  </p:transition>
-</p:sld>
-</file>
-
-<file path=ppt/slides/slide3.xml><?xml version="1.0" encoding="utf-8"?>
-<p:sld xmlns:a="http://schemas.openxmlformats.org/drawingml/2006/main" xmlns:r="http://schemas.openxmlformats.org/officeDocument/2006/relationships" xmlns:p="http://schemas.openxmlformats.org/presentationml/2006/main">
-  <p:cSld>
-    <p:spTree>
-      <p:nvGrpSpPr>
-        <p:cNvPr id="1" name=""/>
-        <p:cNvGrpSpPr/>
-        <p:nvPr/>
-      </p:nvGrpSpPr>
-      <p:grpSpPr>
-        <a:xfrm>
-          <a:off x="0" y="0"/>
-          <a:ext cx="0" cy="0"/>
-          <a:chOff x="0" y="0"/>
-          <a:chExt cx="0" cy="0"/>
-        </a:xfrm>
-      </p:grpSpPr>
-      <p:sp>
-        <p:nvSpPr>
-          <p:cNvPr id="2" name="灯片编号占位符 1">
-            <a:extLst>
-              <a:ext uri="{FF2B5EF4-FFF2-40B4-BE49-F238E27FC236}">
-                <a16:creationId xmlns:a16="http://schemas.microsoft.com/office/drawing/2014/main" id="{800D5C55-7D66-0F94-449B-87E1D80160C1}"/>
-              </a:ext>
-            </a:extLst>
-          </p:cNvPr>
-          <p:cNvSpPr>
-            <a:spLocks noGrp="1"/>
-          </p:cNvSpPr>
-          <p:nvPr>
-            <p:ph type="sldNum" sz="quarter" idx="12"/>
-          </p:nvPr>
-        </p:nvSpPr>
-        <p:spPr/>
-        <p:txBody>
-          <a:bodyPr/>
-          <a:lstStyle/>
-          <a:p>
-            <a:r>
-              <a:rPr lang="en-US" altLang="zh-CN">
-                <a:solidFill>
-                  <a:prstClr val="black">
-                    <a:tint val="75000"/>
-                  </a:prstClr>
-                </a:solidFill>
-              </a:rPr>
-              <a:t>Page </a:t>
-            </a:r>
-            <a:fld id="{5B7D6B44-8869-44D6-9B46-FD9D3C769EB1}" type="slidenum">
-              <a:rPr lang="zh-CN" altLang="en-US" smtClean="0">
-                <a:solidFill>
-                  <a:prstClr val="black">
-                    <a:tint val="75000"/>
-                  </a:prstClr>
-                </a:solidFill>
-              </a:rPr>
-              <a:pPr/>
-              <a:t>3</a:t>
-            </a:fld>
-            <a:endParaRPr lang="zh-CN" altLang="en-US">
-              <a:solidFill>
-                <a:prstClr val="black">
-                  <a:tint val="75000"/>
-                </a:prstClr>
-              </a:solidFill>
-            </a:endParaRPr>
-          </a:p>
-        </p:txBody>
-      </p:sp>
-      <p:sp>
-        <p:nvSpPr>
-          <p:cNvPr id="3" name="标题 2">
-            <a:extLst>
-              <a:ext uri="{FF2B5EF4-FFF2-40B4-BE49-F238E27FC236}">
-                <a16:creationId xmlns:a16="http://schemas.microsoft.com/office/drawing/2014/main" id="{C78CE539-A894-95F1-88A5-7745BA44DE40}"/>
-              </a:ext>
-            </a:extLst>
-          </p:cNvPr>
-          <p:cNvSpPr>
-            <a:spLocks noGrp="1"/>
-          </p:cNvSpPr>
-          <p:nvPr>
-            <p:ph type="title"/>
-          </p:nvPr>
-        </p:nvSpPr>
-        <p:spPr/>
-        <p:txBody>
-          <a:bodyPr/>
-          <a:lstStyle/>
-          <a:p>
-            <a:endParaRPr lang="zh-CN" altLang="en-US"/>
-          </a:p>
-        </p:txBody>
-      </p:sp>
-      <p:sp>
-        <p:nvSpPr>
-          <p:cNvPr id="4" name="文本框 3">
-            <a:extLst>
-              <a:ext uri="{FF2B5EF4-FFF2-40B4-BE49-F238E27FC236}">
-                <a16:creationId xmlns:a16="http://schemas.microsoft.com/office/drawing/2014/main" id="{2B283556-29FF-A610-28AC-B833CF4B5291}"/>
-              </a:ext>
-            </a:extLst>
-          </p:cNvPr>
-          <p:cNvSpPr txBox="1"/>
-          <p:nvPr/>
-        </p:nvSpPr>
-        <p:spPr>
-          <a:xfrm>
-            <a:off x="84788" y="3010485"/>
-            <a:ext cx="8805616" cy="1107996"/>
-          </a:xfrm>
-          <a:prstGeom prst="rect">
-            <a:avLst/>
-          </a:prstGeom>
-          <a:noFill/>
-        </p:spPr>
-        <p:txBody>
-          <a:bodyPr wrap="none" rtlCol="0">
-            <a:spAutoFit/>
-          </a:bodyPr>
-          <a:lstStyle/>
-          <a:p>
-            <a:r>
-              <a:rPr lang="zh-CN" altLang="en-US" sz="6600" b="1" dirty="0">
-                <a:solidFill>
-                  <a:srgbClr val="FF0000"/>
-                </a:solidFill>
-              </a:rPr>
-              <a:t>腾讯会议：</a:t>
-            </a:r>
-            <a:r>
-              <a:rPr lang="en-US" altLang="zh-CN" sz="6600" b="1" dirty="0">
-                <a:solidFill>
-                  <a:srgbClr val="FF0000"/>
-                </a:solidFill>
-              </a:rPr>
-              <a:t>392-863-563</a:t>
-            </a:r>
-            <a:endParaRPr lang="zh-CN" altLang="en-US" sz="6600" b="1" dirty="0">
-              <a:solidFill>
-                <a:srgbClr val="FF0000"/>
-              </a:solidFill>
-            </a:endParaRPr>
-          </a:p>
-        </p:txBody>
-      </p:sp>
-    </p:spTree>
-    <p:extLst>
-      <p:ext uri="{BB962C8B-B14F-4D97-AF65-F5344CB8AC3E}">
-        <p14:creationId xmlns:p14="http://schemas.microsoft.com/office/powerpoint/2010/main" val="953918551"/>
       </p:ext>
     </p:extLst>
   </p:cSld>

--- a/第4章-矢量数据处理-8课时/第4章-矢量数据处理.pptx
+++ b/第4章-矢量数据处理-8课时/第4章-矢量数据处理.pptx
@@ -13,8 +13,8 @@
   </p:handoutMasterIdLst>
   <p:sldIdLst>
     <p:sldId id="2708" r:id="rId3"/>
-    <p:sldId id="2387" r:id="rId4"/>
-    <p:sldId id="2770" r:id="rId5"/>
+    <p:sldId id="2770" r:id="rId4"/>
+    <p:sldId id="2387" r:id="rId5"/>
     <p:sldId id="2447" r:id="rId6"/>
     <p:sldId id="2744" r:id="rId7"/>
     <p:sldId id="2751" r:id="rId8"/>
@@ -891,6 +891,727 @@
     </pc:docChg>
   </pc:docChgLst>
   <pc:docChgLst>
+    <pc:chgData name="Xin Luo" userId="82312ee5779919a4" providerId="LiveId" clId="{8BA8C8C7-2517-3646-951D-48296B93037A}"/>
+    <pc:docChg chg="undo custSel addSld delSld modSld sldOrd">
+      <pc:chgData name="Xin Luo" userId="82312ee5779919a4" providerId="LiveId" clId="{8BA8C8C7-2517-3646-951D-48296B93037A}" dt="2023-03-13T10:46:23.938" v="2088" actId="20577"/>
+      <pc:docMkLst>
+        <pc:docMk/>
+      </pc:docMkLst>
+      <pc:sldChg chg="modSp mod">
+        <pc:chgData name="Xin Luo" userId="82312ee5779919a4" providerId="LiveId" clId="{8BA8C8C7-2517-3646-951D-48296B93037A}" dt="2023-02-28T06:07:00.105" v="66" actId="20577"/>
+        <pc:sldMkLst>
+          <pc:docMk/>
+          <pc:sldMk cId="1576120367" sldId="2387"/>
+        </pc:sldMkLst>
+        <pc:spChg chg="mod">
+          <ac:chgData name="Xin Luo" userId="82312ee5779919a4" providerId="LiveId" clId="{8BA8C8C7-2517-3646-951D-48296B93037A}" dt="2023-02-28T06:07:00.105" v="66" actId="20577"/>
+          <ac:spMkLst>
+            <pc:docMk/>
+            <pc:sldMk cId="1576120367" sldId="2387"/>
+            <ac:spMk id="12" creationId="{00000000-0000-0000-0000-000000000000}"/>
+          </ac:spMkLst>
+        </pc:spChg>
+        <pc:spChg chg="mod">
+          <ac:chgData name="Xin Luo" userId="82312ee5779919a4" providerId="LiveId" clId="{8BA8C8C7-2517-3646-951D-48296B93037A}" dt="2023-02-28T06:06:51.443" v="40" actId="20577"/>
+          <ac:spMkLst>
+            <pc:docMk/>
+            <pc:sldMk cId="1576120367" sldId="2387"/>
+            <ac:spMk id="14" creationId="{00000000-0000-0000-0000-000000000000}"/>
+          </ac:spMkLst>
+        </pc:spChg>
+      </pc:sldChg>
+      <pc:sldChg chg="modSp mod">
+        <pc:chgData name="Xin Luo" userId="82312ee5779919a4" providerId="LiveId" clId="{8BA8C8C7-2517-3646-951D-48296B93037A}" dt="2023-02-28T06:02:43.468" v="25" actId="20577"/>
+        <pc:sldMkLst>
+          <pc:docMk/>
+          <pc:sldMk cId="1658607177" sldId="2708"/>
+        </pc:sldMkLst>
+        <pc:spChg chg="mod">
+          <ac:chgData name="Xin Luo" userId="82312ee5779919a4" providerId="LiveId" clId="{8BA8C8C7-2517-3646-951D-48296B93037A}" dt="2023-02-28T06:02:43.468" v="25" actId="20577"/>
+          <ac:spMkLst>
+            <pc:docMk/>
+            <pc:sldMk cId="1658607177" sldId="2708"/>
+            <ac:spMk id="24" creationId="{00000000-0000-0000-0000-000000000000}"/>
+          </ac:spMkLst>
+        </pc:spChg>
+      </pc:sldChg>
+      <pc:sldChg chg="modSp add del mod">
+        <pc:chgData name="Xin Luo" userId="82312ee5779919a4" providerId="LiveId" clId="{8BA8C8C7-2517-3646-951D-48296B93037A}" dt="2023-03-13T10:46:23.938" v="2088" actId="20577"/>
+        <pc:sldMkLst>
+          <pc:docMk/>
+          <pc:sldMk cId="1209572041" sldId="2722"/>
+        </pc:sldMkLst>
+        <pc:spChg chg="mod">
+          <ac:chgData name="Xin Luo" userId="82312ee5779919a4" providerId="LiveId" clId="{8BA8C8C7-2517-3646-951D-48296B93037A}" dt="2023-02-28T06:13:02.270" v="222" actId="20577"/>
+          <ac:spMkLst>
+            <pc:docMk/>
+            <pc:sldMk cId="1209572041" sldId="2722"/>
+            <ac:spMk id="11" creationId="{53A7E693-8098-76C4-CD5D-47166ABEB164}"/>
+          </ac:spMkLst>
+        </pc:spChg>
+        <pc:spChg chg="mod">
+          <ac:chgData name="Xin Luo" userId="82312ee5779919a4" providerId="LiveId" clId="{8BA8C8C7-2517-3646-951D-48296B93037A}" dt="2023-03-13T10:46:23.938" v="2088" actId="20577"/>
+          <ac:spMkLst>
+            <pc:docMk/>
+            <pc:sldMk cId="1209572041" sldId="2722"/>
+            <ac:spMk id="13" creationId="{303BC878-BC57-D350-27A3-F03AE48213AC}"/>
+          </ac:spMkLst>
+        </pc:spChg>
+      </pc:sldChg>
+      <pc:sldChg chg="modSp mod">
+        <pc:chgData name="Xin Luo" userId="82312ee5779919a4" providerId="LiveId" clId="{8BA8C8C7-2517-3646-951D-48296B93037A}" dt="2023-02-28T06:07:14.771" v="81" actId="20577"/>
+        <pc:sldMkLst>
+          <pc:docMk/>
+          <pc:sldMk cId="393940605" sldId="2742"/>
+        </pc:sldMkLst>
+        <pc:spChg chg="mod">
+          <ac:chgData name="Xin Luo" userId="82312ee5779919a4" providerId="LiveId" clId="{8BA8C8C7-2517-3646-951D-48296B93037A}" dt="2023-02-28T06:07:14.771" v="81" actId="20577"/>
+          <ac:spMkLst>
+            <pc:docMk/>
+            <pc:sldMk cId="393940605" sldId="2742"/>
+            <ac:spMk id="7" creationId="{00000000-0000-0000-0000-000000000000}"/>
+          </ac:spMkLst>
+        </pc:spChg>
+      </pc:sldChg>
+      <pc:sldChg chg="modSp mod ord">
+        <pc:chgData name="Xin Luo" userId="82312ee5779919a4" providerId="LiveId" clId="{8BA8C8C7-2517-3646-951D-48296B93037A}" dt="2023-02-28T06:08:18.980" v="128" actId="20577"/>
+        <pc:sldMkLst>
+          <pc:docMk/>
+          <pc:sldMk cId="3175231995" sldId="2743"/>
+        </pc:sldMkLst>
+        <pc:spChg chg="mod">
+          <ac:chgData name="Xin Luo" userId="82312ee5779919a4" providerId="LiveId" clId="{8BA8C8C7-2517-3646-951D-48296B93037A}" dt="2023-02-28T06:08:18.980" v="128" actId="20577"/>
+          <ac:spMkLst>
+            <pc:docMk/>
+            <pc:sldMk cId="3175231995" sldId="2743"/>
+            <ac:spMk id="7" creationId="{00000000-0000-0000-0000-000000000000}"/>
+          </ac:spMkLst>
+        </pc:spChg>
+      </pc:sldChg>
+      <pc:sldChg chg="del">
+        <pc:chgData name="Xin Luo" userId="82312ee5779919a4" providerId="LiveId" clId="{8BA8C8C7-2517-3646-951D-48296B93037A}" dt="2023-02-28T06:12:32.846" v="191" actId="2696"/>
+        <pc:sldMkLst>
+          <pc:docMk/>
+          <pc:sldMk cId="2345376688" sldId="2745"/>
+        </pc:sldMkLst>
+      </pc:sldChg>
+      <pc:sldChg chg="del">
+        <pc:chgData name="Xin Luo" userId="82312ee5779919a4" providerId="LiveId" clId="{8BA8C8C7-2517-3646-951D-48296B93037A}" dt="2023-02-28T06:07:32.726" v="99" actId="2696"/>
+        <pc:sldMkLst>
+          <pc:docMk/>
+          <pc:sldMk cId="580867947" sldId="2747"/>
+        </pc:sldMkLst>
+      </pc:sldChg>
+      <pc:sldChg chg="modSp mod">
+        <pc:chgData name="Xin Luo" userId="82312ee5779919a4" providerId="LiveId" clId="{8BA8C8C7-2517-3646-951D-48296B93037A}" dt="2023-03-05T03:24:16.561" v="315" actId="113"/>
+        <pc:sldMkLst>
+          <pc:docMk/>
+          <pc:sldMk cId="2245643700" sldId="2751"/>
+        </pc:sldMkLst>
+        <pc:spChg chg="mod">
+          <ac:chgData name="Xin Luo" userId="82312ee5779919a4" providerId="LiveId" clId="{8BA8C8C7-2517-3646-951D-48296B93037A}" dt="2023-03-05T03:24:16.561" v="315" actId="113"/>
+          <ac:spMkLst>
+            <pc:docMk/>
+            <pc:sldMk cId="2245643700" sldId="2751"/>
+            <ac:spMk id="4" creationId="{5890849C-B6D7-E82C-6F19-E8BC73B44DEE}"/>
+          </ac:spMkLst>
+        </pc:spChg>
+      </pc:sldChg>
+      <pc:sldChg chg="modSp mod">
+        <pc:chgData name="Xin Luo" userId="82312ee5779919a4" providerId="LiveId" clId="{8BA8C8C7-2517-3646-951D-48296B93037A}" dt="2023-03-05T05:51:21.234" v="360" actId="115"/>
+        <pc:sldMkLst>
+          <pc:docMk/>
+          <pc:sldMk cId="3400956243" sldId="2752"/>
+        </pc:sldMkLst>
+        <pc:spChg chg="mod">
+          <ac:chgData name="Xin Luo" userId="82312ee5779919a4" providerId="LiveId" clId="{8BA8C8C7-2517-3646-951D-48296B93037A}" dt="2023-03-05T05:51:12.017" v="359" actId="115"/>
+          <ac:spMkLst>
+            <pc:docMk/>
+            <pc:sldMk cId="3400956243" sldId="2752"/>
+            <ac:spMk id="2" creationId="{631AADB6-C88A-D817-4683-FC087E4E240F}"/>
+          </ac:spMkLst>
+        </pc:spChg>
+        <pc:spChg chg="mod">
+          <ac:chgData name="Xin Luo" userId="82312ee5779919a4" providerId="LiveId" clId="{8BA8C8C7-2517-3646-951D-48296B93037A}" dt="2023-03-05T05:51:21.234" v="360" actId="115"/>
+          <ac:spMkLst>
+            <pc:docMk/>
+            <pc:sldMk cId="3400956243" sldId="2752"/>
+            <ac:spMk id="5" creationId="{78502774-B04C-634F-1396-E5815996BC36}"/>
+          </ac:spMkLst>
+        </pc:spChg>
+      </pc:sldChg>
+      <pc:sldChg chg="modSp del mod">
+        <pc:chgData name="Xin Luo" userId="82312ee5779919a4" providerId="LiveId" clId="{8BA8C8C7-2517-3646-951D-48296B93037A}" dt="2023-02-28T06:12:32.814" v="188" actId="2696"/>
+        <pc:sldMkLst>
+          <pc:docMk/>
+          <pc:sldMk cId="3929071932" sldId="2753"/>
+        </pc:sldMkLst>
+        <pc:spChg chg="mod">
+          <ac:chgData name="Xin Luo" userId="82312ee5779919a4" providerId="LiveId" clId="{8BA8C8C7-2517-3646-951D-48296B93037A}" dt="2023-02-28T06:11:32.799" v="187" actId="20577"/>
+          <ac:spMkLst>
+            <pc:docMk/>
+            <pc:sldMk cId="3929071932" sldId="2753"/>
+            <ac:spMk id="5" creationId="{78502774-B04C-634F-1396-E5815996BC36}"/>
+          </ac:spMkLst>
+        </pc:spChg>
+      </pc:sldChg>
+      <pc:sldChg chg="modSp mod">
+        <pc:chgData name="Xin Luo" userId="82312ee5779919a4" providerId="LiveId" clId="{8BA8C8C7-2517-3646-951D-48296B93037A}" dt="2023-03-05T05:48:42.120" v="322" actId="1036"/>
+        <pc:sldMkLst>
+          <pc:docMk/>
+          <pc:sldMk cId="1157508697" sldId="2757"/>
+        </pc:sldMkLst>
+        <pc:spChg chg="mod">
+          <ac:chgData name="Xin Luo" userId="82312ee5779919a4" providerId="LiveId" clId="{8BA8C8C7-2517-3646-951D-48296B93037A}" dt="2023-02-28T06:07:24.216" v="98" actId="20577"/>
+          <ac:spMkLst>
+            <pc:docMk/>
+            <pc:sldMk cId="1157508697" sldId="2757"/>
+            <ac:spMk id="3" creationId="{00000000-0000-0000-0000-000000000000}"/>
+          </ac:spMkLst>
+        </pc:spChg>
+        <pc:spChg chg="mod">
+          <ac:chgData name="Xin Luo" userId="82312ee5779919a4" providerId="LiveId" clId="{8BA8C8C7-2517-3646-951D-48296B93037A}" dt="2023-03-05T05:48:42.120" v="322" actId="1036"/>
+          <ac:spMkLst>
+            <pc:docMk/>
+            <pc:sldMk cId="1157508697" sldId="2757"/>
+            <ac:spMk id="5" creationId="{78502774-B04C-634F-1396-E5815996BC36}"/>
+          </ac:spMkLst>
+        </pc:spChg>
+        <pc:grpChg chg="mod">
+          <ac:chgData name="Xin Luo" userId="82312ee5779919a4" providerId="LiveId" clId="{8BA8C8C7-2517-3646-951D-48296B93037A}" dt="2023-03-05T05:48:31.505" v="317" actId="1036"/>
+          <ac:grpSpMkLst>
+            <pc:docMk/>
+            <pc:sldMk cId="1157508697" sldId="2757"/>
+            <ac:grpSpMk id="22" creationId="{BA4C2415-490B-F3C5-D5E8-A263DD477CBB}"/>
+          </ac:grpSpMkLst>
+        </pc:grpChg>
+      </pc:sldChg>
+      <pc:sldChg chg="addSp delSp modSp mod">
+        <pc:chgData name="Xin Luo" userId="82312ee5779919a4" providerId="LiveId" clId="{8BA8C8C7-2517-3646-951D-48296B93037A}" dt="2023-03-13T07:18:34.063" v="852" actId="1038"/>
+        <pc:sldMkLst>
+          <pc:docMk/>
+          <pc:sldMk cId="4211155851" sldId="2758"/>
+        </pc:sldMkLst>
+        <pc:spChg chg="add del mod">
+          <ac:chgData name="Xin Luo" userId="82312ee5779919a4" providerId="LiveId" clId="{8BA8C8C7-2517-3646-951D-48296B93037A}" dt="2023-03-13T07:18:34.063" v="852" actId="1038"/>
+          <ac:spMkLst>
+            <pc:docMk/>
+            <pc:sldMk cId="4211155851" sldId="2758"/>
+            <ac:spMk id="4" creationId="{4290CCE0-108B-48BB-91BC-936B92572B2F}"/>
+          </ac:spMkLst>
+        </pc:spChg>
+        <pc:spChg chg="add del mod">
+          <ac:chgData name="Xin Luo" userId="82312ee5779919a4" providerId="LiveId" clId="{8BA8C8C7-2517-3646-951D-48296B93037A}" dt="2023-03-13T07:18:34.063" v="852" actId="1038"/>
+          <ac:spMkLst>
+            <pc:docMk/>
+            <pc:sldMk cId="4211155851" sldId="2758"/>
+            <ac:spMk id="5" creationId="{902AE302-3C56-F68F-A45D-492101557DAC}"/>
+          </ac:spMkLst>
+        </pc:spChg>
+        <pc:spChg chg="del mod">
+          <ac:chgData name="Xin Luo" userId="82312ee5779919a4" providerId="LiveId" clId="{8BA8C8C7-2517-3646-951D-48296B93037A}" dt="2023-03-06T08:01:25.488" v="437" actId="478"/>
+          <ac:spMkLst>
+            <pc:docMk/>
+            <pc:sldMk cId="4211155851" sldId="2758"/>
+            <ac:spMk id="6" creationId="{DA984439-1B23-1931-1979-ECF8DE9D6DCA}"/>
+          </ac:spMkLst>
+        </pc:spChg>
+        <pc:spChg chg="del mod">
+          <ac:chgData name="Xin Luo" userId="82312ee5779919a4" providerId="LiveId" clId="{8BA8C8C7-2517-3646-951D-48296B93037A}" dt="2023-03-06T08:01:39.985" v="442" actId="478"/>
+          <ac:spMkLst>
+            <pc:docMk/>
+            <pc:sldMk cId="4211155851" sldId="2758"/>
+            <ac:spMk id="7" creationId="{E179D382-9C94-C796-FB1B-3281561CA174}"/>
+          </ac:spMkLst>
+        </pc:spChg>
+        <pc:spChg chg="add del mod">
+          <ac:chgData name="Xin Luo" userId="82312ee5779919a4" providerId="LiveId" clId="{8BA8C8C7-2517-3646-951D-48296B93037A}" dt="2023-03-13T07:18:34.063" v="852" actId="1038"/>
+          <ac:spMkLst>
+            <pc:docMk/>
+            <pc:sldMk cId="4211155851" sldId="2758"/>
+            <ac:spMk id="8" creationId="{1DDB1CA7-77B6-4A88-958D-DF0B53FDA020}"/>
+          </ac:spMkLst>
+        </pc:spChg>
+        <pc:spChg chg="add mod">
+          <ac:chgData name="Xin Luo" userId="82312ee5779919a4" providerId="LiveId" clId="{8BA8C8C7-2517-3646-951D-48296B93037A}" dt="2023-03-13T07:18:34.063" v="852" actId="1038"/>
+          <ac:spMkLst>
+            <pc:docMk/>
+            <pc:sldMk cId="4211155851" sldId="2758"/>
+            <ac:spMk id="14" creationId="{E7B0D113-1929-C3DF-78B3-7E0AA39E5565}"/>
+          </ac:spMkLst>
+        </pc:spChg>
+        <pc:spChg chg="add mod">
+          <ac:chgData name="Xin Luo" userId="82312ee5779919a4" providerId="LiveId" clId="{8BA8C8C7-2517-3646-951D-48296B93037A}" dt="2023-03-08T00:55:54.440" v="794" actId="255"/>
+          <ac:spMkLst>
+            <pc:docMk/>
+            <pc:sldMk cId="4211155851" sldId="2758"/>
+            <ac:spMk id="28" creationId="{0C89B2E1-0CDC-F585-F0BB-887E467853D8}"/>
+          </ac:spMkLst>
+        </pc:spChg>
+        <pc:spChg chg="add mod">
+          <ac:chgData name="Xin Luo" userId="82312ee5779919a4" providerId="LiveId" clId="{8BA8C8C7-2517-3646-951D-48296B93037A}" dt="2023-03-08T00:55:54.440" v="794" actId="255"/>
+          <ac:spMkLst>
+            <pc:docMk/>
+            <pc:sldMk cId="4211155851" sldId="2758"/>
+            <ac:spMk id="29" creationId="{C6B2AD75-E0F3-26E1-5973-C33A78FC4D1F}"/>
+          </ac:spMkLst>
+        </pc:spChg>
+        <pc:spChg chg="add mod">
+          <ac:chgData name="Xin Luo" userId="82312ee5779919a4" providerId="LiveId" clId="{8BA8C8C7-2517-3646-951D-48296B93037A}" dt="2023-03-08T00:55:54.440" v="794" actId="255"/>
+          <ac:spMkLst>
+            <pc:docMk/>
+            <pc:sldMk cId="4211155851" sldId="2758"/>
+            <ac:spMk id="30" creationId="{A9F2243D-1754-C1E2-7F17-CBA97876DD24}"/>
+          </ac:spMkLst>
+        </pc:spChg>
+        <pc:spChg chg="add del mod">
+          <ac:chgData name="Xin Luo" userId="82312ee5779919a4" providerId="LiveId" clId="{8BA8C8C7-2517-3646-951D-48296B93037A}" dt="2023-03-06T12:29:50.729" v="679" actId="478"/>
+          <ac:spMkLst>
+            <pc:docMk/>
+            <pc:sldMk cId="4211155851" sldId="2758"/>
+            <ac:spMk id="31" creationId="{C8AB4AF9-446E-CD06-3044-ECCCAB8814C1}"/>
+          </ac:spMkLst>
+        </pc:spChg>
+        <pc:spChg chg="add mod">
+          <ac:chgData name="Xin Luo" userId="82312ee5779919a4" providerId="LiveId" clId="{8BA8C8C7-2517-3646-951D-48296B93037A}" dt="2023-03-08T00:55:54.440" v="794" actId="255"/>
+          <ac:spMkLst>
+            <pc:docMk/>
+            <pc:sldMk cId="4211155851" sldId="2758"/>
+            <ac:spMk id="32" creationId="{127D4D11-3546-035E-9F0C-C18C992C41EA}"/>
+          </ac:spMkLst>
+        </pc:spChg>
+        <pc:spChg chg="add mod">
+          <ac:chgData name="Xin Luo" userId="82312ee5779919a4" providerId="LiveId" clId="{8BA8C8C7-2517-3646-951D-48296B93037A}" dt="2023-03-08T00:55:54.440" v="794" actId="255"/>
+          <ac:spMkLst>
+            <pc:docMk/>
+            <pc:sldMk cId="4211155851" sldId="2758"/>
+            <ac:spMk id="33" creationId="{97444748-D656-B7D4-2562-526BEF84C111}"/>
+          </ac:spMkLst>
+        </pc:spChg>
+        <pc:spChg chg="add del mod">
+          <ac:chgData name="Xin Luo" userId="82312ee5779919a4" providerId="LiveId" clId="{8BA8C8C7-2517-3646-951D-48296B93037A}" dt="2023-03-06T12:32:57.728" v="787" actId="478"/>
+          <ac:spMkLst>
+            <pc:docMk/>
+            <pc:sldMk cId="4211155851" sldId="2758"/>
+            <ac:spMk id="60" creationId="{73D30355-FE16-B525-D14B-56B6B60D1BD6}"/>
+          </ac:spMkLst>
+        </pc:spChg>
+        <pc:grpChg chg="add mod">
+          <ac:chgData name="Xin Luo" userId="82312ee5779919a4" providerId="LiveId" clId="{8BA8C8C7-2517-3646-951D-48296B93037A}" dt="2023-03-13T07:18:34.063" v="852" actId="1038"/>
+          <ac:grpSpMkLst>
+            <pc:docMk/>
+            <pc:sldMk cId="4211155851" sldId="2758"/>
+            <ac:grpSpMk id="24" creationId="{5ECE93F5-69CF-FC98-48E9-D6AAE8B13C45}"/>
+          </ac:grpSpMkLst>
+        </pc:grpChg>
+        <pc:grpChg chg="add mod">
+          <ac:chgData name="Xin Luo" userId="82312ee5779919a4" providerId="LiveId" clId="{8BA8C8C7-2517-3646-951D-48296B93037A}" dt="2023-03-06T12:33:03.787" v="793" actId="1037"/>
+          <ac:grpSpMkLst>
+            <pc:docMk/>
+            <pc:sldMk cId="4211155851" sldId="2758"/>
+            <ac:grpSpMk id="61" creationId="{10E0DE21-518B-3F8E-E721-DFE4115F847E}"/>
+          </ac:grpSpMkLst>
+        </pc:grpChg>
+        <pc:picChg chg="add mod">
+          <ac:chgData name="Xin Luo" userId="82312ee5779919a4" providerId="LiveId" clId="{8BA8C8C7-2517-3646-951D-48296B93037A}" dt="2023-03-13T07:18:34.063" v="852" actId="1038"/>
+          <ac:picMkLst>
+            <pc:docMk/>
+            <pc:sldMk cId="4211155851" sldId="2758"/>
+            <ac:picMk id="10" creationId="{A4517004-D557-9AA0-B58C-AD17ECE0ABD3}"/>
+          </ac:picMkLst>
+        </pc:picChg>
+        <pc:picChg chg="add mod">
+          <ac:chgData name="Xin Luo" userId="82312ee5779919a4" providerId="LiveId" clId="{8BA8C8C7-2517-3646-951D-48296B93037A}" dt="2023-03-13T07:18:34.063" v="852" actId="1038"/>
+          <ac:picMkLst>
+            <pc:docMk/>
+            <pc:sldMk cId="4211155851" sldId="2758"/>
+            <ac:picMk id="12" creationId="{B208D771-92F6-7D78-84FD-9100CDF43873}"/>
+          </ac:picMkLst>
+        </pc:picChg>
+        <pc:cxnChg chg="add mod">
+          <ac:chgData name="Xin Luo" userId="82312ee5779919a4" providerId="LiveId" clId="{8BA8C8C7-2517-3646-951D-48296B93037A}" dt="2023-03-13T07:18:34.063" v="852" actId="1038"/>
+          <ac:cxnSpMkLst>
+            <pc:docMk/>
+            <pc:sldMk cId="4211155851" sldId="2758"/>
+            <ac:cxnSpMk id="16" creationId="{75A490F3-1E4C-EF7A-4A6C-38ABE3FAAD46}"/>
+          </ac:cxnSpMkLst>
+        </pc:cxnChg>
+        <pc:cxnChg chg="add mod">
+          <ac:chgData name="Xin Luo" userId="82312ee5779919a4" providerId="LiveId" clId="{8BA8C8C7-2517-3646-951D-48296B93037A}" dt="2023-03-13T07:18:34.063" v="852" actId="1038"/>
+          <ac:cxnSpMkLst>
+            <pc:docMk/>
+            <pc:sldMk cId="4211155851" sldId="2758"/>
+            <ac:cxnSpMk id="17" creationId="{8B4C3365-D97F-A491-04F4-FFA583C726E9}"/>
+          </ac:cxnSpMkLst>
+        </pc:cxnChg>
+        <pc:cxnChg chg="add mod">
+          <ac:chgData name="Xin Luo" userId="82312ee5779919a4" providerId="LiveId" clId="{8BA8C8C7-2517-3646-951D-48296B93037A}" dt="2023-03-13T07:18:34.063" v="852" actId="1038"/>
+          <ac:cxnSpMkLst>
+            <pc:docMk/>
+            <pc:sldMk cId="4211155851" sldId="2758"/>
+            <ac:cxnSpMk id="20" creationId="{D8311B51-9785-E69B-B7B0-511153550000}"/>
+          </ac:cxnSpMkLst>
+        </pc:cxnChg>
+        <pc:cxnChg chg="add mod">
+          <ac:chgData name="Xin Luo" userId="82312ee5779919a4" providerId="LiveId" clId="{8BA8C8C7-2517-3646-951D-48296B93037A}" dt="2023-03-06T12:32:39.692" v="777" actId="164"/>
+          <ac:cxnSpMkLst>
+            <pc:docMk/>
+            <pc:sldMk cId="4211155851" sldId="2758"/>
+            <ac:cxnSpMk id="35" creationId="{D01D2FB2-54F7-1B97-6AA0-81D59E87D871}"/>
+          </ac:cxnSpMkLst>
+        </pc:cxnChg>
+        <pc:cxnChg chg="add mod">
+          <ac:chgData name="Xin Luo" userId="82312ee5779919a4" providerId="LiveId" clId="{8BA8C8C7-2517-3646-951D-48296B93037A}" dt="2023-03-06T12:32:39.692" v="777" actId="164"/>
+          <ac:cxnSpMkLst>
+            <pc:docMk/>
+            <pc:sldMk cId="4211155851" sldId="2758"/>
+            <ac:cxnSpMk id="37" creationId="{6F759320-1F38-881A-42BB-8EC115CCE1FE}"/>
+          </ac:cxnSpMkLst>
+        </pc:cxnChg>
+        <pc:cxnChg chg="add mod">
+          <ac:chgData name="Xin Luo" userId="82312ee5779919a4" providerId="LiveId" clId="{8BA8C8C7-2517-3646-951D-48296B93037A}" dt="2023-03-06T12:32:39.692" v="777" actId="164"/>
+          <ac:cxnSpMkLst>
+            <pc:docMk/>
+            <pc:sldMk cId="4211155851" sldId="2758"/>
+            <ac:cxnSpMk id="44" creationId="{D78B4608-05C6-CCAD-D83C-287F4CBFFB69}"/>
+          </ac:cxnSpMkLst>
+        </pc:cxnChg>
+        <pc:cxnChg chg="add mod">
+          <ac:chgData name="Xin Luo" userId="82312ee5779919a4" providerId="LiveId" clId="{8BA8C8C7-2517-3646-951D-48296B93037A}" dt="2023-03-06T12:32:39.692" v="777" actId="164"/>
+          <ac:cxnSpMkLst>
+            <pc:docMk/>
+            <pc:sldMk cId="4211155851" sldId="2758"/>
+            <ac:cxnSpMk id="47" creationId="{AFDF6298-495F-C50C-91B3-8403B747640A}"/>
+          </ac:cxnSpMkLst>
+        </pc:cxnChg>
+      </pc:sldChg>
+      <pc:sldChg chg="del">
+        <pc:chgData name="Xin Luo" userId="82312ee5779919a4" providerId="LiveId" clId="{8BA8C8C7-2517-3646-951D-48296B93037A}" dt="2023-03-05T05:51:46.534" v="361" actId="2696"/>
+        <pc:sldMkLst>
+          <pc:docMk/>
+          <pc:sldMk cId="3818021166" sldId="2760"/>
+        </pc:sldMkLst>
+      </pc:sldChg>
+      <pc:sldChg chg="del">
+        <pc:chgData name="Xin Luo" userId="82312ee5779919a4" providerId="LiveId" clId="{8BA8C8C7-2517-3646-951D-48296B93037A}" dt="2023-02-28T06:12:32.856" v="192" actId="2696"/>
+        <pc:sldMkLst>
+          <pc:docMk/>
+          <pc:sldMk cId="97719364" sldId="2761"/>
+        </pc:sldMkLst>
+      </pc:sldChg>
+      <pc:sldChg chg="del">
+        <pc:chgData name="Xin Luo" userId="82312ee5779919a4" providerId="LiveId" clId="{8BA8C8C7-2517-3646-951D-48296B93037A}" dt="2023-02-28T06:12:32.828" v="190" actId="2696"/>
+        <pc:sldMkLst>
+          <pc:docMk/>
+          <pc:sldMk cId="2861954436" sldId="2762"/>
+        </pc:sldMkLst>
+      </pc:sldChg>
+      <pc:sldChg chg="del">
+        <pc:chgData name="Xin Luo" userId="82312ee5779919a4" providerId="LiveId" clId="{8BA8C8C7-2517-3646-951D-48296B93037A}" dt="2023-02-28T06:12:32.826" v="189" actId="2696"/>
+        <pc:sldMkLst>
+          <pc:docMk/>
+          <pc:sldMk cId="3373327641" sldId="2763"/>
+        </pc:sldMkLst>
+      </pc:sldChg>
+      <pc:sldChg chg="addSp delSp modSp mod ord">
+        <pc:chgData name="Xin Luo" userId="82312ee5779919a4" providerId="LiveId" clId="{8BA8C8C7-2517-3646-951D-48296B93037A}" dt="2023-03-13T07:46:33.198" v="1348" actId="20577"/>
+        <pc:sldMkLst>
+          <pc:docMk/>
+          <pc:sldMk cId="2047512068" sldId="2764"/>
+        </pc:sldMkLst>
+        <pc:spChg chg="del mod">
+          <ac:chgData name="Xin Luo" userId="82312ee5779919a4" providerId="LiveId" clId="{8BA8C8C7-2517-3646-951D-48296B93037A}" dt="2023-02-28T06:09:47.404" v="175" actId="478"/>
+          <ac:spMkLst>
+            <pc:docMk/>
+            <pc:sldMk cId="2047512068" sldId="2764"/>
+            <ac:spMk id="5" creationId="{78502774-B04C-634F-1396-E5815996BC36}"/>
+          </ac:spMkLst>
+        </pc:spChg>
+        <pc:spChg chg="add mod">
+          <ac:chgData name="Xin Luo" userId="82312ee5779919a4" providerId="LiveId" clId="{8BA8C8C7-2517-3646-951D-48296B93037A}" dt="2023-03-13T07:46:33.198" v="1348" actId="20577"/>
+          <ac:spMkLst>
+            <pc:docMk/>
+            <pc:sldMk cId="2047512068" sldId="2764"/>
+            <ac:spMk id="6" creationId="{DB970E5D-5367-222C-EBF7-0F886FDEDDC5}"/>
+          </ac:spMkLst>
+        </pc:spChg>
+      </pc:sldChg>
+      <pc:sldChg chg="modSp mod">
+        <pc:chgData name="Xin Luo" userId="82312ee5779919a4" providerId="LiveId" clId="{8BA8C8C7-2517-3646-951D-48296B93037A}" dt="2023-03-05T03:19:55.768" v="313" actId="20577"/>
+        <pc:sldMkLst>
+          <pc:docMk/>
+          <pc:sldMk cId="70654754" sldId="2765"/>
+        </pc:sldMkLst>
+        <pc:spChg chg="mod">
+          <ac:chgData name="Xin Luo" userId="82312ee5779919a4" providerId="LiveId" clId="{8BA8C8C7-2517-3646-951D-48296B93037A}" dt="2023-03-05T03:19:55.768" v="313" actId="20577"/>
+          <ac:spMkLst>
+            <pc:docMk/>
+            <pc:sldMk cId="70654754" sldId="2765"/>
+            <ac:spMk id="5" creationId="{78502774-B04C-634F-1396-E5815996BC36}"/>
+          </ac:spMkLst>
+        </pc:spChg>
+      </pc:sldChg>
+      <pc:sldChg chg="del">
+        <pc:chgData name="Xin Luo" userId="82312ee5779919a4" providerId="LiveId" clId="{8BA8C8C7-2517-3646-951D-48296B93037A}" dt="2023-02-28T06:07:53.148" v="100" actId="2696"/>
+        <pc:sldMkLst>
+          <pc:docMk/>
+          <pc:sldMk cId="1482309087" sldId="2766"/>
+        </pc:sldMkLst>
+      </pc:sldChg>
+      <pc:sldChg chg="modSp add mod">
+        <pc:chgData name="Xin Luo" userId="82312ee5779919a4" providerId="LiveId" clId="{8BA8C8C7-2517-3646-951D-48296B93037A}" dt="2023-03-05T05:50:57.277" v="358" actId="1035"/>
+        <pc:sldMkLst>
+          <pc:docMk/>
+          <pc:sldMk cId="2097263393" sldId="2766"/>
+        </pc:sldMkLst>
+        <pc:spChg chg="mod">
+          <ac:chgData name="Xin Luo" userId="82312ee5779919a4" providerId="LiveId" clId="{8BA8C8C7-2517-3646-951D-48296B93037A}" dt="2023-03-05T05:50:57.277" v="358" actId="1035"/>
+          <ac:spMkLst>
+            <pc:docMk/>
+            <pc:sldMk cId="2097263393" sldId="2766"/>
+            <ac:spMk id="5" creationId="{78502774-B04C-634F-1396-E5815996BC36}"/>
+          </ac:spMkLst>
+        </pc:spChg>
+      </pc:sldChg>
+      <pc:sldChg chg="modSp add mod">
+        <pc:chgData name="Xin Luo" userId="82312ee5779919a4" providerId="LiveId" clId="{8BA8C8C7-2517-3646-951D-48296B93037A}" dt="2023-03-13T07:54:42.825" v="1628" actId="403"/>
+        <pc:sldMkLst>
+          <pc:docMk/>
+          <pc:sldMk cId="782854285" sldId="2767"/>
+        </pc:sldMkLst>
+        <pc:spChg chg="mod">
+          <ac:chgData name="Xin Luo" userId="82312ee5779919a4" providerId="LiveId" clId="{8BA8C8C7-2517-3646-951D-48296B93037A}" dt="2023-03-13T07:52:58.456" v="1567" actId="14100"/>
+          <ac:spMkLst>
+            <pc:docMk/>
+            <pc:sldMk cId="782854285" sldId="2767"/>
+            <ac:spMk id="4" creationId="{A7E97437-B77F-D3F5-E0F8-38B1EBE5E36E}"/>
+          </ac:spMkLst>
+        </pc:spChg>
+        <pc:spChg chg="mod">
+          <ac:chgData name="Xin Luo" userId="82312ee5779919a4" providerId="LiveId" clId="{8BA8C8C7-2517-3646-951D-48296B93037A}" dt="2023-03-13T07:54:42.825" v="1628" actId="403"/>
+          <ac:spMkLst>
+            <pc:docMk/>
+            <pc:sldMk cId="782854285" sldId="2767"/>
+            <ac:spMk id="5" creationId="{78502774-B04C-634F-1396-E5815996BC36}"/>
+          </ac:spMkLst>
+        </pc:spChg>
+      </pc:sldChg>
+      <pc:sldChg chg="addSp delSp modSp add mod">
+        <pc:chgData name="Xin Luo" userId="82312ee5779919a4" providerId="LiveId" clId="{8BA8C8C7-2517-3646-951D-48296B93037A}" dt="2023-03-13T07:39:39.304" v="1199" actId="1076"/>
+        <pc:sldMkLst>
+          <pc:docMk/>
+          <pc:sldMk cId="2380741125" sldId="2768"/>
+        </pc:sldMkLst>
+        <pc:spChg chg="add mod">
+          <ac:chgData name="Xin Luo" userId="82312ee5779919a4" providerId="LiveId" clId="{8BA8C8C7-2517-3646-951D-48296B93037A}" dt="2023-03-13T07:39:37.507" v="1198" actId="1076"/>
+          <ac:spMkLst>
+            <pc:docMk/>
+            <pc:sldMk cId="2380741125" sldId="2768"/>
+            <ac:spMk id="4" creationId="{838928A2-AB5A-5293-3942-99957D81A26D}"/>
+          </ac:spMkLst>
+        </pc:spChg>
+        <pc:spChg chg="add del mod">
+          <ac:chgData name="Xin Luo" userId="82312ee5779919a4" providerId="LiveId" clId="{8BA8C8C7-2517-3646-951D-48296B93037A}" dt="2023-03-13T07:22:53.161" v="876" actId="21"/>
+          <ac:spMkLst>
+            <pc:docMk/>
+            <pc:sldMk cId="2380741125" sldId="2768"/>
+            <ac:spMk id="5" creationId="{EC51A3B3-43D2-1168-D68E-D01604EF07FC}"/>
+          </ac:spMkLst>
+        </pc:spChg>
+        <pc:spChg chg="mod">
+          <ac:chgData name="Xin Luo" userId="82312ee5779919a4" providerId="LiveId" clId="{8BA8C8C7-2517-3646-951D-48296B93037A}" dt="2023-03-13T07:38:57.474" v="1196" actId="20577"/>
+          <ac:spMkLst>
+            <pc:docMk/>
+            <pc:sldMk cId="2380741125" sldId="2768"/>
+            <ac:spMk id="6" creationId="{DA984439-1B23-1931-1979-ECF8DE9D6DCA}"/>
+          </ac:spMkLst>
+        </pc:spChg>
+        <pc:spChg chg="mod">
+          <ac:chgData name="Xin Luo" userId="82312ee5779919a4" providerId="LiveId" clId="{8BA8C8C7-2517-3646-951D-48296B93037A}" dt="2023-03-13T07:26:52.364" v="986" actId="14100"/>
+          <ac:spMkLst>
+            <pc:docMk/>
+            <pc:sldMk cId="2380741125" sldId="2768"/>
+            <ac:spMk id="7" creationId="{E179D382-9C94-C796-FB1B-3281561CA174}"/>
+          </ac:spMkLst>
+        </pc:spChg>
+        <pc:spChg chg="add del mod">
+          <ac:chgData name="Xin Luo" userId="82312ee5779919a4" providerId="LiveId" clId="{8BA8C8C7-2517-3646-951D-48296B93037A}" dt="2023-03-13T07:22:53.161" v="876" actId="21"/>
+          <ac:spMkLst>
+            <pc:docMk/>
+            <pc:sldMk cId="2380741125" sldId="2768"/>
+            <ac:spMk id="8" creationId="{D756AE91-9C56-4A5F-9D22-F8CDAD09D676}"/>
+          </ac:spMkLst>
+        </pc:spChg>
+        <pc:spChg chg="add del mod">
+          <ac:chgData name="Xin Luo" userId="82312ee5779919a4" providerId="LiveId" clId="{8BA8C8C7-2517-3646-951D-48296B93037A}" dt="2023-03-13T07:22:53.161" v="876" actId="21"/>
+          <ac:spMkLst>
+            <pc:docMk/>
+            <pc:sldMk cId="2380741125" sldId="2768"/>
+            <ac:spMk id="9" creationId="{B81CCB25-4F7C-D3B7-F3F0-5FE44FE77B15}"/>
+          </ac:spMkLst>
+        </pc:spChg>
+        <pc:spChg chg="add mod">
+          <ac:chgData name="Xin Luo" userId="82312ee5779919a4" providerId="LiveId" clId="{8BA8C8C7-2517-3646-951D-48296B93037A}" dt="2023-03-13T07:39:37.507" v="1198" actId="1076"/>
+          <ac:spMkLst>
+            <pc:docMk/>
+            <pc:sldMk cId="2380741125" sldId="2768"/>
+            <ac:spMk id="10" creationId="{5B5303EF-70D7-0AFA-74A6-684C0A719D89}"/>
+          </ac:spMkLst>
+        </pc:spChg>
+        <pc:spChg chg="add mod">
+          <ac:chgData name="Xin Luo" userId="82312ee5779919a4" providerId="LiveId" clId="{8BA8C8C7-2517-3646-951D-48296B93037A}" dt="2023-03-13T07:39:37.507" v="1198" actId="1076"/>
+          <ac:spMkLst>
+            <pc:docMk/>
+            <pc:sldMk cId="2380741125" sldId="2768"/>
+            <ac:spMk id="11" creationId="{882BC205-1F7C-8CB5-E1D7-7521F8B1285E}"/>
+          </ac:spMkLst>
+        </pc:spChg>
+        <pc:spChg chg="add del mod">
+          <ac:chgData name="Xin Luo" userId="82312ee5779919a4" providerId="LiveId" clId="{8BA8C8C7-2517-3646-951D-48296B93037A}" dt="2023-03-13T07:24:53.410" v="901"/>
+          <ac:spMkLst>
+            <pc:docMk/>
+            <pc:sldMk cId="2380741125" sldId="2768"/>
+            <ac:spMk id="12" creationId="{69840456-2511-36C5-DAB3-D95FD22E1133}"/>
+          </ac:spMkLst>
+        </pc:spChg>
+        <pc:spChg chg="add mod">
+          <ac:chgData name="Xin Luo" userId="82312ee5779919a4" providerId="LiveId" clId="{8BA8C8C7-2517-3646-951D-48296B93037A}" dt="2023-03-13T07:39:37.507" v="1198" actId="1076"/>
+          <ac:spMkLst>
+            <pc:docMk/>
+            <pc:sldMk cId="2380741125" sldId="2768"/>
+            <ac:spMk id="13" creationId="{18AB25C2-FB51-47F7-D5E6-3CD713C8DF6D}"/>
+          </ac:spMkLst>
+        </pc:spChg>
+        <pc:spChg chg="add del mod">
+          <ac:chgData name="Xin Luo" userId="82312ee5779919a4" providerId="LiveId" clId="{8BA8C8C7-2517-3646-951D-48296B93037A}" dt="2023-03-13T07:37:07.551" v="1107" actId="478"/>
+          <ac:spMkLst>
+            <pc:docMk/>
+            <pc:sldMk cId="2380741125" sldId="2768"/>
+            <ac:spMk id="14" creationId="{566F205A-13F8-4AD2-ABFE-CEB7F534816E}"/>
+          </ac:spMkLst>
+        </pc:spChg>
+        <pc:spChg chg="add mod">
+          <ac:chgData name="Xin Luo" userId="82312ee5779919a4" providerId="LiveId" clId="{8BA8C8C7-2517-3646-951D-48296B93037A}" dt="2023-03-13T07:39:37.507" v="1198" actId="1076"/>
+          <ac:spMkLst>
+            <pc:docMk/>
+            <pc:sldMk cId="2380741125" sldId="2768"/>
+            <ac:spMk id="15" creationId="{DCE793DD-39B2-FF02-7C84-E9A7F7ADE60A}"/>
+          </ac:spMkLst>
+        </pc:spChg>
+        <pc:spChg chg="add mod">
+          <ac:chgData name="Xin Luo" userId="82312ee5779919a4" providerId="LiveId" clId="{8BA8C8C7-2517-3646-951D-48296B93037A}" dt="2023-03-13T07:39:39.304" v="1199" actId="1076"/>
+          <ac:spMkLst>
+            <pc:docMk/>
+            <pc:sldMk cId="2380741125" sldId="2768"/>
+            <ac:spMk id="16" creationId="{D6DE5B36-E23C-44CB-46DF-80768FC4DFB0}"/>
+          </ac:spMkLst>
+        </pc:spChg>
+        <pc:cxnChg chg="add mod">
+          <ac:chgData name="Xin Luo" userId="82312ee5779919a4" providerId="LiveId" clId="{8BA8C8C7-2517-3646-951D-48296B93037A}" dt="2023-03-13T07:39:37.507" v="1198" actId="1076"/>
+          <ac:cxnSpMkLst>
+            <pc:docMk/>
+            <pc:sldMk cId="2380741125" sldId="2768"/>
+            <ac:cxnSpMk id="18" creationId="{4A91ECEA-B01F-CD7D-FDC3-691666722FB0}"/>
+          </ac:cxnSpMkLst>
+        </pc:cxnChg>
+        <pc:cxnChg chg="add mod">
+          <ac:chgData name="Xin Luo" userId="82312ee5779919a4" providerId="LiveId" clId="{8BA8C8C7-2517-3646-951D-48296B93037A}" dt="2023-03-13T07:39:37.507" v="1198" actId="1076"/>
+          <ac:cxnSpMkLst>
+            <pc:docMk/>
+            <pc:sldMk cId="2380741125" sldId="2768"/>
+            <ac:cxnSpMk id="20" creationId="{F7B72513-CA83-5A94-CC92-80A7ABB35251}"/>
+          </ac:cxnSpMkLst>
+        </pc:cxnChg>
+        <pc:cxnChg chg="add mod">
+          <ac:chgData name="Xin Luo" userId="82312ee5779919a4" providerId="LiveId" clId="{8BA8C8C7-2517-3646-951D-48296B93037A}" dt="2023-03-13T07:39:37.507" v="1198" actId="1076"/>
+          <ac:cxnSpMkLst>
+            <pc:docMk/>
+            <pc:sldMk cId="2380741125" sldId="2768"/>
+            <ac:cxnSpMk id="23" creationId="{8F4F86DC-7CE9-9D5C-AE76-EE8DAB4109A5}"/>
+          </ac:cxnSpMkLst>
+        </pc:cxnChg>
+        <pc:cxnChg chg="add mod">
+          <ac:chgData name="Xin Luo" userId="82312ee5779919a4" providerId="LiveId" clId="{8BA8C8C7-2517-3646-951D-48296B93037A}" dt="2023-03-13T07:39:37.507" v="1198" actId="1076"/>
+          <ac:cxnSpMkLst>
+            <pc:docMk/>
+            <pc:sldMk cId="2380741125" sldId="2768"/>
+            <ac:cxnSpMk id="26" creationId="{260DAA9A-59FF-8791-35DF-05CA47DAACD8}"/>
+          </ac:cxnSpMkLst>
+        </pc:cxnChg>
+      </pc:sldChg>
+      <pc:sldChg chg="modSp add mod">
+        <pc:chgData name="Xin Luo" userId="82312ee5779919a4" providerId="LiveId" clId="{8BA8C8C7-2517-3646-951D-48296B93037A}" dt="2023-03-13T07:45:07.040" v="1239" actId="1035"/>
+        <pc:sldMkLst>
+          <pc:docMk/>
+          <pc:sldMk cId="3657954518" sldId="2769"/>
+        </pc:sldMkLst>
+        <pc:spChg chg="mod">
+          <ac:chgData name="Xin Luo" userId="82312ee5779919a4" providerId="LiveId" clId="{8BA8C8C7-2517-3646-951D-48296B93037A}" dt="2023-03-13T07:45:07.040" v="1239" actId="1035"/>
+          <ac:spMkLst>
+            <pc:docMk/>
+            <pc:sldMk cId="3657954518" sldId="2769"/>
+            <ac:spMk id="6" creationId="{DA984439-1B23-1931-1979-ECF8DE9D6DCA}"/>
+          </ac:spMkLst>
+        </pc:spChg>
+      </pc:sldChg>
+    </pc:docChg>
+  </pc:docChgLst>
+  <pc:docChgLst>
+    <pc:chgData name="Xin Luo" userId="82312ee5779919a4" providerId="LiveId" clId="{F39FD8EC-B3B0-744A-BAD0-DA61AA840DC4}"/>
+    <pc:docChg chg="custSel addSld delSld modSld">
+      <pc:chgData name="Xin Luo" userId="82312ee5779919a4" providerId="LiveId" clId="{F39FD8EC-B3B0-744A-BAD0-DA61AA840DC4}" dt="2023-09-24T13:56:24.236" v="64" actId="2696"/>
+      <pc:docMkLst>
+        <pc:docMk/>
+      </pc:docMkLst>
+      <pc:sldChg chg="modSp mod">
+        <pc:chgData name="Xin Luo" userId="82312ee5779919a4" providerId="LiveId" clId="{F39FD8EC-B3B0-744A-BAD0-DA61AA840DC4}" dt="2023-09-24T13:53:44.986" v="62" actId="313"/>
+        <pc:sldMkLst>
+          <pc:docMk/>
+          <pc:sldMk cId="782854285" sldId="2767"/>
+        </pc:sldMkLst>
+        <pc:spChg chg="mod">
+          <ac:chgData name="Xin Luo" userId="82312ee5779919a4" providerId="LiveId" clId="{F39FD8EC-B3B0-744A-BAD0-DA61AA840DC4}" dt="2023-09-24T13:53:44.986" v="62" actId="313"/>
+          <ac:spMkLst>
+            <pc:docMk/>
+            <pc:sldMk cId="782854285" sldId="2767"/>
+            <ac:spMk id="5" creationId="{78502774-B04C-634F-1396-E5815996BC36}"/>
+          </ac:spMkLst>
+        </pc:spChg>
+      </pc:sldChg>
+      <pc:sldChg chg="add del">
+        <pc:chgData name="Xin Luo" userId="82312ee5779919a4" providerId="LiveId" clId="{F39FD8EC-B3B0-744A-BAD0-DA61AA840DC4}" dt="2023-09-24T13:56:24.236" v="64" actId="2696"/>
+        <pc:sldMkLst>
+          <pc:docMk/>
+          <pc:sldMk cId="1493379628" sldId="2771"/>
+        </pc:sldMkLst>
+      </pc:sldChg>
+    </pc:docChg>
+  </pc:docChgLst>
+  <pc:docChgLst>
+    <pc:chgData name="Xin Luo" userId="82312ee5779919a4" providerId="LiveId" clId="{7C68D8C5-3836-3547-9AA8-5B377782C93A}"/>
+    <pc:docChg chg="modSld">
+      <pc:chgData name="Xin Luo" userId="82312ee5779919a4" providerId="LiveId" clId="{7C68D8C5-3836-3547-9AA8-5B377782C93A}" dt="2023-04-12T12:59:02.669" v="101" actId="20577"/>
+      <pc:docMkLst>
+        <pc:docMk/>
+      </pc:docMkLst>
+      <pc:sldChg chg="modSp mod">
+        <pc:chgData name="Xin Luo" userId="82312ee5779919a4" providerId="LiveId" clId="{7C68D8C5-3836-3547-9AA8-5B377782C93A}" dt="2023-04-12T12:59:02.669" v="101" actId="20577"/>
+        <pc:sldMkLst>
+          <pc:docMk/>
+          <pc:sldMk cId="1209572041" sldId="2722"/>
+        </pc:sldMkLst>
+        <pc:spChg chg="mod">
+          <ac:chgData name="Xin Luo" userId="82312ee5779919a4" providerId="LiveId" clId="{7C68D8C5-3836-3547-9AA8-5B377782C93A}" dt="2023-04-12T12:59:02.669" v="101" actId="20577"/>
+          <ac:spMkLst>
+            <pc:docMk/>
+            <pc:sldMk cId="1209572041" sldId="2722"/>
+            <ac:spMk id="13" creationId="{303BC878-BC57-D350-27A3-F03AE48213AC}"/>
+          </ac:spMkLst>
+        </pc:spChg>
+      </pc:sldChg>
+    </pc:docChg>
+  </pc:docChgLst>
+  <pc:docChgLst>
     <pc:chgData name="Xin Luo" userId="82312ee5779919a4" providerId="LiveId" clId="{3C4A7AF4-6488-5041-B432-D36EF53163D3}"/>
     <pc:docChg chg="undo custSel addSld delSld modSld sldOrd">
       <pc:chgData name="Xin Luo" userId="82312ee5779919a4" providerId="LiveId" clId="{3C4A7AF4-6488-5041-B432-D36EF53163D3}" dt="2023-02-23T14:33:41.327" v="6919" actId="478"/>
@@ -2915,350 +3636,6 @@
             <pc:docMk/>
             <pc:sldMk cId="383906436" sldId="2736"/>
             <ac:spMk id="17" creationId="{9E05FFCA-3371-AF5C-381D-71D984055F5A}"/>
-          </ac:spMkLst>
-        </pc:spChg>
-      </pc:sldChg>
-    </pc:docChg>
-  </pc:docChgLst>
-  <pc:docChgLst>
-    <pc:chgData name="Xin Luo" userId="82312ee5779919a4" providerId="LiveId" clId="{23920C8D-EBCE-A347-9C82-C14316D20539}"/>
-    <pc:docChg chg="undo custSel addSld modSld">
-      <pc:chgData name="Xin Luo" userId="82312ee5779919a4" providerId="LiveId" clId="{23920C8D-EBCE-A347-9C82-C14316D20539}" dt="2022-10-26T12:19:06.428" v="501" actId="767"/>
-      <pc:docMkLst>
-        <pc:docMk/>
-      </pc:docMkLst>
-      <pc:sldChg chg="modSp mod">
-        <pc:chgData name="Xin Luo" userId="82312ee5779919a4" providerId="LiveId" clId="{23920C8D-EBCE-A347-9C82-C14316D20539}" dt="2022-10-10T01:06:29.261" v="368" actId="404"/>
-        <pc:sldMkLst>
-          <pc:docMk/>
-          <pc:sldMk cId="1576120367" sldId="2387"/>
-        </pc:sldMkLst>
-        <pc:spChg chg="mod">
-          <ac:chgData name="Xin Luo" userId="82312ee5779919a4" providerId="LiveId" clId="{23920C8D-EBCE-A347-9C82-C14316D20539}" dt="2022-10-10T01:06:29.261" v="368" actId="404"/>
-          <ac:spMkLst>
-            <pc:docMk/>
-            <pc:sldMk cId="1576120367" sldId="2387"/>
-            <ac:spMk id="10" creationId="{00000000-0000-0000-0000-000000000000}"/>
-          </ac:spMkLst>
-        </pc:spChg>
-        <pc:spChg chg="mod">
-          <ac:chgData name="Xin Luo" userId="82312ee5779919a4" providerId="LiveId" clId="{23920C8D-EBCE-A347-9C82-C14316D20539}" dt="2022-10-10T01:06:13.262" v="366" actId="403"/>
-          <ac:spMkLst>
-            <pc:docMk/>
-            <pc:sldMk cId="1576120367" sldId="2387"/>
-            <ac:spMk id="12" creationId="{00000000-0000-0000-0000-000000000000}"/>
-          </ac:spMkLst>
-        </pc:spChg>
-        <pc:spChg chg="mod">
-          <ac:chgData name="Xin Luo" userId="82312ee5779919a4" providerId="LiveId" clId="{23920C8D-EBCE-A347-9C82-C14316D20539}" dt="2022-10-10T01:06:29.261" v="368" actId="404"/>
-          <ac:spMkLst>
-            <pc:docMk/>
-            <pc:sldMk cId="1576120367" sldId="2387"/>
-            <ac:spMk id="13" creationId="{00000000-0000-0000-0000-000000000000}"/>
-          </ac:spMkLst>
-        </pc:spChg>
-        <pc:spChg chg="mod">
-          <ac:chgData name="Xin Luo" userId="82312ee5779919a4" providerId="LiveId" clId="{23920C8D-EBCE-A347-9C82-C14316D20539}" dt="2022-10-10T01:06:13.262" v="366" actId="403"/>
-          <ac:spMkLst>
-            <pc:docMk/>
-            <pc:sldMk cId="1576120367" sldId="2387"/>
-            <ac:spMk id="14" creationId="{00000000-0000-0000-0000-000000000000}"/>
-          </ac:spMkLst>
-        </pc:spChg>
-        <pc:spChg chg="mod">
-          <ac:chgData name="Xin Luo" userId="82312ee5779919a4" providerId="LiveId" clId="{23920C8D-EBCE-A347-9C82-C14316D20539}" dt="2022-10-10T01:06:29.261" v="368" actId="404"/>
-          <ac:spMkLst>
-            <pc:docMk/>
-            <pc:sldMk cId="1576120367" sldId="2387"/>
-            <ac:spMk id="15" creationId="{00000000-0000-0000-0000-000000000000}"/>
-          </ac:spMkLst>
-        </pc:spChg>
-        <pc:spChg chg="mod">
-          <ac:chgData name="Xin Luo" userId="82312ee5779919a4" providerId="LiveId" clId="{23920C8D-EBCE-A347-9C82-C14316D20539}" dt="2022-10-10T01:06:19.369" v="367" actId="14100"/>
-          <ac:spMkLst>
-            <pc:docMk/>
-            <pc:sldMk cId="1576120367" sldId="2387"/>
-            <ac:spMk id="16" creationId="{00000000-0000-0000-0000-000000000000}"/>
-          </ac:spMkLst>
-        </pc:spChg>
-      </pc:sldChg>
-      <pc:sldChg chg="modSp mod">
-        <pc:chgData name="Xin Luo" userId="82312ee5779919a4" providerId="LiveId" clId="{23920C8D-EBCE-A347-9C82-C14316D20539}" dt="2022-10-10T01:06:39.449" v="369" actId="403"/>
-        <pc:sldMkLst>
-          <pc:docMk/>
-          <pc:sldMk cId="2415901206" sldId="2447"/>
-        </pc:sldMkLst>
-        <pc:spChg chg="mod">
-          <ac:chgData name="Xin Luo" userId="82312ee5779919a4" providerId="LiveId" clId="{23920C8D-EBCE-A347-9C82-C14316D20539}" dt="2022-10-10T01:06:39.449" v="369" actId="403"/>
-          <ac:spMkLst>
-            <pc:docMk/>
-            <pc:sldMk cId="2415901206" sldId="2447"/>
-            <ac:spMk id="7" creationId="{00000000-0000-0000-0000-000000000000}"/>
-          </ac:spMkLst>
-        </pc:spChg>
-      </pc:sldChg>
-      <pc:sldChg chg="addSp delSp modSp mod">
-        <pc:chgData name="Xin Luo" userId="82312ee5779919a4" providerId="LiveId" clId="{23920C8D-EBCE-A347-9C82-C14316D20539}" dt="2022-10-26T11:18:20.490" v="500"/>
-        <pc:sldMkLst>
-          <pc:docMk/>
-          <pc:sldMk cId="2689840772" sldId="2604"/>
-        </pc:sldMkLst>
-        <pc:spChg chg="mod">
-          <ac:chgData name="Xin Luo" userId="82312ee5779919a4" providerId="LiveId" clId="{23920C8D-EBCE-A347-9C82-C14316D20539}" dt="2022-10-26T11:18:14.630" v="497" actId="1038"/>
-          <ac:spMkLst>
-            <pc:docMk/>
-            <pc:sldMk cId="2689840772" sldId="2604"/>
-            <ac:spMk id="2" creationId="{DB381E7B-A050-4BE4-6756-9B64308C74D7}"/>
-          </ac:spMkLst>
-        </pc:spChg>
-        <pc:spChg chg="del mod">
-          <ac:chgData name="Xin Luo" userId="82312ee5779919a4" providerId="LiveId" clId="{23920C8D-EBCE-A347-9C82-C14316D20539}" dt="2022-10-10T00:58:26.498" v="9" actId="478"/>
-          <ac:spMkLst>
-            <pc:docMk/>
-            <pc:sldMk cId="2689840772" sldId="2604"/>
-            <ac:spMk id="3" creationId="{00000000-0000-0000-0000-000000000000}"/>
-          </ac:spMkLst>
-        </pc:spChg>
-        <pc:spChg chg="add del mod">
-          <ac:chgData name="Xin Luo" userId="82312ee5779919a4" providerId="LiveId" clId="{23920C8D-EBCE-A347-9C82-C14316D20539}" dt="2022-10-26T11:18:20.490" v="500"/>
-          <ac:spMkLst>
-            <pc:docMk/>
-            <pc:sldMk cId="2689840772" sldId="2604"/>
-            <ac:spMk id="3" creationId="{0AC6D251-AEF6-35BE-71D5-DE25EAD72977}"/>
-          </ac:spMkLst>
-        </pc:spChg>
-        <pc:spChg chg="add mod">
-          <ac:chgData name="Xin Luo" userId="82312ee5779919a4" providerId="LiveId" clId="{23920C8D-EBCE-A347-9C82-C14316D20539}" dt="2022-10-10T01:03:50.909" v="356" actId="20577"/>
-          <ac:spMkLst>
-            <pc:docMk/>
-            <pc:sldMk cId="2689840772" sldId="2604"/>
-            <ac:spMk id="4" creationId="{5B949F23-92C2-3ACE-AE9A-58F8C8D7AB52}"/>
-          </ac:spMkLst>
-        </pc:spChg>
-      </pc:sldChg>
-      <pc:sldChg chg="modSp mod">
-        <pc:chgData name="Xin Luo" userId="82312ee5779919a4" providerId="LiveId" clId="{23920C8D-EBCE-A347-9C82-C14316D20539}" dt="2022-10-25T11:53:23.523" v="402" actId="207"/>
-        <pc:sldMkLst>
-          <pc:docMk/>
-          <pc:sldMk cId="1392274363" sldId="2606"/>
-        </pc:sldMkLst>
-        <pc:spChg chg="mod">
-          <ac:chgData name="Xin Luo" userId="82312ee5779919a4" providerId="LiveId" clId="{23920C8D-EBCE-A347-9C82-C14316D20539}" dt="2022-10-10T01:08:08.448" v="392" actId="20577"/>
-          <ac:spMkLst>
-            <pc:docMk/>
-            <pc:sldMk cId="1392274363" sldId="2606"/>
-            <ac:spMk id="35" creationId="{2CBBD54C-A0C4-CFAB-2A67-F8BF299D28F5}"/>
-          </ac:spMkLst>
-        </pc:spChg>
-        <pc:spChg chg="mod">
-          <ac:chgData name="Xin Luo" userId="82312ee5779919a4" providerId="LiveId" clId="{23920C8D-EBCE-A347-9C82-C14316D20539}" dt="2022-10-25T11:53:23.523" v="402" actId="207"/>
-          <ac:spMkLst>
-            <pc:docMk/>
-            <pc:sldMk cId="1392274363" sldId="2606"/>
-            <ac:spMk id="42" creationId="{E4B07DDE-AB89-2B16-6B7A-2142621DE6F5}"/>
-          </ac:spMkLst>
-        </pc:spChg>
-      </pc:sldChg>
-      <pc:sldChg chg="modSp mod">
-        <pc:chgData name="Xin Luo" userId="82312ee5779919a4" providerId="LiveId" clId="{23920C8D-EBCE-A347-9C82-C14316D20539}" dt="2022-10-25T12:03:26.240" v="414" actId="14100"/>
-        <pc:sldMkLst>
-          <pc:docMk/>
-          <pc:sldMk cId="292605530" sldId="2607"/>
-        </pc:sldMkLst>
-        <pc:spChg chg="mod">
-          <ac:chgData name="Xin Luo" userId="82312ee5779919a4" providerId="LiveId" clId="{23920C8D-EBCE-A347-9C82-C14316D20539}" dt="2022-10-25T12:03:26.240" v="414" actId="14100"/>
-          <ac:spMkLst>
-            <pc:docMk/>
-            <pc:sldMk cId="292605530" sldId="2607"/>
-            <ac:spMk id="18" creationId="{8399C9E7-13B6-1DAF-F5BF-4471E8528C5F}"/>
-          </ac:spMkLst>
-        </pc:spChg>
-      </pc:sldChg>
-      <pc:sldChg chg="modSp mod">
-        <pc:chgData name="Xin Luo" userId="82312ee5779919a4" providerId="LiveId" clId="{23920C8D-EBCE-A347-9C82-C14316D20539}" dt="2022-10-25T12:09:03.730" v="478" actId="1036"/>
-        <pc:sldMkLst>
-          <pc:docMk/>
-          <pc:sldMk cId="2780969545" sldId="2609"/>
-        </pc:sldMkLst>
-        <pc:spChg chg="mod">
-          <ac:chgData name="Xin Luo" userId="82312ee5779919a4" providerId="LiveId" clId="{23920C8D-EBCE-A347-9C82-C14316D20539}" dt="2022-10-25T12:08:56.496" v="469" actId="115"/>
-          <ac:spMkLst>
-            <pc:docMk/>
-            <pc:sldMk cId="2780969545" sldId="2609"/>
-            <ac:spMk id="6" creationId="{2D1A6305-FF43-CF53-224A-B6D4901EAB0F}"/>
-          </ac:spMkLst>
-        </pc:spChg>
-        <pc:spChg chg="mod">
-          <ac:chgData name="Xin Luo" userId="82312ee5779919a4" providerId="LiveId" clId="{23920C8D-EBCE-A347-9C82-C14316D20539}" dt="2022-10-25T12:09:03.730" v="478" actId="1036"/>
-          <ac:spMkLst>
-            <pc:docMk/>
-            <pc:sldMk cId="2780969545" sldId="2609"/>
-            <ac:spMk id="11" creationId="{63EAC848-88D2-7A10-E878-444ADA855E23}"/>
-          </ac:spMkLst>
-        </pc:spChg>
-        <pc:spChg chg="mod">
-          <ac:chgData name="Xin Luo" userId="82312ee5779919a4" providerId="LiveId" clId="{23920C8D-EBCE-A347-9C82-C14316D20539}" dt="2022-10-25T12:09:03.730" v="478" actId="1036"/>
-          <ac:spMkLst>
-            <pc:docMk/>
-            <pc:sldMk cId="2780969545" sldId="2609"/>
-            <ac:spMk id="12" creationId="{BED7A820-9D6E-7E7E-A906-8A9424528316}"/>
-          </ac:spMkLst>
-        </pc:spChg>
-        <pc:spChg chg="mod">
-          <ac:chgData name="Xin Luo" userId="82312ee5779919a4" providerId="LiveId" clId="{23920C8D-EBCE-A347-9C82-C14316D20539}" dt="2022-10-25T12:09:03.730" v="478" actId="1036"/>
-          <ac:spMkLst>
-            <pc:docMk/>
-            <pc:sldMk cId="2780969545" sldId="2609"/>
-            <ac:spMk id="20" creationId="{87EC125B-CB98-6914-1633-6697471A2CB4}"/>
-          </ac:spMkLst>
-        </pc:spChg>
-        <pc:spChg chg="mod">
-          <ac:chgData name="Xin Luo" userId="82312ee5779919a4" providerId="LiveId" clId="{23920C8D-EBCE-A347-9C82-C14316D20539}" dt="2022-10-25T12:09:03.730" v="478" actId="1036"/>
-          <ac:spMkLst>
-            <pc:docMk/>
-            <pc:sldMk cId="2780969545" sldId="2609"/>
-            <ac:spMk id="21" creationId="{0AF67847-7DEF-CDAB-6208-0271BFB4FB06}"/>
-          </ac:spMkLst>
-        </pc:spChg>
-        <pc:spChg chg="mod">
-          <ac:chgData name="Xin Luo" userId="82312ee5779919a4" providerId="LiveId" clId="{23920C8D-EBCE-A347-9C82-C14316D20539}" dt="2022-10-25T12:09:03.730" v="478" actId="1036"/>
-          <ac:spMkLst>
-            <pc:docMk/>
-            <pc:sldMk cId="2780969545" sldId="2609"/>
-            <ac:spMk id="23" creationId="{0011846D-F543-398E-85CB-0AB0A842928A}"/>
-          </ac:spMkLst>
-        </pc:spChg>
-        <pc:spChg chg="mod">
-          <ac:chgData name="Xin Luo" userId="82312ee5779919a4" providerId="LiveId" clId="{23920C8D-EBCE-A347-9C82-C14316D20539}" dt="2022-10-25T12:09:03.730" v="478" actId="1036"/>
-          <ac:spMkLst>
-            <pc:docMk/>
-            <pc:sldMk cId="2780969545" sldId="2609"/>
-            <ac:spMk id="24" creationId="{37B5D87E-7419-7CC0-91CC-8A0807F0F999}"/>
-          </ac:spMkLst>
-        </pc:spChg>
-        <pc:spChg chg="mod">
-          <ac:chgData name="Xin Luo" userId="82312ee5779919a4" providerId="LiveId" clId="{23920C8D-EBCE-A347-9C82-C14316D20539}" dt="2022-10-25T12:09:03.730" v="478" actId="1036"/>
-          <ac:spMkLst>
-            <pc:docMk/>
-            <pc:sldMk cId="2780969545" sldId="2609"/>
-            <ac:spMk id="25" creationId="{4745244D-B431-F067-4A97-7CC4387296FB}"/>
-          </ac:spMkLst>
-        </pc:spChg>
-        <pc:spChg chg="mod">
-          <ac:chgData name="Xin Luo" userId="82312ee5779919a4" providerId="LiveId" clId="{23920C8D-EBCE-A347-9C82-C14316D20539}" dt="2022-10-25T12:09:03.730" v="478" actId="1036"/>
-          <ac:spMkLst>
-            <pc:docMk/>
-            <pc:sldMk cId="2780969545" sldId="2609"/>
-            <ac:spMk id="26" creationId="{FB9C53DE-8D1F-6DF4-8CE3-3A262A9F8737}"/>
-          </ac:spMkLst>
-        </pc:spChg>
-        <pc:picChg chg="mod">
-          <ac:chgData name="Xin Luo" userId="82312ee5779919a4" providerId="LiveId" clId="{23920C8D-EBCE-A347-9C82-C14316D20539}" dt="2022-10-25T12:09:03.730" v="478" actId="1036"/>
-          <ac:picMkLst>
-            <pc:docMk/>
-            <pc:sldMk cId="2780969545" sldId="2609"/>
-            <ac:picMk id="4" creationId="{49B7ACC6-6794-9162-52B2-E80F7E4B0442}"/>
-          </ac:picMkLst>
-        </pc:picChg>
-        <pc:picChg chg="mod">
-          <ac:chgData name="Xin Luo" userId="82312ee5779919a4" providerId="LiveId" clId="{23920C8D-EBCE-A347-9C82-C14316D20539}" dt="2022-10-25T12:09:03.730" v="478" actId="1036"/>
-          <ac:picMkLst>
-            <pc:docMk/>
-            <pc:sldMk cId="2780969545" sldId="2609"/>
-            <ac:picMk id="7" creationId="{42FD45A0-A9EA-D518-41B5-21FA7A24BA60}"/>
-          </ac:picMkLst>
-        </pc:picChg>
-        <pc:picChg chg="mod">
-          <ac:chgData name="Xin Luo" userId="82312ee5779919a4" providerId="LiveId" clId="{23920C8D-EBCE-A347-9C82-C14316D20539}" dt="2022-10-25T12:09:03.730" v="478" actId="1036"/>
-          <ac:picMkLst>
-            <pc:docMk/>
-            <pc:sldMk cId="2780969545" sldId="2609"/>
-            <ac:picMk id="10" creationId="{C2B12388-3179-41F8-2462-0C9BA14093FF}"/>
-          </ac:picMkLst>
-        </pc:picChg>
-        <pc:picChg chg="mod">
-          <ac:chgData name="Xin Luo" userId="82312ee5779919a4" providerId="LiveId" clId="{23920C8D-EBCE-A347-9C82-C14316D20539}" dt="2022-10-25T12:09:03.730" v="478" actId="1036"/>
-          <ac:picMkLst>
-            <pc:docMk/>
-            <pc:sldMk cId="2780969545" sldId="2609"/>
-            <ac:picMk id="7170" creationId="{A3C33C8C-6841-03A7-574F-E161D6BA2409}"/>
-          </ac:picMkLst>
-        </pc:picChg>
-        <pc:cxnChg chg="mod">
-          <ac:chgData name="Xin Luo" userId="82312ee5779919a4" providerId="LiveId" clId="{23920C8D-EBCE-A347-9C82-C14316D20539}" dt="2022-10-25T12:09:03.730" v="478" actId="1036"/>
-          <ac:cxnSpMkLst>
-            <pc:docMk/>
-            <pc:sldMk cId="2780969545" sldId="2609"/>
-            <ac:cxnSpMk id="9" creationId="{FD972B84-6C44-171E-8256-D2A04F01B0C9}"/>
-          </ac:cxnSpMkLst>
-        </pc:cxnChg>
-        <pc:cxnChg chg="mod">
-          <ac:chgData name="Xin Luo" userId="82312ee5779919a4" providerId="LiveId" clId="{23920C8D-EBCE-A347-9C82-C14316D20539}" dt="2022-10-25T12:09:03.730" v="478" actId="1036"/>
-          <ac:cxnSpMkLst>
-            <pc:docMk/>
-            <pc:sldMk cId="2780969545" sldId="2609"/>
-            <ac:cxnSpMk id="16" creationId="{612BCBDC-DECE-5090-7C5B-6492FF4CE722}"/>
-          </ac:cxnSpMkLst>
-        </pc:cxnChg>
-        <pc:cxnChg chg="mod">
-          <ac:chgData name="Xin Luo" userId="82312ee5779919a4" providerId="LiveId" clId="{23920C8D-EBCE-A347-9C82-C14316D20539}" dt="2022-10-25T12:09:03.730" v="478" actId="1036"/>
-          <ac:cxnSpMkLst>
-            <pc:docMk/>
-            <pc:sldMk cId="2780969545" sldId="2609"/>
-            <ac:cxnSpMk id="17" creationId="{AF045F09-2718-C456-D477-E816A43885FF}"/>
-          </ac:cxnSpMkLst>
-        </pc:cxnChg>
-        <pc:cxnChg chg="mod">
-          <ac:chgData name="Xin Luo" userId="82312ee5779919a4" providerId="LiveId" clId="{23920C8D-EBCE-A347-9C82-C14316D20539}" dt="2022-10-25T12:09:03.730" v="478" actId="1036"/>
-          <ac:cxnSpMkLst>
-            <pc:docMk/>
-            <pc:sldMk cId="2780969545" sldId="2609"/>
-            <ac:cxnSpMk id="28" creationId="{6C11ADF7-6234-2989-2798-F5AAD5EDE3BF}"/>
-          </ac:cxnSpMkLst>
-        </pc:cxnChg>
-      </pc:sldChg>
-      <pc:sldChg chg="modSp mod">
-        <pc:chgData name="Xin Luo" userId="82312ee5779919a4" providerId="LiveId" clId="{23920C8D-EBCE-A347-9C82-C14316D20539}" dt="2022-10-26T02:56:58.658" v="480" actId="207"/>
-        <pc:sldMkLst>
-          <pc:docMk/>
-          <pc:sldMk cId="63705705" sldId="2612"/>
-        </pc:sldMkLst>
-        <pc:spChg chg="mod">
-          <ac:chgData name="Xin Luo" userId="82312ee5779919a4" providerId="LiveId" clId="{23920C8D-EBCE-A347-9C82-C14316D20539}" dt="2022-10-26T02:56:58.658" v="480" actId="207"/>
-          <ac:spMkLst>
-            <pc:docMk/>
-            <pc:sldMk cId="63705705" sldId="2612"/>
-            <ac:spMk id="63" creationId="{6400CC45-5050-7ACD-CE08-CC6D7000A1DA}"/>
-          </ac:spMkLst>
-        </pc:spChg>
-      </pc:sldChg>
-      <pc:sldChg chg="addSp modSp">
-        <pc:chgData name="Xin Luo" userId="82312ee5779919a4" providerId="LiveId" clId="{23920C8D-EBCE-A347-9C82-C14316D20539}" dt="2022-10-26T12:19:06.428" v="501" actId="767"/>
-        <pc:sldMkLst>
-          <pc:docMk/>
-          <pc:sldMk cId="963926578" sldId="2613"/>
-        </pc:sldMkLst>
-        <pc:spChg chg="add mod">
-          <ac:chgData name="Xin Luo" userId="82312ee5779919a4" providerId="LiveId" clId="{23920C8D-EBCE-A347-9C82-C14316D20539}" dt="2022-10-26T12:19:06.428" v="501" actId="767"/>
-          <ac:spMkLst>
-            <pc:docMk/>
-            <pc:sldMk cId="963926578" sldId="2613"/>
-            <ac:spMk id="2" creationId="{5F7683B3-77E0-69A9-94AE-FF04E7249325}"/>
-          </ac:spMkLst>
-        </pc:spChg>
-      </pc:sldChg>
-      <pc:sldChg chg="modSp add mod">
-        <pc:chgData name="Xin Luo" userId="82312ee5779919a4" providerId="LiveId" clId="{23920C8D-EBCE-A347-9C82-C14316D20539}" dt="2022-10-10T01:06:02.902" v="365" actId="403"/>
-        <pc:sldMkLst>
-          <pc:docMk/>
-          <pc:sldMk cId="2358282757" sldId="2714"/>
-        </pc:sldMkLst>
-        <pc:spChg chg="mod">
-          <ac:chgData name="Xin Luo" userId="82312ee5779919a4" providerId="LiveId" clId="{23920C8D-EBCE-A347-9C82-C14316D20539}" dt="2022-10-10T01:06:02.902" v="365" actId="403"/>
-          <ac:spMkLst>
-            <pc:docMk/>
-            <pc:sldMk cId="2358282757" sldId="2714"/>
-            <ac:spMk id="2" creationId="{DB381E7B-A050-4BE4-6756-9B64308C74D7}"/>
           </ac:spMkLst>
         </pc:spChg>
       </pc:sldChg>
@@ -4321,703 +4698,6 @@
           <pc:docMk/>
           <pc:sldMk cId="1482309087" sldId="2766"/>
         </pc:sldMkLst>
-      </pc:sldChg>
-    </pc:docChg>
-  </pc:docChgLst>
-  <pc:docChgLst>
-    <pc:chgData name="Xin Luo" userId="82312ee5779919a4" providerId="LiveId" clId="{F39FD8EC-B3B0-744A-BAD0-DA61AA840DC4}"/>
-    <pc:docChg chg="custSel addSld delSld modSld">
-      <pc:chgData name="Xin Luo" userId="82312ee5779919a4" providerId="LiveId" clId="{F39FD8EC-B3B0-744A-BAD0-DA61AA840DC4}" dt="2023-09-24T13:56:24.236" v="64" actId="2696"/>
-      <pc:docMkLst>
-        <pc:docMk/>
-      </pc:docMkLst>
-      <pc:sldChg chg="modSp mod">
-        <pc:chgData name="Xin Luo" userId="82312ee5779919a4" providerId="LiveId" clId="{F39FD8EC-B3B0-744A-BAD0-DA61AA840DC4}" dt="2023-09-24T13:53:44.986" v="62" actId="313"/>
-        <pc:sldMkLst>
-          <pc:docMk/>
-          <pc:sldMk cId="782854285" sldId="2767"/>
-        </pc:sldMkLst>
-        <pc:spChg chg="mod">
-          <ac:chgData name="Xin Luo" userId="82312ee5779919a4" providerId="LiveId" clId="{F39FD8EC-B3B0-744A-BAD0-DA61AA840DC4}" dt="2023-09-24T13:53:44.986" v="62" actId="313"/>
-          <ac:spMkLst>
-            <pc:docMk/>
-            <pc:sldMk cId="782854285" sldId="2767"/>
-            <ac:spMk id="5" creationId="{78502774-B04C-634F-1396-E5815996BC36}"/>
-          </ac:spMkLst>
-        </pc:spChg>
-      </pc:sldChg>
-      <pc:sldChg chg="add del">
-        <pc:chgData name="Xin Luo" userId="82312ee5779919a4" providerId="LiveId" clId="{F39FD8EC-B3B0-744A-BAD0-DA61AA840DC4}" dt="2023-09-24T13:56:24.236" v="64" actId="2696"/>
-        <pc:sldMkLst>
-          <pc:docMk/>
-          <pc:sldMk cId="1493379628" sldId="2771"/>
-        </pc:sldMkLst>
-      </pc:sldChg>
-    </pc:docChg>
-  </pc:docChgLst>
-  <pc:docChgLst>
-    <pc:chgData name="Xin Luo" userId="82312ee5779919a4" providerId="LiveId" clId="{8BA8C8C7-2517-3646-951D-48296B93037A}"/>
-    <pc:docChg chg="undo custSel addSld delSld modSld sldOrd">
-      <pc:chgData name="Xin Luo" userId="82312ee5779919a4" providerId="LiveId" clId="{8BA8C8C7-2517-3646-951D-48296B93037A}" dt="2023-03-13T10:46:23.938" v="2088" actId="20577"/>
-      <pc:docMkLst>
-        <pc:docMk/>
-      </pc:docMkLst>
-      <pc:sldChg chg="modSp mod">
-        <pc:chgData name="Xin Luo" userId="82312ee5779919a4" providerId="LiveId" clId="{8BA8C8C7-2517-3646-951D-48296B93037A}" dt="2023-02-28T06:07:00.105" v="66" actId="20577"/>
-        <pc:sldMkLst>
-          <pc:docMk/>
-          <pc:sldMk cId="1576120367" sldId="2387"/>
-        </pc:sldMkLst>
-        <pc:spChg chg="mod">
-          <ac:chgData name="Xin Luo" userId="82312ee5779919a4" providerId="LiveId" clId="{8BA8C8C7-2517-3646-951D-48296B93037A}" dt="2023-02-28T06:07:00.105" v="66" actId="20577"/>
-          <ac:spMkLst>
-            <pc:docMk/>
-            <pc:sldMk cId="1576120367" sldId="2387"/>
-            <ac:spMk id="12" creationId="{00000000-0000-0000-0000-000000000000}"/>
-          </ac:spMkLst>
-        </pc:spChg>
-        <pc:spChg chg="mod">
-          <ac:chgData name="Xin Luo" userId="82312ee5779919a4" providerId="LiveId" clId="{8BA8C8C7-2517-3646-951D-48296B93037A}" dt="2023-02-28T06:06:51.443" v="40" actId="20577"/>
-          <ac:spMkLst>
-            <pc:docMk/>
-            <pc:sldMk cId="1576120367" sldId="2387"/>
-            <ac:spMk id="14" creationId="{00000000-0000-0000-0000-000000000000}"/>
-          </ac:spMkLst>
-        </pc:spChg>
-      </pc:sldChg>
-      <pc:sldChg chg="modSp mod">
-        <pc:chgData name="Xin Luo" userId="82312ee5779919a4" providerId="LiveId" clId="{8BA8C8C7-2517-3646-951D-48296B93037A}" dt="2023-02-28T06:02:43.468" v="25" actId="20577"/>
-        <pc:sldMkLst>
-          <pc:docMk/>
-          <pc:sldMk cId="1658607177" sldId="2708"/>
-        </pc:sldMkLst>
-        <pc:spChg chg="mod">
-          <ac:chgData name="Xin Luo" userId="82312ee5779919a4" providerId="LiveId" clId="{8BA8C8C7-2517-3646-951D-48296B93037A}" dt="2023-02-28T06:02:43.468" v="25" actId="20577"/>
-          <ac:spMkLst>
-            <pc:docMk/>
-            <pc:sldMk cId="1658607177" sldId="2708"/>
-            <ac:spMk id="24" creationId="{00000000-0000-0000-0000-000000000000}"/>
-          </ac:spMkLst>
-        </pc:spChg>
-      </pc:sldChg>
-      <pc:sldChg chg="modSp add del mod">
-        <pc:chgData name="Xin Luo" userId="82312ee5779919a4" providerId="LiveId" clId="{8BA8C8C7-2517-3646-951D-48296B93037A}" dt="2023-03-13T10:46:23.938" v="2088" actId="20577"/>
-        <pc:sldMkLst>
-          <pc:docMk/>
-          <pc:sldMk cId="1209572041" sldId="2722"/>
-        </pc:sldMkLst>
-        <pc:spChg chg="mod">
-          <ac:chgData name="Xin Luo" userId="82312ee5779919a4" providerId="LiveId" clId="{8BA8C8C7-2517-3646-951D-48296B93037A}" dt="2023-02-28T06:13:02.270" v="222" actId="20577"/>
-          <ac:spMkLst>
-            <pc:docMk/>
-            <pc:sldMk cId="1209572041" sldId="2722"/>
-            <ac:spMk id="11" creationId="{53A7E693-8098-76C4-CD5D-47166ABEB164}"/>
-          </ac:spMkLst>
-        </pc:spChg>
-        <pc:spChg chg="mod">
-          <ac:chgData name="Xin Luo" userId="82312ee5779919a4" providerId="LiveId" clId="{8BA8C8C7-2517-3646-951D-48296B93037A}" dt="2023-03-13T10:46:23.938" v="2088" actId="20577"/>
-          <ac:spMkLst>
-            <pc:docMk/>
-            <pc:sldMk cId="1209572041" sldId="2722"/>
-            <ac:spMk id="13" creationId="{303BC878-BC57-D350-27A3-F03AE48213AC}"/>
-          </ac:spMkLst>
-        </pc:spChg>
-      </pc:sldChg>
-      <pc:sldChg chg="modSp mod">
-        <pc:chgData name="Xin Luo" userId="82312ee5779919a4" providerId="LiveId" clId="{8BA8C8C7-2517-3646-951D-48296B93037A}" dt="2023-02-28T06:07:14.771" v="81" actId="20577"/>
-        <pc:sldMkLst>
-          <pc:docMk/>
-          <pc:sldMk cId="393940605" sldId="2742"/>
-        </pc:sldMkLst>
-        <pc:spChg chg="mod">
-          <ac:chgData name="Xin Luo" userId="82312ee5779919a4" providerId="LiveId" clId="{8BA8C8C7-2517-3646-951D-48296B93037A}" dt="2023-02-28T06:07:14.771" v="81" actId="20577"/>
-          <ac:spMkLst>
-            <pc:docMk/>
-            <pc:sldMk cId="393940605" sldId="2742"/>
-            <ac:spMk id="7" creationId="{00000000-0000-0000-0000-000000000000}"/>
-          </ac:spMkLst>
-        </pc:spChg>
-      </pc:sldChg>
-      <pc:sldChg chg="modSp mod ord">
-        <pc:chgData name="Xin Luo" userId="82312ee5779919a4" providerId="LiveId" clId="{8BA8C8C7-2517-3646-951D-48296B93037A}" dt="2023-02-28T06:08:18.980" v="128" actId="20577"/>
-        <pc:sldMkLst>
-          <pc:docMk/>
-          <pc:sldMk cId="3175231995" sldId="2743"/>
-        </pc:sldMkLst>
-        <pc:spChg chg="mod">
-          <ac:chgData name="Xin Luo" userId="82312ee5779919a4" providerId="LiveId" clId="{8BA8C8C7-2517-3646-951D-48296B93037A}" dt="2023-02-28T06:08:18.980" v="128" actId="20577"/>
-          <ac:spMkLst>
-            <pc:docMk/>
-            <pc:sldMk cId="3175231995" sldId="2743"/>
-            <ac:spMk id="7" creationId="{00000000-0000-0000-0000-000000000000}"/>
-          </ac:spMkLst>
-        </pc:spChg>
-      </pc:sldChg>
-      <pc:sldChg chg="del">
-        <pc:chgData name="Xin Luo" userId="82312ee5779919a4" providerId="LiveId" clId="{8BA8C8C7-2517-3646-951D-48296B93037A}" dt="2023-02-28T06:12:32.846" v="191" actId="2696"/>
-        <pc:sldMkLst>
-          <pc:docMk/>
-          <pc:sldMk cId="2345376688" sldId="2745"/>
-        </pc:sldMkLst>
-      </pc:sldChg>
-      <pc:sldChg chg="del">
-        <pc:chgData name="Xin Luo" userId="82312ee5779919a4" providerId="LiveId" clId="{8BA8C8C7-2517-3646-951D-48296B93037A}" dt="2023-02-28T06:07:32.726" v="99" actId="2696"/>
-        <pc:sldMkLst>
-          <pc:docMk/>
-          <pc:sldMk cId="580867947" sldId="2747"/>
-        </pc:sldMkLst>
-      </pc:sldChg>
-      <pc:sldChg chg="modSp mod">
-        <pc:chgData name="Xin Luo" userId="82312ee5779919a4" providerId="LiveId" clId="{8BA8C8C7-2517-3646-951D-48296B93037A}" dt="2023-03-05T03:24:16.561" v="315" actId="113"/>
-        <pc:sldMkLst>
-          <pc:docMk/>
-          <pc:sldMk cId="2245643700" sldId="2751"/>
-        </pc:sldMkLst>
-        <pc:spChg chg="mod">
-          <ac:chgData name="Xin Luo" userId="82312ee5779919a4" providerId="LiveId" clId="{8BA8C8C7-2517-3646-951D-48296B93037A}" dt="2023-03-05T03:24:16.561" v="315" actId="113"/>
-          <ac:spMkLst>
-            <pc:docMk/>
-            <pc:sldMk cId="2245643700" sldId="2751"/>
-            <ac:spMk id="4" creationId="{5890849C-B6D7-E82C-6F19-E8BC73B44DEE}"/>
-          </ac:spMkLst>
-        </pc:spChg>
-      </pc:sldChg>
-      <pc:sldChg chg="modSp mod">
-        <pc:chgData name="Xin Luo" userId="82312ee5779919a4" providerId="LiveId" clId="{8BA8C8C7-2517-3646-951D-48296B93037A}" dt="2023-03-05T05:51:21.234" v="360" actId="115"/>
-        <pc:sldMkLst>
-          <pc:docMk/>
-          <pc:sldMk cId="3400956243" sldId="2752"/>
-        </pc:sldMkLst>
-        <pc:spChg chg="mod">
-          <ac:chgData name="Xin Luo" userId="82312ee5779919a4" providerId="LiveId" clId="{8BA8C8C7-2517-3646-951D-48296B93037A}" dt="2023-03-05T05:51:12.017" v="359" actId="115"/>
-          <ac:spMkLst>
-            <pc:docMk/>
-            <pc:sldMk cId="3400956243" sldId="2752"/>
-            <ac:spMk id="2" creationId="{631AADB6-C88A-D817-4683-FC087E4E240F}"/>
-          </ac:spMkLst>
-        </pc:spChg>
-        <pc:spChg chg="mod">
-          <ac:chgData name="Xin Luo" userId="82312ee5779919a4" providerId="LiveId" clId="{8BA8C8C7-2517-3646-951D-48296B93037A}" dt="2023-03-05T05:51:21.234" v="360" actId="115"/>
-          <ac:spMkLst>
-            <pc:docMk/>
-            <pc:sldMk cId="3400956243" sldId="2752"/>
-            <ac:spMk id="5" creationId="{78502774-B04C-634F-1396-E5815996BC36}"/>
-          </ac:spMkLst>
-        </pc:spChg>
-      </pc:sldChg>
-      <pc:sldChg chg="modSp del mod">
-        <pc:chgData name="Xin Luo" userId="82312ee5779919a4" providerId="LiveId" clId="{8BA8C8C7-2517-3646-951D-48296B93037A}" dt="2023-02-28T06:12:32.814" v="188" actId="2696"/>
-        <pc:sldMkLst>
-          <pc:docMk/>
-          <pc:sldMk cId="3929071932" sldId="2753"/>
-        </pc:sldMkLst>
-        <pc:spChg chg="mod">
-          <ac:chgData name="Xin Luo" userId="82312ee5779919a4" providerId="LiveId" clId="{8BA8C8C7-2517-3646-951D-48296B93037A}" dt="2023-02-28T06:11:32.799" v="187" actId="20577"/>
-          <ac:spMkLst>
-            <pc:docMk/>
-            <pc:sldMk cId="3929071932" sldId="2753"/>
-            <ac:spMk id="5" creationId="{78502774-B04C-634F-1396-E5815996BC36}"/>
-          </ac:spMkLst>
-        </pc:spChg>
-      </pc:sldChg>
-      <pc:sldChg chg="modSp mod">
-        <pc:chgData name="Xin Luo" userId="82312ee5779919a4" providerId="LiveId" clId="{8BA8C8C7-2517-3646-951D-48296B93037A}" dt="2023-03-05T05:48:42.120" v="322" actId="1036"/>
-        <pc:sldMkLst>
-          <pc:docMk/>
-          <pc:sldMk cId="1157508697" sldId="2757"/>
-        </pc:sldMkLst>
-        <pc:spChg chg="mod">
-          <ac:chgData name="Xin Luo" userId="82312ee5779919a4" providerId="LiveId" clId="{8BA8C8C7-2517-3646-951D-48296B93037A}" dt="2023-02-28T06:07:24.216" v="98" actId="20577"/>
-          <ac:spMkLst>
-            <pc:docMk/>
-            <pc:sldMk cId="1157508697" sldId="2757"/>
-            <ac:spMk id="3" creationId="{00000000-0000-0000-0000-000000000000}"/>
-          </ac:spMkLst>
-        </pc:spChg>
-        <pc:spChg chg="mod">
-          <ac:chgData name="Xin Luo" userId="82312ee5779919a4" providerId="LiveId" clId="{8BA8C8C7-2517-3646-951D-48296B93037A}" dt="2023-03-05T05:48:42.120" v="322" actId="1036"/>
-          <ac:spMkLst>
-            <pc:docMk/>
-            <pc:sldMk cId="1157508697" sldId="2757"/>
-            <ac:spMk id="5" creationId="{78502774-B04C-634F-1396-E5815996BC36}"/>
-          </ac:spMkLst>
-        </pc:spChg>
-        <pc:grpChg chg="mod">
-          <ac:chgData name="Xin Luo" userId="82312ee5779919a4" providerId="LiveId" clId="{8BA8C8C7-2517-3646-951D-48296B93037A}" dt="2023-03-05T05:48:31.505" v="317" actId="1036"/>
-          <ac:grpSpMkLst>
-            <pc:docMk/>
-            <pc:sldMk cId="1157508697" sldId="2757"/>
-            <ac:grpSpMk id="22" creationId="{BA4C2415-490B-F3C5-D5E8-A263DD477CBB}"/>
-          </ac:grpSpMkLst>
-        </pc:grpChg>
-      </pc:sldChg>
-      <pc:sldChg chg="addSp delSp modSp mod">
-        <pc:chgData name="Xin Luo" userId="82312ee5779919a4" providerId="LiveId" clId="{8BA8C8C7-2517-3646-951D-48296B93037A}" dt="2023-03-13T07:18:34.063" v="852" actId="1038"/>
-        <pc:sldMkLst>
-          <pc:docMk/>
-          <pc:sldMk cId="4211155851" sldId="2758"/>
-        </pc:sldMkLst>
-        <pc:spChg chg="add del mod">
-          <ac:chgData name="Xin Luo" userId="82312ee5779919a4" providerId="LiveId" clId="{8BA8C8C7-2517-3646-951D-48296B93037A}" dt="2023-03-13T07:18:34.063" v="852" actId="1038"/>
-          <ac:spMkLst>
-            <pc:docMk/>
-            <pc:sldMk cId="4211155851" sldId="2758"/>
-            <ac:spMk id="4" creationId="{4290CCE0-108B-48BB-91BC-936B92572B2F}"/>
-          </ac:spMkLst>
-        </pc:spChg>
-        <pc:spChg chg="add del mod">
-          <ac:chgData name="Xin Luo" userId="82312ee5779919a4" providerId="LiveId" clId="{8BA8C8C7-2517-3646-951D-48296B93037A}" dt="2023-03-13T07:18:34.063" v="852" actId="1038"/>
-          <ac:spMkLst>
-            <pc:docMk/>
-            <pc:sldMk cId="4211155851" sldId="2758"/>
-            <ac:spMk id="5" creationId="{902AE302-3C56-F68F-A45D-492101557DAC}"/>
-          </ac:spMkLst>
-        </pc:spChg>
-        <pc:spChg chg="del mod">
-          <ac:chgData name="Xin Luo" userId="82312ee5779919a4" providerId="LiveId" clId="{8BA8C8C7-2517-3646-951D-48296B93037A}" dt="2023-03-06T08:01:25.488" v="437" actId="478"/>
-          <ac:spMkLst>
-            <pc:docMk/>
-            <pc:sldMk cId="4211155851" sldId="2758"/>
-            <ac:spMk id="6" creationId="{DA984439-1B23-1931-1979-ECF8DE9D6DCA}"/>
-          </ac:spMkLst>
-        </pc:spChg>
-        <pc:spChg chg="del mod">
-          <ac:chgData name="Xin Luo" userId="82312ee5779919a4" providerId="LiveId" clId="{8BA8C8C7-2517-3646-951D-48296B93037A}" dt="2023-03-06T08:01:39.985" v="442" actId="478"/>
-          <ac:spMkLst>
-            <pc:docMk/>
-            <pc:sldMk cId="4211155851" sldId="2758"/>
-            <ac:spMk id="7" creationId="{E179D382-9C94-C796-FB1B-3281561CA174}"/>
-          </ac:spMkLst>
-        </pc:spChg>
-        <pc:spChg chg="add del mod">
-          <ac:chgData name="Xin Luo" userId="82312ee5779919a4" providerId="LiveId" clId="{8BA8C8C7-2517-3646-951D-48296B93037A}" dt="2023-03-13T07:18:34.063" v="852" actId="1038"/>
-          <ac:spMkLst>
-            <pc:docMk/>
-            <pc:sldMk cId="4211155851" sldId="2758"/>
-            <ac:spMk id="8" creationId="{1DDB1CA7-77B6-4A88-958D-DF0B53FDA020}"/>
-          </ac:spMkLst>
-        </pc:spChg>
-        <pc:spChg chg="add mod">
-          <ac:chgData name="Xin Luo" userId="82312ee5779919a4" providerId="LiveId" clId="{8BA8C8C7-2517-3646-951D-48296B93037A}" dt="2023-03-13T07:18:34.063" v="852" actId="1038"/>
-          <ac:spMkLst>
-            <pc:docMk/>
-            <pc:sldMk cId="4211155851" sldId="2758"/>
-            <ac:spMk id="14" creationId="{E7B0D113-1929-C3DF-78B3-7E0AA39E5565}"/>
-          </ac:spMkLst>
-        </pc:spChg>
-        <pc:spChg chg="add mod">
-          <ac:chgData name="Xin Luo" userId="82312ee5779919a4" providerId="LiveId" clId="{8BA8C8C7-2517-3646-951D-48296B93037A}" dt="2023-03-08T00:55:54.440" v="794" actId="255"/>
-          <ac:spMkLst>
-            <pc:docMk/>
-            <pc:sldMk cId="4211155851" sldId="2758"/>
-            <ac:spMk id="28" creationId="{0C89B2E1-0CDC-F585-F0BB-887E467853D8}"/>
-          </ac:spMkLst>
-        </pc:spChg>
-        <pc:spChg chg="add mod">
-          <ac:chgData name="Xin Luo" userId="82312ee5779919a4" providerId="LiveId" clId="{8BA8C8C7-2517-3646-951D-48296B93037A}" dt="2023-03-08T00:55:54.440" v="794" actId="255"/>
-          <ac:spMkLst>
-            <pc:docMk/>
-            <pc:sldMk cId="4211155851" sldId="2758"/>
-            <ac:spMk id="29" creationId="{C6B2AD75-E0F3-26E1-5973-C33A78FC4D1F}"/>
-          </ac:spMkLst>
-        </pc:spChg>
-        <pc:spChg chg="add mod">
-          <ac:chgData name="Xin Luo" userId="82312ee5779919a4" providerId="LiveId" clId="{8BA8C8C7-2517-3646-951D-48296B93037A}" dt="2023-03-08T00:55:54.440" v="794" actId="255"/>
-          <ac:spMkLst>
-            <pc:docMk/>
-            <pc:sldMk cId="4211155851" sldId="2758"/>
-            <ac:spMk id="30" creationId="{A9F2243D-1754-C1E2-7F17-CBA97876DD24}"/>
-          </ac:spMkLst>
-        </pc:spChg>
-        <pc:spChg chg="add del mod">
-          <ac:chgData name="Xin Luo" userId="82312ee5779919a4" providerId="LiveId" clId="{8BA8C8C7-2517-3646-951D-48296B93037A}" dt="2023-03-06T12:29:50.729" v="679" actId="478"/>
-          <ac:spMkLst>
-            <pc:docMk/>
-            <pc:sldMk cId="4211155851" sldId="2758"/>
-            <ac:spMk id="31" creationId="{C8AB4AF9-446E-CD06-3044-ECCCAB8814C1}"/>
-          </ac:spMkLst>
-        </pc:spChg>
-        <pc:spChg chg="add mod">
-          <ac:chgData name="Xin Luo" userId="82312ee5779919a4" providerId="LiveId" clId="{8BA8C8C7-2517-3646-951D-48296B93037A}" dt="2023-03-08T00:55:54.440" v="794" actId="255"/>
-          <ac:spMkLst>
-            <pc:docMk/>
-            <pc:sldMk cId="4211155851" sldId="2758"/>
-            <ac:spMk id="32" creationId="{127D4D11-3546-035E-9F0C-C18C992C41EA}"/>
-          </ac:spMkLst>
-        </pc:spChg>
-        <pc:spChg chg="add mod">
-          <ac:chgData name="Xin Luo" userId="82312ee5779919a4" providerId="LiveId" clId="{8BA8C8C7-2517-3646-951D-48296B93037A}" dt="2023-03-08T00:55:54.440" v="794" actId="255"/>
-          <ac:spMkLst>
-            <pc:docMk/>
-            <pc:sldMk cId="4211155851" sldId="2758"/>
-            <ac:spMk id="33" creationId="{97444748-D656-B7D4-2562-526BEF84C111}"/>
-          </ac:spMkLst>
-        </pc:spChg>
-        <pc:spChg chg="add del mod">
-          <ac:chgData name="Xin Luo" userId="82312ee5779919a4" providerId="LiveId" clId="{8BA8C8C7-2517-3646-951D-48296B93037A}" dt="2023-03-06T12:32:57.728" v="787" actId="478"/>
-          <ac:spMkLst>
-            <pc:docMk/>
-            <pc:sldMk cId="4211155851" sldId="2758"/>
-            <ac:spMk id="60" creationId="{73D30355-FE16-B525-D14B-56B6B60D1BD6}"/>
-          </ac:spMkLst>
-        </pc:spChg>
-        <pc:grpChg chg="add mod">
-          <ac:chgData name="Xin Luo" userId="82312ee5779919a4" providerId="LiveId" clId="{8BA8C8C7-2517-3646-951D-48296B93037A}" dt="2023-03-13T07:18:34.063" v="852" actId="1038"/>
-          <ac:grpSpMkLst>
-            <pc:docMk/>
-            <pc:sldMk cId="4211155851" sldId="2758"/>
-            <ac:grpSpMk id="24" creationId="{5ECE93F5-69CF-FC98-48E9-D6AAE8B13C45}"/>
-          </ac:grpSpMkLst>
-        </pc:grpChg>
-        <pc:grpChg chg="add mod">
-          <ac:chgData name="Xin Luo" userId="82312ee5779919a4" providerId="LiveId" clId="{8BA8C8C7-2517-3646-951D-48296B93037A}" dt="2023-03-06T12:33:03.787" v="793" actId="1037"/>
-          <ac:grpSpMkLst>
-            <pc:docMk/>
-            <pc:sldMk cId="4211155851" sldId="2758"/>
-            <ac:grpSpMk id="61" creationId="{10E0DE21-518B-3F8E-E721-DFE4115F847E}"/>
-          </ac:grpSpMkLst>
-        </pc:grpChg>
-        <pc:picChg chg="add mod">
-          <ac:chgData name="Xin Luo" userId="82312ee5779919a4" providerId="LiveId" clId="{8BA8C8C7-2517-3646-951D-48296B93037A}" dt="2023-03-13T07:18:34.063" v="852" actId="1038"/>
-          <ac:picMkLst>
-            <pc:docMk/>
-            <pc:sldMk cId="4211155851" sldId="2758"/>
-            <ac:picMk id="10" creationId="{A4517004-D557-9AA0-B58C-AD17ECE0ABD3}"/>
-          </ac:picMkLst>
-        </pc:picChg>
-        <pc:picChg chg="add mod">
-          <ac:chgData name="Xin Luo" userId="82312ee5779919a4" providerId="LiveId" clId="{8BA8C8C7-2517-3646-951D-48296B93037A}" dt="2023-03-13T07:18:34.063" v="852" actId="1038"/>
-          <ac:picMkLst>
-            <pc:docMk/>
-            <pc:sldMk cId="4211155851" sldId="2758"/>
-            <ac:picMk id="12" creationId="{B208D771-92F6-7D78-84FD-9100CDF43873}"/>
-          </ac:picMkLst>
-        </pc:picChg>
-        <pc:cxnChg chg="add mod">
-          <ac:chgData name="Xin Luo" userId="82312ee5779919a4" providerId="LiveId" clId="{8BA8C8C7-2517-3646-951D-48296B93037A}" dt="2023-03-13T07:18:34.063" v="852" actId="1038"/>
-          <ac:cxnSpMkLst>
-            <pc:docMk/>
-            <pc:sldMk cId="4211155851" sldId="2758"/>
-            <ac:cxnSpMk id="16" creationId="{75A490F3-1E4C-EF7A-4A6C-38ABE3FAAD46}"/>
-          </ac:cxnSpMkLst>
-        </pc:cxnChg>
-        <pc:cxnChg chg="add mod">
-          <ac:chgData name="Xin Luo" userId="82312ee5779919a4" providerId="LiveId" clId="{8BA8C8C7-2517-3646-951D-48296B93037A}" dt="2023-03-13T07:18:34.063" v="852" actId="1038"/>
-          <ac:cxnSpMkLst>
-            <pc:docMk/>
-            <pc:sldMk cId="4211155851" sldId="2758"/>
-            <ac:cxnSpMk id="17" creationId="{8B4C3365-D97F-A491-04F4-FFA583C726E9}"/>
-          </ac:cxnSpMkLst>
-        </pc:cxnChg>
-        <pc:cxnChg chg="add mod">
-          <ac:chgData name="Xin Luo" userId="82312ee5779919a4" providerId="LiveId" clId="{8BA8C8C7-2517-3646-951D-48296B93037A}" dt="2023-03-13T07:18:34.063" v="852" actId="1038"/>
-          <ac:cxnSpMkLst>
-            <pc:docMk/>
-            <pc:sldMk cId="4211155851" sldId="2758"/>
-            <ac:cxnSpMk id="20" creationId="{D8311B51-9785-E69B-B7B0-511153550000}"/>
-          </ac:cxnSpMkLst>
-        </pc:cxnChg>
-        <pc:cxnChg chg="add mod">
-          <ac:chgData name="Xin Luo" userId="82312ee5779919a4" providerId="LiveId" clId="{8BA8C8C7-2517-3646-951D-48296B93037A}" dt="2023-03-06T12:32:39.692" v="777" actId="164"/>
-          <ac:cxnSpMkLst>
-            <pc:docMk/>
-            <pc:sldMk cId="4211155851" sldId="2758"/>
-            <ac:cxnSpMk id="35" creationId="{D01D2FB2-54F7-1B97-6AA0-81D59E87D871}"/>
-          </ac:cxnSpMkLst>
-        </pc:cxnChg>
-        <pc:cxnChg chg="add mod">
-          <ac:chgData name="Xin Luo" userId="82312ee5779919a4" providerId="LiveId" clId="{8BA8C8C7-2517-3646-951D-48296B93037A}" dt="2023-03-06T12:32:39.692" v="777" actId="164"/>
-          <ac:cxnSpMkLst>
-            <pc:docMk/>
-            <pc:sldMk cId="4211155851" sldId="2758"/>
-            <ac:cxnSpMk id="37" creationId="{6F759320-1F38-881A-42BB-8EC115CCE1FE}"/>
-          </ac:cxnSpMkLst>
-        </pc:cxnChg>
-        <pc:cxnChg chg="add mod">
-          <ac:chgData name="Xin Luo" userId="82312ee5779919a4" providerId="LiveId" clId="{8BA8C8C7-2517-3646-951D-48296B93037A}" dt="2023-03-06T12:32:39.692" v="777" actId="164"/>
-          <ac:cxnSpMkLst>
-            <pc:docMk/>
-            <pc:sldMk cId="4211155851" sldId="2758"/>
-            <ac:cxnSpMk id="44" creationId="{D78B4608-05C6-CCAD-D83C-287F4CBFFB69}"/>
-          </ac:cxnSpMkLst>
-        </pc:cxnChg>
-        <pc:cxnChg chg="add mod">
-          <ac:chgData name="Xin Luo" userId="82312ee5779919a4" providerId="LiveId" clId="{8BA8C8C7-2517-3646-951D-48296B93037A}" dt="2023-03-06T12:32:39.692" v="777" actId="164"/>
-          <ac:cxnSpMkLst>
-            <pc:docMk/>
-            <pc:sldMk cId="4211155851" sldId="2758"/>
-            <ac:cxnSpMk id="47" creationId="{AFDF6298-495F-C50C-91B3-8403B747640A}"/>
-          </ac:cxnSpMkLst>
-        </pc:cxnChg>
-      </pc:sldChg>
-      <pc:sldChg chg="del">
-        <pc:chgData name="Xin Luo" userId="82312ee5779919a4" providerId="LiveId" clId="{8BA8C8C7-2517-3646-951D-48296B93037A}" dt="2023-03-05T05:51:46.534" v="361" actId="2696"/>
-        <pc:sldMkLst>
-          <pc:docMk/>
-          <pc:sldMk cId="3818021166" sldId="2760"/>
-        </pc:sldMkLst>
-      </pc:sldChg>
-      <pc:sldChg chg="del">
-        <pc:chgData name="Xin Luo" userId="82312ee5779919a4" providerId="LiveId" clId="{8BA8C8C7-2517-3646-951D-48296B93037A}" dt="2023-02-28T06:12:32.856" v="192" actId="2696"/>
-        <pc:sldMkLst>
-          <pc:docMk/>
-          <pc:sldMk cId="97719364" sldId="2761"/>
-        </pc:sldMkLst>
-      </pc:sldChg>
-      <pc:sldChg chg="del">
-        <pc:chgData name="Xin Luo" userId="82312ee5779919a4" providerId="LiveId" clId="{8BA8C8C7-2517-3646-951D-48296B93037A}" dt="2023-02-28T06:12:32.828" v="190" actId="2696"/>
-        <pc:sldMkLst>
-          <pc:docMk/>
-          <pc:sldMk cId="2861954436" sldId="2762"/>
-        </pc:sldMkLst>
-      </pc:sldChg>
-      <pc:sldChg chg="del">
-        <pc:chgData name="Xin Luo" userId="82312ee5779919a4" providerId="LiveId" clId="{8BA8C8C7-2517-3646-951D-48296B93037A}" dt="2023-02-28T06:12:32.826" v="189" actId="2696"/>
-        <pc:sldMkLst>
-          <pc:docMk/>
-          <pc:sldMk cId="3373327641" sldId="2763"/>
-        </pc:sldMkLst>
-      </pc:sldChg>
-      <pc:sldChg chg="addSp delSp modSp mod ord">
-        <pc:chgData name="Xin Luo" userId="82312ee5779919a4" providerId="LiveId" clId="{8BA8C8C7-2517-3646-951D-48296B93037A}" dt="2023-03-13T07:46:33.198" v="1348" actId="20577"/>
-        <pc:sldMkLst>
-          <pc:docMk/>
-          <pc:sldMk cId="2047512068" sldId="2764"/>
-        </pc:sldMkLst>
-        <pc:spChg chg="del mod">
-          <ac:chgData name="Xin Luo" userId="82312ee5779919a4" providerId="LiveId" clId="{8BA8C8C7-2517-3646-951D-48296B93037A}" dt="2023-02-28T06:09:47.404" v="175" actId="478"/>
-          <ac:spMkLst>
-            <pc:docMk/>
-            <pc:sldMk cId="2047512068" sldId="2764"/>
-            <ac:spMk id="5" creationId="{78502774-B04C-634F-1396-E5815996BC36}"/>
-          </ac:spMkLst>
-        </pc:spChg>
-        <pc:spChg chg="add mod">
-          <ac:chgData name="Xin Luo" userId="82312ee5779919a4" providerId="LiveId" clId="{8BA8C8C7-2517-3646-951D-48296B93037A}" dt="2023-03-13T07:46:33.198" v="1348" actId="20577"/>
-          <ac:spMkLst>
-            <pc:docMk/>
-            <pc:sldMk cId="2047512068" sldId="2764"/>
-            <ac:spMk id="6" creationId="{DB970E5D-5367-222C-EBF7-0F886FDEDDC5}"/>
-          </ac:spMkLst>
-        </pc:spChg>
-      </pc:sldChg>
-      <pc:sldChg chg="modSp mod">
-        <pc:chgData name="Xin Luo" userId="82312ee5779919a4" providerId="LiveId" clId="{8BA8C8C7-2517-3646-951D-48296B93037A}" dt="2023-03-05T03:19:55.768" v="313" actId="20577"/>
-        <pc:sldMkLst>
-          <pc:docMk/>
-          <pc:sldMk cId="70654754" sldId="2765"/>
-        </pc:sldMkLst>
-        <pc:spChg chg="mod">
-          <ac:chgData name="Xin Luo" userId="82312ee5779919a4" providerId="LiveId" clId="{8BA8C8C7-2517-3646-951D-48296B93037A}" dt="2023-03-05T03:19:55.768" v="313" actId="20577"/>
-          <ac:spMkLst>
-            <pc:docMk/>
-            <pc:sldMk cId="70654754" sldId="2765"/>
-            <ac:spMk id="5" creationId="{78502774-B04C-634F-1396-E5815996BC36}"/>
-          </ac:spMkLst>
-        </pc:spChg>
-      </pc:sldChg>
-      <pc:sldChg chg="del">
-        <pc:chgData name="Xin Luo" userId="82312ee5779919a4" providerId="LiveId" clId="{8BA8C8C7-2517-3646-951D-48296B93037A}" dt="2023-02-28T06:07:53.148" v="100" actId="2696"/>
-        <pc:sldMkLst>
-          <pc:docMk/>
-          <pc:sldMk cId="1482309087" sldId="2766"/>
-        </pc:sldMkLst>
-      </pc:sldChg>
-      <pc:sldChg chg="modSp add mod">
-        <pc:chgData name="Xin Luo" userId="82312ee5779919a4" providerId="LiveId" clId="{8BA8C8C7-2517-3646-951D-48296B93037A}" dt="2023-03-05T05:50:57.277" v="358" actId="1035"/>
-        <pc:sldMkLst>
-          <pc:docMk/>
-          <pc:sldMk cId="2097263393" sldId="2766"/>
-        </pc:sldMkLst>
-        <pc:spChg chg="mod">
-          <ac:chgData name="Xin Luo" userId="82312ee5779919a4" providerId="LiveId" clId="{8BA8C8C7-2517-3646-951D-48296B93037A}" dt="2023-03-05T05:50:57.277" v="358" actId="1035"/>
-          <ac:spMkLst>
-            <pc:docMk/>
-            <pc:sldMk cId="2097263393" sldId="2766"/>
-            <ac:spMk id="5" creationId="{78502774-B04C-634F-1396-E5815996BC36}"/>
-          </ac:spMkLst>
-        </pc:spChg>
-      </pc:sldChg>
-      <pc:sldChg chg="modSp add mod">
-        <pc:chgData name="Xin Luo" userId="82312ee5779919a4" providerId="LiveId" clId="{8BA8C8C7-2517-3646-951D-48296B93037A}" dt="2023-03-13T07:54:42.825" v="1628" actId="403"/>
-        <pc:sldMkLst>
-          <pc:docMk/>
-          <pc:sldMk cId="782854285" sldId="2767"/>
-        </pc:sldMkLst>
-        <pc:spChg chg="mod">
-          <ac:chgData name="Xin Luo" userId="82312ee5779919a4" providerId="LiveId" clId="{8BA8C8C7-2517-3646-951D-48296B93037A}" dt="2023-03-13T07:52:58.456" v="1567" actId="14100"/>
-          <ac:spMkLst>
-            <pc:docMk/>
-            <pc:sldMk cId="782854285" sldId="2767"/>
-            <ac:spMk id="4" creationId="{A7E97437-B77F-D3F5-E0F8-38B1EBE5E36E}"/>
-          </ac:spMkLst>
-        </pc:spChg>
-        <pc:spChg chg="mod">
-          <ac:chgData name="Xin Luo" userId="82312ee5779919a4" providerId="LiveId" clId="{8BA8C8C7-2517-3646-951D-48296B93037A}" dt="2023-03-13T07:54:42.825" v="1628" actId="403"/>
-          <ac:spMkLst>
-            <pc:docMk/>
-            <pc:sldMk cId="782854285" sldId="2767"/>
-            <ac:spMk id="5" creationId="{78502774-B04C-634F-1396-E5815996BC36}"/>
-          </ac:spMkLst>
-        </pc:spChg>
-      </pc:sldChg>
-      <pc:sldChg chg="addSp delSp modSp add mod">
-        <pc:chgData name="Xin Luo" userId="82312ee5779919a4" providerId="LiveId" clId="{8BA8C8C7-2517-3646-951D-48296B93037A}" dt="2023-03-13T07:39:39.304" v="1199" actId="1076"/>
-        <pc:sldMkLst>
-          <pc:docMk/>
-          <pc:sldMk cId="2380741125" sldId="2768"/>
-        </pc:sldMkLst>
-        <pc:spChg chg="add mod">
-          <ac:chgData name="Xin Luo" userId="82312ee5779919a4" providerId="LiveId" clId="{8BA8C8C7-2517-3646-951D-48296B93037A}" dt="2023-03-13T07:39:37.507" v="1198" actId="1076"/>
-          <ac:spMkLst>
-            <pc:docMk/>
-            <pc:sldMk cId="2380741125" sldId="2768"/>
-            <ac:spMk id="4" creationId="{838928A2-AB5A-5293-3942-99957D81A26D}"/>
-          </ac:spMkLst>
-        </pc:spChg>
-        <pc:spChg chg="add del mod">
-          <ac:chgData name="Xin Luo" userId="82312ee5779919a4" providerId="LiveId" clId="{8BA8C8C7-2517-3646-951D-48296B93037A}" dt="2023-03-13T07:22:53.161" v="876" actId="21"/>
-          <ac:spMkLst>
-            <pc:docMk/>
-            <pc:sldMk cId="2380741125" sldId="2768"/>
-            <ac:spMk id="5" creationId="{EC51A3B3-43D2-1168-D68E-D01604EF07FC}"/>
-          </ac:spMkLst>
-        </pc:spChg>
-        <pc:spChg chg="mod">
-          <ac:chgData name="Xin Luo" userId="82312ee5779919a4" providerId="LiveId" clId="{8BA8C8C7-2517-3646-951D-48296B93037A}" dt="2023-03-13T07:38:57.474" v="1196" actId="20577"/>
-          <ac:spMkLst>
-            <pc:docMk/>
-            <pc:sldMk cId="2380741125" sldId="2768"/>
-            <ac:spMk id="6" creationId="{DA984439-1B23-1931-1979-ECF8DE9D6DCA}"/>
-          </ac:spMkLst>
-        </pc:spChg>
-        <pc:spChg chg="mod">
-          <ac:chgData name="Xin Luo" userId="82312ee5779919a4" providerId="LiveId" clId="{8BA8C8C7-2517-3646-951D-48296B93037A}" dt="2023-03-13T07:26:52.364" v="986" actId="14100"/>
-          <ac:spMkLst>
-            <pc:docMk/>
-            <pc:sldMk cId="2380741125" sldId="2768"/>
-            <ac:spMk id="7" creationId="{E179D382-9C94-C796-FB1B-3281561CA174}"/>
-          </ac:spMkLst>
-        </pc:spChg>
-        <pc:spChg chg="add del mod">
-          <ac:chgData name="Xin Luo" userId="82312ee5779919a4" providerId="LiveId" clId="{8BA8C8C7-2517-3646-951D-48296B93037A}" dt="2023-03-13T07:22:53.161" v="876" actId="21"/>
-          <ac:spMkLst>
-            <pc:docMk/>
-            <pc:sldMk cId="2380741125" sldId="2768"/>
-            <ac:spMk id="8" creationId="{D756AE91-9C56-4A5F-9D22-F8CDAD09D676}"/>
-          </ac:spMkLst>
-        </pc:spChg>
-        <pc:spChg chg="add del mod">
-          <ac:chgData name="Xin Luo" userId="82312ee5779919a4" providerId="LiveId" clId="{8BA8C8C7-2517-3646-951D-48296B93037A}" dt="2023-03-13T07:22:53.161" v="876" actId="21"/>
-          <ac:spMkLst>
-            <pc:docMk/>
-            <pc:sldMk cId="2380741125" sldId="2768"/>
-            <ac:spMk id="9" creationId="{B81CCB25-4F7C-D3B7-F3F0-5FE44FE77B15}"/>
-          </ac:spMkLst>
-        </pc:spChg>
-        <pc:spChg chg="add mod">
-          <ac:chgData name="Xin Luo" userId="82312ee5779919a4" providerId="LiveId" clId="{8BA8C8C7-2517-3646-951D-48296B93037A}" dt="2023-03-13T07:39:37.507" v="1198" actId="1076"/>
-          <ac:spMkLst>
-            <pc:docMk/>
-            <pc:sldMk cId="2380741125" sldId="2768"/>
-            <ac:spMk id="10" creationId="{5B5303EF-70D7-0AFA-74A6-684C0A719D89}"/>
-          </ac:spMkLst>
-        </pc:spChg>
-        <pc:spChg chg="add mod">
-          <ac:chgData name="Xin Luo" userId="82312ee5779919a4" providerId="LiveId" clId="{8BA8C8C7-2517-3646-951D-48296B93037A}" dt="2023-03-13T07:39:37.507" v="1198" actId="1076"/>
-          <ac:spMkLst>
-            <pc:docMk/>
-            <pc:sldMk cId="2380741125" sldId="2768"/>
-            <ac:spMk id="11" creationId="{882BC205-1F7C-8CB5-E1D7-7521F8B1285E}"/>
-          </ac:spMkLst>
-        </pc:spChg>
-        <pc:spChg chg="add del mod">
-          <ac:chgData name="Xin Luo" userId="82312ee5779919a4" providerId="LiveId" clId="{8BA8C8C7-2517-3646-951D-48296B93037A}" dt="2023-03-13T07:24:53.410" v="901"/>
-          <ac:spMkLst>
-            <pc:docMk/>
-            <pc:sldMk cId="2380741125" sldId="2768"/>
-            <ac:spMk id="12" creationId="{69840456-2511-36C5-DAB3-D95FD22E1133}"/>
-          </ac:spMkLst>
-        </pc:spChg>
-        <pc:spChg chg="add mod">
-          <ac:chgData name="Xin Luo" userId="82312ee5779919a4" providerId="LiveId" clId="{8BA8C8C7-2517-3646-951D-48296B93037A}" dt="2023-03-13T07:39:37.507" v="1198" actId="1076"/>
-          <ac:spMkLst>
-            <pc:docMk/>
-            <pc:sldMk cId="2380741125" sldId="2768"/>
-            <ac:spMk id="13" creationId="{18AB25C2-FB51-47F7-D5E6-3CD713C8DF6D}"/>
-          </ac:spMkLst>
-        </pc:spChg>
-        <pc:spChg chg="add del mod">
-          <ac:chgData name="Xin Luo" userId="82312ee5779919a4" providerId="LiveId" clId="{8BA8C8C7-2517-3646-951D-48296B93037A}" dt="2023-03-13T07:37:07.551" v="1107" actId="478"/>
-          <ac:spMkLst>
-            <pc:docMk/>
-            <pc:sldMk cId="2380741125" sldId="2768"/>
-            <ac:spMk id="14" creationId="{566F205A-13F8-4AD2-ABFE-CEB7F534816E}"/>
-          </ac:spMkLst>
-        </pc:spChg>
-        <pc:spChg chg="add mod">
-          <ac:chgData name="Xin Luo" userId="82312ee5779919a4" providerId="LiveId" clId="{8BA8C8C7-2517-3646-951D-48296B93037A}" dt="2023-03-13T07:39:37.507" v="1198" actId="1076"/>
-          <ac:spMkLst>
-            <pc:docMk/>
-            <pc:sldMk cId="2380741125" sldId="2768"/>
-            <ac:spMk id="15" creationId="{DCE793DD-39B2-FF02-7C84-E9A7F7ADE60A}"/>
-          </ac:spMkLst>
-        </pc:spChg>
-        <pc:spChg chg="add mod">
-          <ac:chgData name="Xin Luo" userId="82312ee5779919a4" providerId="LiveId" clId="{8BA8C8C7-2517-3646-951D-48296B93037A}" dt="2023-03-13T07:39:39.304" v="1199" actId="1076"/>
-          <ac:spMkLst>
-            <pc:docMk/>
-            <pc:sldMk cId="2380741125" sldId="2768"/>
-            <ac:spMk id="16" creationId="{D6DE5B36-E23C-44CB-46DF-80768FC4DFB0}"/>
-          </ac:spMkLst>
-        </pc:spChg>
-        <pc:cxnChg chg="add mod">
-          <ac:chgData name="Xin Luo" userId="82312ee5779919a4" providerId="LiveId" clId="{8BA8C8C7-2517-3646-951D-48296B93037A}" dt="2023-03-13T07:39:37.507" v="1198" actId="1076"/>
-          <ac:cxnSpMkLst>
-            <pc:docMk/>
-            <pc:sldMk cId="2380741125" sldId="2768"/>
-            <ac:cxnSpMk id="18" creationId="{4A91ECEA-B01F-CD7D-FDC3-691666722FB0}"/>
-          </ac:cxnSpMkLst>
-        </pc:cxnChg>
-        <pc:cxnChg chg="add mod">
-          <ac:chgData name="Xin Luo" userId="82312ee5779919a4" providerId="LiveId" clId="{8BA8C8C7-2517-3646-951D-48296B93037A}" dt="2023-03-13T07:39:37.507" v="1198" actId="1076"/>
-          <ac:cxnSpMkLst>
-            <pc:docMk/>
-            <pc:sldMk cId="2380741125" sldId="2768"/>
-            <ac:cxnSpMk id="20" creationId="{F7B72513-CA83-5A94-CC92-80A7ABB35251}"/>
-          </ac:cxnSpMkLst>
-        </pc:cxnChg>
-        <pc:cxnChg chg="add mod">
-          <ac:chgData name="Xin Luo" userId="82312ee5779919a4" providerId="LiveId" clId="{8BA8C8C7-2517-3646-951D-48296B93037A}" dt="2023-03-13T07:39:37.507" v="1198" actId="1076"/>
-          <ac:cxnSpMkLst>
-            <pc:docMk/>
-            <pc:sldMk cId="2380741125" sldId="2768"/>
-            <ac:cxnSpMk id="23" creationId="{8F4F86DC-7CE9-9D5C-AE76-EE8DAB4109A5}"/>
-          </ac:cxnSpMkLst>
-        </pc:cxnChg>
-        <pc:cxnChg chg="add mod">
-          <ac:chgData name="Xin Luo" userId="82312ee5779919a4" providerId="LiveId" clId="{8BA8C8C7-2517-3646-951D-48296B93037A}" dt="2023-03-13T07:39:37.507" v="1198" actId="1076"/>
-          <ac:cxnSpMkLst>
-            <pc:docMk/>
-            <pc:sldMk cId="2380741125" sldId="2768"/>
-            <ac:cxnSpMk id="26" creationId="{260DAA9A-59FF-8791-35DF-05CA47DAACD8}"/>
-          </ac:cxnSpMkLst>
-        </pc:cxnChg>
-      </pc:sldChg>
-      <pc:sldChg chg="modSp add mod">
-        <pc:chgData name="Xin Luo" userId="82312ee5779919a4" providerId="LiveId" clId="{8BA8C8C7-2517-3646-951D-48296B93037A}" dt="2023-03-13T07:45:07.040" v="1239" actId="1035"/>
-        <pc:sldMkLst>
-          <pc:docMk/>
-          <pc:sldMk cId="3657954518" sldId="2769"/>
-        </pc:sldMkLst>
-        <pc:spChg chg="mod">
-          <ac:chgData name="Xin Luo" userId="82312ee5779919a4" providerId="LiveId" clId="{8BA8C8C7-2517-3646-951D-48296B93037A}" dt="2023-03-13T07:45:07.040" v="1239" actId="1035"/>
-          <ac:spMkLst>
-            <pc:docMk/>
-            <pc:sldMk cId="3657954518" sldId="2769"/>
-            <ac:spMk id="6" creationId="{DA984439-1B23-1931-1979-ECF8DE9D6DCA}"/>
-          </ac:spMkLst>
-        </pc:spChg>
       </pc:sldChg>
     </pc:docChg>
   </pc:docChgLst>
@@ -5242,6 +4922,630 @@
     </pc:docChg>
   </pc:docChgLst>
   <pc:docChgLst>
+    <pc:chgData name="Xin Luo" userId="82312ee5779919a4" providerId="LiveId" clId="{82BFAA31-791A-9843-976C-3AAFAA5AC07D}"/>
+    <pc:docChg chg="undo custSel addSld delSld modSld">
+      <pc:chgData name="Xin Luo" userId="82312ee5779919a4" providerId="LiveId" clId="{82BFAA31-791A-9843-976C-3AAFAA5AC07D}" dt="2023-02-24T13:20:14.840" v="2906" actId="404"/>
+      <pc:docMkLst>
+        <pc:docMk/>
+      </pc:docMkLst>
+      <pc:sldChg chg="addSp delSp modSp mod">
+        <pc:chgData name="Xin Luo" userId="82312ee5779919a4" providerId="LiveId" clId="{82BFAA31-791A-9843-976C-3AAFAA5AC07D}" dt="2023-02-24T08:49:58.378" v="580" actId="478"/>
+        <pc:sldMkLst>
+          <pc:docMk/>
+          <pc:sldMk cId="3833073590" sldId="2716"/>
+        </pc:sldMkLst>
+        <pc:spChg chg="mod">
+          <ac:chgData name="Xin Luo" userId="82312ee5779919a4" providerId="LiveId" clId="{82BFAA31-791A-9843-976C-3AAFAA5AC07D}" dt="2023-02-24T03:06:08.550" v="104" actId="20577"/>
+          <ac:spMkLst>
+            <pc:docMk/>
+            <pc:sldMk cId="3833073590" sldId="2716"/>
+            <ac:spMk id="2" creationId="{631AADB6-C88A-D817-4683-FC087E4E240F}"/>
+          </ac:spMkLst>
+        </pc:spChg>
+        <pc:spChg chg="del">
+          <ac:chgData name="Xin Luo" userId="82312ee5779919a4" providerId="LiveId" clId="{82BFAA31-791A-9843-976C-3AAFAA5AC07D}" dt="2023-02-24T03:02:42.862" v="33" actId="478"/>
+          <ac:spMkLst>
+            <pc:docMk/>
+            <pc:sldMk cId="3833073590" sldId="2716"/>
+            <ac:spMk id="5" creationId="{9F4AEA98-0C33-E82A-EB75-839D0F0B55A4}"/>
+          </ac:spMkLst>
+        </pc:spChg>
+        <pc:spChg chg="add mod">
+          <ac:chgData name="Xin Luo" userId="82312ee5779919a4" providerId="LiveId" clId="{82BFAA31-791A-9843-976C-3AAFAA5AC07D}" dt="2023-02-24T08:49:58.156" v="579" actId="14100"/>
+          <ac:spMkLst>
+            <pc:docMk/>
+            <pc:sldMk cId="3833073590" sldId="2716"/>
+            <ac:spMk id="6" creationId="{6741FEA2-C046-FD82-2800-2CB513792080}"/>
+          </ac:spMkLst>
+        </pc:spChg>
+        <pc:picChg chg="add del">
+          <ac:chgData name="Xin Luo" userId="82312ee5779919a4" providerId="LiveId" clId="{82BFAA31-791A-9843-976C-3AAFAA5AC07D}" dt="2023-02-24T03:02:42.862" v="33" actId="478"/>
+          <ac:picMkLst>
+            <pc:docMk/>
+            <pc:sldMk cId="3833073590" sldId="2716"/>
+            <ac:picMk id="1026" creationId="{37EB6838-2807-43B3-E78E-EF1353DBEC4D}"/>
+          </ac:picMkLst>
+        </pc:picChg>
+        <pc:picChg chg="add del mod">
+          <ac:chgData name="Xin Luo" userId="82312ee5779919a4" providerId="LiveId" clId="{82BFAA31-791A-9843-976C-3AAFAA5AC07D}" dt="2023-02-24T03:03:49.502" v="38" actId="478"/>
+          <ac:picMkLst>
+            <pc:docMk/>
+            <pc:sldMk cId="3833073590" sldId="2716"/>
+            <ac:picMk id="1028" creationId="{0060DCE3-4593-4CBE-2C1A-12A7D72C453A}"/>
+          </ac:picMkLst>
+        </pc:picChg>
+        <pc:picChg chg="add del mod">
+          <ac:chgData name="Xin Luo" userId="82312ee5779919a4" providerId="LiveId" clId="{82BFAA31-791A-9843-976C-3AAFAA5AC07D}" dt="2023-02-24T08:49:58.378" v="580" actId="478"/>
+          <ac:picMkLst>
+            <pc:docMk/>
+            <pc:sldMk cId="3833073590" sldId="2716"/>
+            <ac:picMk id="1030" creationId="{C93DB76E-C02F-05AC-2014-674F7E808ADA}"/>
+          </ac:picMkLst>
+        </pc:picChg>
+      </pc:sldChg>
+      <pc:sldChg chg="addSp delSp modSp mod">
+        <pc:chgData name="Xin Luo" userId="82312ee5779919a4" providerId="LiveId" clId="{82BFAA31-791A-9843-976C-3AAFAA5AC07D}" dt="2023-02-24T08:50:06.402" v="585" actId="20577"/>
+        <pc:sldMkLst>
+          <pc:docMk/>
+          <pc:sldMk cId="972163772" sldId="2720"/>
+        </pc:sldMkLst>
+        <pc:spChg chg="mod">
+          <ac:chgData name="Xin Luo" userId="82312ee5779919a4" providerId="LiveId" clId="{82BFAA31-791A-9843-976C-3AAFAA5AC07D}" dt="2023-02-24T08:50:06.402" v="585" actId="20577"/>
+          <ac:spMkLst>
+            <pc:docMk/>
+            <pc:sldMk cId="972163772" sldId="2720"/>
+            <ac:spMk id="7" creationId="{00000000-0000-0000-0000-000000000000}"/>
+          </ac:spMkLst>
+        </pc:spChg>
+        <pc:picChg chg="add del">
+          <ac:chgData name="Xin Luo" userId="82312ee5779919a4" providerId="LiveId" clId="{82BFAA31-791A-9843-976C-3AAFAA5AC07D}" dt="2023-02-24T08:47:42.881" v="485"/>
+          <ac:picMkLst>
+            <pc:docMk/>
+            <pc:sldMk cId="972163772" sldId="2720"/>
+            <ac:picMk id="3074" creationId="{C4128BB6-F8FE-667B-1E3D-38360E7E0C3C}"/>
+          </ac:picMkLst>
+        </pc:picChg>
+      </pc:sldChg>
+      <pc:sldChg chg="addSp delSp modSp mod">
+        <pc:chgData name="Xin Luo" userId="82312ee5779919a4" providerId="LiveId" clId="{82BFAA31-791A-9843-976C-3AAFAA5AC07D}" dt="2023-02-24T13:00:34.955" v="2586" actId="1036"/>
+        <pc:sldMkLst>
+          <pc:docMk/>
+          <pc:sldMk cId="2689695864" sldId="2721"/>
+        </pc:sldMkLst>
+        <pc:spChg chg="mod">
+          <ac:chgData name="Xin Luo" userId="82312ee5779919a4" providerId="LiveId" clId="{82BFAA31-791A-9843-976C-3AAFAA5AC07D}" dt="2023-02-24T13:00:34.955" v="2586" actId="1036"/>
+          <ac:spMkLst>
+            <pc:docMk/>
+            <pc:sldMk cId="2689695864" sldId="2721"/>
+            <ac:spMk id="2" creationId="{631AADB6-C88A-D817-4683-FC087E4E240F}"/>
+          </ac:spMkLst>
+        </pc:spChg>
+        <pc:spChg chg="mod">
+          <ac:chgData name="Xin Luo" userId="82312ee5779919a4" providerId="LiveId" clId="{82BFAA31-791A-9843-976C-3AAFAA5AC07D}" dt="2023-02-24T08:50:21.921" v="586"/>
+          <ac:spMkLst>
+            <pc:docMk/>
+            <pc:sldMk cId="2689695864" sldId="2721"/>
+            <ac:spMk id="3" creationId="{00000000-0000-0000-0000-000000000000}"/>
+          </ac:spMkLst>
+        </pc:spChg>
+        <pc:spChg chg="add del mod">
+          <ac:chgData name="Xin Luo" userId="82312ee5779919a4" providerId="LiveId" clId="{82BFAA31-791A-9843-976C-3AAFAA5AC07D}" dt="2023-02-24T12:38:43.360" v="1999" actId="478"/>
+          <ac:spMkLst>
+            <pc:docMk/>
+            <pc:sldMk cId="2689695864" sldId="2721"/>
+            <ac:spMk id="5" creationId="{D45B97A4-ED20-7E18-1BEF-4A81710B7783}"/>
+          </ac:spMkLst>
+        </pc:spChg>
+        <pc:spChg chg="mod">
+          <ac:chgData name="Xin Luo" userId="82312ee5779919a4" providerId="LiveId" clId="{82BFAA31-791A-9843-976C-3AAFAA5AC07D}" dt="2023-02-24T13:00:31.975" v="2582" actId="1036"/>
+          <ac:spMkLst>
+            <pc:docMk/>
+            <pc:sldMk cId="2689695864" sldId="2721"/>
+            <ac:spMk id="17" creationId="{9E05FFCA-3371-AF5C-381D-71D984055F5A}"/>
+          </ac:spMkLst>
+        </pc:spChg>
+      </pc:sldChg>
+      <pc:sldChg chg="modSp mod">
+        <pc:chgData name="Xin Luo" userId="82312ee5779919a4" providerId="LiveId" clId="{82BFAA31-791A-9843-976C-3AAFAA5AC07D}" dt="2023-02-24T13:19:35.601" v="2898" actId="20577"/>
+        <pc:sldMkLst>
+          <pc:docMk/>
+          <pc:sldMk cId="1209572041" sldId="2722"/>
+        </pc:sldMkLst>
+        <pc:spChg chg="mod">
+          <ac:chgData name="Xin Luo" userId="82312ee5779919a4" providerId="LiveId" clId="{82BFAA31-791A-9843-976C-3AAFAA5AC07D}" dt="2023-02-24T13:19:35.601" v="2898" actId="20577"/>
+          <ac:spMkLst>
+            <pc:docMk/>
+            <pc:sldMk cId="1209572041" sldId="2722"/>
+            <ac:spMk id="13" creationId="{303BC878-BC57-D350-27A3-F03AE48213AC}"/>
+          </ac:spMkLst>
+        </pc:spChg>
+      </pc:sldChg>
+      <pc:sldChg chg="addSp delSp modSp add mod">
+        <pc:chgData name="Xin Luo" userId="82312ee5779919a4" providerId="LiveId" clId="{82BFAA31-791A-9843-976C-3AAFAA5AC07D}" dt="2023-02-24T13:20:14.840" v="2906" actId="404"/>
+        <pc:sldMkLst>
+          <pc:docMk/>
+          <pc:sldMk cId="4156684215" sldId="2738"/>
+        </pc:sldMkLst>
+        <pc:spChg chg="mod">
+          <ac:chgData name="Xin Luo" userId="82312ee5779919a4" providerId="LiveId" clId="{82BFAA31-791A-9843-976C-3AAFAA5AC07D}" dt="2023-02-24T07:02:55.789" v="157" actId="20577"/>
+          <ac:spMkLst>
+            <pc:docMk/>
+            <pc:sldMk cId="4156684215" sldId="2738"/>
+            <ac:spMk id="2" creationId="{631AADB6-C88A-D817-4683-FC087E4E240F}"/>
+          </ac:spMkLst>
+        </pc:spChg>
+        <pc:spChg chg="add del mod">
+          <ac:chgData name="Xin Luo" userId="82312ee5779919a4" providerId="LiveId" clId="{82BFAA31-791A-9843-976C-3AAFAA5AC07D}" dt="2023-02-24T13:20:14.840" v="2906" actId="404"/>
+          <ac:spMkLst>
+            <pc:docMk/>
+            <pc:sldMk cId="4156684215" sldId="2738"/>
+            <ac:spMk id="6" creationId="{6741FEA2-C046-FD82-2800-2CB513792080}"/>
+          </ac:spMkLst>
+        </pc:spChg>
+        <pc:picChg chg="del mod">
+          <ac:chgData name="Xin Luo" userId="82312ee5779919a4" providerId="LiveId" clId="{82BFAA31-791A-9843-976C-3AAFAA5AC07D}" dt="2023-02-24T07:03:01.663" v="158" actId="478"/>
+          <ac:picMkLst>
+            <pc:docMk/>
+            <pc:sldMk cId="4156684215" sldId="2738"/>
+            <ac:picMk id="1030" creationId="{C93DB76E-C02F-05AC-2014-674F7E808ADA}"/>
+          </ac:picMkLst>
+        </pc:picChg>
+        <pc:picChg chg="add del mod">
+          <ac:chgData name="Xin Luo" userId="82312ee5779919a4" providerId="LiveId" clId="{82BFAA31-791A-9843-976C-3AAFAA5AC07D}" dt="2023-02-24T13:20:06.575" v="2903" actId="1076"/>
+          <ac:picMkLst>
+            <pc:docMk/>
+            <pc:sldMk cId="4156684215" sldId="2738"/>
+            <ac:picMk id="2050" creationId="{324F0AC4-07BA-4B3E-1A6B-D49FF0B87AC4}"/>
+          </ac:picMkLst>
+        </pc:picChg>
+      </pc:sldChg>
+      <pc:sldChg chg="delSp modSp add mod">
+        <pc:chgData name="Xin Luo" userId="82312ee5779919a4" providerId="LiveId" clId="{82BFAA31-791A-9843-976C-3AAFAA5AC07D}" dt="2023-02-24T12:59:25.971" v="2504" actId="20577"/>
+        <pc:sldMkLst>
+          <pc:docMk/>
+          <pc:sldMk cId="2776132283" sldId="2739"/>
+        </pc:sldMkLst>
+        <pc:spChg chg="mod">
+          <ac:chgData name="Xin Luo" userId="82312ee5779919a4" providerId="LiveId" clId="{82BFAA31-791A-9843-976C-3AAFAA5AC07D}" dt="2023-02-24T12:39:05.574" v="2002" actId="1076"/>
+          <ac:spMkLst>
+            <pc:docMk/>
+            <pc:sldMk cId="2776132283" sldId="2739"/>
+            <ac:spMk id="2" creationId="{631AADB6-C88A-D817-4683-FC087E4E240F}"/>
+          </ac:spMkLst>
+        </pc:spChg>
+        <pc:spChg chg="mod">
+          <ac:chgData name="Xin Luo" userId="82312ee5779919a4" providerId="LiveId" clId="{82BFAA31-791A-9843-976C-3AAFAA5AC07D}" dt="2023-02-24T12:59:25.971" v="2504" actId="20577"/>
+          <ac:spMkLst>
+            <pc:docMk/>
+            <pc:sldMk cId="2776132283" sldId="2739"/>
+            <ac:spMk id="6" creationId="{6741FEA2-C046-FD82-2800-2CB513792080}"/>
+          </ac:spMkLst>
+        </pc:spChg>
+        <pc:picChg chg="del">
+          <ac:chgData name="Xin Luo" userId="82312ee5779919a4" providerId="LiveId" clId="{82BFAA31-791A-9843-976C-3AAFAA5AC07D}" dt="2023-02-24T09:02:09.130" v="665" actId="478"/>
+          <ac:picMkLst>
+            <pc:docMk/>
+            <pc:sldMk cId="2776132283" sldId="2739"/>
+            <ac:picMk id="2050" creationId="{324F0AC4-07BA-4B3E-1A6B-D49FF0B87AC4}"/>
+          </ac:picMkLst>
+        </pc:picChg>
+      </pc:sldChg>
+      <pc:sldChg chg="delSp modSp add mod">
+        <pc:chgData name="Xin Luo" userId="82312ee5779919a4" providerId="LiveId" clId="{82BFAA31-791A-9843-976C-3AAFAA5AC07D}" dt="2023-02-24T12:42:54.354" v="2196" actId="20577"/>
+        <pc:sldMkLst>
+          <pc:docMk/>
+          <pc:sldMk cId="2510358707" sldId="2740"/>
+        </pc:sldMkLst>
+        <pc:spChg chg="mod">
+          <ac:chgData name="Xin Luo" userId="82312ee5779919a4" providerId="LiveId" clId="{82BFAA31-791A-9843-976C-3AAFAA5AC07D}" dt="2023-02-24T12:39:15.147" v="2006" actId="20577"/>
+          <ac:spMkLst>
+            <pc:docMk/>
+            <pc:sldMk cId="2510358707" sldId="2740"/>
+            <ac:spMk id="2" creationId="{631AADB6-C88A-D817-4683-FC087E4E240F}"/>
+          </ac:spMkLst>
+        </pc:spChg>
+        <pc:spChg chg="del mod">
+          <ac:chgData name="Xin Luo" userId="82312ee5779919a4" providerId="LiveId" clId="{82BFAA31-791A-9843-976C-3AAFAA5AC07D}" dt="2023-02-24T12:26:37.033" v="1934" actId="478"/>
+          <ac:spMkLst>
+            <pc:docMk/>
+            <pc:sldMk cId="2510358707" sldId="2740"/>
+            <ac:spMk id="5" creationId="{D45B97A4-ED20-7E18-1BEF-4A81710B7783}"/>
+          </ac:spMkLst>
+        </pc:spChg>
+        <pc:spChg chg="mod">
+          <ac:chgData name="Xin Luo" userId="82312ee5779919a4" providerId="LiveId" clId="{82BFAA31-791A-9843-976C-3AAFAA5AC07D}" dt="2023-02-24T12:42:54.354" v="2196" actId="20577"/>
+          <ac:spMkLst>
+            <pc:docMk/>
+            <pc:sldMk cId="2510358707" sldId="2740"/>
+            <ac:spMk id="17" creationId="{9E05FFCA-3371-AF5C-381D-71D984055F5A}"/>
+          </ac:spMkLst>
+        </pc:spChg>
+      </pc:sldChg>
+      <pc:sldChg chg="add del">
+        <pc:chgData name="Xin Luo" userId="82312ee5779919a4" providerId="LiveId" clId="{82BFAA31-791A-9843-976C-3AAFAA5AC07D}" dt="2023-02-24T12:26:24.988" v="1931"/>
+        <pc:sldMkLst>
+          <pc:docMk/>
+          <pc:sldMk cId="2028886328" sldId="2741"/>
+        </pc:sldMkLst>
+      </pc:sldChg>
+      <pc:sldChg chg="modSp add mod">
+        <pc:chgData name="Xin Luo" userId="82312ee5779919a4" providerId="LiveId" clId="{82BFAA31-791A-9843-976C-3AAFAA5AC07D}" dt="2023-02-24T13:00:24.884" v="2578" actId="20577"/>
+        <pc:sldMkLst>
+          <pc:docMk/>
+          <pc:sldMk cId="2476237792" sldId="2741"/>
+        </pc:sldMkLst>
+        <pc:spChg chg="mod">
+          <ac:chgData name="Xin Luo" userId="82312ee5779919a4" providerId="LiveId" clId="{82BFAA31-791A-9843-976C-3AAFAA5AC07D}" dt="2023-02-24T12:59:34.011" v="2511" actId="20577"/>
+          <ac:spMkLst>
+            <pc:docMk/>
+            <pc:sldMk cId="2476237792" sldId="2741"/>
+            <ac:spMk id="2" creationId="{631AADB6-C88A-D817-4683-FC087E4E240F}"/>
+          </ac:spMkLst>
+        </pc:spChg>
+        <pc:spChg chg="mod">
+          <ac:chgData name="Xin Luo" userId="82312ee5779919a4" providerId="LiveId" clId="{82BFAA31-791A-9843-976C-3AAFAA5AC07D}" dt="2023-02-24T12:39:25.368" v="2008"/>
+          <ac:spMkLst>
+            <pc:docMk/>
+            <pc:sldMk cId="2476237792" sldId="2741"/>
+            <ac:spMk id="3" creationId="{00000000-0000-0000-0000-000000000000}"/>
+          </ac:spMkLst>
+        </pc:spChg>
+        <pc:spChg chg="mod">
+          <ac:chgData name="Xin Luo" userId="82312ee5779919a4" providerId="LiveId" clId="{82BFAA31-791A-9843-976C-3AAFAA5AC07D}" dt="2023-02-24T13:00:24.884" v="2578" actId="20577"/>
+          <ac:spMkLst>
+            <pc:docMk/>
+            <pc:sldMk cId="2476237792" sldId="2741"/>
+            <ac:spMk id="6" creationId="{6741FEA2-C046-FD82-2800-2CB513792080}"/>
+          </ac:spMkLst>
+        </pc:spChg>
+      </pc:sldChg>
+    </pc:docChg>
+  </pc:docChgLst>
+  <pc:docChgLst>
+    <pc:chgData name="Xin Luo" userId="82312ee5779919a4" providerId="LiveId" clId="{23920C8D-EBCE-A347-9C82-C14316D20539}"/>
+    <pc:docChg chg="undo custSel addSld modSld">
+      <pc:chgData name="Xin Luo" userId="82312ee5779919a4" providerId="LiveId" clId="{23920C8D-EBCE-A347-9C82-C14316D20539}" dt="2022-10-26T12:19:06.428" v="501" actId="767"/>
+      <pc:docMkLst>
+        <pc:docMk/>
+      </pc:docMkLst>
+      <pc:sldChg chg="modSp mod">
+        <pc:chgData name="Xin Luo" userId="82312ee5779919a4" providerId="LiveId" clId="{23920C8D-EBCE-A347-9C82-C14316D20539}" dt="2022-10-10T01:06:29.261" v="368" actId="404"/>
+        <pc:sldMkLst>
+          <pc:docMk/>
+          <pc:sldMk cId="1576120367" sldId="2387"/>
+        </pc:sldMkLst>
+        <pc:spChg chg="mod">
+          <ac:chgData name="Xin Luo" userId="82312ee5779919a4" providerId="LiveId" clId="{23920C8D-EBCE-A347-9C82-C14316D20539}" dt="2022-10-10T01:06:29.261" v="368" actId="404"/>
+          <ac:spMkLst>
+            <pc:docMk/>
+            <pc:sldMk cId="1576120367" sldId="2387"/>
+            <ac:spMk id="10" creationId="{00000000-0000-0000-0000-000000000000}"/>
+          </ac:spMkLst>
+        </pc:spChg>
+        <pc:spChg chg="mod">
+          <ac:chgData name="Xin Luo" userId="82312ee5779919a4" providerId="LiveId" clId="{23920C8D-EBCE-A347-9C82-C14316D20539}" dt="2022-10-10T01:06:13.262" v="366" actId="403"/>
+          <ac:spMkLst>
+            <pc:docMk/>
+            <pc:sldMk cId="1576120367" sldId="2387"/>
+            <ac:spMk id="12" creationId="{00000000-0000-0000-0000-000000000000}"/>
+          </ac:spMkLst>
+        </pc:spChg>
+        <pc:spChg chg="mod">
+          <ac:chgData name="Xin Luo" userId="82312ee5779919a4" providerId="LiveId" clId="{23920C8D-EBCE-A347-9C82-C14316D20539}" dt="2022-10-10T01:06:29.261" v="368" actId="404"/>
+          <ac:spMkLst>
+            <pc:docMk/>
+            <pc:sldMk cId="1576120367" sldId="2387"/>
+            <ac:spMk id="13" creationId="{00000000-0000-0000-0000-000000000000}"/>
+          </ac:spMkLst>
+        </pc:spChg>
+        <pc:spChg chg="mod">
+          <ac:chgData name="Xin Luo" userId="82312ee5779919a4" providerId="LiveId" clId="{23920C8D-EBCE-A347-9C82-C14316D20539}" dt="2022-10-10T01:06:13.262" v="366" actId="403"/>
+          <ac:spMkLst>
+            <pc:docMk/>
+            <pc:sldMk cId="1576120367" sldId="2387"/>
+            <ac:spMk id="14" creationId="{00000000-0000-0000-0000-000000000000}"/>
+          </ac:spMkLst>
+        </pc:spChg>
+        <pc:spChg chg="mod">
+          <ac:chgData name="Xin Luo" userId="82312ee5779919a4" providerId="LiveId" clId="{23920C8D-EBCE-A347-9C82-C14316D20539}" dt="2022-10-10T01:06:29.261" v="368" actId="404"/>
+          <ac:spMkLst>
+            <pc:docMk/>
+            <pc:sldMk cId="1576120367" sldId="2387"/>
+            <ac:spMk id="15" creationId="{00000000-0000-0000-0000-000000000000}"/>
+          </ac:spMkLst>
+        </pc:spChg>
+        <pc:spChg chg="mod">
+          <ac:chgData name="Xin Luo" userId="82312ee5779919a4" providerId="LiveId" clId="{23920C8D-EBCE-A347-9C82-C14316D20539}" dt="2022-10-10T01:06:19.369" v="367" actId="14100"/>
+          <ac:spMkLst>
+            <pc:docMk/>
+            <pc:sldMk cId="1576120367" sldId="2387"/>
+            <ac:spMk id="16" creationId="{00000000-0000-0000-0000-000000000000}"/>
+          </ac:spMkLst>
+        </pc:spChg>
+      </pc:sldChg>
+      <pc:sldChg chg="modSp mod">
+        <pc:chgData name="Xin Luo" userId="82312ee5779919a4" providerId="LiveId" clId="{23920C8D-EBCE-A347-9C82-C14316D20539}" dt="2022-10-10T01:06:39.449" v="369" actId="403"/>
+        <pc:sldMkLst>
+          <pc:docMk/>
+          <pc:sldMk cId="2415901206" sldId="2447"/>
+        </pc:sldMkLst>
+        <pc:spChg chg="mod">
+          <ac:chgData name="Xin Luo" userId="82312ee5779919a4" providerId="LiveId" clId="{23920C8D-EBCE-A347-9C82-C14316D20539}" dt="2022-10-10T01:06:39.449" v="369" actId="403"/>
+          <ac:spMkLst>
+            <pc:docMk/>
+            <pc:sldMk cId="2415901206" sldId="2447"/>
+            <ac:spMk id="7" creationId="{00000000-0000-0000-0000-000000000000}"/>
+          </ac:spMkLst>
+        </pc:spChg>
+      </pc:sldChg>
+      <pc:sldChg chg="addSp delSp modSp mod">
+        <pc:chgData name="Xin Luo" userId="82312ee5779919a4" providerId="LiveId" clId="{23920C8D-EBCE-A347-9C82-C14316D20539}" dt="2022-10-26T11:18:20.490" v="500"/>
+        <pc:sldMkLst>
+          <pc:docMk/>
+          <pc:sldMk cId="2689840772" sldId="2604"/>
+        </pc:sldMkLst>
+        <pc:spChg chg="mod">
+          <ac:chgData name="Xin Luo" userId="82312ee5779919a4" providerId="LiveId" clId="{23920C8D-EBCE-A347-9C82-C14316D20539}" dt="2022-10-26T11:18:14.630" v="497" actId="1038"/>
+          <ac:spMkLst>
+            <pc:docMk/>
+            <pc:sldMk cId="2689840772" sldId="2604"/>
+            <ac:spMk id="2" creationId="{DB381E7B-A050-4BE4-6756-9B64308C74D7}"/>
+          </ac:spMkLst>
+        </pc:spChg>
+        <pc:spChg chg="del mod">
+          <ac:chgData name="Xin Luo" userId="82312ee5779919a4" providerId="LiveId" clId="{23920C8D-EBCE-A347-9C82-C14316D20539}" dt="2022-10-10T00:58:26.498" v="9" actId="478"/>
+          <ac:spMkLst>
+            <pc:docMk/>
+            <pc:sldMk cId="2689840772" sldId="2604"/>
+            <ac:spMk id="3" creationId="{00000000-0000-0000-0000-000000000000}"/>
+          </ac:spMkLst>
+        </pc:spChg>
+        <pc:spChg chg="add del mod">
+          <ac:chgData name="Xin Luo" userId="82312ee5779919a4" providerId="LiveId" clId="{23920C8D-EBCE-A347-9C82-C14316D20539}" dt="2022-10-26T11:18:20.490" v="500"/>
+          <ac:spMkLst>
+            <pc:docMk/>
+            <pc:sldMk cId="2689840772" sldId="2604"/>
+            <ac:spMk id="3" creationId="{0AC6D251-AEF6-35BE-71D5-DE25EAD72977}"/>
+          </ac:spMkLst>
+        </pc:spChg>
+        <pc:spChg chg="add mod">
+          <ac:chgData name="Xin Luo" userId="82312ee5779919a4" providerId="LiveId" clId="{23920C8D-EBCE-A347-9C82-C14316D20539}" dt="2022-10-10T01:03:50.909" v="356" actId="20577"/>
+          <ac:spMkLst>
+            <pc:docMk/>
+            <pc:sldMk cId="2689840772" sldId="2604"/>
+            <ac:spMk id="4" creationId="{5B949F23-92C2-3ACE-AE9A-58F8C8D7AB52}"/>
+          </ac:spMkLst>
+        </pc:spChg>
+      </pc:sldChg>
+      <pc:sldChg chg="modSp mod">
+        <pc:chgData name="Xin Luo" userId="82312ee5779919a4" providerId="LiveId" clId="{23920C8D-EBCE-A347-9C82-C14316D20539}" dt="2022-10-25T11:53:23.523" v="402" actId="207"/>
+        <pc:sldMkLst>
+          <pc:docMk/>
+          <pc:sldMk cId="1392274363" sldId="2606"/>
+        </pc:sldMkLst>
+        <pc:spChg chg="mod">
+          <ac:chgData name="Xin Luo" userId="82312ee5779919a4" providerId="LiveId" clId="{23920C8D-EBCE-A347-9C82-C14316D20539}" dt="2022-10-10T01:08:08.448" v="392" actId="20577"/>
+          <ac:spMkLst>
+            <pc:docMk/>
+            <pc:sldMk cId="1392274363" sldId="2606"/>
+            <ac:spMk id="35" creationId="{2CBBD54C-A0C4-CFAB-2A67-F8BF299D28F5}"/>
+          </ac:spMkLst>
+        </pc:spChg>
+        <pc:spChg chg="mod">
+          <ac:chgData name="Xin Luo" userId="82312ee5779919a4" providerId="LiveId" clId="{23920C8D-EBCE-A347-9C82-C14316D20539}" dt="2022-10-25T11:53:23.523" v="402" actId="207"/>
+          <ac:spMkLst>
+            <pc:docMk/>
+            <pc:sldMk cId="1392274363" sldId="2606"/>
+            <ac:spMk id="42" creationId="{E4B07DDE-AB89-2B16-6B7A-2142621DE6F5}"/>
+          </ac:spMkLst>
+        </pc:spChg>
+      </pc:sldChg>
+      <pc:sldChg chg="modSp mod">
+        <pc:chgData name="Xin Luo" userId="82312ee5779919a4" providerId="LiveId" clId="{23920C8D-EBCE-A347-9C82-C14316D20539}" dt="2022-10-25T12:03:26.240" v="414" actId="14100"/>
+        <pc:sldMkLst>
+          <pc:docMk/>
+          <pc:sldMk cId="292605530" sldId="2607"/>
+        </pc:sldMkLst>
+        <pc:spChg chg="mod">
+          <ac:chgData name="Xin Luo" userId="82312ee5779919a4" providerId="LiveId" clId="{23920C8D-EBCE-A347-9C82-C14316D20539}" dt="2022-10-25T12:03:26.240" v="414" actId="14100"/>
+          <ac:spMkLst>
+            <pc:docMk/>
+            <pc:sldMk cId="292605530" sldId="2607"/>
+            <ac:spMk id="18" creationId="{8399C9E7-13B6-1DAF-F5BF-4471E8528C5F}"/>
+          </ac:spMkLst>
+        </pc:spChg>
+      </pc:sldChg>
+      <pc:sldChg chg="modSp mod">
+        <pc:chgData name="Xin Luo" userId="82312ee5779919a4" providerId="LiveId" clId="{23920C8D-EBCE-A347-9C82-C14316D20539}" dt="2022-10-25T12:09:03.730" v="478" actId="1036"/>
+        <pc:sldMkLst>
+          <pc:docMk/>
+          <pc:sldMk cId="2780969545" sldId="2609"/>
+        </pc:sldMkLst>
+        <pc:spChg chg="mod">
+          <ac:chgData name="Xin Luo" userId="82312ee5779919a4" providerId="LiveId" clId="{23920C8D-EBCE-A347-9C82-C14316D20539}" dt="2022-10-25T12:08:56.496" v="469" actId="115"/>
+          <ac:spMkLst>
+            <pc:docMk/>
+            <pc:sldMk cId="2780969545" sldId="2609"/>
+            <ac:spMk id="6" creationId="{2D1A6305-FF43-CF53-224A-B6D4901EAB0F}"/>
+          </ac:spMkLst>
+        </pc:spChg>
+        <pc:spChg chg="mod">
+          <ac:chgData name="Xin Luo" userId="82312ee5779919a4" providerId="LiveId" clId="{23920C8D-EBCE-A347-9C82-C14316D20539}" dt="2022-10-25T12:09:03.730" v="478" actId="1036"/>
+          <ac:spMkLst>
+            <pc:docMk/>
+            <pc:sldMk cId="2780969545" sldId="2609"/>
+            <ac:spMk id="11" creationId="{63EAC848-88D2-7A10-E878-444ADA855E23}"/>
+          </ac:spMkLst>
+        </pc:spChg>
+        <pc:spChg chg="mod">
+          <ac:chgData name="Xin Luo" userId="82312ee5779919a4" providerId="LiveId" clId="{23920C8D-EBCE-A347-9C82-C14316D20539}" dt="2022-10-25T12:09:03.730" v="478" actId="1036"/>
+          <ac:spMkLst>
+            <pc:docMk/>
+            <pc:sldMk cId="2780969545" sldId="2609"/>
+            <ac:spMk id="12" creationId="{BED7A820-9D6E-7E7E-A906-8A9424528316}"/>
+          </ac:spMkLst>
+        </pc:spChg>
+        <pc:spChg chg="mod">
+          <ac:chgData name="Xin Luo" userId="82312ee5779919a4" providerId="LiveId" clId="{23920C8D-EBCE-A347-9C82-C14316D20539}" dt="2022-10-25T12:09:03.730" v="478" actId="1036"/>
+          <ac:spMkLst>
+            <pc:docMk/>
+            <pc:sldMk cId="2780969545" sldId="2609"/>
+            <ac:spMk id="20" creationId="{87EC125B-CB98-6914-1633-6697471A2CB4}"/>
+          </ac:spMkLst>
+        </pc:spChg>
+        <pc:spChg chg="mod">
+          <ac:chgData name="Xin Luo" userId="82312ee5779919a4" providerId="LiveId" clId="{23920C8D-EBCE-A347-9C82-C14316D20539}" dt="2022-10-25T12:09:03.730" v="478" actId="1036"/>
+          <ac:spMkLst>
+            <pc:docMk/>
+            <pc:sldMk cId="2780969545" sldId="2609"/>
+            <ac:spMk id="21" creationId="{0AF67847-7DEF-CDAB-6208-0271BFB4FB06}"/>
+          </ac:spMkLst>
+        </pc:spChg>
+        <pc:spChg chg="mod">
+          <ac:chgData name="Xin Luo" userId="82312ee5779919a4" providerId="LiveId" clId="{23920C8D-EBCE-A347-9C82-C14316D20539}" dt="2022-10-25T12:09:03.730" v="478" actId="1036"/>
+          <ac:spMkLst>
+            <pc:docMk/>
+            <pc:sldMk cId="2780969545" sldId="2609"/>
+            <ac:spMk id="23" creationId="{0011846D-F543-398E-85CB-0AB0A842928A}"/>
+          </ac:spMkLst>
+        </pc:spChg>
+        <pc:spChg chg="mod">
+          <ac:chgData name="Xin Luo" userId="82312ee5779919a4" providerId="LiveId" clId="{23920C8D-EBCE-A347-9C82-C14316D20539}" dt="2022-10-25T12:09:03.730" v="478" actId="1036"/>
+          <ac:spMkLst>
+            <pc:docMk/>
+            <pc:sldMk cId="2780969545" sldId="2609"/>
+            <ac:spMk id="24" creationId="{37B5D87E-7419-7CC0-91CC-8A0807F0F999}"/>
+          </ac:spMkLst>
+        </pc:spChg>
+        <pc:spChg chg="mod">
+          <ac:chgData name="Xin Luo" userId="82312ee5779919a4" providerId="LiveId" clId="{23920C8D-EBCE-A347-9C82-C14316D20539}" dt="2022-10-25T12:09:03.730" v="478" actId="1036"/>
+          <ac:spMkLst>
+            <pc:docMk/>
+            <pc:sldMk cId="2780969545" sldId="2609"/>
+            <ac:spMk id="25" creationId="{4745244D-B431-F067-4A97-7CC4387296FB}"/>
+          </ac:spMkLst>
+        </pc:spChg>
+        <pc:spChg chg="mod">
+          <ac:chgData name="Xin Luo" userId="82312ee5779919a4" providerId="LiveId" clId="{23920C8D-EBCE-A347-9C82-C14316D20539}" dt="2022-10-25T12:09:03.730" v="478" actId="1036"/>
+          <ac:spMkLst>
+            <pc:docMk/>
+            <pc:sldMk cId="2780969545" sldId="2609"/>
+            <ac:spMk id="26" creationId="{FB9C53DE-8D1F-6DF4-8CE3-3A262A9F8737}"/>
+          </ac:spMkLst>
+        </pc:spChg>
+        <pc:picChg chg="mod">
+          <ac:chgData name="Xin Luo" userId="82312ee5779919a4" providerId="LiveId" clId="{23920C8D-EBCE-A347-9C82-C14316D20539}" dt="2022-10-25T12:09:03.730" v="478" actId="1036"/>
+          <ac:picMkLst>
+            <pc:docMk/>
+            <pc:sldMk cId="2780969545" sldId="2609"/>
+            <ac:picMk id="4" creationId="{49B7ACC6-6794-9162-52B2-E80F7E4B0442}"/>
+          </ac:picMkLst>
+        </pc:picChg>
+        <pc:picChg chg="mod">
+          <ac:chgData name="Xin Luo" userId="82312ee5779919a4" providerId="LiveId" clId="{23920C8D-EBCE-A347-9C82-C14316D20539}" dt="2022-10-25T12:09:03.730" v="478" actId="1036"/>
+          <ac:picMkLst>
+            <pc:docMk/>
+            <pc:sldMk cId="2780969545" sldId="2609"/>
+            <ac:picMk id="7" creationId="{42FD45A0-A9EA-D518-41B5-21FA7A24BA60}"/>
+          </ac:picMkLst>
+        </pc:picChg>
+        <pc:picChg chg="mod">
+          <ac:chgData name="Xin Luo" userId="82312ee5779919a4" providerId="LiveId" clId="{23920C8D-EBCE-A347-9C82-C14316D20539}" dt="2022-10-25T12:09:03.730" v="478" actId="1036"/>
+          <ac:picMkLst>
+            <pc:docMk/>
+            <pc:sldMk cId="2780969545" sldId="2609"/>
+            <ac:picMk id="10" creationId="{C2B12388-3179-41F8-2462-0C9BA14093FF}"/>
+          </ac:picMkLst>
+        </pc:picChg>
+        <pc:picChg chg="mod">
+          <ac:chgData name="Xin Luo" userId="82312ee5779919a4" providerId="LiveId" clId="{23920C8D-EBCE-A347-9C82-C14316D20539}" dt="2022-10-25T12:09:03.730" v="478" actId="1036"/>
+          <ac:picMkLst>
+            <pc:docMk/>
+            <pc:sldMk cId="2780969545" sldId="2609"/>
+            <ac:picMk id="7170" creationId="{A3C33C8C-6841-03A7-574F-E161D6BA2409}"/>
+          </ac:picMkLst>
+        </pc:picChg>
+        <pc:cxnChg chg="mod">
+          <ac:chgData name="Xin Luo" userId="82312ee5779919a4" providerId="LiveId" clId="{23920C8D-EBCE-A347-9C82-C14316D20539}" dt="2022-10-25T12:09:03.730" v="478" actId="1036"/>
+          <ac:cxnSpMkLst>
+            <pc:docMk/>
+            <pc:sldMk cId="2780969545" sldId="2609"/>
+            <ac:cxnSpMk id="9" creationId="{FD972B84-6C44-171E-8256-D2A04F01B0C9}"/>
+          </ac:cxnSpMkLst>
+        </pc:cxnChg>
+        <pc:cxnChg chg="mod">
+          <ac:chgData name="Xin Luo" userId="82312ee5779919a4" providerId="LiveId" clId="{23920C8D-EBCE-A347-9C82-C14316D20539}" dt="2022-10-25T12:09:03.730" v="478" actId="1036"/>
+          <ac:cxnSpMkLst>
+            <pc:docMk/>
+            <pc:sldMk cId="2780969545" sldId="2609"/>
+            <ac:cxnSpMk id="16" creationId="{612BCBDC-DECE-5090-7C5B-6492FF4CE722}"/>
+          </ac:cxnSpMkLst>
+        </pc:cxnChg>
+        <pc:cxnChg chg="mod">
+          <ac:chgData name="Xin Luo" userId="82312ee5779919a4" providerId="LiveId" clId="{23920C8D-EBCE-A347-9C82-C14316D20539}" dt="2022-10-25T12:09:03.730" v="478" actId="1036"/>
+          <ac:cxnSpMkLst>
+            <pc:docMk/>
+            <pc:sldMk cId="2780969545" sldId="2609"/>
+            <ac:cxnSpMk id="17" creationId="{AF045F09-2718-C456-D477-E816A43885FF}"/>
+          </ac:cxnSpMkLst>
+        </pc:cxnChg>
+        <pc:cxnChg chg="mod">
+          <ac:chgData name="Xin Luo" userId="82312ee5779919a4" providerId="LiveId" clId="{23920C8D-EBCE-A347-9C82-C14316D20539}" dt="2022-10-25T12:09:03.730" v="478" actId="1036"/>
+          <ac:cxnSpMkLst>
+            <pc:docMk/>
+            <pc:sldMk cId="2780969545" sldId="2609"/>
+            <ac:cxnSpMk id="28" creationId="{6C11ADF7-6234-2989-2798-F5AAD5EDE3BF}"/>
+          </ac:cxnSpMkLst>
+        </pc:cxnChg>
+      </pc:sldChg>
+      <pc:sldChg chg="modSp mod">
+        <pc:chgData name="Xin Luo" userId="82312ee5779919a4" providerId="LiveId" clId="{23920C8D-EBCE-A347-9C82-C14316D20539}" dt="2022-10-26T02:56:58.658" v="480" actId="207"/>
+        <pc:sldMkLst>
+          <pc:docMk/>
+          <pc:sldMk cId="63705705" sldId="2612"/>
+        </pc:sldMkLst>
+        <pc:spChg chg="mod">
+          <ac:chgData name="Xin Luo" userId="82312ee5779919a4" providerId="LiveId" clId="{23920C8D-EBCE-A347-9C82-C14316D20539}" dt="2022-10-26T02:56:58.658" v="480" actId="207"/>
+          <ac:spMkLst>
+            <pc:docMk/>
+            <pc:sldMk cId="63705705" sldId="2612"/>
+            <ac:spMk id="63" creationId="{6400CC45-5050-7ACD-CE08-CC6D7000A1DA}"/>
+          </ac:spMkLst>
+        </pc:spChg>
+      </pc:sldChg>
+      <pc:sldChg chg="addSp modSp">
+        <pc:chgData name="Xin Luo" userId="82312ee5779919a4" providerId="LiveId" clId="{23920C8D-EBCE-A347-9C82-C14316D20539}" dt="2022-10-26T12:19:06.428" v="501" actId="767"/>
+        <pc:sldMkLst>
+          <pc:docMk/>
+          <pc:sldMk cId="963926578" sldId="2613"/>
+        </pc:sldMkLst>
+        <pc:spChg chg="add mod">
+          <ac:chgData name="Xin Luo" userId="82312ee5779919a4" providerId="LiveId" clId="{23920C8D-EBCE-A347-9C82-C14316D20539}" dt="2022-10-26T12:19:06.428" v="501" actId="767"/>
+          <ac:spMkLst>
+            <pc:docMk/>
+            <pc:sldMk cId="963926578" sldId="2613"/>
+            <ac:spMk id="2" creationId="{5F7683B3-77E0-69A9-94AE-FF04E7249325}"/>
+          </ac:spMkLst>
+        </pc:spChg>
+      </pc:sldChg>
+      <pc:sldChg chg="modSp add mod">
+        <pc:chgData name="Xin Luo" userId="82312ee5779919a4" providerId="LiveId" clId="{23920C8D-EBCE-A347-9C82-C14316D20539}" dt="2022-10-10T01:06:02.902" v="365" actId="403"/>
+        <pc:sldMkLst>
+          <pc:docMk/>
+          <pc:sldMk cId="2358282757" sldId="2714"/>
+        </pc:sldMkLst>
+        <pc:spChg chg="mod">
+          <ac:chgData name="Xin Luo" userId="82312ee5779919a4" providerId="LiveId" clId="{23920C8D-EBCE-A347-9C82-C14316D20539}" dt="2022-10-10T01:06:02.902" v="365" actId="403"/>
+          <ac:spMkLst>
+            <pc:docMk/>
+            <pc:sldMk cId="2358282757" sldId="2714"/>
+            <ac:spMk id="2" creationId="{DB381E7B-A050-4BE4-6756-9B64308C74D7}"/>
+          </ac:spMkLst>
+        </pc:spChg>
+      </pc:sldChg>
+    </pc:docChg>
+  </pc:docChgLst>
+  <pc:docChgLst>
     <pc:chgData name="Xin Luo" userId="82312ee5779919a4" providerId="LiveId" clId="{4DB6C473-8E57-A543-81F7-48BE109E8C13}"/>
     <pc:docChg chg="undo custSel addSld delSld modSld sldOrd delMainMaster">
       <pc:chgData name="Xin Luo" userId="82312ee5779919a4" providerId="LiveId" clId="{4DB6C473-8E57-A543-81F7-48BE109E8C13}" dt="2023-02-21T15:10:04.498" v="5724" actId="108"/>
@@ -6307,310 +6611,6 @@
           </pc:sldLayoutMkLst>
         </pc:sldLayoutChg>
       </pc:sldMasterChg>
-    </pc:docChg>
-  </pc:docChgLst>
-  <pc:docChgLst>
-    <pc:chgData name="Xin Luo" userId="82312ee5779919a4" providerId="LiveId" clId="{7C68D8C5-3836-3547-9AA8-5B377782C93A}"/>
-    <pc:docChg chg="modSld">
-      <pc:chgData name="Xin Luo" userId="82312ee5779919a4" providerId="LiveId" clId="{7C68D8C5-3836-3547-9AA8-5B377782C93A}" dt="2023-04-12T12:59:02.669" v="101" actId="20577"/>
-      <pc:docMkLst>
-        <pc:docMk/>
-      </pc:docMkLst>
-      <pc:sldChg chg="modSp mod">
-        <pc:chgData name="Xin Luo" userId="82312ee5779919a4" providerId="LiveId" clId="{7C68D8C5-3836-3547-9AA8-5B377782C93A}" dt="2023-04-12T12:59:02.669" v="101" actId="20577"/>
-        <pc:sldMkLst>
-          <pc:docMk/>
-          <pc:sldMk cId="1209572041" sldId="2722"/>
-        </pc:sldMkLst>
-        <pc:spChg chg="mod">
-          <ac:chgData name="Xin Luo" userId="82312ee5779919a4" providerId="LiveId" clId="{7C68D8C5-3836-3547-9AA8-5B377782C93A}" dt="2023-04-12T12:59:02.669" v="101" actId="20577"/>
-          <ac:spMkLst>
-            <pc:docMk/>
-            <pc:sldMk cId="1209572041" sldId="2722"/>
-            <ac:spMk id="13" creationId="{303BC878-BC57-D350-27A3-F03AE48213AC}"/>
-          </ac:spMkLst>
-        </pc:spChg>
-      </pc:sldChg>
-    </pc:docChg>
-  </pc:docChgLst>
-  <pc:docChgLst>
-    <pc:chgData name="Xin Luo" userId="82312ee5779919a4" providerId="LiveId" clId="{82BFAA31-791A-9843-976C-3AAFAA5AC07D}"/>
-    <pc:docChg chg="undo custSel addSld delSld modSld">
-      <pc:chgData name="Xin Luo" userId="82312ee5779919a4" providerId="LiveId" clId="{82BFAA31-791A-9843-976C-3AAFAA5AC07D}" dt="2023-02-24T13:20:14.840" v="2906" actId="404"/>
-      <pc:docMkLst>
-        <pc:docMk/>
-      </pc:docMkLst>
-      <pc:sldChg chg="addSp delSp modSp mod">
-        <pc:chgData name="Xin Luo" userId="82312ee5779919a4" providerId="LiveId" clId="{82BFAA31-791A-9843-976C-3AAFAA5AC07D}" dt="2023-02-24T08:49:58.378" v="580" actId="478"/>
-        <pc:sldMkLst>
-          <pc:docMk/>
-          <pc:sldMk cId="3833073590" sldId="2716"/>
-        </pc:sldMkLst>
-        <pc:spChg chg="mod">
-          <ac:chgData name="Xin Luo" userId="82312ee5779919a4" providerId="LiveId" clId="{82BFAA31-791A-9843-976C-3AAFAA5AC07D}" dt="2023-02-24T03:06:08.550" v="104" actId="20577"/>
-          <ac:spMkLst>
-            <pc:docMk/>
-            <pc:sldMk cId="3833073590" sldId="2716"/>
-            <ac:spMk id="2" creationId="{631AADB6-C88A-D817-4683-FC087E4E240F}"/>
-          </ac:spMkLst>
-        </pc:spChg>
-        <pc:spChg chg="del">
-          <ac:chgData name="Xin Luo" userId="82312ee5779919a4" providerId="LiveId" clId="{82BFAA31-791A-9843-976C-3AAFAA5AC07D}" dt="2023-02-24T03:02:42.862" v="33" actId="478"/>
-          <ac:spMkLst>
-            <pc:docMk/>
-            <pc:sldMk cId="3833073590" sldId="2716"/>
-            <ac:spMk id="5" creationId="{9F4AEA98-0C33-E82A-EB75-839D0F0B55A4}"/>
-          </ac:spMkLst>
-        </pc:spChg>
-        <pc:spChg chg="add mod">
-          <ac:chgData name="Xin Luo" userId="82312ee5779919a4" providerId="LiveId" clId="{82BFAA31-791A-9843-976C-3AAFAA5AC07D}" dt="2023-02-24T08:49:58.156" v="579" actId="14100"/>
-          <ac:spMkLst>
-            <pc:docMk/>
-            <pc:sldMk cId="3833073590" sldId="2716"/>
-            <ac:spMk id="6" creationId="{6741FEA2-C046-FD82-2800-2CB513792080}"/>
-          </ac:spMkLst>
-        </pc:spChg>
-        <pc:picChg chg="add del">
-          <ac:chgData name="Xin Luo" userId="82312ee5779919a4" providerId="LiveId" clId="{82BFAA31-791A-9843-976C-3AAFAA5AC07D}" dt="2023-02-24T03:02:42.862" v="33" actId="478"/>
-          <ac:picMkLst>
-            <pc:docMk/>
-            <pc:sldMk cId="3833073590" sldId="2716"/>
-            <ac:picMk id="1026" creationId="{37EB6838-2807-43B3-E78E-EF1353DBEC4D}"/>
-          </ac:picMkLst>
-        </pc:picChg>
-        <pc:picChg chg="add del mod">
-          <ac:chgData name="Xin Luo" userId="82312ee5779919a4" providerId="LiveId" clId="{82BFAA31-791A-9843-976C-3AAFAA5AC07D}" dt="2023-02-24T03:03:49.502" v="38" actId="478"/>
-          <ac:picMkLst>
-            <pc:docMk/>
-            <pc:sldMk cId="3833073590" sldId="2716"/>
-            <ac:picMk id="1028" creationId="{0060DCE3-4593-4CBE-2C1A-12A7D72C453A}"/>
-          </ac:picMkLst>
-        </pc:picChg>
-        <pc:picChg chg="add del mod">
-          <ac:chgData name="Xin Luo" userId="82312ee5779919a4" providerId="LiveId" clId="{82BFAA31-791A-9843-976C-3AAFAA5AC07D}" dt="2023-02-24T08:49:58.378" v="580" actId="478"/>
-          <ac:picMkLst>
-            <pc:docMk/>
-            <pc:sldMk cId="3833073590" sldId="2716"/>
-            <ac:picMk id="1030" creationId="{C93DB76E-C02F-05AC-2014-674F7E808ADA}"/>
-          </ac:picMkLst>
-        </pc:picChg>
-      </pc:sldChg>
-      <pc:sldChg chg="addSp delSp modSp mod">
-        <pc:chgData name="Xin Luo" userId="82312ee5779919a4" providerId="LiveId" clId="{82BFAA31-791A-9843-976C-3AAFAA5AC07D}" dt="2023-02-24T08:50:06.402" v="585" actId="20577"/>
-        <pc:sldMkLst>
-          <pc:docMk/>
-          <pc:sldMk cId="972163772" sldId="2720"/>
-        </pc:sldMkLst>
-        <pc:spChg chg="mod">
-          <ac:chgData name="Xin Luo" userId="82312ee5779919a4" providerId="LiveId" clId="{82BFAA31-791A-9843-976C-3AAFAA5AC07D}" dt="2023-02-24T08:50:06.402" v="585" actId="20577"/>
-          <ac:spMkLst>
-            <pc:docMk/>
-            <pc:sldMk cId="972163772" sldId="2720"/>
-            <ac:spMk id="7" creationId="{00000000-0000-0000-0000-000000000000}"/>
-          </ac:spMkLst>
-        </pc:spChg>
-        <pc:picChg chg="add del">
-          <ac:chgData name="Xin Luo" userId="82312ee5779919a4" providerId="LiveId" clId="{82BFAA31-791A-9843-976C-3AAFAA5AC07D}" dt="2023-02-24T08:47:42.881" v="485"/>
-          <ac:picMkLst>
-            <pc:docMk/>
-            <pc:sldMk cId="972163772" sldId="2720"/>
-            <ac:picMk id="3074" creationId="{C4128BB6-F8FE-667B-1E3D-38360E7E0C3C}"/>
-          </ac:picMkLst>
-        </pc:picChg>
-      </pc:sldChg>
-      <pc:sldChg chg="addSp delSp modSp mod">
-        <pc:chgData name="Xin Luo" userId="82312ee5779919a4" providerId="LiveId" clId="{82BFAA31-791A-9843-976C-3AAFAA5AC07D}" dt="2023-02-24T13:00:34.955" v="2586" actId="1036"/>
-        <pc:sldMkLst>
-          <pc:docMk/>
-          <pc:sldMk cId="2689695864" sldId="2721"/>
-        </pc:sldMkLst>
-        <pc:spChg chg="mod">
-          <ac:chgData name="Xin Luo" userId="82312ee5779919a4" providerId="LiveId" clId="{82BFAA31-791A-9843-976C-3AAFAA5AC07D}" dt="2023-02-24T13:00:34.955" v="2586" actId="1036"/>
-          <ac:spMkLst>
-            <pc:docMk/>
-            <pc:sldMk cId="2689695864" sldId="2721"/>
-            <ac:spMk id="2" creationId="{631AADB6-C88A-D817-4683-FC087E4E240F}"/>
-          </ac:spMkLst>
-        </pc:spChg>
-        <pc:spChg chg="mod">
-          <ac:chgData name="Xin Luo" userId="82312ee5779919a4" providerId="LiveId" clId="{82BFAA31-791A-9843-976C-3AAFAA5AC07D}" dt="2023-02-24T08:50:21.921" v="586"/>
-          <ac:spMkLst>
-            <pc:docMk/>
-            <pc:sldMk cId="2689695864" sldId="2721"/>
-            <ac:spMk id="3" creationId="{00000000-0000-0000-0000-000000000000}"/>
-          </ac:spMkLst>
-        </pc:spChg>
-        <pc:spChg chg="add del mod">
-          <ac:chgData name="Xin Luo" userId="82312ee5779919a4" providerId="LiveId" clId="{82BFAA31-791A-9843-976C-3AAFAA5AC07D}" dt="2023-02-24T12:38:43.360" v="1999" actId="478"/>
-          <ac:spMkLst>
-            <pc:docMk/>
-            <pc:sldMk cId="2689695864" sldId="2721"/>
-            <ac:spMk id="5" creationId="{D45B97A4-ED20-7E18-1BEF-4A81710B7783}"/>
-          </ac:spMkLst>
-        </pc:spChg>
-        <pc:spChg chg="mod">
-          <ac:chgData name="Xin Luo" userId="82312ee5779919a4" providerId="LiveId" clId="{82BFAA31-791A-9843-976C-3AAFAA5AC07D}" dt="2023-02-24T13:00:31.975" v="2582" actId="1036"/>
-          <ac:spMkLst>
-            <pc:docMk/>
-            <pc:sldMk cId="2689695864" sldId="2721"/>
-            <ac:spMk id="17" creationId="{9E05FFCA-3371-AF5C-381D-71D984055F5A}"/>
-          </ac:spMkLst>
-        </pc:spChg>
-      </pc:sldChg>
-      <pc:sldChg chg="modSp mod">
-        <pc:chgData name="Xin Luo" userId="82312ee5779919a4" providerId="LiveId" clId="{82BFAA31-791A-9843-976C-3AAFAA5AC07D}" dt="2023-02-24T13:19:35.601" v="2898" actId="20577"/>
-        <pc:sldMkLst>
-          <pc:docMk/>
-          <pc:sldMk cId="1209572041" sldId="2722"/>
-        </pc:sldMkLst>
-        <pc:spChg chg="mod">
-          <ac:chgData name="Xin Luo" userId="82312ee5779919a4" providerId="LiveId" clId="{82BFAA31-791A-9843-976C-3AAFAA5AC07D}" dt="2023-02-24T13:19:35.601" v="2898" actId="20577"/>
-          <ac:spMkLst>
-            <pc:docMk/>
-            <pc:sldMk cId="1209572041" sldId="2722"/>
-            <ac:spMk id="13" creationId="{303BC878-BC57-D350-27A3-F03AE48213AC}"/>
-          </ac:spMkLst>
-        </pc:spChg>
-      </pc:sldChg>
-      <pc:sldChg chg="addSp delSp modSp add mod">
-        <pc:chgData name="Xin Luo" userId="82312ee5779919a4" providerId="LiveId" clId="{82BFAA31-791A-9843-976C-3AAFAA5AC07D}" dt="2023-02-24T13:20:14.840" v="2906" actId="404"/>
-        <pc:sldMkLst>
-          <pc:docMk/>
-          <pc:sldMk cId="4156684215" sldId="2738"/>
-        </pc:sldMkLst>
-        <pc:spChg chg="mod">
-          <ac:chgData name="Xin Luo" userId="82312ee5779919a4" providerId="LiveId" clId="{82BFAA31-791A-9843-976C-3AAFAA5AC07D}" dt="2023-02-24T07:02:55.789" v="157" actId="20577"/>
-          <ac:spMkLst>
-            <pc:docMk/>
-            <pc:sldMk cId="4156684215" sldId="2738"/>
-            <ac:spMk id="2" creationId="{631AADB6-C88A-D817-4683-FC087E4E240F}"/>
-          </ac:spMkLst>
-        </pc:spChg>
-        <pc:spChg chg="add del mod">
-          <ac:chgData name="Xin Luo" userId="82312ee5779919a4" providerId="LiveId" clId="{82BFAA31-791A-9843-976C-3AAFAA5AC07D}" dt="2023-02-24T13:20:14.840" v="2906" actId="404"/>
-          <ac:spMkLst>
-            <pc:docMk/>
-            <pc:sldMk cId="4156684215" sldId="2738"/>
-            <ac:spMk id="6" creationId="{6741FEA2-C046-FD82-2800-2CB513792080}"/>
-          </ac:spMkLst>
-        </pc:spChg>
-        <pc:picChg chg="del mod">
-          <ac:chgData name="Xin Luo" userId="82312ee5779919a4" providerId="LiveId" clId="{82BFAA31-791A-9843-976C-3AAFAA5AC07D}" dt="2023-02-24T07:03:01.663" v="158" actId="478"/>
-          <ac:picMkLst>
-            <pc:docMk/>
-            <pc:sldMk cId="4156684215" sldId="2738"/>
-            <ac:picMk id="1030" creationId="{C93DB76E-C02F-05AC-2014-674F7E808ADA}"/>
-          </ac:picMkLst>
-        </pc:picChg>
-        <pc:picChg chg="add del mod">
-          <ac:chgData name="Xin Luo" userId="82312ee5779919a4" providerId="LiveId" clId="{82BFAA31-791A-9843-976C-3AAFAA5AC07D}" dt="2023-02-24T13:20:06.575" v="2903" actId="1076"/>
-          <ac:picMkLst>
-            <pc:docMk/>
-            <pc:sldMk cId="4156684215" sldId="2738"/>
-            <ac:picMk id="2050" creationId="{324F0AC4-07BA-4B3E-1A6B-D49FF0B87AC4}"/>
-          </ac:picMkLst>
-        </pc:picChg>
-      </pc:sldChg>
-      <pc:sldChg chg="delSp modSp add mod">
-        <pc:chgData name="Xin Luo" userId="82312ee5779919a4" providerId="LiveId" clId="{82BFAA31-791A-9843-976C-3AAFAA5AC07D}" dt="2023-02-24T12:59:25.971" v="2504" actId="20577"/>
-        <pc:sldMkLst>
-          <pc:docMk/>
-          <pc:sldMk cId="2776132283" sldId="2739"/>
-        </pc:sldMkLst>
-        <pc:spChg chg="mod">
-          <ac:chgData name="Xin Luo" userId="82312ee5779919a4" providerId="LiveId" clId="{82BFAA31-791A-9843-976C-3AAFAA5AC07D}" dt="2023-02-24T12:39:05.574" v="2002" actId="1076"/>
-          <ac:spMkLst>
-            <pc:docMk/>
-            <pc:sldMk cId="2776132283" sldId="2739"/>
-            <ac:spMk id="2" creationId="{631AADB6-C88A-D817-4683-FC087E4E240F}"/>
-          </ac:spMkLst>
-        </pc:spChg>
-        <pc:spChg chg="mod">
-          <ac:chgData name="Xin Luo" userId="82312ee5779919a4" providerId="LiveId" clId="{82BFAA31-791A-9843-976C-3AAFAA5AC07D}" dt="2023-02-24T12:59:25.971" v="2504" actId="20577"/>
-          <ac:spMkLst>
-            <pc:docMk/>
-            <pc:sldMk cId="2776132283" sldId="2739"/>
-            <ac:spMk id="6" creationId="{6741FEA2-C046-FD82-2800-2CB513792080}"/>
-          </ac:spMkLst>
-        </pc:spChg>
-        <pc:picChg chg="del">
-          <ac:chgData name="Xin Luo" userId="82312ee5779919a4" providerId="LiveId" clId="{82BFAA31-791A-9843-976C-3AAFAA5AC07D}" dt="2023-02-24T09:02:09.130" v="665" actId="478"/>
-          <ac:picMkLst>
-            <pc:docMk/>
-            <pc:sldMk cId="2776132283" sldId="2739"/>
-            <ac:picMk id="2050" creationId="{324F0AC4-07BA-4B3E-1A6B-D49FF0B87AC4}"/>
-          </ac:picMkLst>
-        </pc:picChg>
-      </pc:sldChg>
-      <pc:sldChg chg="delSp modSp add mod">
-        <pc:chgData name="Xin Luo" userId="82312ee5779919a4" providerId="LiveId" clId="{82BFAA31-791A-9843-976C-3AAFAA5AC07D}" dt="2023-02-24T12:42:54.354" v="2196" actId="20577"/>
-        <pc:sldMkLst>
-          <pc:docMk/>
-          <pc:sldMk cId="2510358707" sldId="2740"/>
-        </pc:sldMkLst>
-        <pc:spChg chg="mod">
-          <ac:chgData name="Xin Luo" userId="82312ee5779919a4" providerId="LiveId" clId="{82BFAA31-791A-9843-976C-3AAFAA5AC07D}" dt="2023-02-24T12:39:15.147" v="2006" actId="20577"/>
-          <ac:spMkLst>
-            <pc:docMk/>
-            <pc:sldMk cId="2510358707" sldId="2740"/>
-            <ac:spMk id="2" creationId="{631AADB6-C88A-D817-4683-FC087E4E240F}"/>
-          </ac:spMkLst>
-        </pc:spChg>
-        <pc:spChg chg="del mod">
-          <ac:chgData name="Xin Luo" userId="82312ee5779919a4" providerId="LiveId" clId="{82BFAA31-791A-9843-976C-3AAFAA5AC07D}" dt="2023-02-24T12:26:37.033" v="1934" actId="478"/>
-          <ac:spMkLst>
-            <pc:docMk/>
-            <pc:sldMk cId="2510358707" sldId="2740"/>
-            <ac:spMk id="5" creationId="{D45B97A4-ED20-7E18-1BEF-4A81710B7783}"/>
-          </ac:spMkLst>
-        </pc:spChg>
-        <pc:spChg chg="mod">
-          <ac:chgData name="Xin Luo" userId="82312ee5779919a4" providerId="LiveId" clId="{82BFAA31-791A-9843-976C-3AAFAA5AC07D}" dt="2023-02-24T12:42:54.354" v="2196" actId="20577"/>
-          <ac:spMkLst>
-            <pc:docMk/>
-            <pc:sldMk cId="2510358707" sldId="2740"/>
-            <ac:spMk id="17" creationId="{9E05FFCA-3371-AF5C-381D-71D984055F5A}"/>
-          </ac:spMkLst>
-        </pc:spChg>
-      </pc:sldChg>
-      <pc:sldChg chg="add del">
-        <pc:chgData name="Xin Luo" userId="82312ee5779919a4" providerId="LiveId" clId="{82BFAA31-791A-9843-976C-3AAFAA5AC07D}" dt="2023-02-24T12:26:24.988" v="1931"/>
-        <pc:sldMkLst>
-          <pc:docMk/>
-          <pc:sldMk cId="2028886328" sldId="2741"/>
-        </pc:sldMkLst>
-      </pc:sldChg>
-      <pc:sldChg chg="modSp add mod">
-        <pc:chgData name="Xin Luo" userId="82312ee5779919a4" providerId="LiveId" clId="{82BFAA31-791A-9843-976C-3AAFAA5AC07D}" dt="2023-02-24T13:00:24.884" v="2578" actId="20577"/>
-        <pc:sldMkLst>
-          <pc:docMk/>
-          <pc:sldMk cId="2476237792" sldId="2741"/>
-        </pc:sldMkLst>
-        <pc:spChg chg="mod">
-          <ac:chgData name="Xin Luo" userId="82312ee5779919a4" providerId="LiveId" clId="{82BFAA31-791A-9843-976C-3AAFAA5AC07D}" dt="2023-02-24T12:59:34.011" v="2511" actId="20577"/>
-          <ac:spMkLst>
-            <pc:docMk/>
-            <pc:sldMk cId="2476237792" sldId="2741"/>
-            <ac:spMk id="2" creationId="{631AADB6-C88A-D817-4683-FC087E4E240F}"/>
-          </ac:spMkLst>
-        </pc:spChg>
-        <pc:spChg chg="mod">
-          <ac:chgData name="Xin Luo" userId="82312ee5779919a4" providerId="LiveId" clId="{82BFAA31-791A-9843-976C-3AAFAA5AC07D}" dt="2023-02-24T12:39:25.368" v="2008"/>
-          <ac:spMkLst>
-            <pc:docMk/>
-            <pc:sldMk cId="2476237792" sldId="2741"/>
-            <ac:spMk id="3" creationId="{00000000-0000-0000-0000-000000000000}"/>
-          </ac:spMkLst>
-        </pc:spChg>
-        <pc:spChg chg="mod">
-          <ac:chgData name="Xin Luo" userId="82312ee5779919a4" providerId="LiveId" clId="{82BFAA31-791A-9843-976C-3AAFAA5AC07D}" dt="2023-02-24T13:00:24.884" v="2578" actId="20577"/>
-          <ac:spMkLst>
-            <pc:docMk/>
-            <pc:sldMk cId="2476237792" sldId="2741"/>
-            <ac:spMk id="6" creationId="{6741FEA2-C046-FD82-2800-2CB513792080}"/>
-          </ac:spMkLst>
-        </pc:spChg>
-      </pc:sldChg>
     </pc:docChg>
   </pc:docChgLst>
   <pc:docChgLst>
@@ -8133,7 +8133,7 @@
                 </a:solidFill>
               </a:rPr>
               <a:pPr/>
-              <a:t>2</a:t>
+              <a:t>3</a:t>
             </a:fld>
             <a:endParaRPr lang="zh-CN" altLang="en-US">
               <a:solidFill>
@@ -21840,6 +21840,163 @@
 </file>
 
 <file path=ppt/slides/slide2.xml><?xml version="1.0" encoding="utf-8"?>
+<p:sld xmlns:a="http://schemas.openxmlformats.org/drawingml/2006/main" xmlns:r="http://schemas.openxmlformats.org/officeDocument/2006/relationships" xmlns:p="http://schemas.openxmlformats.org/presentationml/2006/main">
+  <p:cSld>
+    <p:spTree>
+      <p:nvGrpSpPr>
+        <p:cNvPr id="1" name=""/>
+        <p:cNvGrpSpPr/>
+        <p:nvPr/>
+      </p:nvGrpSpPr>
+      <p:grpSpPr>
+        <a:xfrm>
+          <a:off x="0" y="0"/>
+          <a:ext cx="0" cy="0"/>
+          <a:chOff x="0" y="0"/>
+          <a:chExt cx="0" cy="0"/>
+        </a:xfrm>
+      </p:grpSpPr>
+      <p:sp>
+        <p:nvSpPr>
+          <p:cNvPr id="2" name="灯片编号占位符 1">
+            <a:extLst>
+              <a:ext uri="{FF2B5EF4-FFF2-40B4-BE49-F238E27FC236}">
+                <a16:creationId xmlns:a16="http://schemas.microsoft.com/office/drawing/2014/main" id="{800D5C55-7D66-0F94-449B-87E1D80160C1}"/>
+              </a:ext>
+            </a:extLst>
+          </p:cNvPr>
+          <p:cNvSpPr>
+            <a:spLocks noGrp="1"/>
+          </p:cNvSpPr>
+          <p:nvPr>
+            <p:ph type="sldNum" sz="quarter" idx="12"/>
+          </p:nvPr>
+        </p:nvSpPr>
+        <p:spPr/>
+        <p:txBody>
+          <a:bodyPr/>
+          <a:lstStyle/>
+          <a:p>
+            <a:r>
+              <a:rPr lang="en-US" altLang="zh-CN">
+                <a:solidFill>
+                  <a:prstClr val="black">
+                    <a:tint val="75000"/>
+                  </a:prstClr>
+                </a:solidFill>
+              </a:rPr>
+              <a:t>Page </a:t>
+            </a:r>
+            <a:fld id="{5B7D6B44-8869-44D6-9B46-FD9D3C769EB1}" type="slidenum">
+              <a:rPr lang="zh-CN" altLang="en-US" smtClean="0">
+                <a:solidFill>
+                  <a:prstClr val="black">
+                    <a:tint val="75000"/>
+                  </a:prstClr>
+                </a:solidFill>
+              </a:rPr>
+              <a:pPr/>
+              <a:t>2</a:t>
+            </a:fld>
+            <a:endParaRPr lang="zh-CN" altLang="en-US">
+              <a:solidFill>
+                <a:prstClr val="black">
+                  <a:tint val="75000"/>
+                </a:prstClr>
+              </a:solidFill>
+            </a:endParaRPr>
+          </a:p>
+        </p:txBody>
+      </p:sp>
+      <p:sp>
+        <p:nvSpPr>
+          <p:cNvPr id="3" name="标题 2">
+            <a:extLst>
+              <a:ext uri="{FF2B5EF4-FFF2-40B4-BE49-F238E27FC236}">
+                <a16:creationId xmlns:a16="http://schemas.microsoft.com/office/drawing/2014/main" id="{C78CE539-A894-95F1-88A5-7745BA44DE40}"/>
+              </a:ext>
+            </a:extLst>
+          </p:cNvPr>
+          <p:cNvSpPr>
+            <a:spLocks noGrp="1"/>
+          </p:cNvSpPr>
+          <p:nvPr>
+            <p:ph type="title"/>
+          </p:nvPr>
+        </p:nvSpPr>
+        <p:spPr/>
+        <p:txBody>
+          <a:bodyPr/>
+          <a:lstStyle/>
+          <a:p>
+            <a:endParaRPr lang="zh-CN" altLang="en-US"/>
+          </a:p>
+        </p:txBody>
+      </p:sp>
+      <p:sp>
+        <p:nvSpPr>
+          <p:cNvPr id="4" name="文本框 3">
+            <a:extLst>
+              <a:ext uri="{FF2B5EF4-FFF2-40B4-BE49-F238E27FC236}">
+                <a16:creationId xmlns:a16="http://schemas.microsoft.com/office/drawing/2014/main" id="{2B283556-29FF-A610-28AC-B833CF4B5291}"/>
+              </a:ext>
+            </a:extLst>
+          </p:cNvPr>
+          <p:cNvSpPr txBox="1"/>
+          <p:nvPr/>
+        </p:nvSpPr>
+        <p:spPr>
+          <a:xfrm>
+            <a:off x="84788" y="3010485"/>
+            <a:ext cx="8805616" cy="1107996"/>
+          </a:xfrm>
+          <a:prstGeom prst="rect">
+            <a:avLst/>
+          </a:prstGeom>
+          <a:noFill/>
+        </p:spPr>
+        <p:txBody>
+          <a:bodyPr wrap="none" rtlCol="0">
+            <a:spAutoFit/>
+          </a:bodyPr>
+          <a:lstStyle/>
+          <a:p>
+            <a:r>
+              <a:rPr lang="zh-CN" altLang="en-US" sz="6600" b="1" dirty="0">
+                <a:solidFill>
+                  <a:srgbClr val="FF0000"/>
+                </a:solidFill>
+              </a:rPr>
+              <a:t>腾讯会议：</a:t>
+            </a:r>
+            <a:r>
+              <a:rPr lang="en-US" altLang="zh-CN" sz="6600" b="1" dirty="0">
+                <a:solidFill>
+                  <a:srgbClr val="FF0000"/>
+                </a:solidFill>
+              </a:rPr>
+              <a:t>347-339-534</a:t>
+            </a:r>
+          </a:p>
+        </p:txBody>
+      </p:sp>
+    </p:spTree>
+    <p:extLst>
+      <p:ext uri="{BB962C8B-B14F-4D97-AF65-F5344CB8AC3E}">
+        <p14:creationId xmlns:p14="http://schemas.microsoft.com/office/powerpoint/2010/main" val="953918551"/>
+      </p:ext>
+    </p:extLst>
+  </p:cSld>
+  <p:clrMapOvr>
+    <a:masterClrMapping/>
+  </p:clrMapOvr>
+  <p:transition>
+    <p:fade/>
+  </p:transition>
+</p:sld>
+</file>
+
+<file path=ppt/slides/slide3.xml><?xml version="1.0" encoding="utf-8"?>
 <p:sld xmlns:a="http://schemas.openxmlformats.org/drawingml/2006/main" xmlns:r="http://schemas.openxmlformats.org/officeDocument/2006/relationships" xmlns:p="http://schemas.openxmlformats.org/presentationml/2006/main" showMasterSp="0">
   <p:cSld>
     <p:spTree>
@@ -22376,168 +22533,6 @@
     <p:extLst>
       <p:ext uri="{BB962C8B-B14F-4D97-AF65-F5344CB8AC3E}">
         <p14:creationId xmlns:p14="http://schemas.microsoft.com/office/powerpoint/2010/main" val="1576120367"/>
-      </p:ext>
-    </p:extLst>
-  </p:cSld>
-  <p:clrMapOvr>
-    <a:masterClrMapping/>
-  </p:clrMapOvr>
-  <p:transition>
-    <p:fade/>
-  </p:transition>
-</p:sld>
-</file>
-
-<file path=ppt/slides/slide3.xml><?xml version="1.0" encoding="utf-8"?>
-<p:sld xmlns:a="http://schemas.openxmlformats.org/drawingml/2006/main" xmlns:r="http://schemas.openxmlformats.org/officeDocument/2006/relationships" xmlns:p="http://schemas.openxmlformats.org/presentationml/2006/main">
-  <p:cSld>
-    <p:spTree>
-      <p:nvGrpSpPr>
-        <p:cNvPr id="1" name=""/>
-        <p:cNvGrpSpPr/>
-        <p:nvPr/>
-      </p:nvGrpSpPr>
-      <p:grpSpPr>
-        <a:xfrm>
-          <a:off x="0" y="0"/>
-          <a:ext cx="0" cy="0"/>
-          <a:chOff x="0" y="0"/>
-          <a:chExt cx="0" cy="0"/>
-        </a:xfrm>
-      </p:grpSpPr>
-      <p:sp>
-        <p:nvSpPr>
-          <p:cNvPr id="2" name="灯片编号占位符 1">
-            <a:extLst>
-              <a:ext uri="{FF2B5EF4-FFF2-40B4-BE49-F238E27FC236}">
-                <a16:creationId xmlns:a16="http://schemas.microsoft.com/office/drawing/2014/main" id="{800D5C55-7D66-0F94-449B-87E1D80160C1}"/>
-              </a:ext>
-            </a:extLst>
-          </p:cNvPr>
-          <p:cNvSpPr>
-            <a:spLocks noGrp="1"/>
-          </p:cNvSpPr>
-          <p:nvPr>
-            <p:ph type="sldNum" sz="quarter" idx="12"/>
-          </p:nvPr>
-        </p:nvSpPr>
-        <p:spPr/>
-        <p:txBody>
-          <a:bodyPr/>
-          <a:lstStyle/>
-          <a:p>
-            <a:r>
-              <a:rPr lang="en-US" altLang="zh-CN">
-                <a:solidFill>
-                  <a:prstClr val="black">
-                    <a:tint val="75000"/>
-                  </a:prstClr>
-                </a:solidFill>
-              </a:rPr>
-              <a:t>Page </a:t>
-            </a:r>
-            <a:fld id="{5B7D6B44-8869-44D6-9B46-FD9D3C769EB1}" type="slidenum">
-              <a:rPr lang="zh-CN" altLang="en-US" smtClean="0">
-                <a:solidFill>
-                  <a:prstClr val="black">
-                    <a:tint val="75000"/>
-                  </a:prstClr>
-                </a:solidFill>
-              </a:rPr>
-              <a:pPr/>
-              <a:t>3</a:t>
-            </a:fld>
-            <a:endParaRPr lang="zh-CN" altLang="en-US">
-              <a:solidFill>
-                <a:prstClr val="black">
-                  <a:tint val="75000"/>
-                </a:prstClr>
-              </a:solidFill>
-            </a:endParaRPr>
-          </a:p>
-        </p:txBody>
-      </p:sp>
-      <p:sp>
-        <p:nvSpPr>
-          <p:cNvPr id="3" name="标题 2">
-            <a:extLst>
-              <a:ext uri="{FF2B5EF4-FFF2-40B4-BE49-F238E27FC236}">
-                <a16:creationId xmlns:a16="http://schemas.microsoft.com/office/drawing/2014/main" id="{C78CE539-A894-95F1-88A5-7745BA44DE40}"/>
-              </a:ext>
-            </a:extLst>
-          </p:cNvPr>
-          <p:cNvSpPr>
-            <a:spLocks noGrp="1"/>
-          </p:cNvSpPr>
-          <p:nvPr>
-            <p:ph type="title"/>
-          </p:nvPr>
-        </p:nvSpPr>
-        <p:spPr/>
-        <p:txBody>
-          <a:bodyPr/>
-          <a:lstStyle/>
-          <a:p>
-            <a:endParaRPr lang="zh-CN" altLang="en-US"/>
-          </a:p>
-        </p:txBody>
-      </p:sp>
-      <p:sp>
-        <p:nvSpPr>
-          <p:cNvPr id="4" name="文本框 3">
-            <a:extLst>
-              <a:ext uri="{FF2B5EF4-FFF2-40B4-BE49-F238E27FC236}">
-                <a16:creationId xmlns:a16="http://schemas.microsoft.com/office/drawing/2014/main" id="{2B283556-29FF-A610-28AC-B833CF4B5291}"/>
-              </a:ext>
-            </a:extLst>
-          </p:cNvPr>
-          <p:cNvSpPr txBox="1"/>
-          <p:nvPr/>
-        </p:nvSpPr>
-        <p:spPr>
-          <a:xfrm>
-            <a:off x="84788" y="3010485"/>
-            <a:ext cx="8805616" cy="1107996"/>
-          </a:xfrm>
-          <a:prstGeom prst="rect">
-            <a:avLst/>
-          </a:prstGeom>
-          <a:noFill/>
-        </p:spPr>
-        <p:txBody>
-          <a:bodyPr wrap="none" rtlCol="0">
-            <a:spAutoFit/>
-          </a:bodyPr>
-          <a:lstStyle/>
-          <a:p>
-            <a:r>
-              <a:rPr lang="zh-CN" altLang="en-US" sz="6600" b="1" dirty="0">
-                <a:solidFill>
-                  <a:srgbClr val="FF0000"/>
-                </a:solidFill>
-              </a:rPr>
-              <a:t>腾讯会议：</a:t>
-            </a:r>
-            <a:r>
-              <a:rPr lang="en-US" altLang="zh-CN" sz="6600" b="1" dirty="0">
-                <a:solidFill>
-                  <a:srgbClr val="FF0000"/>
-                </a:solidFill>
-              </a:rPr>
-              <a:t>392-863-563</a:t>
-            </a:r>
-            <a:endParaRPr lang="zh-CN" altLang="en-US" sz="6600" b="1" dirty="0">
-              <a:solidFill>
-                <a:srgbClr val="FF0000"/>
-              </a:solidFill>
-            </a:endParaRPr>
-          </a:p>
-        </p:txBody>
-      </p:sp>
-    </p:spTree>
-    <p:extLst>
-      <p:ext uri="{BB962C8B-B14F-4D97-AF65-F5344CB8AC3E}">
-        <p14:creationId xmlns:p14="http://schemas.microsoft.com/office/powerpoint/2010/main" val="953918551"/>
       </p:ext>
     </p:extLst>
   </p:cSld>
